--- a/CME/figs/figs_introduction/jLM_Schematic.pptx
+++ b/CME/figs/figs_introduction/jLM_Schematic.pptx
@@ -7,6 +7,13 @@
   <p:sldIdLst>
     <p:sldId id="256" r:id="rId2"/>
     <p:sldId id="257" r:id="rId3"/>
+    <p:sldId id="258" r:id="rId4"/>
+    <p:sldId id="259" r:id="rId5"/>
+    <p:sldId id="260" r:id="rId6"/>
+    <p:sldId id="261" r:id="rId7"/>
+    <p:sldId id="262" r:id="rId8"/>
+    <p:sldId id="263" r:id="rId9"/>
+    <p:sldId id="264" r:id="rId10"/>
   </p:sldIdLst>
   <p:sldSz cx="12192000" cy="6858000"/>
   <p:notesSz cx="6858000" cy="9144000"/>
@@ -105,15 +112,652 @@
       </a:defRPr>
     </a:lvl9pPr>
   </p:defaultTextStyle>
+  <p:extLst>
+    <p:ext uri="{EFAFB233-063F-42B5-8137-9DF3F51BA10A}">
+      <p15:sldGuideLst xmlns:p15="http://schemas.microsoft.com/office/powerpoint/2012/main"/>
+    </p:ext>
+  </p:extLst>
 </p:presentation>
 </file>
 
 <file path=ppt/revisionInfo.xml><?xml version="1.0" encoding="utf-8"?>
 <p1510:revInfo xmlns:a="http://schemas.openxmlformats.org/drawingml/2006/main" xmlns:r="http://schemas.openxmlformats.org/officeDocument/2006/relationships" xmlns:p1510="http://schemas.microsoft.com/office/powerpoint/2015/10/main">
   <p1510:revLst>
+    <p1510:client id="{6C62279B-C23D-C44B-818D-AE6AE8742BC2}" v="31" dt="2025-07-08T21:26:31.500"/>
     <p1510:client id="{A10986F8-0B50-6A49-8D3C-2E5884F60F72}" v="21" dt="2025-07-08T20:47:50.554"/>
   </p1510:revLst>
 </p1510:revInfo>
+</file>
+
+<file path=ppt/changesInfos/changesInfo1.xml><?xml version="1.0" encoding="utf-8"?>
+<pc:chgInfo xmlns:a="http://schemas.openxmlformats.org/drawingml/2006/main" xmlns:r="http://schemas.openxmlformats.org/officeDocument/2006/relationships" xmlns:ac="http://schemas.microsoft.com/office/drawing/2013/main/command" xmlns:pc="http://schemas.microsoft.com/office/powerpoint/2013/main/command">
+  <pc:docChgLst>
+    <pc:chgData name="Fu, Enguang" userId="0a9dcee4-6405-40fd-bb42-dd19fc94bec1" providerId="ADAL" clId="{6C62279B-C23D-C44B-818D-AE6AE8742BC2}"/>
+    <pc:docChg chg="undo custSel addSld modSld">
+      <pc:chgData name="Fu, Enguang" userId="0a9dcee4-6405-40fd-bb42-dd19fc94bec1" providerId="ADAL" clId="{6C62279B-C23D-C44B-818D-AE6AE8742BC2}" dt="2025-07-08T21:26:31.499" v="107" actId="167"/>
+      <pc:docMkLst>
+        <pc:docMk/>
+      </pc:docMkLst>
+      <pc:sldChg chg="addSp modSp new mod">
+        <pc:chgData name="Fu, Enguang" userId="0a9dcee4-6405-40fd-bb42-dd19fc94bec1" providerId="ADAL" clId="{6C62279B-C23D-C44B-818D-AE6AE8742BC2}" dt="2025-07-08T20:51:58.508" v="11" actId="14100"/>
+        <pc:sldMkLst>
+          <pc:docMk/>
+          <pc:sldMk cId="2134173541" sldId="258"/>
+        </pc:sldMkLst>
+        <pc:spChg chg="mod">
+          <ac:chgData name="Fu, Enguang" userId="0a9dcee4-6405-40fd-bb42-dd19fc94bec1" providerId="ADAL" clId="{6C62279B-C23D-C44B-818D-AE6AE8742BC2}" dt="2025-07-08T20:50:58.047" v="1"/>
+          <ac:spMkLst>
+            <pc:docMk/>
+            <pc:sldMk cId="2134173541" sldId="258"/>
+            <ac:spMk id="4" creationId="{92C7D581-9950-A6D0-09CE-4917D83D1519}"/>
+          </ac:spMkLst>
+        </pc:spChg>
+        <pc:spChg chg="mod">
+          <ac:chgData name="Fu, Enguang" userId="0a9dcee4-6405-40fd-bb42-dd19fc94bec1" providerId="ADAL" clId="{6C62279B-C23D-C44B-818D-AE6AE8742BC2}" dt="2025-07-08T20:50:58.047" v="1"/>
+          <ac:spMkLst>
+            <pc:docMk/>
+            <pc:sldMk cId="2134173541" sldId="258"/>
+            <ac:spMk id="5" creationId="{81ACF71A-652D-8C60-1036-F31D8822056E}"/>
+          </ac:spMkLst>
+        </pc:spChg>
+        <pc:spChg chg="mod">
+          <ac:chgData name="Fu, Enguang" userId="0a9dcee4-6405-40fd-bb42-dd19fc94bec1" providerId="ADAL" clId="{6C62279B-C23D-C44B-818D-AE6AE8742BC2}" dt="2025-07-08T20:50:58.047" v="1"/>
+          <ac:spMkLst>
+            <pc:docMk/>
+            <pc:sldMk cId="2134173541" sldId="258"/>
+            <ac:spMk id="6" creationId="{D92E9D62-E9F6-A22C-C2CD-C31D9774524E}"/>
+          </ac:spMkLst>
+        </pc:spChg>
+        <pc:spChg chg="mod">
+          <ac:chgData name="Fu, Enguang" userId="0a9dcee4-6405-40fd-bb42-dd19fc94bec1" providerId="ADAL" clId="{6C62279B-C23D-C44B-818D-AE6AE8742BC2}" dt="2025-07-08T20:50:58.047" v="1"/>
+          <ac:spMkLst>
+            <pc:docMk/>
+            <pc:sldMk cId="2134173541" sldId="258"/>
+            <ac:spMk id="7" creationId="{F85276AE-7E8A-FD37-0A8B-CB6C478425AA}"/>
+          </ac:spMkLst>
+        </pc:spChg>
+        <pc:spChg chg="mod">
+          <ac:chgData name="Fu, Enguang" userId="0a9dcee4-6405-40fd-bb42-dd19fc94bec1" providerId="ADAL" clId="{6C62279B-C23D-C44B-818D-AE6AE8742BC2}" dt="2025-07-08T20:50:58.047" v="1"/>
+          <ac:spMkLst>
+            <pc:docMk/>
+            <pc:sldMk cId="2134173541" sldId="258"/>
+            <ac:spMk id="8" creationId="{C238A7C8-F48A-7DCE-523A-802D1846CBFD}"/>
+          </ac:spMkLst>
+        </pc:spChg>
+        <pc:spChg chg="mod">
+          <ac:chgData name="Fu, Enguang" userId="0a9dcee4-6405-40fd-bb42-dd19fc94bec1" providerId="ADAL" clId="{6C62279B-C23D-C44B-818D-AE6AE8742BC2}" dt="2025-07-08T20:50:58.047" v="1"/>
+          <ac:spMkLst>
+            <pc:docMk/>
+            <pc:sldMk cId="2134173541" sldId="258"/>
+            <ac:spMk id="9" creationId="{4F243668-3F42-1D69-62B2-0881E35A469F}"/>
+          </ac:spMkLst>
+        </pc:spChg>
+        <pc:spChg chg="mod">
+          <ac:chgData name="Fu, Enguang" userId="0a9dcee4-6405-40fd-bb42-dd19fc94bec1" providerId="ADAL" clId="{6C62279B-C23D-C44B-818D-AE6AE8742BC2}" dt="2025-07-08T20:50:58.047" v="1"/>
+          <ac:spMkLst>
+            <pc:docMk/>
+            <pc:sldMk cId="2134173541" sldId="258"/>
+            <ac:spMk id="10" creationId="{EAFFEA46-3F51-48EA-8247-34FC4FAAA7DB}"/>
+          </ac:spMkLst>
+        </pc:spChg>
+        <pc:spChg chg="mod">
+          <ac:chgData name="Fu, Enguang" userId="0a9dcee4-6405-40fd-bb42-dd19fc94bec1" providerId="ADAL" clId="{6C62279B-C23D-C44B-818D-AE6AE8742BC2}" dt="2025-07-08T20:50:58.047" v="1"/>
+          <ac:spMkLst>
+            <pc:docMk/>
+            <pc:sldMk cId="2134173541" sldId="258"/>
+            <ac:spMk id="11" creationId="{98EBCE5F-F24F-A207-3812-9A4435A542C5}"/>
+          </ac:spMkLst>
+        </pc:spChg>
+        <pc:spChg chg="add mod">
+          <ac:chgData name="Fu, Enguang" userId="0a9dcee4-6405-40fd-bb42-dd19fc94bec1" providerId="ADAL" clId="{6C62279B-C23D-C44B-818D-AE6AE8742BC2}" dt="2025-07-08T20:51:58.508" v="11" actId="14100"/>
+          <ac:spMkLst>
+            <pc:docMk/>
+            <pc:sldMk cId="2134173541" sldId="258"/>
+            <ac:spMk id="12" creationId="{789A3969-4C2E-565F-3DBC-F24DD7EA2D8E}"/>
+          </ac:spMkLst>
+        </pc:spChg>
+        <pc:grpChg chg="add mod">
+          <ac:chgData name="Fu, Enguang" userId="0a9dcee4-6405-40fd-bb42-dd19fc94bec1" providerId="ADAL" clId="{6C62279B-C23D-C44B-818D-AE6AE8742BC2}" dt="2025-07-08T20:51:02.208" v="2" actId="1076"/>
+          <ac:grpSpMkLst>
+            <pc:docMk/>
+            <pc:sldMk cId="2134173541" sldId="258"/>
+            <ac:grpSpMk id="2" creationId="{AEBC777A-3BF5-F406-738E-C59EC9527D3D}"/>
+          </ac:grpSpMkLst>
+        </pc:grpChg>
+        <pc:picChg chg="mod">
+          <ac:chgData name="Fu, Enguang" userId="0a9dcee4-6405-40fd-bb42-dd19fc94bec1" providerId="ADAL" clId="{6C62279B-C23D-C44B-818D-AE6AE8742BC2}" dt="2025-07-08T20:51:30.042" v="4" actId="1076"/>
+          <ac:picMkLst>
+            <pc:docMk/>
+            <pc:sldMk cId="2134173541" sldId="258"/>
+            <ac:picMk id="3" creationId="{6F5FB932-2DFA-728B-53EA-61AAC9FC3776}"/>
+          </ac:picMkLst>
+        </pc:picChg>
+      </pc:sldChg>
+      <pc:sldChg chg="addSp delSp modSp new mod">
+        <pc:chgData name="Fu, Enguang" userId="0a9dcee4-6405-40fd-bb42-dd19fc94bec1" providerId="ADAL" clId="{6C62279B-C23D-C44B-818D-AE6AE8742BC2}" dt="2025-07-08T21:16:39.180" v="47" actId="732"/>
+        <pc:sldMkLst>
+          <pc:docMk/>
+          <pc:sldMk cId="779650603" sldId="259"/>
+        </pc:sldMkLst>
+        <pc:spChg chg="mod">
+          <ac:chgData name="Fu, Enguang" userId="0a9dcee4-6405-40fd-bb42-dd19fc94bec1" providerId="ADAL" clId="{6C62279B-C23D-C44B-818D-AE6AE8742BC2}" dt="2025-07-08T21:13:48.720" v="13"/>
+          <ac:spMkLst>
+            <pc:docMk/>
+            <pc:sldMk cId="779650603" sldId="259"/>
+            <ac:spMk id="4" creationId="{FCD08CD3-90C1-2F29-D726-7637D09E717A}"/>
+          </ac:spMkLst>
+        </pc:spChg>
+        <pc:spChg chg="mod">
+          <ac:chgData name="Fu, Enguang" userId="0a9dcee4-6405-40fd-bb42-dd19fc94bec1" providerId="ADAL" clId="{6C62279B-C23D-C44B-818D-AE6AE8742BC2}" dt="2025-07-08T21:13:48.720" v="13"/>
+          <ac:spMkLst>
+            <pc:docMk/>
+            <pc:sldMk cId="779650603" sldId="259"/>
+            <ac:spMk id="5" creationId="{EBBA0442-00DD-5DAC-3A9B-3FF172206ECC}"/>
+          </ac:spMkLst>
+        </pc:spChg>
+        <pc:spChg chg="mod">
+          <ac:chgData name="Fu, Enguang" userId="0a9dcee4-6405-40fd-bb42-dd19fc94bec1" providerId="ADAL" clId="{6C62279B-C23D-C44B-818D-AE6AE8742BC2}" dt="2025-07-08T21:13:48.720" v="13"/>
+          <ac:spMkLst>
+            <pc:docMk/>
+            <pc:sldMk cId="779650603" sldId="259"/>
+            <ac:spMk id="6" creationId="{4ED73095-FBB5-B2D6-7C82-E48DC8F7C553}"/>
+          </ac:spMkLst>
+        </pc:spChg>
+        <pc:spChg chg="del mod">
+          <ac:chgData name="Fu, Enguang" userId="0a9dcee4-6405-40fd-bb42-dd19fc94bec1" providerId="ADAL" clId="{6C62279B-C23D-C44B-818D-AE6AE8742BC2}" dt="2025-07-08T21:13:52.670" v="14" actId="478"/>
+          <ac:spMkLst>
+            <pc:docMk/>
+            <pc:sldMk cId="779650603" sldId="259"/>
+            <ac:spMk id="9" creationId="{1DFABA56-83E6-C924-1C16-09DF48557A77}"/>
+          </ac:spMkLst>
+        </pc:spChg>
+        <pc:spChg chg="mod topLvl">
+          <ac:chgData name="Fu, Enguang" userId="0a9dcee4-6405-40fd-bb42-dd19fc94bec1" providerId="ADAL" clId="{6C62279B-C23D-C44B-818D-AE6AE8742BC2}" dt="2025-07-08T21:14:22.358" v="21" actId="164"/>
+          <ac:spMkLst>
+            <pc:docMk/>
+            <pc:sldMk cId="779650603" sldId="259"/>
+            <ac:spMk id="10" creationId="{08DFCBAF-1933-B8C7-BF2E-F98D2E9EF7E9}"/>
+          </ac:spMkLst>
+        </pc:spChg>
+        <pc:spChg chg="mod topLvl">
+          <ac:chgData name="Fu, Enguang" userId="0a9dcee4-6405-40fd-bb42-dd19fc94bec1" providerId="ADAL" clId="{6C62279B-C23D-C44B-818D-AE6AE8742BC2}" dt="2025-07-08T21:14:22.358" v="21" actId="164"/>
+          <ac:spMkLst>
+            <pc:docMk/>
+            <pc:sldMk cId="779650603" sldId="259"/>
+            <ac:spMk id="11" creationId="{B276813A-98F6-3B74-D5DF-FF8F35135A60}"/>
+          </ac:spMkLst>
+        </pc:spChg>
+        <pc:spChg chg="mod topLvl">
+          <ac:chgData name="Fu, Enguang" userId="0a9dcee4-6405-40fd-bb42-dd19fc94bec1" providerId="ADAL" clId="{6C62279B-C23D-C44B-818D-AE6AE8742BC2}" dt="2025-07-08T21:14:22.358" v="21" actId="164"/>
+          <ac:spMkLst>
+            <pc:docMk/>
+            <pc:sldMk cId="779650603" sldId="259"/>
+            <ac:spMk id="12" creationId="{B0C5C569-50D5-3674-5CDD-7340688DA8C3}"/>
+          </ac:spMkLst>
+        </pc:spChg>
+        <pc:spChg chg="mod topLvl">
+          <ac:chgData name="Fu, Enguang" userId="0a9dcee4-6405-40fd-bb42-dd19fc94bec1" providerId="ADAL" clId="{6C62279B-C23D-C44B-818D-AE6AE8742BC2}" dt="2025-07-08T21:14:22.358" v="21" actId="164"/>
+          <ac:spMkLst>
+            <pc:docMk/>
+            <pc:sldMk cId="779650603" sldId="259"/>
+            <ac:spMk id="13" creationId="{A2C5B00D-14E6-6472-604F-8F691FFF6338}"/>
+          </ac:spMkLst>
+        </pc:spChg>
+        <pc:spChg chg="mod topLvl">
+          <ac:chgData name="Fu, Enguang" userId="0a9dcee4-6405-40fd-bb42-dd19fc94bec1" providerId="ADAL" clId="{6C62279B-C23D-C44B-818D-AE6AE8742BC2}" dt="2025-07-08T21:14:22.358" v="21" actId="164"/>
+          <ac:spMkLst>
+            <pc:docMk/>
+            <pc:sldMk cId="779650603" sldId="259"/>
+            <ac:spMk id="14" creationId="{82687A01-36F1-5DC6-28DA-D85F86CF862B}"/>
+          </ac:spMkLst>
+        </pc:spChg>
+        <pc:spChg chg="mod topLvl">
+          <ac:chgData name="Fu, Enguang" userId="0a9dcee4-6405-40fd-bb42-dd19fc94bec1" providerId="ADAL" clId="{6C62279B-C23D-C44B-818D-AE6AE8742BC2}" dt="2025-07-08T21:14:22.358" v="21" actId="164"/>
+          <ac:spMkLst>
+            <pc:docMk/>
+            <pc:sldMk cId="779650603" sldId="259"/>
+            <ac:spMk id="15" creationId="{D7C966B2-F2C4-84CB-4861-9B58F4BA1423}"/>
+          </ac:spMkLst>
+        </pc:spChg>
+        <pc:spChg chg="add mod">
+          <ac:chgData name="Fu, Enguang" userId="0a9dcee4-6405-40fd-bb42-dd19fc94bec1" providerId="ADAL" clId="{6C62279B-C23D-C44B-818D-AE6AE8742BC2}" dt="2025-07-08T21:16:24.470" v="44" actId="14100"/>
+          <ac:spMkLst>
+            <pc:docMk/>
+            <pc:sldMk cId="779650603" sldId="259"/>
+            <ac:spMk id="17" creationId="{031BE7F8-3873-3FE6-0A1E-2A37CCC1C644}"/>
+          </ac:spMkLst>
+        </pc:spChg>
+        <pc:grpChg chg="mod">
+          <ac:chgData name="Fu, Enguang" userId="0a9dcee4-6405-40fd-bb42-dd19fc94bec1" providerId="ADAL" clId="{6C62279B-C23D-C44B-818D-AE6AE8742BC2}" dt="2025-07-08T21:15:51.212" v="40" actId="1076"/>
+          <ac:grpSpMkLst>
+            <pc:docMk/>
+            <pc:sldMk cId="779650603" sldId="259"/>
+            <ac:grpSpMk id="2" creationId="{C45AC06D-CEEC-B735-2834-FD02C7D6FD7F}"/>
+          </ac:grpSpMkLst>
+        </pc:grpChg>
+        <pc:grpChg chg="del mod">
+          <ac:chgData name="Fu, Enguang" userId="0a9dcee4-6405-40fd-bb42-dd19fc94bec1" providerId="ADAL" clId="{6C62279B-C23D-C44B-818D-AE6AE8742BC2}" dt="2025-07-08T21:14:16.021" v="20" actId="165"/>
+          <ac:grpSpMkLst>
+            <pc:docMk/>
+            <pc:sldMk cId="779650603" sldId="259"/>
+            <ac:grpSpMk id="7" creationId="{88277FAB-EE73-9516-DDA3-2D99DD4FC303}"/>
+          </ac:grpSpMkLst>
+        </pc:grpChg>
+        <pc:grpChg chg="add mod">
+          <ac:chgData name="Fu, Enguang" userId="0a9dcee4-6405-40fd-bb42-dd19fc94bec1" providerId="ADAL" clId="{6C62279B-C23D-C44B-818D-AE6AE8742BC2}" dt="2025-07-08T21:14:30.249" v="24" actId="1076"/>
+          <ac:grpSpMkLst>
+            <pc:docMk/>
+            <pc:sldMk cId="779650603" sldId="259"/>
+            <ac:grpSpMk id="16" creationId="{C0FB1F36-0AB0-928A-64FD-C29A45979723}"/>
+          </ac:grpSpMkLst>
+        </pc:grpChg>
+        <pc:picChg chg="mod topLvl modCrop">
+          <ac:chgData name="Fu, Enguang" userId="0a9dcee4-6405-40fd-bb42-dd19fc94bec1" providerId="ADAL" clId="{6C62279B-C23D-C44B-818D-AE6AE8742BC2}" dt="2025-07-08T21:16:39.180" v="47" actId="732"/>
+          <ac:picMkLst>
+            <pc:docMk/>
+            <pc:sldMk cId="779650603" sldId="259"/>
+            <ac:picMk id="8" creationId="{6C8700EA-81EA-4D36-F6B8-7C3B910195B4}"/>
+          </ac:picMkLst>
+        </pc:picChg>
+      </pc:sldChg>
+      <pc:sldChg chg="addSp delSp modSp new mod">
+        <pc:chgData name="Fu, Enguang" userId="0a9dcee4-6405-40fd-bb42-dd19fc94bec1" providerId="ADAL" clId="{6C62279B-C23D-C44B-818D-AE6AE8742BC2}" dt="2025-07-08T21:18:56.722" v="56" actId="5736"/>
+        <pc:sldMkLst>
+          <pc:docMk/>
+          <pc:sldMk cId="2157769966" sldId="260"/>
+        </pc:sldMkLst>
+        <pc:spChg chg="del mod">
+          <ac:chgData name="Fu, Enguang" userId="0a9dcee4-6405-40fd-bb42-dd19fc94bec1" providerId="ADAL" clId="{6C62279B-C23D-C44B-818D-AE6AE8742BC2}" dt="2025-07-08T21:18:38.582" v="55" actId="478"/>
+          <ac:spMkLst>
+            <pc:docMk/>
+            <pc:sldMk cId="2157769966" sldId="260"/>
+            <ac:spMk id="3" creationId="{9D5B780C-17B3-D769-50B1-8EA2D0DF1D9F}"/>
+          </ac:spMkLst>
+        </pc:spChg>
+        <pc:spChg chg="mod">
+          <ac:chgData name="Fu, Enguang" userId="0a9dcee4-6405-40fd-bb42-dd19fc94bec1" providerId="ADAL" clId="{6C62279B-C23D-C44B-818D-AE6AE8742BC2}" dt="2025-07-08T21:18:03.055" v="49"/>
+          <ac:spMkLst>
+            <pc:docMk/>
+            <pc:sldMk cId="2157769966" sldId="260"/>
+            <ac:spMk id="5" creationId="{645DB722-E1BC-A631-BB4B-F3C256FEEAFB}"/>
+          </ac:spMkLst>
+        </pc:spChg>
+        <pc:spChg chg="mod">
+          <ac:chgData name="Fu, Enguang" userId="0a9dcee4-6405-40fd-bb42-dd19fc94bec1" providerId="ADAL" clId="{6C62279B-C23D-C44B-818D-AE6AE8742BC2}" dt="2025-07-08T21:18:03.055" v="49"/>
+          <ac:spMkLst>
+            <pc:docMk/>
+            <pc:sldMk cId="2157769966" sldId="260"/>
+            <ac:spMk id="6" creationId="{8851B36F-07FA-A4B0-2125-04698B4E6BB4}"/>
+          </ac:spMkLst>
+        </pc:spChg>
+        <pc:spChg chg="mod">
+          <ac:chgData name="Fu, Enguang" userId="0a9dcee4-6405-40fd-bb42-dd19fc94bec1" providerId="ADAL" clId="{6C62279B-C23D-C44B-818D-AE6AE8742BC2}" dt="2025-07-08T21:18:03.055" v="49"/>
+          <ac:spMkLst>
+            <pc:docMk/>
+            <pc:sldMk cId="2157769966" sldId="260"/>
+            <ac:spMk id="7" creationId="{E52F85DF-6992-76BD-FA3B-AC047B02DF4B}"/>
+          </ac:spMkLst>
+        </pc:spChg>
+        <pc:spChg chg="mod">
+          <ac:chgData name="Fu, Enguang" userId="0a9dcee4-6405-40fd-bb42-dd19fc94bec1" providerId="ADAL" clId="{6C62279B-C23D-C44B-818D-AE6AE8742BC2}" dt="2025-07-08T21:18:03.055" v="49"/>
+          <ac:spMkLst>
+            <pc:docMk/>
+            <pc:sldMk cId="2157769966" sldId="260"/>
+            <ac:spMk id="9" creationId="{BB010B11-3A6D-907B-72CF-EDBC81A615BC}"/>
+          </ac:spMkLst>
+        </pc:spChg>
+        <pc:spChg chg="mod">
+          <ac:chgData name="Fu, Enguang" userId="0a9dcee4-6405-40fd-bb42-dd19fc94bec1" providerId="ADAL" clId="{6C62279B-C23D-C44B-818D-AE6AE8742BC2}" dt="2025-07-08T21:18:03.055" v="49"/>
+          <ac:spMkLst>
+            <pc:docMk/>
+            <pc:sldMk cId="2157769966" sldId="260"/>
+            <ac:spMk id="10" creationId="{8D0C2F8E-4983-DC95-5392-9CDEA884AFA8}"/>
+          </ac:spMkLst>
+        </pc:spChg>
+        <pc:spChg chg="mod">
+          <ac:chgData name="Fu, Enguang" userId="0a9dcee4-6405-40fd-bb42-dd19fc94bec1" providerId="ADAL" clId="{6C62279B-C23D-C44B-818D-AE6AE8742BC2}" dt="2025-07-08T21:18:03.055" v="49"/>
+          <ac:spMkLst>
+            <pc:docMk/>
+            <pc:sldMk cId="2157769966" sldId="260"/>
+            <ac:spMk id="12" creationId="{4AC6FC56-A8E3-FF3E-5A2E-E426319A6949}"/>
+          </ac:spMkLst>
+        </pc:spChg>
+        <pc:spChg chg="mod">
+          <ac:chgData name="Fu, Enguang" userId="0a9dcee4-6405-40fd-bb42-dd19fc94bec1" providerId="ADAL" clId="{6C62279B-C23D-C44B-818D-AE6AE8742BC2}" dt="2025-07-08T21:18:03.055" v="49"/>
+          <ac:spMkLst>
+            <pc:docMk/>
+            <pc:sldMk cId="2157769966" sldId="260"/>
+            <ac:spMk id="13" creationId="{263F9661-4A5F-92A1-DAA4-66545D6CE15D}"/>
+          </ac:spMkLst>
+        </pc:spChg>
+        <pc:spChg chg="mod">
+          <ac:chgData name="Fu, Enguang" userId="0a9dcee4-6405-40fd-bb42-dd19fc94bec1" providerId="ADAL" clId="{6C62279B-C23D-C44B-818D-AE6AE8742BC2}" dt="2025-07-08T21:18:03.055" v="49"/>
+          <ac:spMkLst>
+            <pc:docMk/>
+            <pc:sldMk cId="2157769966" sldId="260"/>
+            <ac:spMk id="14" creationId="{07CB17CD-A1E1-B51D-8FE4-B259A701E11E}"/>
+          </ac:spMkLst>
+        </pc:spChg>
+        <pc:spChg chg="mod">
+          <ac:chgData name="Fu, Enguang" userId="0a9dcee4-6405-40fd-bb42-dd19fc94bec1" providerId="ADAL" clId="{6C62279B-C23D-C44B-818D-AE6AE8742BC2}" dt="2025-07-08T21:18:03.055" v="49"/>
+          <ac:spMkLst>
+            <pc:docMk/>
+            <pc:sldMk cId="2157769966" sldId="260"/>
+            <ac:spMk id="15" creationId="{B51F3AB0-E6FA-CF6E-8E29-64724D01294D}"/>
+          </ac:spMkLst>
+        </pc:spChg>
+        <pc:spChg chg="add mod">
+          <ac:chgData name="Fu, Enguang" userId="0a9dcee4-6405-40fd-bb42-dd19fc94bec1" providerId="ADAL" clId="{6C62279B-C23D-C44B-818D-AE6AE8742BC2}" dt="2025-07-08T21:18:56.722" v="56" actId="5736"/>
+          <ac:spMkLst>
+            <pc:docMk/>
+            <pc:sldMk cId="2157769966" sldId="260"/>
+            <ac:spMk id="17" creationId="{EA8DECB8-4B0B-D562-E7C9-A83A1EBDD45A}"/>
+          </ac:spMkLst>
+        </pc:spChg>
+        <pc:grpChg chg="mod">
+          <ac:chgData name="Fu, Enguang" userId="0a9dcee4-6405-40fd-bb42-dd19fc94bec1" providerId="ADAL" clId="{6C62279B-C23D-C44B-818D-AE6AE8742BC2}" dt="2025-07-08T21:18:56.722" v="56" actId="5736"/>
+          <ac:grpSpMkLst>
+            <pc:docMk/>
+            <pc:sldMk cId="2157769966" sldId="260"/>
+            <ac:grpSpMk id="2" creationId="{7CC18684-D08D-1A4A-E997-39B94E058DF3}"/>
+          </ac:grpSpMkLst>
+        </pc:grpChg>
+        <pc:graphicFrameChg chg="mod">
+          <ac:chgData name="Fu, Enguang" userId="0a9dcee4-6405-40fd-bb42-dd19fc94bec1" providerId="ADAL" clId="{6C62279B-C23D-C44B-818D-AE6AE8742BC2}" dt="2025-07-08T21:18:56.722" v="56" actId="5736"/>
+          <ac:graphicFrameMkLst>
+            <pc:docMk/>
+            <pc:sldMk cId="2157769966" sldId="260"/>
+            <ac:graphicFrameMk id="16" creationId="{4F09AF32-C2F2-0043-FB17-AFAAE69E53D5}"/>
+          </ac:graphicFrameMkLst>
+        </pc:graphicFrameChg>
+      </pc:sldChg>
+      <pc:sldChg chg="addSp delSp modSp new mod">
+        <pc:chgData name="Fu, Enguang" userId="0a9dcee4-6405-40fd-bb42-dd19fc94bec1" providerId="ADAL" clId="{6C62279B-C23D-C44B-818D-AE6AE8742BC2}" dt="2025-07-08T21:21:22.509" v="69" actId="14100"/>
+        <pc:sldMkLst>
+          <pc:docMk/>
+          <pc:sldMk cId="3024936783" sldId="261"/>
+        </pc:sldMkLst>
+        <pc:spChg chg="add mod">
+          <ac:chgData name="Fu, Enguang" userId="0a9dcee4-6405-40fd-bb42-dd19fc94bec1" providerId="ADAL" clId="{6C62279B-C23D-C44B-818D-AE6AE8742BC2}" dt="2025-07-08T21:19:49.833" v="58"/>
+          <ac:spMkLst>
+            <pc:docMk/>
+            <pc:sldMk cId="3024936783" sldId="261"/>
+            <ac:spMk id="3" creationId="{8CA9F884-176C-720C-9A60-7D83F06B37FB}"/>
+          </ac:spMkLst>
+        </pc:spChg>
+        <pc:spChg chg="add mod">
+          <ac:chgData name="Fu, Enguang" userId="0a9dcee4-6405-40fd-bb42-dd19fc94bec1" providerId="ADAL" clId="{6C62279B-C23D-C44B-818D-AE6AE8742BC2}" dt="2025-07-08T21:19:49.833" v="58"/>
+          <ac:spMkLst>
+            <pc:docMk/>
+            <pc:sldMk cId="3024936783" sldId="261"/>
+            <ac:spMk id="4" creationId="{79EBA177-4E82-4C70-E687-47518D3177A9}"/>
+          </ac:spMkLst>
+        </pc:spChg>
+        <pc:spChg chg="add del mod">
+          <ac:chgData name="Fu, Enguang" userId="0a9dcee4-6405-40fd-bb42-dd19fc94bec1" providerId="ADAL" clId="{6C62279B-C23D-C44B-818D-AE6AE8742BC2}" dt="2025-07-08T21:20:33.585" v="60" actId="478"/>
+          <ac:spMkLst>
+            <pc:docMk/>
+            <pc:sldMk cId="3024936783" sldId="261"/>
+            <ac:spMk id="5" creationId="{252C193C-2191-467E-49A8-FBC8B5F12FC5}"/>
+          </ac:spMkLst>
+        </pc:spChg>
+        <pc:spChg chg="mod">
+          <ac:chgData name="Fu, Enguang" userId="0a9dcee4-6405-40fd-bb42-dd19fc94bec1" providerId="ADAL" clId="{6C62279B-C23D-C44B-818D-AE6AE8742BC2}" dt="2025-07-08T21:19:49.833" v="58"/>
+          <ac:spMkLst>
+            <pc:docMk/>
+            <pc:sldMk cId="3024936783" sldId="261"/>
+            <ac:spMk id="8" creationId="{C19D92DE-62F6-28C6-9AB9-9E1F78F1293F}"/>
+          </ac:spMkLst>
+        </pc:spChg>
+        <pc:spChg chg="add mod">
+          <ac:chgData name="Fu, Enguang" userId="0a9dcee4-6405-40fd-bb42-dd19fc94bec1" providerId="ADAL" clId="{6C62279B-C23D-C44B-818D-AE6AE8742BC2}" dt="2025-07-08T21:19:49.833" v="58"/>
+          <ac:spMkLst>
+            <pc:docMk/>
+            <pc:sldMk cId="3024936783" sldId="261"/>
+            <ac:spMk id="9" creationId="{DD8EA9FC-9EEF-9BC1-EFA9-1F6F2E17817F}"/>
+          </ac:spMkLst>
+        </pc:spChg>
+        <pc:spChg chg="add del mod">
+          <ac:chgData name="Fu, Enguang" userId="0a9dcee4-6405-40fd-bb42-dd19fc94bec1" providerId="ADAL" clId="{6C62279B-C23D-C44B-818D-AE6AE8742BC2}" dt="2025-07-08T21:20:31.870" v="59" actId="478"/>
+          <ac:spMkLst>
+            <pc:docMk/>
+            <pc:sldMk cId="3024936783" sldId="261"/>
+            <ac:spMk id="11" creationId="{1C9CEC55-4E5C-4DE3-3354-8031C164BC38}"/>
+          </ac:spMkLst>
+        </pc:spChg>
+        <pc:spChg chg="add mod">
+          <ac:chgData name="Fu, Enguang" userId="0a9dcee4-6405-40fd-bb42-dd19fc94bec1" providerId="ADAL" clId="{6C62279B-C23D-C44B-818D-AE6AE8742BC2}" dt="2025-07-08T21:21:22.509" v="69" actId="14100"/>
+          <ac:spMkLst>
+            <pc:docMk/>
+            <pc:sldMk cId="3024936783" sldId="261"/>
+            <ac:spMk id="12" creationId="{D803A8A9-AEDE-46F0-5539-4E325489CA5A}"/>
+          </ac:spMkLst>
+        </pc:spChg>
+        <pc:grpChg chg="add mod">
+          <ac:chgData name="Fu, Enguang" userId="0a9dcee4-6405-40fd-bb42-dd19fc94bec1" providerId="ADAL" clId="{6C62279B-C23D-C44B-818D-AE6AE8742BC2}" dt="2025-07-08T21:19:49.833" v="58"/>
+          <ac:grpSpMkLst>
+            <pc:docMk/>
+            <pc:sldMk cId="3024936783" sldId="261"/>
+            <ac:grpSpMk id="6" creationId="{82CFC988-16A3-6957-420A-819EC88A3495}"/>
+          </ac:grpSpMkLst>
+        </pc:grpChg>
+        <pc:picChg chg="add mod">
+          <ac:chgData name="Fu, Enguang" userId="0a9dcee4-6405-40fd-bb42-dd19fc94bec1" providerId="ADAL" clId="{6C62279B-C23D-C44B-818D-AE6AE8742BC2}" dt="2025-07-08T21:19:49.833" v="58"/>
+          <ac:picMkLst>
+            <pc:docMk/>
+            <pc:sldMk cId="3024936783" sldId="261"/>
+            <ac:picMk id="2" creationId="{C773C4A8-6089-C399-2BEA-961D82794973}"/>
+          </ac:picMkLst>
+        </pc:picChg>
+        <pc:picChg chg="mod">
+          <ac:chgData name="Fu, Enguang" userId="0a9dcee4-6405-40fd-bb42-dd19fc94bec1" providerId="ADAL" clId="{6C62279B-C23D-C44B-818D-AE6AE8742BC2}" dt="2025-07-08T21:19:49.833" v="58"/>
+          <ac:picMkLst>
+            <pc:docMk/>
+            <pc:sldMk cId="3024936783" sldId="261"/>
+            <ac:picMk id="7" creationId="{EDE044D9-BBDD-61AE-B339-4C159F71E749}"/>
+          </ac:picMkLst>
+        </pc:picChg>
+        <pc:cxnChg chg="add mod">
+          <ac:chgData name="Fu, Enguang" userId="0a9dcee4-6405-40fd-bb42-dd19fc94bec1" providerId="ADAL" clId="{6C62279B-C23D-C44B-818D-AE6AE8742BC2}" dt="2025-07-08T21:19:49.833" v="58"/>
+          <ac:cxnSpMkLst>
+            <pc:docMk/>
+            <pc:sldMk cId="3024936783" sldId="261"/>
+            <ac:cxnSpMk id="10" creationId="{897202C2-4C8A-A34D-B912-DACD87D8EC39}"/>
+          </ac:cxnSpMkLst>
+        </pc:cxnChg>
+      </pc:sldChg>
+      <pc:sldChg chg="addSp delSp modSp new mod modAnim">
+        <pc:chgData name="Fu, Enguang" userId="0a9dcee4-6405-40fd-bb42-dd19fc94bec1" providerId="ADAL" clId="{6C62279B-C23D-C44B-818D-AE6AE8742BC2}" dt="2025-07-08T21:23:21.934" v="82" actId="167"/>
+        <pc:sldMkLst>
+          <pc:docMk/>
+          <pc:sldMk cId="1930015207" sldId="262"/>
+        </pc:sldMkLst>
+        <pc:spChg chg="add mod">
+          <ac:chgData name="Fu, Enguang" userId="0a9dcee4-6405-40fd-bb42-dd19fc94bec1" providerId="ADAL" clId="{6C62279B-C23D-C44B-818D-AE6AE8742BC2}" dt="2025-07-08T21:23:11.265" v="77" actId="1076"/>
+          <ac:spMkLst>
+            <pc:docMk/>
+            <pc:sldMk cId="1930015207" sldId="262"/>
+            <ac:spMk id="3" creationId="{C56E859E-13AC-8C9B-1A6C-C6396ECA8E65}"/>
+          </ac:spMkLst>
+        </pc:spChg>
+        <pc:spChg chg="add mod">
+          <ac:chgData name="Fu, Enguang" userId="0a9dcee4-6405-40fd-bb42-dd19fc94bec1" providerId="ADAL" clId="{6C62279B-C23D-C44B-818D-AE6AE8742BC2}" dt="2025-07-08T21:23:11.265" v="77" actId="1076"/>
+          <ac:spMkLst>
+            <pc:docMk/>
+            <pc:sldMk cId="1930015207" sldId="262"/>
+            <ac:spMk id="5" creationId="{26FDF941-5356-B216-9D7B-F689EE735B41}"/>
+          </ac:spMkLst>
+        </pc:spChg>
+        <pc:spChg chg="add mod">
+          <ac:chgData name="Fu, Enguang" userId="0a9dcee4-6405-40fd-bb42-dd19fc94bec1" providerId="ADAL" clId="{6C62279B-C23D-C44B-818D-AE6AE8742BC2}" dt="2025-07-08T21:23:11.265" v="77" actId="1076"/>
+          <ac:spMkLst>
+            <pc:docMk/>
+            <pc:sldMk cId="1930015207" sldId="262"/>
+            <ac:spMk id="6" creationId="{715855E6-4DBA-7FF1-D578-79005BF8BBEC}"/>
+          </ac:spMkLst>
+        </pc:spChg>
+        <pc:spChg chg="add mod">
+          <ac:chgData name="Fu, Enguang" userId="0a9dcee4-6405-40fd-bb42-dd19fc94bec1" providerId="ADAL" clId="{6C62279B-C23D-C44B-818D-AE6AE8742BC2}" dt="2025-07-08T21:23:11.265" v="77" actId="1076"/>
+          <ac:spMkLst>
+            <pc:docMk/>
+            <pc:sldMk cId="1930015207" sldId="262"/>
+            <ac:spMk id="7" creationId="{2473BCC3-53FC-0EF2-F125-E1DF38231F1F}"/>
+          </ac:spMkLst>
+        </pc:spChg>
+        <pc:spChg chg="add mod">
+          <ac:chgData name="Fu, Enguang" userId="0a9dcee4-6405-40fd-bb42-dd19fc94bec1" providerId="ADAL" clId="{6C62279B-C23D-C44B-818D-AE6AE8742BC2}" dt="2025-07-08T21:23:11.265" v="77" actId="1076"/>
+          <ac:spMkLst>
+            <pc:docMk/>
+            <pc:sldMk cId="1930015207" sldId="262"/>
+            <ac:spMk id="8" creationId="{357F6B6E-4368-A7CB-D2AB-C49D83FFA302}"/>
+          </ac:spMkLst>
+        </pc:spChg>
+        <pc:spChg chg="add mod">
+          <ac:chgData name="Fu, Enguang" userId="0a9dcee4-6405-40fd-bb42-dd19fc94bec1" providerId="ADAL" clId="{6C62279B-C23D-C44B-818D-AE6AE8742BC2}" dt="2025-07-08T21:23:11.265" v="77" actId="1076"/>
+          <ac:spMkLst>
+            <pc:docMk/>
+            <pc:sldMk cId="1930015207" sldId="262"/>
+            <ac:spMk id="9" creationId="{3D8BB12A-B996-9E35-2B91-EDE4C42EC869}"/>
+          </ac:spMkLst>
+        </pc:spChg>
+        <pc:spChg chg="mod">
+          <ac:chgData name="Fu, Enguang" userId="0a9dcee4-6405-40fd-bb42-dd19fc94bec1" providerId="ADAL" clId="{6C62279B-C23D-C44B-818D-AE6AE8742BC2}" dt="2025-07-08T21:23:11.265" v="77" actId="1076"/>
+          <ac:spMkLst>
+            <pc:docMk/>
+            <pc:sldMk cId="1930015207" sldId="262"/>
+            <ac:spMk id="13" creationId="{BB54B28B-1733-7B47-2F2F-9D9345B18E15}"/>
+          </ac:spMkLst>
+        </pc:spChg>
+        <pc:spChg chg="add mod">
+          <ac:chgData name="Fu, Enguang" userId="0a9dcee4-6405-40fd-bb42-dd19fc94bec1" providerId="ADAL" clId="{6C62279B-C23D-C44B-818D-AE6AE8742BC2}" dt="2025-07-08T21:23:11.265" v="77" actId="1076"/>
+          <ac:spMkLst>
+            <pc:docMk/>
+            <pc:sldMk cId="1930015207" sldId="262"/>
+            <ac:spMk id="17" creationId="{81CB3875-13F8-90BB-ABFB-5698B35D7665}"/>
+          </ac:spMkLst>
+        </pc:spChg>
+        <pc:spChg chg="add mod">
+          <ac:chgData name="Fu, Enguang" userId="0a9dcee4-6405-40fd-bb42-dd19fc94bec1" providerId="ADAL" clId="{6C62279B-C23D-C44B-818D-AE6AE8742BC2}" dt="2025-07-08T21:23:11.265" v="77" actId="1076"/>
+          <ac:spMkLst>
+            <pc:docMk/>
+            <pc:sldMk cId="1930015207" sldId="262"/>
+            <ac:spMk id="18" creationId="{398559E1-A1CA-9FDF-3776-2EE82B7E2369}"/>
+          </ac:spMkLst>
+        </pc:spChg>
+        <pc:spChg chg="add mod">
+          <ac:chgData name="Fu, Enguang" userId="0a9dcee4-6405-40fd-bb42-dd19fc94bec1" providerId="ADAL" clId="{6C62279B-C23D-C44B-818D-AE6AE8742BC2}" dt="2025-07-08T21:23:11.265" v="77" actId="1076"/>
+          <ac:spMkLst>
+            <pc:docMk/>
+            <pc:sldMk cId="1930015207" sldId="262"/>
+            <ac:spMk id="19" creationId="{920492A3-D807-DB67-F503-95546BE2A23E}"/>
+          </ac:spMkLst>
+        </pc:spChg>
+        <pc:spChg chg="add del mod">
+          <ac:chgData name="Fu, Enguang" userId="0a9dcee4-6405-40fd-bb42-dd19fc94bec1" providerId="ADAL" clId="{6C62279B-C23D-C44B-818D-AE6AE8742BC2}" dt="2025-07-08T21:23:07.585" v="76" actId="478"/>
+          <ac:spMkLst>
+            <pc:docMk/>
+            <pc:sldMk cId="1930015207" sldId="262"/>
+            <ac:spMk id="20" creationId="{16328752-B6C9-6F0D-21FF-EE6140EF0E1C}"/>
+          </ac:spMkLst>
+        </pc:spChg>
+        <pc:spChg chg="add mod">
+          <ac:chgData name="Fu, Enguang" userId="0a9dcee4-6405-40fd-bb42-dd19fc94bec1" providerId="ADAL" clId="{6C62279B-C23D-C44B-818D-AE6AE8742BC2}" dt="2025-07-08T21:23:21.934" v="82" actId="167"/>
+          <ac:spMkLst>
+            <pc:docMk/>
+            <pc:sldMk cId="1930015207" sldId="262"/>
+            <ac:spMk id="21" creationId="{A98205BF-7958-2B41-1D04-5DCDBCA1339D}"/>
+          </ac:spMkLst>
+        </pc:spChg>
+      </pc:sldChg>
+      <pc:sldChg chg="addSp delSp modSp new mod">
+        <pc:chgData name="Fu, Enguang" userId="0a9dcee4-6405-40fd-bb42-dd19fc94bec1" providerId="ADAL" clId="{6C62279B-C23D-C44B-818D-AE6AE8742BC2}" dt="2025-07-08T21:25:13.785" v="95" actId="14100"/>
+        <pc:sldMkLst>
+          <pc:docMk/>
+          <pc:sldMk cId="3365423249" sldId="263"/>
+        </pc:sldMkLst>
+        <pc:spChg chg="add mod">
+          <ac:chgData name="Fu, Enguang" userId="0a9dcee4-6405-40fd-bb42-dd19fc94bec1" providerId="ADAL" clId="{6C62279B-C23D-C44B-818D-AE6AE8742BC2}" dt="2025-07-08T21:24:40.083" v="85" actId="1076"/>
+          <ac:spMkLst>
+            <pc:docMk/>
+            <pc:sldMk cId="3365423249" sldId="263"/>
+            <ac:spMk id="3" creationId="{11E12EC9-E8CE-8B3B-465C-128CF9C2E1E7}"/>
+          </ac:spMkLst>
+        </pc:spChg>
+        <pc:spChg chg="add mod">
+          <ac:chgData name="Fu, Enguang" userId="0a9dcee4-6405-40fd-bb42-dd19fc94bec1" providerId="ADAL" clId="{6C62279B-C23D-C44B-818D-AE6AE8742BC2}" dt="2025-07-08T21:24:40.083" v="85" actId="1076"/>
+          <ac:spMkLst>
+            <pc:docMk/>
+            <pc:sldMk cId="3365423249" sldId="263"/>
+            <ac:spMk id="4" creationId="{F33B3E85-8CFA-F502-CF59-C0E3E6899FB3}"/>
+          </ac:spMkLst>
+        </pc:spChg>
+        <pc:spChg chg="add mod">
+          <ac:chgData name="Fu, Enguang" userId="0a9dcee4-6405-40fd-bb42-dd19fc94bec1" providerId="ADAL" clId="{6C62279B-C23D-C44B-818D-AE6AE8742BC2}" dt="2025-07-08T21:24:40.083" v="85" actId="1076"/>
+          <ac:spMkLst>
+            <pc:docMk/>
+            <pc:sldMk cId="3365423249" sldId="263"/>
+            <ac:spMk id="5" creationId="{4BA3DC94-E7B8-FD92-ECEC-E16B2FCFBA19}"/>
+          </ac:spMkLst>
+        </pc:spChg>
+        <pc:spChg chg="add del mod">
+          <ac:chgData name="Fu, Enguang" userId="0a9dcee4-6405-40fd-bb42-dd19fc94bec1" providerId="ADAL" clId="{6C62279B-C23D-C44B-818D-AE6AE8742BC2}" dt="2025-07-08T21:24:52.221" v="89" actId="21"/>
+          <ac:spMkLst>
+            <pc:docMk/>
+            <pc:sldMk cId="3365423249" sldId="263"/>
+            <ac:spMk id="6" creationId="{CB28D5A9-74C6-0301-D88F-8202C1B2A7D1}"/>
+          </ac:spMkLst>
+        </pc:spChg>
+        <pc:spChg chg="add mod">
+          <ac:chgData name="Fu, Enguang" userId="0a9dcee4-6405-40fd-bb42-dd19fc94bec1" providerId="ADAL" clId="{6C62279B-C23D-C44B-818D-AE6AE8742BC2}" dt="2025-07-08T21:25:13.785" v="95" actId="14100"/>
+          <ac:spMkLst>
+            <pc:docMk/>
+            <pc:sldMk cId="3365423249" sldId="263"/>
+            <ac:spMk id="7" creationId="{CE3CAD40-B007-16EB-8E6F-47F65833BE6B}"/>
+          </ac:spMkLst>
+        </pc:spChg>
+        <pc:picChg chg="add mod">
+          <ac:chgData name="Fu, Enguang" userId="0a9dcee4-6405-40fd-bb42-dd19fc94bec1" providerId="ADAL" clId="{6C62279B-C23D-C44B-818D-AE6AE8742BC2}" dt="2025-07-08T21:25:09.514" v="93" actId="14100"/>
+          <ac:picMkLst>
+            <pc:docMk/>
+            <pc:sldMk cId="3365423249" sldId="263"/>
+            <ac:picMk id="2" creationId="{F7419858-F4F9-AADA-A816-37C35021524D}"/>
+          </ac:picMkLst>
+        </pc:picChg>
+      </pc:sldChg>
+      <pc:sldChg chg="addSp modSp new mod">
+        <pc:chgData name="Fu, Enguang" userId="0a9dcee4-6405-40fd-bb42-dd19fc94bec1" providerId="ADAL" clId="{6C62279B-C23D-C44B-818D-AE6AE8742BC2}" dt="2025-07-08T21:26:31.499" v="107" actId="167"/>
+        <pc:sldMkLst>
+          <pc:docMk/>
+          <pc:sldMk cId="133361433" sldId="264"/>
+        </pc:sldMkLst>
+        <pc:spChg chg="add mod">
+          <ac:chgData name="Fu, Enguang" userId="0a9dcee4-6405-40fd-bb42-dd19fc94bec1" providerId="ADAL" clId="{6C62279B-C23D-C44B-818D-AE6AE8742BC2}" dt="2025-07-08T21:26:31.499" v="107" actId="167"/>
+          <ac:spMkLst>
+            <pc:docMk/>
+            <pc:sldMk cId="133361433" sldId="264"/>
+            <ac:spMk id="6" creationId="{6BDD7CE3-DF14-083E-F012-291105426283}"/>
+          </ac:spMkLst>
+        </pc:spChg>
+        <pc:picChg chg="add mod">
+          <ac:chgData name="Fu, Enguang" userId="0a9dcee4-6405-40fd-bb42-dd19fc94bec1" providerId="ADAL" clId="{6C62279B-C23D-C44B-818D-AE6AE8742BC2}" dt="2025-07-08T21:26:05.629" v="99" actId="1076"/>
+          <ac:picMkLst>
+            <pc:docMk/>
+            <pc:sldMk cId="133361433" sldId="264"/>
+            <ac:picMk id="3" creationId="{6EC8A763-70A3-4460-8787-570402016FAA}"/>
+          </ac:picMkLst>
+        </pc:picChg>
+        <pc:picChg chg="add mod">
+          <ac:chgData name="Fu, Enguang" userId="0a9dcee4-6405-40fd-bb42-dd19fc94bec1" providerId="ADAL" clId="{6C62279B-C23D-C44B-818D-AE6AE8742BC2}" dt="2025-07-08T21:26:11.035" v="100"/>
+          <ac:picMkLst>
+            <pc:docMk/>
+            <pc:sldMk cId="133361433" sldId="264"/>
+            <ac:picMk id="5" creationId="{BD3CB4BE-9F19-C66D-5796-E9E9080F7CFF}"/>
+          </ac:picMkLst>
+        </pc:picChg>
+      </pc:sldChg>
+    </pc:docChg>
+  </pc:docChgLst>
+</pc:chgInfo>
 </file>
 
 <file path=ppt/slideLayouts/slideLayout1.xml><?xml version="1.0" encoding="utf-8"?>
@@ -3453,7 +4097,7 @@
           <a:lstStyle/>
           <a:p>
             <a:pPr algn="ctr"/>
-            <a:endParaRPr lang="en-US"/>
+            <a:endParaRPr lang="en-US" dirty="0"/>
           </a:p>
         </p:txBody>
       </p:sp>
@@ -3918,6 +4562,7947 @@
     <p:extLst>
       <p:ext uri="{BB962C8B-B14F-4D97-AF65-F5344CB8AC3E}">
         <p14:creationId xmlns:p14="http://schemas.microsoft.com/office/powerpoint/2010/main" val="3916507163"/>
+      </p:ext>
+    </p:extLst>
+  </p:cSld>
+  <p:clrMapOvr>
+    <a:masterClrMapping/>
+  </p:clrMapOvr>
+</p:sld>
+</file>
+
+<file path=ppt/slides/slide3.xml><?xml version="1.0" encoding="utf-8"?>
+<p:sld xmlns:a="http://schemas.openxmlformats.org/drawingml/2006/main" xmlns:r="http://schemas.openxmlformats.org/officeDocument/2006/relationships" xmlns:p="http://schemas.openxmlformats.org/presentationml/2006/main">
+  <p:cSld>
+    <p:spTree>
+      <p:nvGrpSpPr>
+        <p:cNvPr id="1" name=""/>
+        <p:cNvGrpSpPr/>
+        <p:nvPr/>
+      </p:nvGrpSpPr>
+      <p:grpSpPr>
+        <a:xfrm>
+          <a:off x="0" y="0"/>
+          <a:ext cx="0" cy="0"/>
+          <a:chOff x="0" y="0"/>
+          <a:chExt cx="0" cy="0"/>
+        </a:xfrm>
+      </p:grpSpPr>
+      <p:sp>
+        <p:nvSpPr>
+          <p:cNvPr id="12" name="Rectangle 11">
+            <a:extLst>
+              <a:ext uri="{FF2B5EF4-FFF2-40B4-BE49-F238E27FC236}">
+                <a16:creationId xmlns:a16="http://schemas.microsoft.com/office/drawing/2014/main" id="{789A3969-4C2E-565F-3DBC-F24DD7EA2D8E}"/>
+              </a:ext>
+            </a:extLst>
+          </p:cNvPr>
+          <p:cNvSpPr/>
+          <p:nvPr/>
+        </p:nvSpPr>
+        <p:spPr>
+          <a:xfrm>
+            <a:off x="2451300" y="1306087"/>
+            <a:ext cx="6262394" cy="4628107"/>
+          </a:xfrm>
+          <a:prstGeom prst="rect">
+            <a:avLst/>
+          </a:prstGeom>
+          <a:ln>
+            <a:noFill/>
+          </a:ln>
+        </p:spPr>
+        <p:style>
+          <a:lnRef idx="2">
+            <a:schemeClr val="accent6"/>
+          </a:lnRef>
+          <a:fillRef idx="1">
+            <a:schemeClr val="lt1"/>
+          </a:fillRef>
+          <a:effectRef idx="0">
+            <a:schemeClr val="accent6"/>
+          </a:effectRef>
+          <a:fontRef idx="minor">
+            <a:schemeClr val="dk1"/>
+          </a:fontRef>
+        </p:style>
+        <p:txBody>
+          <a:bodyPr rtlCol="0" anchor="ctr"/>
+          <a:lstStyle/>
+          <a:p>
+            <a:pPr algn="ctr"/>
+            <a:endParaRPr lang="en-US" dirty="0"/>
+          </a:p>
+        </p:txBody>
+      </p:sp>
+      <p:grpSp>
+        <p:nvGrpSpPr>
+          <p:cNvPr id="2" name="Group 1">
+            <a:extLst>
+              <a:ext uri="{FF2B5EF4-FFF2-40B4-BE49-F238E27FC236}">
+                <a16:creationId xmlns:a16="http://schemas.microsoft.com/office/drawing/2014/main" id="{AEBC777A-3BF5-F406-738E-C59EC9527D3D}"/>
+              </a:ext>
+            </a:extLst>
+          </p:cNvPr>
+          <p:cNvGrpSpPr/>
+          <p:nvPr/>
+        </p:nvGrpSpPr>
+        <p:grpSpPr>
+          <a:xfrm>
+            <a:off x="2451300" y="1306087"/>
+            <a:ext cx="6105863" cy="4653026"/>
+            <a:chOff x="241500" y="1360515"/>
+            <a:chExt cx="6105863" cy="4653026"/>
+          </a:xfrm>
+        </p:grpSpPr>
+        <p:pic>
+          <p:nvPicPr>
+            <p:cNvPr id="3" name="Image" descr="Image">
+              <a:extLst>
+                <a:ext uri="{FF2B5EF4-FFF2-40B4-BE49-F238E27FC236}">
+                  <a16:creationId xmlns:a16="http://schemas.microsoft.com/office/drawing/2014/main" id="{6F5FB932-2DFA-728B-53EA-61AAC9FC3776}"/>
+                </a:ext>
+              </a:extLst>
+            </p:cNvPr>
+            <p:cNvPicPr>
+              <a:picLocks noChangeAspect="1"/>
+            </p:cNvPicPr>
+            <p:nvPr/>
+          </p:nvPicPr>
+          <p:blipFill>
+            <a:blip r:embed="rId2"/>
+            <a:srcRect r="24880"/>
+            <a:stretch>
+              <a:fillRect/>
+            </a:stretch>
+          </p:blipFill>
+          <p:spPr>
+            <a:xfrm>
+              <a:off x="403068" y="1700030"/>
+              <a:ext cx="5727266" cy="4288593"/>
+            </a:xfrm>
+            <a:prstGeom prst="rect">
+              <a:avLst/>
+            </a:prstGeom>
+            <a:ln w="3175">
+              <a:miter lim="400000"/>
+            </a:ln>
+          </p:spPr>
+        </p:pic>
+        <p:sp>
+          <p:nvSpPr>
+            <p:cNvPr id="4" name="TextBox 3">
+              <a:extLst>
+                <a:ext uri="{FF2B5EF4-FFF2-40B4-BE49-F238E27FC236}">
+                  <a16:creationId xmlns:a16="http://schemas.microsoft.com/office/drawing/2014/main" id="{92C7D581-9950-A6D0-09CE-4917D83D1519}"/>
+                </a:ext>
+              </a:extLst>
+            </p:cNvPr>
+            <p:cNvSpPr txBox="1"/>
+            <p:nvPr/>
+          </p:nvSpPr>
+          <p:spPr>
+            <a:xfrm>
+              <a:off x="4528530" y="5613431"/>
+              <a:ext cx="1667444" cy="400110"/>
+            </a:xfrm>
+            <a:prstGeom prst="rect">
+              <a:avLst/>
+            </a:prstGeom>
+            <a:noFill/>
+          </p:spPr>
+          <p:txBody>
+            <a:bodyPr wrap="none" rtlCol="0">
+              <a:spAutoFit/>
+            </a:bodyPr>
+            <a:lstStyle/>
+            <a:p>
+              <a:r>
+                <a:rPr lang="en-US" sz="2000" dirty="0">
+                  <a:latin typeface="Arial" panose="020B0604020202020204" pitchFamily="34" charset="0"/>
+                  <a:cs typeface="Arial" panose="020B0604020202020204" pitchFamily="34" charset="0"/>
+                </a:rPr>
+                <a:t>Deterministic</a:t>
+              </a:r>
+            </a:p>
+          </p:txBody>
+        </p:sp>
+        <p:sp>
+          <p:nvSpPr>
+            <p:cNvPr id="5" name="TextBox 4">
+              <a:extLst>
+                <a:ext uri="{FF2B5EF4-FFF2-40B4-BE49-F238E27FC236}">
+                  <a16:creationId xmlns:a16="http://schemas.microsoft.com/office/drawing/2014/main" id="{81ACF71A-652D-8C60-1036-F31D8822056E}"/>
+                </a:ext>
+              </a:extLst>
+            </p:cNvPr>
+            <p:cNvSpPr txBox="1"/>
+            <p:nvPr/>
+          </p:nvSpPr>
+          <p:spPr>
+            <a:xfrm>
+              <a:off x="1781958" y="5613431"/>
+              <a:ext cx="1367682" cy="400110"/>
+            </a:xfrm>
+            <a:prstGeom prst="rect">
+              <a:avLst/>
+            </a:prstGeom>
+            <a:noFill/>
+          </p:spPr>
+          <p:txBody>
+            <a:bodyPr wrap="none" rtlCol="0">
+              <a:spAutoFit/>
+            </a:bodyPr>
+            <a:lstStyle/>
+            <a:p>
+              <a:r>
+                <a:rPr lang="en-US" sz="2000" dirty="0">
+                  <a:solidFill>
+                    <a:srgbClr val="05B050"/>
+                  </a:solidFill>
+                  <a:latin typeface="Arial" panose="020B0604020202020204" pitchFamily="34" charset="0"/>
+                  <a:cs typeface="Arial" panose="020B0604020202020204" pitchFamily="34" charset="0"/>
+                </a:rPr>
+                <a:t>Stochastic</a:t>
+              </a:r>
+            </a:p>
+          </p:txBody>
+        </p:sp>
+        <p:sp>
+          <p:nvSpPr>
+            <p:cNvPr id="6" name="TextBox 5">
+              <a:extLst>
+                <a:ext uri="{FF2B5EF4-FFF2-40B4-BE49-F238E27FC236}">
+                  <a16:creationId xmlns:a16="http://schemas.microsoft.com/office/drawing/2014/main" id="{D92E9D62-E9F6-A22C-C2CD-C31D9774524E}"/>
+                </a:ext>
+              </a:extLst>
+            </p:cNvPr>
+            <p:cNvSpPr txBox="1"/>
+            <p:nvPr/>
+          </p:nvSpPr>
+          <p:spPr>
+            <a:xfrm>
+              <a:off x="256902" y="1360515"/>
+              <a:ext cx="492443" cy="1761060"/>
+            </a:xfrm>
+            <a:prstGeom prst="rect">
+              <a:avLst/>
+            </a:prstGeom>
+            <a:noFill/>
+          </p:spPr>
+          <p:txBody>
+            <a:bodyPr vert="vert270" wrap="none" rtlCol="0">
+              <a:spAutoFit/>
+            </a:bodyPr>
+            <a:lstStyle/>
+            <a:p>
+              <a:r>
+                <a:rPr lang="en-US" sz="2000" dirty="0">
+                  <a:solidFill>
+                    <a:schemeClr val="accent1"/>
+                  </a:solidFill>
+                  <a:latin typeface="Arial" panose="020B0604020202020204" pitchFamily="34" charset="0"/>
+                  <a:cs typeface="Arial" panose="020B0604020202020204" pitchFamily="34" charset="0"/>
+                </a:rPr>
+                <a:t>Homogeneous</a:t>
+              </a:r>
+            </a:p>
+          </p:txBody>
+        </p:sp>
+        <p:sp>
+          <p:nvSpPr>
+            <p:cNvPr id="7" name="TextBox 6">
+              <a:extLst>
+                <a:ext uri="{FF2B5EF4-FFF2-40B4-BE49-F238E27FC236}">
+                  <a16:creationId xmlns:a16="http://schemas.microsoft.com/office/drawing/2014/main" id="{F85276AE-7E8A-FD37-0A8B-CB6C478425AA}"/>
+                </a:ext>
+              </a:extLst>
+            </p:cNvPr>
+            <p:cNvSpPr txBox="1"/>
+            <p:nvPr/>
+          </p:nvSpPr>
+          <p:spPr>
+            <a:xfrm>
+              <a:off x="241500" y="3233344"/>
+              <a:ext cx="492443" cy="1846018"/>
+            </a:xfrm>
+            <a:prstGeom prst="rect">
+              <a:avLst/>
+            </a:prstGeom>
+            <a:noFill/>
+          </p:spPr>
+          <p:txBody>
+            <a:bodyPr vert="vert270" wrap="none" rtlCol="0">
+              <a:spAutoFit/>
+            </a:bodyPr>
+            <a:lstStyle/>
+            <a:p>
+              <a:r>
+                <a:rPr lang="en-US" sz="2000" dirty="0">
+                  <a:solidFill>
+                    <a:srgbClr val="FF0000"/>
+                  </a:solidFill>
+                  <a:latin typeface="Arial" panose="020B0604020202020204" pitchFamily="34" charset="0"/>
+                  <a:cs typeface="Arial" panose="020B0604020202020204" pitchFamily="34" charset="0"/>
+                </a:rPr>
+                <a:t>Heterogeneous</a:t>
+              </a:r>
+            </a:p>
+          </p:txBody>
+        </p:sp>
+        <p:sp>
+          <p:nvSpPr>
+            <p:cNvPr id="8" name="Rectangle 7">
+              <a:extLst>
+                <a:ext uri="{FF2B5EF4-FFF2-40B4-BE49-F238E27FC236}">
+                  <a16:creationId xmlns:a16="http://schemas.microsoft.com/office/drawing/2014/main" id="{C238A7C8-F48A-7DCE-523A-802D1846CBFD}"/>
+                </a:ext>
+              </a:extLst>
+            </p:cNvPr>
+            <p:cNvSpPr/>
+            <p:nvPr/>
+          </p:nvSpPr>
+          <p:spPr>
+            <a:xfrm>
+              <a:off x="865405" y="1782245"/>
+              <a:ext cx="5481958" cy="705461"/>
+            </a:xfrm>
+            <a:prstGeom prst="rect">
+              <a:avLst/>
+            </a:prstGeom>
+            <a:noFill/>
+            <a:ln w="28575">
+              <a:solidFill>
+                <a:schemeClr val="accent1"/>
+              </a:solidFill>
+            </a:ln>
+          </p:spPr>
+          <p:style>
+            <a:lnRef idx="2">
+              <a:schemeClr val="accent1">
+                <a:shade val="50000"/>
+              </a:schemeClr>
+            </a:lnRef>
+            <a:fillRef idx="1">
+              <a:schemeClr val="accent1"/>
+            </a:fillRef>
+            <a:effectRef idx="0">
+              <a:schemeClr val="accent1"/>
+            </a:effectRef>
+            <a:fontRef idx="minor">
+              <a:schemeClr val="lt1"/>
+            </a:fontRef>
+          </p:style>
+          <p:txBody>
+            <a:bodyPr rtlCol="0" anchor="ctr"/>
+            <a:lstStyle/>
+            <a:p>
+              <a:pPr algn="ctr"/>
+              <a:endParaRPr lang="en-US"/>
+            </a:p>
+          </p:txBody>
+        </p:sp>
+        <p:sp>
+          <p:nvSpPr>
+            <p:cNvPr id="9" name="Rectangle 8">
+              <a:extLst>
+                <a:ext uri="{FF2B5EF4-FFF2-40B4-BE49-F238E27FC236}">
+                  <a16:creationId xmlns:a16="http://schemas.microsoft.com/office/drawing/2014/main" id="{4F243668-3F42-1D69-62B2-0881E35A469F}"/>
+                </a:ext>
+              </a:extLst>
+            </p:cNvPr>
+            <p:cNvSpPr/>
+            <p:nvPr/>
+          </p:nvSpPr>
+          <p:spPr>
+            <a:xfrm>
+              <a:off x="865404" y="3179866"/>
+              <a:ext cx="5481958" cy="1846018"/>
+            </a:xfrm>
+            <a:prstGeom prst="rect">
+              <a:avLst/>
+            </a:prstGeom>
+            <a:noFill/>
+            <a:ln w="28575">
+              <a:solidFill>
+                <a:srgbClr val="FF0000"/>
+              </a:solidFill>
+            </a:ln>
+          </p:spPr>
+          <p:style>
+            <a:lnRef idx="2">
+              <a:schemeClr val="accent1">
+                <a:shade val="50000"/>
+              </a:schemeClr>
+            </a:lnRef>
+            <a:fillRef idx="1">
+              <a:schemeClr val="accent1"/>
+            </a:fillRef>
+            <a:effectRef idx="0">
+              <a:schemeClr val="accent1"/>
+            </a:effectRef>
+            <a:fontRef idx="minor">
+              <a:schemeClr val="lt1"/>
+            </a:fontRef>
+          </p:style>
+          <p:txBody>
+            <a:bodyPr rtlCol="0" anchor="ctr"/>
+            <a:lstStyle/>
+            <a:p>
+              <a:pPr algn="ctr"/>
+              <a:endParaRPr lang="en-US"/>
+            </a:p>
+          </p:txBody>
+        </p:sp>
+        <p:sp>
+          <p:nvSpPr>
+            <p:cNvPr id="10" name="Rectangle 9">
+              <a:extLst>
+                <a:ext uri="{FF2B5EF4-FFF2-40B4-BE49-F238E27FC236}">
+                  <a16:creationId xmlns:a16="http://schemas.microsoft.com/office/drawing/2014/main" id="{EAFFEA46-3F51-48EA-8247-34FC4FAAA7DB}"/>
+                </a:ext>
+              </a:extLst>
+            </p:cNvPr>
+            <p:cNvSpPr/>
+            <p:nvPr/>
+          </p:nvSpPr>
+          <p:spPr>
+            <a:xfrm>
+              <a:off x="4576098" y="1393740"/>
+              <a:ext cx="1476233" cy="3924462"/>
+            </a:xfrm>
+            <a:prstGeom prst="rect">
+              <a:avLst/>
+            </a:prstGeom>
+            <a:noFill/>
+            <a:ln w="28575">
+              <a:solidFill>
+                <a:schemeClr val="tx1"/>
+              </a:solidFill>
+            </a:ln>
+          </p:spPr>
+          <p:style>
+            <a:lnRef idx="2">
+              <a:schemeClr val="accent1">
+                <a:shade val="50000"/>
+              </a:schemeClr>
+            </a:lnRef>
+            <a:fillRef idx="1">
+              <a:schemeClr val="accent1"/>
+            </a:fillRef>
+            <a:effectRef idx="0">
+              <a:schemeClr val="accent1"/>
+            </a:effectRef>
+            <a:fontRef idx="minor">
+              <a:schemeClr val="lt1"/>
+            </a:fontRef>
+          </p:style>
+          <p:txBody>
+            <a:bodyPr rtlCol="0" anchor="ctr"/>
+            <a:lstStyle/>
+            <a:p>
+              <a:pPr algn="ctr"/>
+              <a:endParaRPr lang="en-US">
+                <a:solidFill>
+                  <a:schemeClr val="tx1"/>
+                </a:solidFill>
+              </a:endParaRPr>
+            </a:p>
+          </p:txBody>
+        </p:sp>
+        <p:sp>
+          <p:nvSpPr>
+            <p:cNvPr id="11" name="Rectangle 10">
+              <a:extLst>
+                <a:ext uri="{FF2B5EF4-FFF2-40B4-BE49-F238E27FC236}">
+                  <a16:creationId xmlns:a16="http://schemas.microsoft.com/office/drawing/2014/main" id="{98EBCE5F-F24F-A207-3812-9A4435A542C5}"/>
+                </a:ext>
+              </a:extLst>
+            </p:cNvPr>
+            <p:cNvSpPr/>
+            <p:nvPr/>
+          </p:nvSpPr>
+          <p:spPr>
+            <a:xfrm>
+              <a:off x="1329052" y="1454791"/>
+              <a:ext cx="2667339" cy="3924462"/>
+            </a:xfrm>
+            <a:prstGeom prst="rect">
+              <a:avLst/>
+            </a:prstGeom>
+            <a:noFill/>
+            <a:ln w="28575">
+              <a:solidFill>
+                <a:srgbClr val="00B050"/>
+              </a:solidFill>
+            </a:ln>
+          </p:spPr>
+          <p:style>
+            <a:lnRef idx="2">
+              <a:schemeClr val="accent1">
+                <a:shade val="50000"/>
+              </a:schemeClr>
+            </a:lnRef>
+            <a:fillRef idx="1">
+              <a:schemeClr val="accent1"/>
+            </a:fillRef>
+            <a:effectRef idx="0">
+              <a:schemeClr val="accent1"/>
+            </a:effectRef>
+            <a:fontRef idx="minor">
+              <a:schemeClr val="lt1"/>
+            </a:fontRef>
+          </p:style>
+          <p:txBody>
+            <a:bodyPr rtlCol="0" anchor="ctr"/>
+            <a:lstStyle/>
+            <a:p>
+              <a:pPr algn="ctr"/>
+              <a:endParaRPr lang="en-US">
+                <a:solidFill>
+                  <a:schemeClr val="tx1"/>
+                </a:solidFill>
+              </a:endParaRPr>
+            </a:p>
+          </p:txBody>
+        </p:sp>
+      </p:grpSp>
+    </p:spTree>
+    <p:extLst>
+      <p:ext uri="{BB962C8B-B14F-4D97-AF65-F5344CB8AC3E}">
+        <p14:creationId xmlns:p14="http://schemas.microsoft.com/office/powerpoint/2010/main" val="2134173541"/>
+      </p:ext>
+    </p:extLst>
+  </p:cSld>
+  <p:clrMapOvr>
+    <a:masterClrMapping/>
+  </p:clrMapOvr>
+</p:sld>
+</file>
+
+<file path=ppt/slides/slide4.xml><?xml version="1.0" encoding="utf-8"?>
+<p:sld xmlns:a="http://schemas.openxmlformats.org/drawingml/2006/main" xmlns:r="http://schemas.openxmlformats.org/officeDocument/2006/relationships" xmlns:p="http://schemas.openxmlformats.org/presentationml/2006/main">
+  <p:cSld>
+    <p:spTree>
+      <p:nvGrpSpPr>
+        <p:cNvPr id="1" name=""/>
+        <p:cNvGrpSpPr/>
+        <p:nvPr/>
+      </p:nvGrpSpPr>
+      <p:grpSpPr>
+        <a:xfrm>
+          <a:off x="0" y="0"/>
+          <a:ext cx="0" cy="0"/>
+          <a:chOff x="0" y="0"/>
+          <a:chExt cx="0" cy="0"/>
+        </a:xfrm>
+      </p:grpSpPr>
+      <p:grpSp>
+        <p:nvGrpSpPr>
+          <p:cNvPr id="2" name="Group 1">
+            <a:extLst>
+              <a:ext uri="{FF2B5EF4-FFF2-40B4-BE49-F238E27FC236}">
+                <a16:creationId xmlns:a16="http://schemas.microsoft.com/office/drawing/2014/main" id="{C45AC06D-CEEC-B735-2834-FD02C7D6FD7F}"/>
+              </a:ext>
+            </a:extLst>
+          </p:cNvPr>
+          <p:cNvGrpSpPr/>
+          <p:nvPr/>
+        </p:nvGrpSpPr>
+        <p:grpSpPr>
+          <a:xfrm>
+            <a:off x="2951410" y="2219612"/>
+            <a:ext cx="2730357" cy="2711167"/>
+            <a:chOff x="1581956" y="2813878"/>
+            <a:chExt cx="2730357" cy="2711167"/>
+          </a:xfrm>
+        </p:grpSpPr>
+        <p:pic>
+          <p:nvPicPr>
+            <p:cNvPr id="3" name="Picture 2" descr="A picture containing surface chart&#10;&#10;Description automatically generated">
+              <a:extLst>
+                <a:ext uri="{FF2B5EF4-FFF2-40B4-BE49-F238E27FC236}">
+                  <a16:creationId xmlns:a16="http://schemas.microsoft.com/office/drawing/2014/main" id="{D8153C15-7F56-C324-FC36-B76E60773360}"/>
+                </a:ext>
+              </a:extLst>
+            </p:cNvPr>
+            <p:cNvPicPr>
+              <a:picLocks noChangeAspect="1"/>
+            </p:cNvPicPr>
+            <p:nvPr/>
+          </p:nvPicPr>
+          <p:blipFill rotWithShape="1">
+            <a:blip r:embed="rId2">
+              <a:extLst>
+                <a:ext uri="{28A0092B-C50C-407E-A947-70E740481C1C}">
+                  <a14:useLocalDpi xmlns:a14="http://schemas.microsoft.com/office/drawing/2010/main" val="0"/>
+                </a:ext>
+              </a:extLst>
+            </a:blip>
+            <a:srcRect t="7783" r="53738"/>
+            <a:stretch/>
+          </p:blipFill>
+          <p:spPr>
+            <a:xfrm>
+              <a:off x="1581956" y="2813878"/>
+              <a:ext cx="2730357" cy="2711167"/>
+            </a:xfrm>
+            <a:prstGeom prst="rect">
+              <a:avLst/>
+            </a:prstGeom>
+          </p:spPr>
+        </p:pic>
+        <p:sp>
+          <p:nvSpPr>
+            <p:cNvPr id="4" name="TextBox 10">
+              <a:extLst>
+                <a:ext uri="{FF2B5EF4-FFF2-40B4-BE49-F238E27FC236}">
+                  <a16:creationId xmlns:a16="http://schemas.microsoft.com/office/drawing/2014/main" id="{FCD08CD3-90C1-2F29-D726-7637D09E717A}"/>
+                </a:ext>
+              </a:extLst>
+            </p:cNvPr>
+            <p:cNvSpPr txBox="1"/>
+            <p:nvPr/>
+          </p:nvSpPr>
+          <p:spPr>
+            <a:xfrm>
+              <a:off x="3228449" y="3540259"/>
+              <a:ext cx="862200" cy="461665"/>
+            </a:xfrm>
+            <a:prstGeom prst="rect">
+              <a:avLst/>
+            </a:prstGeom>
+            <a:noFill/>
+          </p:spPr>
+          <p:txBody>
+            <a:bodyPr wrap="square" rtlCol="0">
+              <a:spAutoFit/>
+            </a:bodyPr>
+            <a:lstStyle>
+              <a:defPPr>
+                <a:defRPr lang="en-US"/>
+              </a:defPPr>
+              <a:lvl1pPr marL="0" algn="l" defTabSz="914400" rtl="0" eaLnBrk="1" latinLnBrk="0" hangingPunct="1">
+                <a:defRPr sz="1800" kern="1200">
+                  <a:solidFill>
+                    <a:schemeClr val="tx1"/>
+                  </a:solidFill>
+                  <a:latin typeface="+mn-lt"/>
+                  <a:ea typeface="+mn-ea"/>
+                  <a:cs typeface="+mn-cs"/>
+                </a:defRPr>
+              </a:lvl1pPr>
+              <a:lvl2pPr marL="457200" algn="l" defTabSz="914400" rtl="0" eaLnBrk="1" latinLnBrk="0" hangingPunct="1">
+                <a:defRPr sz="1800" kern="1200">
+                  <a:solidFill>
+                    <a:schemeClr val="tx1"/>
+                  </a:solidFill>
+                  <a:latin typeface="+mn-lt"/>
+                  <a:ea typeface="+mn-ea"/>
+                  <a:cs typeface="+mn-cs"/>
+                </a:defRPr>
+              </a:lvl2pPr>
+              <a:lvl3pPr marL="914400" algn="l" defTabSz="914400" rtl="0" eaLnBrk="1" latinLnBrk="0" hangingPunct="1">
+                <a:defRPr sz="1800" kern="1200">
+                  <a:solidFill>
+                    <a:schemeClr val="tx1"/>
+                  </a:solidFill>
+                  <a:latin typeface="+mn-lt"/>
+                  <a:ea typeface="+mn-ea"/>
+                  <a:cs typeface="+mn-cs"/>
+                </a:defRPr>
+              </a:lvl3pPr>
+              <a:lvl4pPr marL="1371600" algn="l" defTabSz="914400" rtl="0" eaLnBrk="1" latinLnBrk="0" hangingPunct="1">
+                <a:defRPr sz="1800" kern="1200">
+                  <a:solidFill>
+                    <a:schemeClr val="tx1"/>
+                  </a:solidFill>
+                  <a:latin typeface="+mn-lt"/>
+                  <a:ea typeface="+mn-ea"/>
+                  <a:cs typeface="+mn-cs"/>
+                </a:defRPr>
+              </a:lvl4pPr>
+              <a:lvl5pPr marL="1828800" algn="l" defTabSz="914400" rtl="0" eaLnBrk="1" latinLnBrk="0" hangingPunct="1">
+                <a:defRPr sz="1800" kern="1200">
+                  <a:solidFill>
+                    <a:schemeClr val="tx1"/>
+                  </a:solidFill>
+                  <a:latin typeface="+mn-lt"/>
+                  <a:ea typeface="+mn-ea"/>
+                  <a:cs typeface="+mn-cs"/>
+                </a:defRPr>
+              </a:lvl5pPr>
+              <a:lvl6pPr marL="2286000" algn="l" defTabSz="914400" rtl="0" eaLnBrk="1" latinLnBrk="0" hangingPunct="1">
+                <a:defRPr sz="1800" kern="1200">
+                  <a:solidFill>
+                    <a:schemeClr val="tx1"/>
+                  </a:solidFill>
+                  <a:latin typeface="+mn-lt"/>
+                  <a:ea typeface="+mn-ea"/>
+                  <a:cs typeface="+mn-cs"/>
+                </a:defRPr>
+              </a:lvl6pPr>
+              <a:lvl7pPr marL="2743200" algn="l" defTabSz="914400" rtl="0" eaLnBrk="1" latinLnBrk="0" hangingPunct="1">
+                <a:defRPr sz="1800" kern="1200">
+                  <a:solidFill>
+                    <a:schemeClr val="tx1"/>
+                  </a:solidFill>
+                  <a:latin typeface="+mn-lt"/>
+                  <a:ea typeface="+mn-ea"/>
+                  <a:cs typeface="+mn-cs"/>
+                </a:defRPr>
+              </a:lvl7pPr>
+              <a:lvl8pPr marL="3200400" algn="l" defTabSz="914400" rtl="0" eaLnBrk="1" latinLnBrk="0" hangingPunct="1">
+                <a:defRPr sz="1800" kern="1200">
+                  <a:solidFill>
+                    <a:schemeClr val="tx1"/>
+                  </a:solidFill>
+                  <a:latin typeface="+mn-lt"/>
+                  <a:ea typeface="+mn-ea"/>
+                  <a:cs typeface="+mn-cs"/>
+                </a:defRPr>
+              </a:lvl8pPr>
+              <a:lvl9pPr marL="3657600" algn="l" defTabSz="914400" rtl="0" eaLnBrk="1" latinLnBrk="0" hangingPunct="1">
+                <a:defRPr sz="1800" kern="1200">
+                  <a:solidFill>
+                    <a:schemeClr val="tx1"/>
+                  </a:solidFill>
+                  <a:latin typeface="+mn-lt"/>
+                  <a:ea typeface="+mn-ea"/>
+                  <a:cs typeface="+mn-cs"/>
+                </a:defRPr>
+              </a:lvl9pPr>
+            </a:lstStyle>
+            <a:p>
+              <a:pPr algn="ctr"/>
+              <a:r>
+                <a:rPr lang="en-US" sz="2400" dirty="0">
+                  <a:solidFill>
+                    <a:schemeClr val="bg1"/>
+                  </a:solidFill>
+                </a:rPr>
+                <a:t>&lt;90</a:t>
+              </a:r>
+            </a:p>
+          </p:txBody>
+        </p:sp>
+        <p:sp>
+          <p:nvSpPr>
+            <p:cNvPr id="5" name="TextBox 11">
+              <a:extLst>
+                <a:ext uri="{FF2B5EF4-FFF2-40B4-BE49-F238E27FC236}">
+                  <a16:creationId xmlns:a16="http://schemas.microsoft.com/office/drawing/2014/main" id="{EBBA0442-00DD-5DAC-3A9B-3FF172206ECC}"/>
+                </a:ext>
+              </a:extLst>
+            </p:cNvPr>
+            <p:cNvSpPr txBox="1"/>
+            <p:nvPr/>
+          </p:nvSpPr>
+          <p:spPr>
+            <a:xfrm>
+              <a:off x="1790819" y="3523283"/>
+              <a:ext cx="862200" cy="461665"/>
+            </a:xfrm>
+            <a:prstGeom prst="rect">
+              <a:avLst/>
+            </a:prstGeom>
+            <a:noFill/>
+          </p:spPr>
+          <p:txBody>
+            <a:bodyPr wrap="square" rtlCol="0">
+              <a:spAutoFit/>
+            </a:bodyPr>
+            <a:lstStyle>
+              <a:defPPr>
+                <a:defRPr lang="en-US"/>
+              </a:defPPr>
+              <a:lvl1pPr marL="0" algn="l" defTabSz="914400" rtl="0" eaLnBrk="1" latinLnBrk="0" hangingPunct="1">
+                <a:defRPr sz="1800" kern="1200">
+                  <a:solidFill>
+                    <a:schemeClr val="tx1"/>
+                  </a:solidFill>
+                  <a:latin typeface="+mn-lt"/>
+                  <a:ea typeface="+mn-ea"/>
+                  <a:cs typeface="+mn-cs"/>
+                </a:defRPr>
+              </a:lvl1pPr>
+              <a:lvl2pPr marL="457200" algn="l" defTabSz="914400" rtl="0" eaLnBrk="1" latinLnBrk="0" hangingPunct="1">
+                <a:defRPr sz="1800" kern="1200">
+                  <a:solidFill>
+                    <a:schemeClr val="tx1"/>
+                  </a:solidFill>
+                  <a:latin typeface="+mn-lt"/>
+                  <a:ea typeface="+mn-ea"/>
+                  <a:cs typeface="+mn-cs"/>
+                </a:defRPr>
+              </a:lvl2pPr>
+              <a:lvl3pPr marL="914400" algn="l" defTabSz="914400" rtl="0" eaLnBrk="1" latinLnBrk="0" hangingPunct="1">
+                <a:defRPr sz="1800" kern="1200">
+                  <a:solidFill>
+                    <a:schemeClr val="tx1"/>
+                  </a:solidFill>
+                  <a:latin typeface="+mn-lt"/>
+                  <a:ea typeface="+mn-ea"/>
+                  <a:cs typeface="+mn-cs"/>
+                </a:defRPr>
+              </a:lvl3pPr>
+              <a:lvl4pPr marL="1371600" algn="l" defTabSz="914400" rtl="0" eaLnBrk="1" latinLnBrk="0" hangingPunct="1">
+                <a:defRPr sz="1800" kern="1200">
+                  <a:solidFill>
+                    <a:schemeClr val="tx1"/>
+                  </a:solidFill>
+                  <a:latin typeface="+mn-lt"/>
+                  <a:ea typeface="+mn-ea"/>
+                  <a:cs typeface="+mn-cs"/>
+                </a:defRPr>
+              </a:lvl4pPr>
+              <a:lvl5pPr marL="1828800" algn="l" defTabSz="914400" rtl="0" eaLnBrk="1" latinLnBrk="0" hangingPunct="1">
+                <a:defRPr sz="1800" kern="1200">
+                  <a:solidFill>
+                    <a:schemeClr val="tx1"/>
+                  </a:solidFill>
+                  <a:latin typeface="+mn-lt"/>
+                  <a:ea typeface="+mn-ea"/>
+                  <a:cs typeface="+mn-cs"/>
+                </a:defRPr>
+              </a:lvl5pPr>
+              <a:lvl6pPr marL="2286000" algn="l" defTabSz="914400" rtl="0" eaLnBrk="1" latinLnBrk="0" hangingPunct="1">
+                <a:defRPr sz="1800" kern="1200">
+                  <a:solidFill>
+                    <a:schemeClr val="tx1"/>
+                  </a:solidFill>
+                  <a:latin typeface="+mn-lt"/>
+                  <a:ea typeface="+mn-ea"/>
+                  <a:cs typeface="+mn-cs"/>
+                </a:defRPr>
+              </a:lvl6pPr>
+              <a:lvl7pPr marL="2743200" algn="l" defTabSz="914400" rtl="0" eaLnBrk="1" latinLnBrk="0" hangingPunct="1">
+                <a:defRPr sz="1800" kern="1200">
+                  <a:solidFill>
+                    <a:schemeClr val="tx1"/>
+                  </a:solidFill>
+                  <a:latin typeface="+mn-lt"/>
+                  <a:ea typeface="+mn-ea"/>
+                  <a:cs typeface="+mn-cs"/>
+                </a:defRPr>
+              </a:lvl7pPr>
+              <a:lvl8pPr marL="3200400" algn="l" defTabSz="914400" rtl="0" eaLnBrk="1" latinLnBrk="0" hangingPunct="1">
+                <a:defRPr sz="1800" kern="1200">
+                  <a:solidFill>
+                    <a:schemeClr val="tx1"/>
+                  </a:solidFill>
+                  <a:latin typeface="+mn-lt"/>
+                  <a:ea typeface="+mn-ea"/>
+                  <a:cs typeface="+mn-cs"/>
+                </a:defRPr>
+              </a:lvl8pPr>
+              <a:lvl9pPr marL="3657600" algn="l" defTabSz="914400" rtl="0" eaLnBrk="1" latinLnBrk="0" hangingPunct="1">
+                <a:defRPr sz="1800" kern="1200">
+                  <a:solidFill>
+                    <a:schemeClr val="tx1"/>
+                  </a:solidFill>
+                  <a:latin typeface="+mn-lt"/>
+                  <a:ea typeface="+mn-ea"/>
+                  <a:cs typeface="+mn-cs"/>
+                </a:defRPr>
+              </a:lvl9pPr>
+            </a:lstStyle>
+            <a:p>
+              <a:pPr algn="ctr"/>
+              <a:r>
+                <a:rPr lang="en-US" sz="2400" dirty="0">
+                  <a:solidFill>
+                    <a:schemeClr val="bg1"/>
+                  </a:solidFill>
+                </a:rPr>
+                <a:t>155</a:t>
+              </a:r>
+            </a:p>
+          </p:txBody>
+        </p:sp>
+        <p:sp>
+          <p:nvSpPr>
+            <p:cNvPr id="6" name="TextBox 12">
+              <a:extLst>
+                <a:ext uri="{FF2B5EF4-FFF2-40B4-BE49-F238E27FC236}">
+                  <a16:creationId xmlns:a16="http://schemas.microsoft.com/office/drawing/2014/main" id="{4ED73095-FBB5-B2D6-7C82-E48DC8F7C553}"/>
+                </a:ext>
+              </a:extLst>
+            </p:cNvPr>
+            <p:cNvSpPr txBox="1"/>
+            <p:nvPr/>
+          </p:nvSpPr>
+          <p:spPr>
+            <a:xfrm>
+              <a:off x="2561992" y="4162441"/>
+              <a:ext cx="862200" cy="461665"/>
+            </a:xfrm>
+            <a:prstGeom prst="rect">
+              <a:avLst/>
+            </a:prstGeom>
+            <a:noFill/>
+          </p:spPr>
+          <p:txBody>
+            <a:bodyPr wrap="square" rtlCol="0">
+              <a:spAutoFit/>
+            </a:bodyPr>
+            <a:lstStyle>
+              <a:defPPr>
+                <a:defRPr lang="en-US"/>
+              </a:defPPr>
+              <a:lvl1pPr marL="0" algn="l" defTabSz="914400" rtl="0" eaLnBrk="1" latinLnBrk="0" hangingPunct="1">
+                <a:defRPr sz="1800" kern="1200">
+                  <a:solidFill>
+                    <a:schemeClr val="tx1"/>
+                  </a:solidFill>
+                  <a:latin typeface="+mn-lt"/>
+                  <a:ea typeface="+mn-ea"/>
+                  <a:cs typeface="+mn-cs"/>
+                </a:defRPr>
+              </a:lvl1pPr>
+              <a:lvl2pPr marL="457200" algn="l" defTabSz="914400" rtl="0" eaLnBrk="1" latinLnBrk="0" hangingPunct="1">
+                <a:defRPr sz="1800" kern="1200">
+                  <a:solidFill>
+                    <a:schemeClr val="tx1"/>
+                  </a:solidFill>
+                  <a:latin typeface="+mn-lt"/>
+                  <a:ea typeface="+mn-ea"/>
+                  <a:cs typeface="+mn-cs"/>
+                </a:defRPr>
+              </a:lvl2pPr>
+              <a:lvl3pPr marL="914400" algn="l" defTabSz="914400" rtl="0" eaLnBrk="1" latinLnBrk="0" hangingPunct="1">
+                <a:defRPr sz="1800" kern="1200">
+                  <a:solidFill>
+                    <a:schemeClr val="tx1"/>
+                  </a:solidFill>
+                  <a:latin typeface="+mn-lt"/>
+                  <a:ea typeface="+mn-ea"/>
+                  <a:cs typeface="+mn-cs"/>
+                </a:defRPr>
+              </a:lvl3pPr>
+              <a:lvl4pPr marL="1371600" algn="l" defTabSz="914400" rtl="0" eaLnBrk="1" latinLnBrk="0" hangingPunct="1">
+                <a:defRPr sz="1800" kern="1200">
+                  <a:solidFill>
+                    <a:schemeClr val="tx1"/>
+                  </a:solidFill>
+                  <a:latin typeface="+mn-lt"/>
+                  <a:ea typeface="+mn-ea"/>
+                  <a:cs typeface="+mn-cs"/>
+                </a:defRPr>
+              </a:lvl4pPr>
+              <a:lvl5pPr marL="1828800" algn="l" defTabSz="914400" rtl="0" eaLnBrk="1" latinLnBrk="0" hangingPunct="1">
+                <a:defRPr sz="1800" kern="1200">
+                  <a:solidFill>
+                    <a:schemeClr val="tx1"/>
+                  </a:solidFill>
+                  <a:latin typeface="+mn-lt"/>
+                  <a:ea typeface="+mn-ea"/>
+                  <a:cs typeface="+mn-cs"/>
+                </a:defRPr>
+              </a:lvl5pPr>
+              <a:lvl6pPr marL="2286000" algn="l" defTabSz="914400" rtl="0" eaLnBrk="1" latinLnBrk="0" hangingPunct="1">
+                <a:defRPr sz="1800" kern="1200">
+                  <a:solidFill>
+                    <a:schemeClr val="tx1"/>
+                  </a:solidFill>
+                  <a:latin typeface="+mn-lt"/>
+                  <a:ea typeface="+mn-ea"/>
+                  <a:cs typeface="+mn-cs"/>
+                </a:defRPr>
+              </a:lvl6pPr>
+              <a:lvl7pPr marL="2743200" algn="l" defTabSz="914400" rtl="0" eaLnBrk="1" latinLnBrk="0" hangingPunct="1">
+                <a:defRPr sz="1800" kern="1200">
+                  <a:solidFill>
+                    <a:schemeClr val="tx1"/>
+                  </a:solidFill>
+                  <a:latin typeface="+mn-lt"/>
+                  <a:ea typeface="+mn-ea"/>
+                  <a:cs typeface="+mn-cs"/>
+                </a:defRPr>
+              </a:lvl7pPr>
+              <a:lvl8pPr marL="3200400" algn="l" defTabSz="914400" rtl="0" eaLnBrk="1" latinLnBrk="0" hangingPunct="1">
+                <a:defRPr sz="1800" kern="1200">
+                  <a:solidFill>
+                    <a:schemeClr val="tx1"/>
+                  </a:solidFill>
+                  <a:latin typeface="+mn-lt"/>
+                  <a:ea typeface="+mn-ea"/>
+                  <a:cs typeface="+mn-cs"/>
+                </a:defRPr>
+              </a:lvl8pPr>
+              <a:lvl9pPr marL="3657600" algn="l" defTabSz="914400" rtl="0" eaLnBrk="1" latinLnBrk="0" hangingPunct="1">
+                <a:defRPr sz="1800" kern="1200">
+                  <a:solidFill>
+                    <a:schemeClr val="tx1"/>
+                  </a:solidFill>
+                  <a:latin typeface="+mn-lt"/>
+                  <a:ea typeface="+mn-ea"/>
+                  <a:cs typeface="+mn-cs"/>
+                </a:defRPr>
+              </a:lvl9pPr>
+            </a:lstStyle>
+            <a:p>
+              <a:pPr algn="ctr"/>
+              <a:r>
+                <a:rPr lang="en-US" sz="2400">
+                  <a:solidFill>
+                    <a:schemeClr val="bg1"/>
+                  </a:solidFill>
+                </a:rPr>
+                <a:t>200</a:t>
+              </a:r>
+            </a:p>
+          </p:txBody>
+        </p:sp>
+      </p:grpSp>
+      <p:sp>
+        <p:nvSpPr>
+          <p:cNvPr id="17" name="Rectangle 16">
+            <a:extLst>
+              <a:ext uri="{FF2B5EF4-FFF2-40B4-BE49-F238E27FC236}">
+                <a16:creationId xmlns:a16="http://schemas.microsoft.com/office/drawing/2014/main" id="{031BE7F8-3873-3FE6-0A1E-2A37CCC1C644}"/>
+              </a:ext>
+            </a:extLst>
+          </p:cNvPr>
+          <p:cNvSpPr/>
+          <p:nvPr/>
+        </p:nvSpPr>
+        <p:spPr>
+          <a:xfrm>
+            <a:off x="5992636" y="1827835"/>
+            <a:ext cx="3651004" cy="3254982"/>
+          </a:xfrm>
+          <a:prstGeom prst="rect">
+            <a:avLst/>
+          </a:prstGeom>
+          <a:ln>
+            <a:noFill/>
+          </a:ln>
+        </p:spPr>
+        <p:style>
+          <a:lnRef idx="2">
+            <a:schemeClr val="accent6"/>
+          </a:lnRef>
+          <a:fillRef idx="1">
+            <a:schemeClr val="lt1"/>
+          </a:fillRef>
+          <a:effectRef idx="0">
+            <a:schemeClr val="accent6"/>
+          </a:effectRef>
+          <a:fontRef idx="minor">
+            <a:schemeClr val="dk1"/>
+          </a:fontRef>
+        </p:style>
+        <p:txBody>
+          <a:bodyPr rtlCol="0" anchor="ctr"/>
+          <a:lstStyle/>
+          <a:p>
+            <a:pPr algn="ctr"/>
+            <a:endParaRPr lang="en-US" dirty="0"/>
+          </a:p>
+        </p:txBody>
+      </p:sp>
+      <p:grpSp>
+        <p:nvGrpSpPr>
+          <p:cNvPr id="16" name="Group 15">
+            <a:extLst>
+              <a:ext uri="{FF2B5EF4-FFF2-40B4-BE49-F238E27FC236}">
+                <a16:creationId xmlns:a16="http://schemas.microsoft.com/office/drawing/2014/main" id="{C0FB1F36-0AB0-928A-64FD-C29A45979723}"/>
+              </a:ext>
+            </a:extLst>
+          </p:cNvPr>
+          <p:cNvGrpSpPr/>
+          <p:nvPr/>
+        </p:nvGrpSpPr>
+        <p:grpSpPr>
+          <a:xfrm>
+            <a:off x="5992636" y="1922317"/>
+            <a:ext cx="3909444" cy="3160499"/>
+            <a:chOff x="5002255" y="2468915"/>
+            <a:chExt cx="3909444" cy="3160499"/>
+          </a:xfrm>
+        </p:grpSpPr>
+        <p:pic>
+          <p:nvPicPr>
+            <p:cNvPr id="8" name="Image" descr="Image">
+              <a:extLst>
+                <a:ext uri="{FF2B5EF4-FFF2-40B4-BE49-F238E27FC236}">
+                  <a16:creationId xmlns:a16="http://schemas.microsoft.com/office/drawing/2014/main" id="{6C8700EA-81EA-4D36-F6B8-7C3B910195B4}"/>
+                </a:ext>
+              </a:extLst>
+            </p:cNvPr>
+            <p:cNvPicPr>
+              <a:picLocks noChangeAspect="1"/>
+            </p:cNvPicPr>
+            <p:nvPr/>
+          </p:nvPicPr>
+          <p:blipFill rotWithShape="1">
+            <a:blip r:embed="rId3"/>
+            <a:srcRect l="7743" t="22837" r="57309" b="9734"/>
+            <a:stretch>
+              <a:fillRect/>
+            </a:stretch>
+          </p:blipFill>
+          <p:spPr>
+            <a:xfrm>
+              <a:off x="5002255" y="2468915"/>
+              <a:ext cx="2912029" cy="3160499"/>
+            </a:xfrm>
+            <a:prstGeom prst="rect">
+              <a:avLst/>
+            </a:prstGeom>
+            <a:ln w="3175">
+              <a:miter lim="400000"/>
+            </a:ln>
+          </p:spPr>
+        </p:pic>
+        <p:sp>
+          <p:nvSpPr>
+            <p:cNvPr id="10" name="Can 9">
+              <a:extLst>
+                <a:ext uri="{FF2B5EF4-FFF2-40B4-BE49-F238E27FC236}">
+                  <a16:creationId xmlns:a16="http://schemas.microsoft.com/office/drawing/2014/main" id="{08DFCBAF-1933-B8C7-BF2E-F98D2E9EF7E9}"/>
+                </a:ext>
+              </a:extLst>
+            </p:cNvPr>
+            <p:cNvSpPr/>
+            <p:nvPr/>
+          </p:nvSpPr>
+          <p:spPr>
+            <a:xfrm rot="3327173">
+              <a:off x="7411057" y="2904186"/>
+              <a:ext cx="144000" cy="213856"/>
+            </a:xfrm>
+            <a:prstGeom prst="can">
+              <a:avLst/>
+            </a:prstGeom>
+          </p:spPr>
+          <p:style>
+            <a:lnRef idx="2">
+              <a:schemeClr val="accent1">
+                <a:shade val="50000"/>
+              </a:schemeClr>
+            </a:lnRef>
+            <a:fillRef idx="1">
+              <a:schemeClr val="accent1"/>
+            </a:fillRef>
+            <a:effectRef idx="0">
+              <a:schemeClr val="accent1"/>
+            </a:effectRef>
+            <a:fontRef idx="minor">
+              <a:schemeClr val="lt1"/>
+            </a:fontRef>
+          </p:style>
+          <p:txBody>
+            <a:bodyPr rtlCol="0" anchor="ctr"/>
+            <a:lstStyle/>
+            <a:p>
+              <a:pPr algn="ctr"/>
+              <a:endParaRPr lang="en-US"/>
+            </a:p>
+          </p:txBody>
+        </p:sp>
+        <p:sp>
+          <p:nvSpPr>
+            <p:cNvPr id="11" name="TextBox 10">
+              <a:extLst>
+                <a:ext uri="{FF2B5EF4-FFF2-40B4-BE49-F238E27FC236}">
+                  <a16:creationId xmlns:a16="http://schemas.microsoft.com/office/drawing/2014/main" id="{B276813A-98F6-3B74-D5DF-FF8F35135A60}"/>
+                </a:ext>
+              </a:extLst>
+            </p:cNvPr>
+            <p:cNvSpPr txBox="1"/>
+            <p:nvPr/>
+          </p:nvSpPr>
+          <p:spPr>
+            <a:xfrm>
+              <a:off x="7364578" y="2669627"/>
+              <a:ext cx="952505" cy="276999"/>
+            </a:xfrm>
+            <a:prstGeom prst="rect">
+              <a:avLst/>
+            </a:prstGeom>
+            <a:noFill/>
+          </p:spPr>
+          <p:txBody>
+            <a:bodyPr wrap="square">
+              <a:spAutoFit/>
+            </a:bodyPr>
+            <a:lstStyle/>
+            <a:p>
+              <a:r>
+                <a:rPr lang="en-US" altLang="zh-CN" sz="1200"/>
+                <a:t>Nucleoside</a:t>
+              </a:r>
+              <a:endParaRPr lang="en-US" sz="1200"/>
+            </a:p>
+          </p:txBody>
+        </p:sp>
+        <p:sp>
+          <p:nvSpPr>
+            <p:cNvPr id="12" name="Can 11">
+              <a:extLst>
+                <a:ext uri="{FF2B5EF4-FFF2-40B4-BE49-F238E27FC236}">
+                  <a16:creationId xmlns:a16="http://schemas.microsoft.com/office/drawing/2014/main" id="{B0C5C569-50D5-3674-5CDD-7340688DA8C3}"/>
+                </a:ext>
+              </a:extLst>
+            </p:cNvPr>
+            <p:cNvSpPr/>
+            <p:nvPr/>
+          </p:nvSpPr>
+          <p:spPr>
+            <a:xfrm rot="5400000">
+              <a:off x="7735356" y="3427419"/>
+              <a:ext cx="144000" cy="213856"/>
+            </a:xfrm>
+            <a:prstGeom prst="can">
+              <a:avLst/>
+            </a:prstGeom>
+            <a:solidFill>
+              <a:schemeClr val="accent2"/>
+            </a:solidFill>
+          </p:spPr>
+          <p:style>
+            <a:lnRef idx="2">
+              <a:schemeClr val="accent1">
+                <a:shade val="50000"/>
+              </a:schemeClr>
+            </a:lnRef>
+            <a:fillRef idx="1">
+              <a:schemeClr val="accent1"/>
+            </a:fillRef>
+            <a:effectRef idx="0">
+              <a:schemeClr val="accent1"/>
+            </a:effectRef>
+            <a:fontRef idx="minor">
+              <a:schemeClr val="lt1"/>
+            </a:fontRef>
+          </p:style>
+          <p:txBody>
+            <a:bodyPr rtlCol="0" anchor="ctr"/>
+            <a:lstStyle/>
+            <a:p>
+              <a:pPr algn="ctr"/>
+              <a:endParaRPr lang="en-US"/>
+            </a:p>
+          </p:txBody>
+        </p:sp>
+        <p:sp>
+          <p:nvSpPr>
+            <p:cNvPr id="13" name="TextBox 12">
+              <a:extLst>
+                <a:ext uri="{FF2B5EF4-FFF2-40B4-BE49-F238E27FC236}">
+                  <a16:creationId xmlns:a16="http://schemas.microsoft.com/office/drawing/2014/main" id="{A2C5B00D-14E6-6472-604F-8F691FFF6338}"/>
+                </a:ext>
+              </a:extLst>
+            </p:cNvPr>
+            <p:cNvSpPr txBox="1"/>
+            <p:nvPr/>
+          </p:nvSpPr>
+          <p:spPr>
+            <a:xfrm>
+              <a:off x="7765752" y="3197963"/>
+              <a:ext cx="862200" cy="276999"/>
+            </a:xfrm>
+            <a:prstGeom prst="rect">
+              <a:avLst/>
+            </a:prstGeom>
+            <a:noFill/>
+          </p:spPr>
+          <p:txBody>
+            <a:bodyPr wrap="square">
+              <a:spAutoFit/>
+            </a:bodyPr>
+            <a:lstStyle/>
+            <a:p>
+              <a:r>
+                <a:rPr lang="en-US" altLang="zh-CN" sz="1200"/>
+                <a:t>Fatty</a:t>
+              </a:r>
+              <a:r>
+                <a:rPr lang="zh-CN" altLang="en-US" sz="1200"/>
+                <a:t> </a:t>
+              </a:r>
+              <a:r>
+                <a:rPr lang="en-US" altLang="zh-CN" sz="1200"/>
+                <a:t>Acid</a:t>
+              </a:r>
+              <a:endParaRPr lang="en-US" sz="1200"/>
+            </a:p>
+          </p:txBody>
+        </p:sp>
+        <p:sp>
+          <p:nvSpPr>
+            <p:cNvPr id="14" name="Can 13">
+              <a:extLst>
+                <a:ext uri="{FF2B5EF4-FFF2-40B4-BE49-F238E27FC236}">
+                  <a16:creationId xmlns:a16="http://schemas.microsoft.com/office/drawing/2014/main" id="{82687A01-36F1-5DC6-28DA-D85F86CF862B}"/>
+                </a:ext>
+              </a:extLst>
+            </p:cNvPr>
+            <p:cNvSpPr/>
+            <p:nvPr/>
+          </p:nvSpPr>
+          <p:spPr>
+            <a:xfrm rot="6790259">
+              <a:off x="7707114" y="4275470"/>
+              <a:ext cx="144000" cy="213856"/>
+            </a:xfrm>
+            <a:prstGeom prst="can">
+              <a:avLst/>
+            </a:prstGeom>
+            <a:solidFill>
+              <a:srgbClr val="13294B"/>
+            </a:solidFill>
+          </p:spPr>
+          <p:style>
+            <a:lnRef idx="2">
+              <a:schemeClr val="accent1">
+                <a:shade val="50000"/>
+              </a:schemeClr>
+            </a:lnRef>
+            <a:fillRef idx="1">
+              <a:schemeClr val="accent1"/>
+            </a:fillRef>
+            <a:effectRef idx="0">
+              <a:schemeClr val="accent1"/>
+            </a:effectRef>
+            <a:fontRef idx="minor">
+              <a:schemeClr val="lt1"/>
+            </a:fontRef>
+          </p:style>
+          <p:txBody>
+            <a:bodyPr rtlCol="0" anchor="ctr"/>
+            <a:lstStyle/>
+            <a:p>
+              <a:pPr algn="ctr"/>
+              <a:endParaRPr lang="en-US"/>
+            </a:p>
+          </p:txBody>
+        </p:sp>
+        <p:sp>
+          <p:nvSpPr>
+            <p:cNvPr id="15" name="TextBox 14">
+              <a:extLst>
+                <a:ext uri="{FF2B5EF4-FFF2-40B4-BE49-F238E27FC236}">
+                  <a16:creationId xmlns:a16="http://schemas.microsoft.com/office/drawing/2014/main" id="{D7C966B2-F2C4-84CB-4861-9B58F4BA1423}"/>
+                </a:ext>
+              </a:extLst>
+            </p:cNvPr>
+            <p:cNvSpPr txBox="1"/>
+            <p:nvPr/>
+          </p:nvSpPr>
+          <p:spPr>
+            <a:xfrm>
+              <a:off x="7852374" y="4121794"/>
+              <a:ext cx="1059325" cy="276999"/>
+            </a:xfrm>
+            <a:prstGeom prst="rect">
+              <a:avLst/>
+            </a:prstGeom>
+            <a:noFill/>
+          </p:spPr>
+          <p:txBody>
+            <a:bodyPr wrap="square">
+              <a:spAutoFit/>
+            </a:bodyPr>
+            <a:lstStyle/>
+            <a:p>
+              <a:r>
+                <a:rPr lang="en-US" altLang="zh-CN" sz="1200" dirty="0"/>
+                <a:t>Amino</a:t>
+              </a:r>
+              <a:r>
+                <a:rPr lang="zh-CN" altLang="en-US" sz="1200" dirty="0"/>
+                <a:t> </a:t>
+              </a:r>
+              <a:r>
+                <a:rPr lang="en-US" altLang="zh-CN" sz="1200" dirty="0"/>
+                <a:t>Acid</a:t>
+              </a:r>
+              <a:endParaRPr lang="en-US" sz="1200" dirty="0"/>
+            </a:p>
+          </p:txBody>
+        </p:sp>
+      </p:grpSp>
+    </p:spTree>
+    <p:extLst>
+      <p:ext uri="{BB962C8B-B14F-4D97-AF65-F5344CB8AC3E}">
+        <p14:creationId xmlns:p14="http://schemas.microsoft.com/office/powerpoint/2010/main" val="779650603"/>
+      </p:ext>
+    </p:extLst>
+  </p:cSld>
+  <p:clrMapOvr>
+    <a:masterClrMapping/>
+  </p:clrMapOvr>
+</p:sld>
+</file>
+
+<file path=ppt/slides/slide5.xml><?xml version="1.0" encoding="utf-8"?>
+<p:sld xmlns:a="http://schemas.openxmlformats.org/drawingml/2006/main" xmlns:r="http://schemas.openxmlformats.org/officeDocument/2006/relationships" xmlns:p="http://schemas.openxmlformats.org/presentationml/2006/main">
+  <p:cSld>
+    <p:spTree>
+      <p:nvGrpSpPr>
+        <p:cNvPr id="1" name=""/>
+        <p:cNvGrpSpPr/>
+        <p:nvPr/>
+      </p:nvGrpSpPr>
+      <p:grpSpPr>
+        <a:xfrm>
+          <a:off x="0" y="0"/>
+          <a:ext cx="0" cy="0"/>
+          <a:chOff x="0" y="0"/>
+          <a:chExt cx="0" cy="0"/>
+        </a:xfrm>
+      </p:grpSpPr>
+      <p:sp>
+        <p:nvSpPr>
+          <p:cNvPr id="17" name="Rectangle 16">
+            <a:extLst>
+              <a:ext uri="{FF2B5EF4-FFF2-40B4-BE49-F238E27FC236}">
+                <a16:creationId xmlns:a16="http://schemas.microsoft.com/office/drawing/2014/main" id="{EA8DECB8-4B0B-D562-E7C9-A83A1EBDD45A}"/>
+              </a:ext>
+            </a:extLst>
+          </p:cNvPr>
+          <p:cNvSpPr/>
+          <p:nvPr/>
+        </p:nvSpPr>
+        <p:spPr>
+          <a:xfrm>
+            <a:off x="0" y="804041"/>
+            <a:ext cx="11997559" cy="5320240"/>
+          </a:xfrm>
+          <a:prstGeom prst="rect">
+            <a:avLst/>
+          </a:prstGeom>
+          <a:ln>
+            <a:noFill/>
+          </a:ln>
+        </p:spPr>
+        <p:style>
+          <a:lnRef idx="2">
+            <a:schemeClr val="accent6"/>
+          </a:lnRef>
+          <a:fillRef idx="1">
+            <a:schemeClr val="lt1"/>
+          </a:fillRef>
+          <a:effectRef idx="0">
+            <a:schemeClr val="accent6"/>
+          </a:effectRef>
+          <a:fontRef idx="minor">
+            <a:schemeClr val="dk1"/>
+          </a:fontRef>
+        </p:style>
+        <p:txBody>
+          <a:bodyPr rtlCol="0" anchor="ctr"/>
+          <a:lstStyle/>
+          <a:p>
+            <a:pPr algn="ctr"/>
+            <a:endParaRPr lang="en-US" dirty="0"/>
+          </a:p>
+        </p:txBody>
+      </p:sp>
+      <p:grpSp>
+        <p:nvGrpSpPr>
+          <p:cNvPr id="2" name="Group 1">
+            <a:extLst>
+              <a:ext uri="{FF2B5EF4-FFF2-40B4-BE49-F238E27FC236}">
+                <a16:creationId xmlns:a16="http://schemas.microsoft.com/office/drawing/2014/main" id="{7CC18684-D08D-1A4A-E997-39B94E058DF3}"/>
+              </a:ext>
+            </a:extLst>
+          </p:cNvPr>
+          <p:cNvGrpSpPr/>
+          <p:nvPr/>
+        </p:nvGrpSpPr>
+        <p:grpSpPr>
+          <a:xfrm>
+            <a:off x="316853" y="1226011"/>
+            <a:ext cx="5817237" cy="4424888"/>
+            <a:chOff x="5376533" y="1018747"/>
+            <a:chExt cx="5817237" cy="4424888"/>
+          </a:xfrm>
+        </p:grpSpPr>
+        <p:pic>
+          <p:nvPicPr>
+            <p:cNvPr id="4" name="Picture 3" descr="A diagram of dna polymerase&#10;&#10;Description automatically generated">
+              <a:extLst>
+                <a:ext uri="{FF2B5EF4-FFF2-40B4-BE49-F238E27FC236}">
+                  <a16:creationId xmlns:a16="http://schemas.microsoft.com/office/drawing/2014/main" id="{B9EBC574-0C09-37D0-D28E-5486E5A159E9}"/>
+                </a:ext>
+              </a:extLst>
+            </p:cNvPr>
+            <p:cNvPicPr>
+              <a:picLocks noChangeAspect="1"/>
+            </p:cNvPicPr>
+            <p:nvPr/>
+          </p:nvPicPr>
+          <p:blipFill>
+            <a:blip r:embed="rId2"/>
+            <a:stretch>
+              <a:fillRect/>
+            </a:stretch>
+          </p:blipFill>
+          <p:spPr>
+            <a:xfrm>
+              <a:off x="6583605" y="1364172"/>
+              <a:ext cx="3343476" cy="4079463"/>
+            </a:xfrm>
+            <a:prstGeom prst="rect">
+              <a:avLst/>
+            </a:prstGeom>
+          </p:spPr>
+        </p:pic>
+        <p:sp>
+          <p:nvSpPr>
+            <p:cNvPr id="5" name="Striped Right Arrow 4">
+              <a:extLst>
+                <a:ext uri="{FF2B5EF4-FFF2-40B4-BE49-F238E27FC236}">
+                  <a16:creationId xmlns:a16="http://schemas.microsoft.com/office/drawing/2014/main" id="{645DB722-E1BC-A631-BB4B-F3C256FEEAFB}"/>
+                </a:ext>
+              </a:extLst>
+            </p:cNvPr>
+            <p:cNvSpPr/>
+            <p:nvPr/>
+          </p:nvSpPr>
+          <p:spPr>
+            <a:xfrm rot="9013223">
+              <a:off x="6732017" y="4217537"/>
+              <a:ext cx="999022" cy="270000"/>
+            </a:xfrm>
+            <a:prstGeom prst="stripedRightArrow">
+              <a:avLst/>
+            </a:prstGeom>
+            <a:solidFill>
+              <a:srgbClr val="F9AF56"/>
+            </a:solidFill>
+          </p:spPr>
+          <p:style>
+            <a:lnRef idx="2">
+              <a:schemeClr val="accent1">
+                <a:shade val="50000"/>
+              </a:schemeClr>
+            </a:lnRef>
+            <a:fillRef idx="1">
+              <a:schemeClr val="accent1"/>
+            </a:fillRef>
+            <a:effectRef idx="0">
+              <a:schemeClr val="accent1"/>
+            </a:effectRef>
+            <a:fontRef idx="minor">
+              <a:schemeClr val="lt1"/>
+            </a:fontRef>
+          </p:style>
+          <p:txBody>
+            <a:bodyPr rtlCol="0" anchor="ctr"/>
+            <a:lstStyle>
+              <a:defPPr>
+                <a:defRPr lang="en-US"/>
+              </a:defPPr>
+              <a:lvl1pPr marL="0" algn="l" defTabSz="914400" rtl="0" eaLnBrk="1" latinLnBrk="0" hangingPunct="1">
+                <a:defRPr sz="1800" kern="1200">
+                  <a:solidFill>
+                    <a:schemeClr val="lt1"/>
+                  </a:solidFill>
+                  <a:latin typeface="+mn-lt"/>
+                  <a:ea typeface="+mn-ea"/>
+                  <a:cs typeface="+mn-cs"/>
+                </a:defRPr>
+              </a:lvl1pPr>
+              <a:lvl2pPr marL="457200" algn="l" defTabSz="914400" rtl="0" eaLnBrk="1" latinLnBrk="0" hangingPunct="1">
+                <a:defRPr sz="1800" kern="1200">
+                  <a:solidFill>
+                    <a:schemeClr val="lt1"/>
+                  </a:solidFill>
+                  <a:latin typeface="+mn-lt"/>
+                  <a:ea typeface="+mn-ea"/>
+                  <a:cs typeface="+mn-cs"/>
+                </a:defRPr>
+              </a:lvl2pPr>
+              <a:lvl3pPr marL="914400" algn="l" defTabSz="914400" rtl="0" eaLnBrk="1" latinLnBrk="0" hangingPunct="1">
+                <a:defRPr sz="1800" kern="1200">
+                  <a:solidFill>
+                    <a:schemeClr val="lt1"/>
+                  </a:solidFill>
+                  <a:latin typeface="+mn-lt"/>
+                  <a:ea typeface="+mn-ea"/>
+                  <a:cs typeface="+mn-cs"/>
+                </a:defRPr>
+              </a:lvl3pPr>
+              <a:lvl4pPr marL="1371600" algn="l" defTabSz="914400" rtl="0" eaLnBrk="1" latinLnBrk="0" hangingPunct="1">
+                <a:defRPr sz="1800" kern="1200">
+                  <a:solidFill>
+                    <a:schemeClr val="lt1"/>
+                  </a:solidFill>
+                  <a:latin typeface="+mn-lt"/>
+                  <a:ea typeface="+mn-ea"/>
+                  <a:cs typeface="+mn-cs"/>
+                </a:defRPr>
+              </a:lvl4pPr>
+              <a:lvl5pPr marL="1828800" algn="l" defTabSz="914400" rtl="0" eaLnBrk="1" latinLnBrk="0" hangingPunct="1">
+                <a:defRPr sz="1800" kern="1200">
+                  <a:solidFill>
+                    <a:schemeClr val="lt1"/>
+                  </a:solidFill>
+                  <a:latin typeface="+mn-lt"/>
+                  <a:ea typeface="+mn-ea"/>
+                  <a:cs typeface="+mn-cs"/>
+                </a:defRPr>
+              </a:lvl5pPr>
+              <a:lvl6pPr marL="2286000" algn="l" defTabSz="914400" rtl="0" eaLnBrk="1" latinLnBrk="0" hangingPunct="1">
+                <a:defRPr sz="1800" kern="1200">
+                  <a:solidFill>
+                    <a:schemeClr val="lt1"/>
+                  </a:solidFill>
+                  <a:latin typeface="+mn-lt"/>
+                  <a:ea typeface="+mn-ea"/>
+                  <a:cs typeface="+mn-cs"/>
+                </a:defRPr>
+              </a:lvl6pPr>
+              <a:lvl7pPr marL="2743200" algn="l" defTabSz="914400" rtl="0" eaLnBrk="1" latinLnBrk="0" hangingPunct="1">
+                <a:defRPr sz="1800" kern="1200">
+                  <a:solidFill>
+                    <a:schemeClr val="lt1"/>
+                  </a:solidFill>
+                  <a:latin typeface="+mn-lt"/>
+                  <a:ea typeface="+mn-ea"/>
+                  <a:cs typeface="+mn-cs"/>
+                </a:defRPr>
+              </a:lvl7pPr>
+              <a:lvl8pPr marL="3200400" algn="l" defTabSz="914400" rtl="0" eaLnBrk="1" latinLnBrk="0" hangingPunct="1">
+                <a:defRPr sz="1800" kern="1200">
+                  <a:solidFill>
+                    <a:schemeClr val="lt1"/>
+                  </a:solidFill>
+                  <a:latin typeface="+mn-lt"/>
+                  <a:ea typeface="+mn-ea"/>
+                  <a:cs typeface="+mn-cs"/>
+                </a:defRPr>
+              </a:lvl8pPr>
+              <a:lvl9pPr marL="3657600" algn="l" defTabSz="914400" rtl="0" eaLnBrk="1" latinLnBrk="0" hangingPunct="1">
+                <a:defRPr sz="1800" kern="1200">
+                  <a:solidFill>
+                    <a:schemeClr val="lt1"/>
+                  </a:solidFill>
+                  <a:latin typeface="+mn-lt"/>
+                  <a:ea typeface="+mn-ea"/>
+                  <a:cs typeface="+mn-cs"/>
+                </a:defRPr>
+              </a:lvl9pPr>
+            </a:lstStyle>
+            <a:p>
+              <a:pPr algn="ctr"/>
+              <a:endParaRPr lang="en-US"/>
+            </a:p>
+          </p:txBody>
+        </p:sp>
+        <p:sp>
+          <p:nvSpPr>
+            <p:cNvPr id="6" name="TextBox 9">
+              <a:extLst>
+                <a:ext uri="{FF2B5EF4-FFF2-40B4-BE49-F238E27FC236}">
+                  <a16:creationId xmlns:a16="http://schemas.microsoft.com/office/drawing/2014/main" id="{8851B36F-07FA-A4B0-2125-04698B4E6BB4}"/>
+                </a:ext>
+              </a:extLst>
+            </p:cNvPr>
+            <p:cNvSpPr txBox="1"/>
+            <p:nvPr/>
+          </p:nvSpPr>
+          <p:spPr>
+            <a:xfrm>
+              <a:off x="6638795" y="4591846"/>
+              <a:ext cx="1436612" cy="338554"/>
+            </a:xfrm>
+            <a:prstGeom prst="rect">
+              <a:avLst/>
+            </a:prstGeom>
+            <a:noFill/>
+          </p:spPr>
+          <p:txBody>
+            <a:bodyPr wrap="none" rtlCol="0">
+              <a:spAutoFit/>
+            </a:bodyPr>
+            <a:lstStyle>
+              <a:defPPr>
+                <a:defRPr lang="en-US"/>
+              </a:defPPr>
+              <a:lvl1pPr marL="0" algn="l" defTabSz="914400" rtl="0" eaLnBrk="1" latinLnBrk="0" hangingPunct="1">
+                <a:defRPr sz="1800" kern="1200">
+                  <a:solidFill>
+                    <a:schemeClr val="tx1"/>
+                  </a:solidFill>
+                  <a:latin typeface="+mn-lt"/>
+                  <a:ea typeface="+mn-ea"/>
+                  <a:cs typeface="+mn-cs"/>
+                </a:defRPr>
+              </a:lvl1pPr>
+              <a:lvl2pPr marL="457200" algn="l" defTabSz="914400" rtl="0" eaLnBrk="1" latinLnBrk="0" hangingPunct="1">
+                <a:defRPr sz="1800" kern="1200">
+                  <a:solidFill>
+                    <a:schemeClr val="tx1"/>
+                  </a:solidFill>
+                  <a:latin typeface="+mn-lt"/>
+                  <a:ea typeface="+mn-ea"/>
+                  <a:cs typeface="+mn-cs"/>
+                </a:defRPr>
+              </a:lvl2pPr>
+              <a:lvl3pPr marL="914400" algn="l" defTabSz="914400" rtl="0" eaLnBrk="1" latinLnBrk="0" hangingPunct="1">
+                <a:defRPr sz="1800" kern="1200">
+                  <a:solidFill>
+                    <a:schemeClr val="tx1"/>
+                  </a:solidFill>
+                  <a:latin typeface="+mn-lt"/>
+                  <a:ea typeface="+mn-ea"/>
+                  <a:cs typeface="+mn-cs"/>
+                </a:defRPr>
+              </a:lvl3pPr>
+              <a:lvl4pPr marL="1371600" algn="l" defTabSz="914400" rtl="0" eaLnBrk="1" latinLnBrk="0" hangingPunct="1">
+                <a:defRPr sz="1800" kern="1200">
+                  <a:solidFill>
+                    <a:schemeClr val="tx1"/>
+                  </a:solidFill>
+                  <a:latin typeface="+mn-lt"/>
+                  <a:ea typeface="+mn-ea"/>
+                  <a:cs typeface="+mn-cs"/>
+                </a:defRPr>
+              </a:lvl4pPr>
+              <a:lvl5pPr marL="1828800" algn="l" defTabSz="914400" rtl="0" eaLnBrk="1" latinLnBrk="0" hangingPunct="1">
+                <a:defRPr sz="1800" kern="1200">
+                  <a:solidFill>
+                    <a:schemeClr val="tx1"/>
+                  </a:solidFill>
+                  <a:latin typeface="+mn-lt"/>
+                  <a:ea typeface="+mn-ea"/>
+                  <a:cs typeface="+mn-cs"/>
+                </a:defRPr>
+              </a:lvl5pPr>
+              <a:lvl6pPr marL="2286000" algn="l" defTabSz="914400" rtl="0" eaLnBrk="1" latinLnBrk="0" hangingPunct="1">
+                <a:defRPr sz="1800" kern="1200">
+                  <a:solidFill>
+                    <a:schemeClr val="tx1"/>
+                  </a:solidFill>
+                  <a:latin typeface="+mn-lt"/>
+                  <a:ea typeface="+mn-ea"/>
+                  <a:cs typeface="+mn-cs"/>
+                </a:defRPr>
+              </a:lvl6pPr>
+              <a:lvl7pPr marL="2743200" algn="l" defTabSz="914400" rtl="0" eaLnBrk="1" latinLnBrk="0" hangingPunct="1">
+                <a:defRPr sz="1800" kern="1200">
+                  <a:solidFill>
+                    <a:schemeClr val="tx1"/>
+                  </a:solidFill>
+                  <a:latin typeface="+mn-lt"/>
+                  <a:ea typeface="+mn-ea"/>
+                  <a:cs typeface="+mn-cs"/>
+                </a:defRPr>
+              </a:lvl7pPr>
+              <a:lvl8pPr marL="3200400" algn="l" defTabSz="914400" rtl="0" eaLnBrk="1" latinLnBrk="0" hangingPunct="1">
+                <a:defRPr sz="1800" kern="1200">
+                  <a:solidFill>
+                    <a:schemeClr val="tx1"/>
+                  </a:solidFill>
+                  <a:latin typeface="+mn-lt"/>
+                  <a:ea typeface="+mn-ea"/>
+                  <a:cs typeface="+mn-cs"/>
+                </a:defRPr>
+              </a:lvl8pPr>
+              <a:lvl9pPr marL="3657600" algn="l" defTabSz="914400" rtl="0" eaLnBrk="1" latinLnBrk="0" hangingPunct="1">
+                <a:defRPr sz="1800" kern="1200">
+                  <a:solidFill>
+                    <a:schemeClr val="tx1"/>
+                  </a:solidFill>
+                  <a:latin typeface="+mn-lt"/>
+                  <a:ea typeface="+mn-ea"/>
+                  <a:cs typeface="+mn-cs"/>
+                </a:defRPr>
+              </a:lvl9pPr>
+            </a:lstStyle>
+            <a:p>
+              <a:r>
+                <a:rPr lang="en-US" altLang="zh-CN" sz="1600" b="1" err="1">
+                  <a:solidFill>
+                    <a:srgbClr val="EC0088"/>
+                  </a:solidFill>
+                </a:rPr>
+                <a:t>Degradosome</a:t>
+              </a:r>
+              <a:endParaRPr lang="en-US" sz="1600" b="1">
+                <a:solidFill>
+                  <a:srgbClr val="EC0088"/>
+                </a:solidFill>
+              </a:endParaRPr>
+            </a:p>
+          </p:txBody>
+        </p:sp>
+        <p:sp>
+          <p:nvSpPr>
+            <p:cNvPr id="7" name="TextBox 10">
+              <a:extLst>
+                <a:ext uri="{FF2B5EF4-FFF2-40B4-BE49-F238E27FC236}">
+                  <a16:creationId xmlns:a16="http://schemas.microsoft.com/office/drawing/2014/main" id="{E52F85DF-6992-76BD-FA3B-AC047B02DF4B}"/>
+                </a:ext>
+              </a:extLst>
+            </p:cNvPr>
+            <p:cNvSpPr txBox="1"/>
+            <p:nvPr/>
+          </p:nvSpPr>
+          <p:spPr>
+            <a:xfrm>
+              <a:off x="5521037" y="4303445"/>
+              <a:ext cx="1462260" cy="523220"/>
+            </a:xfrm>
+            <a:prstGeom prst="rect">
+              <a:avLst/>
+            </a:prstGeom>
+            <a:noFill/>
+          </p:spPr>
+          <p:txBody>
+            <a:bodyPr wrap="none" rtlCol="0">
+              <a:spAutoFit/>
+            </a:bodyPr>
+            <a:lstStyle>
+              <a:defPPr>
+                <a:defRPr lang="en-US"/>
+              </a:defPPr>
+              <a:lvl1pPr marL="0" algn="l" defTabSz="914400" rtl="0" eaLnBrk="1" latinLnBrk="0" hangingPunct="1">
+                <a:defRPr sz="1800" kern="1200">
+                  <a:solidFill>
+                    <a:schemeClr val="tx1"/>
+                  </a:solidFill>
+                  <a:latin typeface="+mn-lt"/>
+                  <a:ea typeface="+mn-ea"/>
+                  <a:cs typeface="+mn-cs"/>
+                </a:defRPr>
+              </a:lvl1pPr>
+              <a:lvl2pPr marL="457200" algn="l" defTabSz="914400" rtl="0" eaLnBrk="1" latinLnBrk="0" hangingPunct="1">
+                <a:defRPr sz="1800" kern="1200">
+                  <a:solidFill>
+                    <a:schemeClr val="tx1"/>
+                  </a:solidFill>
+                  <a:latin typeface="+mn-lt"/>
+                  <a:ea typeface="+mn-ea"/>
+                  <a:cs typeface="+mn-cs"/>
+                </a:defRPr>
+              </a:lvl2pPr>
+              <a:lvl3pPr marL="914400" algn="l" defTabSz="914400" rtl="0" eaLnBrk="1" latinLnBrk="0" hangingPunct="1">
+                <a:defRPr sz="1800" kern="1200">
+                  <a:solidFill>
+                    <a:schemeClr val="tx1"/>
+                  </a:solidFill>
+                  <a:latin typeface="+mn-lt"/>
+                  <a:ea typeface="+mn-ea"/>
+                  <a:cs typeface="+mn-cs"/>
+                </a:defRPr>
+              </a:lvl3pPr>
+              <a:lvl4pPr marL="1371600" algn="l" defTabSz="914400" rtl="0" eaLnBrk="1" latinLnBrk="0" hangingPunct="1">
+                <a:defRPr sz="1800" kern="1200">
+                  <a:solidFill>
+                    <a:schemeClr val="tx1"/>
+                  </a:solidFill>
+                  <a:latin typeface="+mn-lt"/>
+                  <a:ea typeface="+mn-ea"/>
+                  <a:cs typeface="+mn-cs"/>
+                </a:defRPr>
+              </a:lvl4pPr>
+              <a:lvl5pPr marL="1828800" algn="l" defTabSz="914400" rtl="0" eaLnBrk="1" latinLnBrk="0" hangingPunct="1">
+                <a:defRPr sz="1800" kern="1200">
+                  <a:solidFill>
+                    <a:schemeClr val="tx1"/>
+                  </a:solidFill>
+                  <a:latin typeface="+mn-lt"/>
+                  <a:ea typeface="+mn-ea"/>
+                  <a:cs typeface="+mn-cs"/>
+                </a:defRPr>
+              </a:lvl5pPr>
+              <a:lvl6pPr marL="2286000" algn="l" defTabSz="914400" rtl="0" eaLnBrk="1" latinLnBrk="0" hangingPunct="1">
+                <a:defRPr sz="1800" kern="1200">
+                  <a:solidFill>
+                    <a:schemeClr val="tx1"/>
+                  </a:solidFill>
+                  <a:latin typeface="+mn-lt"/>
+                  <a:ea typeface="+mn-ea"/>
+                  <a:cs typeface="+mn-cs"/>
+                </a:defRPr>
+              </a:lvl6pPr>
+              <a:lvl7pPr marL="2743200" algn="l" defTabSz="914400" rtl="0" eaLnBrk="1" latinLnBrk="0" hangingPunct="1">
+                <a:defRPr sz="1800" kern="1200">
+                  <a:solidFill>
+                    <a:schemeClr val="tx1"/>
+                  </a:solidFill>
+                  <a:latin typeface="+mn-lt"/>
+                  <a:ea typeface="+mn-ea"/>
+                  <a:cs typeface="+mn-cs"/>
+                </a:defRPr>
+              </a:lvl7pPr>
+              <a:lvl8pPr marL="3200400" algn="l" defTabSz="914400" rtl="0" eaLnBrk="1" latinLnBrk="0" hangingPunct="1">
+                <a:defRPr sz="1800" kern="1200">
+                  <a:solidFill>
+                    <a:schemeClr val="tx1"/>
+                  </a:solidFill>
+                  <a:latin typeface="+mn-lt"/>
+                  <a:ea typeface="+mn-ea"/>
+                  <a:cs typeface="+mn-cs"/>
+                </a:defRPr>
+              </a:lvl8pPr>
+              <a:lvl9pPr marL="3657600" algn="l" defTabSz="914400" rtl="0" eaLnBrk="1" latinLnBrk="0" hangingPunct="1">
+                <a:defRPr sz="1800" kern="1200">
+                  <a:solidFill>
+                    <a:schemeClr val="tx1"/>
+                  </a:solidFill>
+                  <a:latin typeface="+mn-lt"/>
+                  <a:ea typeface="+mn-ea"/>
+                  <a:cs typeface="+mn-cs"/>
+                </a:defRPr>
+              </a:lvl9pPr>
+            </a:lstStyle>
+            <a:p>
+              <a:r>
+                <a:rPr lang="en-US" altLang="zh-CN" sz="1400" b="1"/>
+                <a:t>Degradation</a:t>
+              </a:r>
+            </a:p>
+            <a:p>
+              <a:r>
+                <a:rPr lang="en-US" altLang="zh-CN" sz="1400" b="1"/>
+                <a:t>(mRNA</a:t>
+              </a:r>
+              <a:r>
+                <a:rPr lang="zh-CN" altLang="en-US" sz="1400" b="1"/>
+                <a:t> </a:t>
+              </a:r>
+              <a:r>
+                <a:rPr lang="en-US" altLang="zh-CN" sz="1400" b="1"/>
+                <a:t>-&gt;</a:t>
+              </a:r>
+              <a:r>
+                <a:rPr lang="zh-CN" altLang="en-US" sz="1400" b="1"/>
+                <a:t> </a:t>
+              </a:r>
+              <a:r>
+                <a:rPr lang="en-US" altLang="zh-CN" sz="1400" b="1"/>
+                <a:t>NMPs)</a:t>
+              </a:r>
+              <a:endParaRPr lang="en-US" sz="1400" b="1"/>
+            </a:p>
+          </p:txBody>
+        </p:sp>
+        <p:sp>
+          <p:nvSpPr>
+            <p:cNvPr id="8" name="TextBox 14">
+              <a:extLst>
+                <a:ext uri="{FF2B5EF4-FFF2-40B4-BE49-F238E27FC236}">
+                  <a16:creationId xmlns:a16="http://schemas.microsoft.com/office/drawing/2014/main" id="{F7114F65-961C-134F-D5E2-27FA479FAFEA}"/>
+                </a:ext>
+              </a:extLst>
+            </p:cNvPr>
+            <p:cNvSpPr txBox="1"/>
+            <p:nvPr/>
+          </p:nvSpPr>
+          <p:spPr>
+            <a:xfrm>
+              <a:off x="8697888" y="1382252"/>
+              <a:ext cx="867482" cy="307777"/>
+            </a:xfrm>
+            <a:prstGeom prst="rect">
+              <a:avLst/>
+            </a:prstGeom>
+            <a:noFill/>
+          </p:spPr>
+          <p:txBody>
+            <a:bodyPr wrap="none" rtlCol="0">
+              <a:spAutoFit/>
+            </a:bodyPr>
+            <a:lstStyle>
+              <a:defPPr>
+                <a:defRPr lang="en-US"/>
+              </a:defPPr>
+              <a:lvl1pPr marL="0" algn="l" defTabSz="914400" rtl="0" eaLnBrk="1" latinLnBrk="0" hangingPunct="1">
+                <a:defRPr sz="1800" kern="1200">
+                  <a:solidFill>
+                    <a:schemeClr val="tx1"/>
+                  </a:solidFill>
+                  <a:latin typeface="+mn-lt"/>
+                  <a:ea typeface="+mn-ea"/>
+                  <a:cs typeface="+mn-cs"/>
+                </a:defRPr>
+              </a:lvl1pPr>
+              <a:lvl2pPr marL="457200" algn="l" defTabSz="914400" rtl="0" eaLnBrk="1" latinLnBrk="0" hangingPunct="1">
+                <a:defRPr sz="1800" kern="1200">
+                  <a:solidFill>
+                    <a:schemeClr val="tx1"/>
+                  </a:solidFill>
+                  <a:latin typeface="+mn-lt"/>
+                  <a:ea typeface="+mn-ea"/>
+                  <a:cs typeface="+mn-cs"/>
+                </a:defRPr>
+              </a:lvl2pPr>
+              <a:lvl3pPr marL="914400" algn="l" defTabSz="914400" rtl="0" eaLnBrk="1" latinLnBrk="0" hangingPunct="1">
+                <a:defRPr sz="1800" kern="1200">
+                  <a:solidFill>
+                    <a:schemeClr val="tx1"/>
+                  </a:solidFill>
+                  <a:latin typeface="+mn-lt"/>
+                  <a:ea typeface="+mn-ea"/>
+                  <a:cs typeface="+mn-cs"/>
+                </a:defRPr>
+              </a:lvl3pPr>
+              <a:lvl4pPr marL="1371600" algn="l" defTabSz="914400" rtl="0" eaLnBrk="1" latinLnBrk="0" hangingPunct="1">
+                <a:defRPr sz="1800" kern="1200">
+                  <a:solidFill>
+                    <a:schemeClr val="tx1"/>
+                  </a:solidFill>
+                  <a:latin typeface="+mn-lt"/>
+                  <a:ea typeface="+mn-ea"/>
+                  <a:cs typeface="+mn-cs"/>
+                </a:defRPr>
+              </a:lvl4pPr>
+              <a:lvl5pPr marL="1828800" algn="l" defTabSz="914400" rtl="0" eaLnBrk="1" latinLnBrk="0" hangingPunct="1">
+                <a:defRPr sz="1800" kern="1200">
+                  <a:solidFill>
+                    <a:schemeClr val="tx1"/>
+                  </a:solidFill>
+                  <a:latin typeface="+mn-lt"/>
+                  <a:ea typeface="+mn-ea"/>
+                  <a:cs typeface="+mn-cs"/>
+                </a:defRPr>
+              </a:lvl5pPr>
+              <a:lvl6pPr marL="2286000" algn="l" defTabSz="914400" rtl="0" eaLnBrk="1" latinLnBrk="0" hangingPunct="1">
+                <a:defRPr sz="1800" kern="1200">
+                  <a:solidFill>
+                    <a:schemeClr val="tx1"/>
+                  </a:solidFill>
+                  <a:latin typeface="+mn-lt"/>
+                  <a:ea typeface="+mn-ea"/>
+                  <a:cs typeface="+mn-cs"/>
+                </a:defRPr>
+              </a:lvl6pPr>
+              <a:lvl7pPr marL="2743200" algn="l" defTabSz="914400" rtl="0" eaLnBrk="1" latinLnBrk="0" hangingPunct="1">
+                <a:defRPr sz="1800" kern="1200">
+                  <a:solidFill>
+                    <a:schemeClr val="tx1"/>
+                  </a:solidFill>
+                  <a:latin typeface="+mn-lt"/>
+                  <a:ea typeface="+mn-ea"/>
+                  <a:cs typeface="+mn-cs"/>
+                </a:defRPr>
+              </a:lvl7pPr>
+              <a:lvl8pPr marL="3200400" algn="l" defTabSz="914400" rtl="0" eaLnBrk="1" latinLnBrk="0" hangingPunct="1">
+                <a:defRPr sz="1800" kern="1200">
+                  <a:solidFill>
+                    <a:schemeClr val="tx1"/>
+                  </a:solidFill>
+                  <a:latin typeface="+mn-lt"/>
+                  <a:ea typeface="+mn-ea"/>
+                  <a:cs typeface="+mn-cs"/>
+                </a:defRPr>
+              </a:lvl8pPr>
+              <a:lvl9pPr marL="3657600" algn="l" defTabSz="914400" rtl="0" eaLnBrk="1" latinLnBrk="0" hangingPunct="1">
+                <a:defRPr sz="1800" kern="1200">
+                  <a:solidFill>
+                    <a:schemeClr val="tx1"/>
+                  </a:solidFill>
+                  <a:latin typeface="+mn-lt"/>
+                  <a:ea typeface="+mn-ea"/>
+                  <a:cs typeface="+mn-cs"/>
+                </a:defRPr>
+              </a:lvl9pPr>
+            </a:lstStyle>
+            <a:p>
+              <a:r>
+                <a:rPr lang="en-US" altLang="zh-CN" sz="1400" b="1"/>
+                <a:t>Initiation</a:t>
+              </a:r>
+              <a:endParaRPr lang="en-US" sz="1400" b="1"/>
+            </a:p>
+          </p:txBody>
+        </p:sp>
+        <p:sp>
+          <p:nvSpPr>
+            <p:cNvPr id="9" name="TextBox 21">
+              <a:extLst>
+                <a:ext uri="{FF2B5EF4-FFF2-40B4-BE49-F238E27FC236}">
+                  <a16:creationId xmlns:a16="http://schemas.microsoft.com/office/drawing/2014/main" id="{BB010B11-3A6D-907B-72CF-EDBC81A615BC}"/>
+                </a:ext>
+              </a:extLst>
+            </p:cNvPr>
+            <p:cNvSpPr txBox="1"/>
+            <p:nvPr/>
+          </p:nvSpPr>
+          <p:spPr>
+            <a:xfrm>
+              <a:off x="6458361" y="1018747"/>
+              <a:ext cx="898003" cy="338554"/>
+            </a:xfrm>
+            <a:prstGeom prst="rect">
+              <a:avLst/>
+            </a:prstGeom>
+            <a:noFill/>
+          </p:spPr>
+          <p:txBody>
+            <a:bodyPr wrap="none" rtlCol="0">
+              <a:spAutoFit/>
+            </a:bodyPr>
+            <a:lstStyle>
+              <a:defPPr>
+                <a:defRPr lang="en-US"/>
+              </a:defPPr>
+              <a:lvl1pPr marL="0" algn="l" defTabSz="914400" rtl="0" eaLnBrk="1" latinLnBrk="0" hangingPunct="1">
+                <a:defRPr sz="1800" kern="1200">
+                  <a:solidFill>
+                    <a:schemeClr val="tx1"/>
+                  </a:solidFill>
+                  <a:latin typeface="+mn-lt"/>
+                  <a:ea typeface="+mn-ea"/>
+                  <a:cs typeface="+mn-cs"/>
+                </a:defRPr>
+              </a:lvl1pPr>
+              <a:lvl2pPr marL="457200" algn="l" defTabSz="914400" rtl="0" eaLnBrk="1" latinLnBrk="0" hangingPunct="1">
+                <a:defRPr sz="1800" kern="1200">
+                  <a:solidFill>
+                    <a:schemeClr val="tx1"/>
+                  </a:solidFill>
+                  <a:latin typeface="+mn-lt"/>
+                  <a:ea typeface="+mn-ea"/>
+                  <a:cs typeface="+mn-cs"/>
+                </a:defRPr>
+              </a:lvl2pPr>
+              <a:lvl3pPr marL="914400" algn="l" defTabSz="914400" rtl="0" eaLnBrk="1" latinLnBrk="0" hangingPunct="1">
+                <a:defRPr sz="1800" kern="1200">
+                  <a:solidFill>
+                    <a:schemeClr val="tx1"/>
+                  </a:solidFill>
+                  <a:latin typeface="+mn-lt"/>
+                  <a:ea typeface="+mn-ea"/>
+                  <a:cs typeface="+mn-cs"/>
+                </a:defRPr>
+              </a:lvl3pPr>
+              <a:lvl4pPr marL="1371600" algn="l" defTabSz="914400" rtl="0" eaLnBrk="1" latinLnBrk="0" hangingPunct="1">
+                <a:defRPr sz="1800" kern="1200">
+                  <a:solidFill>
+                    <a:schemeClr val="tx1"/>
+                  </a:solidFill>
+                  <a:latin typeface="+mn-lt"/>
+                  <a:ea typeface="+mn-ea"/>
+                  <a:cs typeface="+mn-cs"/>
+                </a:defRPr>
+              </a:lvl4pPr>
+              <a:lvl5pPr marL="1828800" algn="l" defTabSz="914400" rtl="0" eaLnBrk="1" latinLnBrk="0" hangingPunct="1">
+                <a:defRPr sz="1800" kern="1200">
+                  <a:solidFill>
+                    <a:schemeClr val="tx1"/>
+                  </a:solidFill>
+                  <a:latin typeface="+mn-lt"/>
+                  <a:ea typeface="+mn-ea"/>
+                  <a:cs typeface="+mn-cs"/>
+                </a:defRPr>
+              </a:lvl5pPr>
+              <a:lvl6pPr marL="2286000" algn="l" defTabSz="914400" rtl="0" eaLnBrk="1" latinLnBrk="0" hangingPunct="1">
+                <a:defRPr sz="1800" kern="1200">
+                  <a:solidFill>
+                    <a:schemeClr val="tx1"/>
+                  </a:solidFill>
+                  <a:latin typeface="+mn-lt"/>
+                  <a:ea typeface="+mn-ea"/>
+                  <a:cs typeface="+mn-cs"/>
+                </a:defRPr>
+              </a:lvl6pPr>
+              <a:lvl7pPr marL="2743200" algn="l" defTabSz="914400" rtl="0" eaLnBrk="1" latinLnBrk="0" hangingPunct="1">
+                <a:defRPr sz="1800" kern="1200">
+                  <a:solidFill>
+                    <a:schemeClr val="tx1"/>
+                  </a:solidFill>
+                  <a:latin typeface="+mn-lt"/>
+                  <a:ea typeface="+mn-ea"/>
+                  <a:cs typeface="+mn-cs"/>
+                </a:defRPr>
+              </a:lvl7pPr>
+              <a:lvl8pPr marL="3200400" algn="l" defTabSz="914400" rtl="0" eaLnBrk="1" latinLnBrk="0" hangingPunct="1">
+                <a:defRPr sz="1800" kern="1200">
+                  <a:solidFill>
+                    <a:schemeClr val="tx1"/>
+                  </a:solidFill>
+                  <a:latin typeface="+mn-lt"/>
+                  <a:ea typeface="+mn-ea"/>
+                  <a:cs typeface="+mn-cs"/>
+                </a:defRPr>
+              </a:lvl8pPr>
+              <a:lvl9pPr marL="3657600" algn="l" defTabSz="914400" rtl="0" eaLnBrk="1" latinLnBrk="0" hangingPunct="1">
+                <a:defRPr sz="1800" kern="1200">
+                  <a:solidFill>
+                    <a:schemeClr val="tx1"/>
+                  </a:solidFill>
+                  <a:latin typeface="+mn-lt"/>
+                  <a:ea typeface="+mn-ea"/>
+                  <a:cs typeface="+mn-cs"/>
+                </a:defRPr>
+              </a:lvl9pPr>
+            </a:lstStyle>
+            <a:p>
+              <a:r>
+                <a:rPr lang="en-US" altLang="zh-CN" sz="1600" b="1">
+                  <a:solidFill>
+                    <a:srgbClr val="EC0088"/>
+                  </a:solidFill>
+                </a:rPr>
+                <a:t>Enzyme</a:t>
+              </a:r>
+              <a:endParaRPr lang="en-US" sz="1600" b="1">
+                <a:solidFill>
+                  <a:srgbClr val="EC0088"/>
+                </a:solidFill>
+              </a:endParaRPr>
+            </a:p>
+          </p:txBody>
+        </p:sp>
+        <p:sp>
+          <p:nvSpPr>
+            <p:cNvPr id="10" name="TextBox 23">
+              <a:extLst>
+                <a:ext uri="{FF2B5EF4-FFF2-40B4-BE49-F238E27FC236}">
+                  <a16:creationId xmlns:a16="http://schemas.microsoft.com/office/drawing/2014/main" id="{8D0C2F8E-4983-DC95-5392-9CDEA884AFA8}"/>
+                </a:ext>
+              </a:extLst>
+            </p:cNvPr>
+            <p:cNvSpPr txBox="1"/>
+            <p:nvPr/>
+          </p:nvSpPr>
+          <p:spPr>
+            <a:xfrm>
+              <a:off x="8759432" y="1029010"/>
+              <a:ext cx="1048685" cy="338554"/>
+            </a:xfrm>
+            <a:prstGeom prst="rect">
+              <a:avLst/>
+            </a:prstGeom>
+            <a:noFill/>
+          </p:spPr>
+          <p:txBody>
+            <a:bodyPr wrap="none" rtlCol="0">
+              <a:spAutoFit/>
+            </a:bodyPr>
+            <a:lstStyle>
+              <a:defPPr>
+                <a:defRPr lang="en-US"/>
+              </a:defPPr>
+              <a:lvl1pPr marL="0" algn="l" defTabSz="914400" rtl="0" eaLnBrk="1" latinLnBrk="0" hangingPunct="1">
+                <a:defRPr sz="1800" kern="1200">
+                  <a:solidFill>
+                    <a:schemeClr val="tx1"/>
+                  </a:solidFill>
+                  <a:latin typeface="+mn-lt"/>
+                  <a:ea typeface="+mn-ea"/>
+                  <a:cs typeface="+mn-cs"/>
+                </a:defRPr>
+              </a:lvl1pPr>
+              <a:lvl2pPr marL="457200" algn="l" defTabSz="914400" rtl="0" eaLnBrk="1" latinLnBrk="0" hangingPunct="1">
+                <a:defRPr sz="1800" kern="1200">
+                  <a:solidFill>
+                    <a:schemeClr val="tx1"/>
+                  </a:solidFill>
+                  <a:latin typeface="+mn-lt"/>
+                  <a:ea typeface="+mn-ea"/>
+                  <a:cs typeface="+mn-cs"/>
+                </a:defRPr>
+              </a:lvl2pPr>
+              <a:lvl3pPr marL="914400" algn="l" defTabSz="914400" rtl="0" eaLnBrk="1" latinLnBrk="0" hangingPunct="1">
+                <a:defRPr sz="1800" kern="1200">
+                  <a:solidFill>
+                    <a:schemeClr val="tx1"/>
+                  </a:solidFill>
+                  <a:latin typeface="+mn-lt"/>
+                  <a:ea typeface="+mn-ea"/>
+                  <a:cs typeface="+mn-cs"/>
+                </a:defRPr>
+              </a:lvl3pPr>
+              <a:lvl4pPr marL="1371600" algn="l" defTabSz="914400" rtl="0" eaLnBrk="1" latinLnBrk="0" hangingPunct="1">
+                <a:defRPr sz="1800" kern="1200">
+                  <a:solidFill>
+                    <a:schemeClr val="tx1"/>
+                  </a:solidFill>
+                  <a:latin typeface="+mn-lt"/>
+                  <a:ea typeface="+mn-ea"/>
+                  <a:cs typeface="+mn-cs"/>
+                </a:defRPr>
+              </a:lvl4pPr>
+              <a:lvl5pPr marL="1828800" algn="l" defTabSz="914400" rtl="0" eaLnBrk="1" latinLnBrk="0" hangingPunct="1">
+                <a:defRPr sz="1800" kern="1200">
+                  <a:solidFill>
+                    <a:schemeClr val="tx1"/>
+                  </a:solidFill>
+                  <a:latin typeface="+mn-lt"/>
+                  <a:ea typeface="+mn-ea"/>
+                  <a:cs typeface="+mn-cs"/>
+                </a:defRPr>
+              </a:lvl5pPr>
+              <a:lvl6pPr marL="2286000" algn="l" defTabSz="914400" rtl="0" eaLnBrk="1" latinLnBrk="0" hangingPunct="1">
+                <a:defRPr sz="1800" kern="1200">
+                  <a:solidFill>
+                    <a:schemeClr val="tx1"/>
+                  </a:solidFill>
+                  <a:latin typeface="+mn-lt"/>
+                  <a:ea typeface="+mn-ea"/>
+                  <a:cs typeface="+mn-cs"/>
+                </a:defRPr>
+              </a:lvl6pPr>
+              <a:lvl7pPr marL="2743200" algn="l" defTabSz="914400" rtl="0" eaLnBrk="1" latinLnBrk="0" hangingPunct="1">
+                <a:defRPr sz="1800" kern="1200">
+                  <a:solidFill>
+                    <a:schemeClr val="tx1"/>
+                  </a:solidFill>
+                  <a:latin typeface="+mn-lt"/>
+                  <a:ea typeface="+mn-ea"/>
+                  <a:cs typeface="+mn-cs"/>
+                </a:defRPr>
+              </a:lvl7pPr>
+              <a:lvl8pPr marL="3200400" algn="l" defTabSz="914400" rtl="0" eaLnBrk="1" latinLnBrk="0" hangingPunct="1">
+                <a:defRPr sz="1800" kern="1200">
+                  <a:solidFill>
+                    <a:schemeClr val="tx1"/>
+                  </a:solidFill>
+                  <a:latin typeface="+mn-lt"/>
+                  <a:ea typeface="+mn-ea"/>
+                  <a:cs typeface="+mn-cs"/>
+                </a:defRPr>
+              </a:lvl8pPr>
+              <a:lvl9pPr marL="3657600" algn="l" defTabSz="914400" rtl="0" eaLnBrk="1" latinLnBrk="0" hangingPunct="1">
+                <a:defRPr sz="1800" kern="1200">
+                  <a:solidFill>
+                    <a:schemeClr val="tx1"/>
+                  </a:solidFill>
+                  <a:latin typeface="+mn-lt"/>
+                  <a:ea typeface="+mn-ea"/>
+                  <a:cs typeface="+mn-cs"/>
+                </a:defRPr>
+              </a:lvl9pPr>
+            </a:lstStyle>
+            <a:p>
+              <a:r>
+                <a:rPr lang="en-US" altLang="zh-CN" sz="1600" b="1">
+                  <a:solidFill>
+                    <a:srgbClr val="0050A5"/>
+                  </a:solidFill>
+                </a:rPr>
+                <a:t>Template</a:t>
+              </a:r>
+              <a:endParaRPr lang="en-US" sz="1600" b="1">
+                <a:solidFill>
+                  <a:srgbClr val="0050A5"/>
+                </a:solidFill>
+              </a:endParaRPr>
+            </a:p>
+          </p:txBody>
+        </p:sp>
+        <p:sp>
+          <p:nvSpPr>
+            <p:cNvPr id="11" name="TextBox 10">
+              <a:extLst>
+                <a:ext uri="{FF2B5EF4-FFF2-40B4-BE49-F238E27FC236}">
+                  <a16:creationId xmlns:a16="http://schemas.microsoft.com/office/drawing/2014/main" id="{822FB1D1-E44B-F87D-96DE-7DE513CB973E}"/>
+                </a:ext>
+              </a:extLst>
+            </p:cNvPr>
+            <p:cNvSpPr txBox="1"/>
+            <p:nvPr/>
+          </p:nvSpPr>
+          <p:spPr>
+            <a:xfrm>
+              <a:off x="9338775" y="3564063"/>
+              <a:ext cx="1854995" cy="523220"/>
+            </a:xfrm>
+            <a:prstGeom prst="rect">
+              <a:avLst/>
+            </a:prstGeom>
+            <a:noFill/>
+          </p:spPr>
+          <p:txBody>
+            <a:bodyPr wrap="none" rtlCol="0">
+              <a:spAutoFit/>
+            </a:bodyPr>
+            <a:lstStyle>
+              <a:defPPr>
+                <a:defRPr lang="en-US"/>
+              </a:defPPr>
+              <a:lvl1pPr marL="0" algn="l" defTabSz="914400" rtl="0" eaLnBrk="1" latinLnBrk="0" hangingPunct="1">
+                <a:defRPr sz="1800" kern="1200">
+                  <a:solidFill>
+                    <a:schemeClr val="tx1"/>
+                  </a:solidFill>
+                  <a:latin typeface="+mn-lt"/>
+                  <a:ea typeface="+mn-ea"/>
+                  <a:cs typeface="+mn-cs"/>
+                </a:defRPr>
+              </a:lvl1pPr>
+              <a:lvl2pPr marL="457200" algn="l" defTabSz="914400" rtl="0" eaLnBrk="1" latinLnBrk="0" hangingPunct="1">
+                <a:defRPr sz="1800" kern="1200">
+                  <a:solidFill>
+                    <a:schemeClr val="tx1"/>
+                  </a:solidFill>
+                  <a:latin typeface="+mn-lt"/>
+                  <a:ea typeface="+mn-ea"/>
+                  <a:cs typeface="+mn-cs"/>
+                </a:defRPr>
+              </a:lvl2pPr>
+              <a:lvl3pPr marL="914400" algn="l" defTabSz="914400" rtl="0" eaLnBrk="1" latinLnBrk="0" hangingPunct="1">
+                <a:defRPr sz="1800" kern="1200">
+                  <a:solidFill>
+                    <a:schemeClr val="tx1"/>
+                  </a:solidFill>
+                  <a:latin typeface="+mn-lt"/>
+                  <a:ea typeface="+mn-ea"/>
+                  <a:cs typeface="+mn-cs"/>
+                </a:defRPr>
+              </a:lvl3pPr>
+              <a:lvl4pPr marL="1371600" algn="l" defTabSz="914400" rtl="0" eaLnBrk="1" latinLnBrk="0" hangingPunct="1">
+                <a:defRPr sz="1800" kern="1200">
+                  <a:solidFill>
+                    <a:schemeClr val="tx1"/>
+                  </a:solidFill>
+                  <a:latin typeface="+mn-lt"/>
+                  <a:ea typeface="+mn-ea"/>
+                  <a:cs typeface="+mn-cs"/>
+                </a:defRPr>
+              </a:lvl4pPr>
+              <a:lvl5pPr marL="1828800" algn="l" defTabSz="914400" rtl="0" eaLnBrk="1" latinLnBrk="0" hangingPunct="1">
+                <a:defRPr sz="1800" kern="1200">
+                  <a:solidFill>
+                    <a:schemeClr val="tx1"/>
+                  </a:solidFill>
+                  <a:latin typeface="+mn-lt"/>
+                  <a:ea typeface="+mn-ea"/>
+                  <a:cs typeface="+mn-cs"/>
+                </a:defRPr>
+              </a:lvl5pPr>
+              <a:lvl6pPr marL="2286000" algn="l" defTabSz="914400" rtl="0" eaLnBrk="1" latinLnBrk="0" hangingPunct="1">
+                <a:defRPr sz="1800" kern="1200">
+                  <a:solidFill>
+                    <a:schemeClr val="tx1"/>
+                  </a:solidFill>
+                  <a:latin typeface="+mn-lt"/>
+                  <a:ea typeface="+mn-ea"/>
+                  <a:cs typeface="+mn-cs"/>
+                </a:defRPr>
+              </a:lvl6pPr>
+              <a:lvl7pPr marL="2743200" algn="l" defTabSz="914400" rtl="0" eaLnBrk="1" latinLnBrk="0" hangingPunct="1">
+                <a:defRPr sz="1800" kern="1200">
+                  <a:solidFill>
+                    <a:schemeClr val="tx1"/>
+                  </a:solidFill>
+                  <a:latin typeface="+mn-lt"/>
+                  <a:ea typeface="+mn-ea"/>
+                  <a:cs typeface="+mn-cs"/>
+                </a:defRPr>
+              </a:lvl7pPr>
+              <a:lvl8pPr marL="3200400" algn="l" defTabSz="914400" rtl="0" eaLnBrk="1" latinLnBrk="0" hangingPunct="1">
+                <a:defRPr sz="1800" kern="1200">
+                  <a:solidFill>
+                    <a:schemeClr val="tx1"/>
+                  </a:solidFill>
+                  <a:latin typeface="+mn-lt"/>
+                  <a:ea typeface="+mn-ea"/>
+                  <a:cs typeface="+mn-cs"/>
+                </a:defRPr>
+              </a:lvl8pPr>
+              <a:lvl9pPr marL="3657600" algn="l" defTabSz="914400" rtl="0" eaLnBrk="1" latinLnBrk="0" hangingPunct="1">
+                <a:defRPr sz="1800" kern="1200">
+                  <a:solidFill>
+                    <a:schemeClr val="tx1"/>
+                  </a:solidFill>
+                  <a:latin typeface="+mn-lt"/>
+                  <a:ea typeface="+mn-ea"/>
+                  <a:cs typeface="+mn-cs"/>
+                </a:defRPr>
+              </a:lvl9pPr>
+            </a:lstStyle>
+            <a:p>
+              <a:r>
+                <a:rPr lang="en-US" altLang="zh-CN" sz="1400" b="1"/>
+                <a:t>Ribosome</a:t>
+              </a:r>
+              <a:r>
+                <a:rPr lang="zh-CN" altLang="en-US" sz="1400" b="1"/>
+                <a:t> </a:t>
+              </a:r>
+              <a:r>
+                <a:rPr lang="en-US" altLang="zh-CN" sz="1400" b="1"/>
+                <a:t>biogenesis</a:t>
+              </a:r>
+            </a:p>
+            <a:p>
+              <a:r>
+                <a:rPr lang="en-US" altLang="zh-CN" sz="1400" b="1"/>
+                <a:t>(rRNAs</a:t>
+              </a:r>
+              <a:r>
+                <a:rPr lang="zh-CN" altLang="en-US" sz="1400" b="1"/>
+                <a:t> </a:t>
+              </a:r>
+              <a:r>
+                <a:rPr lang="en-US" altLang="zh-CN" sz="1400" b="1"/>
+                <a:t>-&gt;</a:t>
+              </a:r>
+              <a:r>
+                <a:rPr lang="zh-CN" altLang="en-US" sz="1400" b="1"/>
+                <a:t> </a:t>
+              </a:r>
+              <a:r>
+                <a:rPr lang="en-US" altLang="zh-CN" sz="1400" b="1"/>
+                <a:t>ribosome)</a:t>
+              </a:r>
+              <a:endParaRPr lang="en-US" sz="1400" b="1"/>
+            </a:p>
+          </p:txBody>
+        </p:sp>
+        <p:sp>
+          <p:nvSpPr>
+            <p:cNvPr id="12" name="TextBox 10">
+              <a:extLst>
+                <a:ext uri="{FF2B5EF4-FFF2-40B4-BE49-F238E27FC236}">
+                  <a16:creationId xmlns:a16="http://schemas.microsoft.com/office/drawing/2014/main" id="{4AC6FC56-A8E3-FF3E-5A2E-E426319A6949}"/>
+                </a:ext>
+              </a:extLst>
+            </p:cNvPr>
+            <p:cNvSpPr txBox="1"/>
+            <p:nvPr/>
+          </p:nvSpPr>
+          <p:spPr>
+            <a:xfrm>
+              <a:off x="5376533" y="2885328"/>
+              <a:ext cx="1595309" cy="523220"/>
+            </a:xfrm>
+            <a:prstGeom prst="rect">
+              <a:avLst/>
+            </a:prstGeom>
+            <a:noFill/>
+          </p:spPr>
+          <p:txBody>
+            <a:bodyPr wrap="none" rtlCol="0">
+              <a:spAutoFit/>
+            </a:bodyPr>
+            <a:lstStyle>
+              <a:defPPr>
+                <a:defRPr lang="en-US"/>
+              </a:defPPr>
+              <a:lvl1pPr marL="0" algn="l" defTabSz="914400" rtl="0" eaLnBrk="1" latinLnBrk="0" hangingPunct="1">
+                <a:defRPr sz="1800" kern="1200">
+                  <a:solidFill>
+                    <a:schemeClr val="tx1"/>
+                  </a:solidFill>
+                  <a:latin typeface="+mn-lt"/>
+                  <a:ea typeface="+mn-ea"/>
+                  <a:cs typeface="+mn-cs"/>
+                </a:defRPr>
+              </a:lvl1pPr>
+              <a:lvl2pPr marL="457200" algn="l" defTabSz="914400" rtl="0" eaLnBrk="1" latinLnBrk="0" hangingPunct="1">
+                <a:defRPr sz="1800" kern="1200">
+                  <a:solidFill>
+                    <a:schemeClr val="tx1"/>
+                  </a:solidFill>
+                  <a:latin typeface="+mn-lt"/>
+                  <a:ea typeface="+mn-ea"/>
+                  <a:cs typeface="+mn-cs"/>
+                </a:defRPr>
+              </a:lvl2pPr>
+              <a:lvl3pPr marL="914400" algn="l" defTabSz="914400" rtl="0" eaLnBrk="1" latinLnBrk="0" hangingPunct="1">
+                <a:defRPr sz="1800" kern="1200">
+                  <a:solidFill>
+                    <a:schemeClr val="tx1"/>
+                  </a:solidFill>
+                  <a:latin typeface="+mn-lt"/>
+                  <a:ea typeface="+mn-ea"/>
+                  <a:cs typeface="+mn-cs"/>
+                </a:defRPr>
+              </a:lvl3pPr>
+              <a:lvl4pPr marL="1371600" algn="l" defTabSz="914400" rtl="0" eaLnBrk="1" latinLnBrk="0" hangingPunct="1">
+                <a:defRPr sz="1800" kern="1200">
+                  <a:solidFill>
+                    <a:schemeClr val="tx1"/>
+                  </a:solidFill>
+                  <a:latin typeface="+mn-lt"/>
+                  <a:ea typeface="+mn-ea"/>
+                  <a:cs typeface="+mn-cs"/>
+                </a:defRPr>
+              </a:lvl4pPr>
+              <a:lvl5pPr marL="1828800" algn="l" defTabSz="914400" rtl="0" eaLnBrk="1" latinLnBrk="0" hangingPunct="1">
+                <a:defRPr sz="1800" kern="1200">
+                  <a:solidFill>
+                    <a:schemeClr val="tx1"/>
+                  </a:solidFill>
+                  <a:latin typeface="+mn-lt"/>
+                  <a:ea typeface="+mn-ea"/>
+                  <a:cs typeface="+mn-cs"/>
+                </a:defRPr>
+              </a:lvl5pPr>
+              <a:lvl6pPr marL="2286000" algn="l" defTabSz="914400" rtl="0" eaLnBrk="1" latinLnBrk="0" hangingPunct="1">
+                <a:defRPr sz="1800" kern="1200">
+                  <a:solidFill>
+                    <a:schemeClr val="tx1"/>
+                  </a:solidFill>
+                  <a:latin typeface="+mn-lt"/>
+                  <a:ea typeface="+mn-ea"/>
+                  <a:cs typeface="+mn-cs"/>
+                </a:defRPr>
+              </a:lvl6pPr>
+              <a:lvl7pPr marL="2743200" algn="l" defTabSz="914400" rtl="0" eaLnBrk="1" latinLnBrk="0" hangingPunct="1">
+                <a:defRPr sz="1800" kern="1200">
+                  <a:solidFill>
+                    <a:schemeClr val="tx1"/>
+                  </a:solidFill>
+                  <a:latin typeface="+mn-lt"/>
+                  <a:ea typeface="+mn-ea"/>
+                  <a:cs typeface="+mn-cs"/>
+                </a:defRPr>
+              </a:lvl7pPr>
+              <a:lvl8pPr marL="3200400" algn="l" defTabSz="914400" rtl="0" eaLnBrk="1" latinLnBrk="0" hangingPunct="1">
+                <a:defRPr sz="1800" kern="1200">
+                  <a:solidFill>
+                    <a:schemeClr val="tx1"/>
+                  </a:solidFill>
+                  <a:latin typeface="+mn-lt"/>
+                  <a:ea typeface="+mn-ea"/>
+                  <a:cs typeface="+mn-cs"/>
+                </a:defRPr>
+              </a:lvl8pPr>
+              <a:lvl9pPr marL="3657600" algn="l" defTabSz="914400" rtl="0" eaLnBrk="1" latinLnBrk="0" hangingPunct="1">
+                <a:defRPr sz="1800" kern="1200">
+                  <a:solidFill>
+                    <a:schemeClr val="tx1"/>
+                  </a:solidFill>
+                  <a:latin typeface="+mn-lt"/>
+                  <a:ea typeface="+mn-ea"/>
+                  <a:cs typeface="+mn-cs"/>
+                </a:defRPr>
+              </a:lvl9pPr>
+            </a:lstStyle>
+            <a:p>
+              <a:r>
+                <a:rPr lang="en-US" altLang="zh-CN" sz="1400" b="1"/>
+                <a:t>tRNA</a:t>
+              </a:r>
+              <a:r>
+                <a:rPr lang="zh-CN" altLang="en-US" sz="1400" b="1"/>
+                <a:t> </a:t>
+              </a:r>
+              <a:r>
+                <a:rPr lang="en-US" altLang="zh-CN" sz="1400" b="1"/>
+                <a:t>charging</a:t>
+              </a:r>
+            </a:p>
+            <a:p>
+              <a:r>
+                <a:rPr lang="en-US" altLang="zh-CN" sz="1400" b="1"/>
+                <a:t>(tRNA</a:t>
+              </a:r>
+              <a:r>
+                <a:rPr lang="zh-CN" altLang="en-US" sz="1400" b="1"/>
+                <a:t> </a:t>
+              </a:r>
+              <a:r>
+                <a:rPr lang="en-US" altLang="zh-CN" sz="1400" b="1"/>
+                <a:t>-&gt;</a:t>
+              </a:r>
+              <a:r>
+                <a:rPr lang="zh-CN" altLang="en-US" sz="1400" b="1"/>
+                <a:t> </a:t>
+              </a:r>
+              <a:r>
+                <a:rPr lang="en-US" altLang="zh-CN" sz="1400" b="1" err="1"/>
+                <a:t>tRNA:AA</a:t>
+              </a:r>
+              <a:r>
+                <a:rPr lang="en-US" altLang="zh-CN" sz="1400" b="1"/>
+                <a:t>)</a:t>
+              </a:r>
+            </a:p>
+          </p:txBody>
+        </p:sp>
+        <p:sp>
+          <p:nvSpPr>
+            <p:cNvPr id="13" name="Striped Right Arrow 12">
+              <a:extLst>
+                <a:ext uri="{FF2B5EF4-FFF2-40B4-BE49-F238E27FC236}">
+                  <a16:creationId xmlns:a16="http://schemas.microsoft.com/office/drawing/2014/main" id="{263F9661-4A5F-92A1-DAA4-66545D6CE15D}"/>
+                </a:ext>
+              </a:extLst>
+            </p:cNvPr>
+            <p:cNvSpPr/>
+            <p:nvPr/>
+          </p:nvSpPr>
+          <p:spPr>
+            <a:xfrm rot="12137033">
+              <a:off x="6061566" y="3640079"/>
+              <a:ext cx="999022" cy="270000"/>
+            </a:xfrm>
+            <a:prstGeom prst="stripedRightArrow">
+              <a:avLst/>
+            </a:prstGeom>
+            <a:solidFill>
+              <a:srgbClr val="F9AF56"/>
+            </a:solidFill>
+          </p:spPr>
+          <p:style>
+            <a:lnRef idx="2">
+              <a:schemeClr val="accent1">
+                <a:shade val="50000"/>
+              </a:schemeClr>
+            </a:lnRef>
+            <a:fillRef idx="1">
+              <a:schemeClr val="accent1"/>
+            </a:fillRef>
+            <a:effectRef idx="0">
+              <a:schemeClr val="accent1"/>
+            </a:effectRef>
+            <a:fontRef idx="minor">
+              <a:schemeClr val="lt1"/>
+            </a:fontRef>
+          </p:style>
+          <p:txBody>
+            <a:bodyPr rtlCol="0" anchor="ctr"/>
+            <a:lstStyle>
+              <a:defPPr>
+                <a:defRPr lang="en-US"/>
+              </a:defPPr>
+              <a:lvl1pPr marL="0" algn="l" defTabSz="914400" rtl="0" eaLnBrk="1" latinLnBrk="0" hangingPunct="1">
+                <a:defRPr sz="1800" kern="1200">
+                  <a:solidFill>
+                    <a:schemeClr val="lt1"/>
+                  </a:solidFill>
+                  <a:latin typeface="+mn-lt"/>
+                  <a:ea typeface="+mn-ea"/>
+                  <a:cs typeface="+mn-cs"/>
+                </a:defRPr>
+              </a:lvl1pPr>
+              <a:lvl2pPr marL="457200" algn="l" defTabSz="914400" rtl="0" eaLnBrk="1" latinLnBrk="0" hangingPunct="1">
+                <a:defRPr sz="1800" kern="1200">
+                  <a:solidFill>
+                    <a:schemeClr val="lt1"/>
+                  </a:solidFill>
+                  <a:latin typeface="+mn-lt"/>
+                  <a:ea typeface="+mn-ea"/>
+                  <a:cs typeface="+mn-cs"/>
+                </a:defRPr>
+              </a:lvl2pPr>
+              <a:lvl3pPr marL="914400" algn="l" defTabSz="914400" rtl="0" eaLnBrk="1" latinLnBrk="0" hangingPunct="1">
+                <a:defRPr sz="1800" kern="1200">
+                  <a:solidFill>
+                    <a:schemeClr val="lt1"/>
+                  </a:solidFill>
+                  <a:latin typeface="+mn-lt"/>
+                  <a:ea typeface="+mn-ea"/>
+                  <a:cs typeface="+mn-cs"/>
+                </a:defRPr>
+              </a:lvl3pPr>
+              <a:lvl4pPr marL="1371600" algn="l" defTabSz="914400" rtl="0" eaLnBrk="1" latinLnBrk="0" hangingPunct="1">
+                <a:defRPr sz="1800" kern="1200">
+                  <a:solidFill>
+                    <a:schemeClr val="lt1"/>
+                  </a:solidFill>
+                  <a:latin typeface="+mn-lt"/>
+                  <a:ea typeface="+mn-ea"/>
+                  <a:cs typeface="+mn-cs"/>
+                </a:defRPr>
+              </a:lvl4pPr>
+              <a:lvl5pPr marL="1828800" algn="l" defTabSz="914400" rtl="0" eaLnBrk="1" latinLnBrk="0" hangingPunct="1">
+                <a:defRPr sz="1800" kern="1200">
+                  <a:solidFill>
+                    <a:schemeClr val="lt1"/>
+                  </a:solidFill>
+                  <a:latin typeface="+mn-lt"/>
+                  <a:ea typeface="+mn-ea"/>
+                  <a:cs typeface="+mn-cs"/>
+                </a:defRPr>
+              </a:lvl5pPr>
+              <a:lvl6pPr marL="2286000" algn="l" defTabSz="914400" rtl="0" eaLnBrk="1" latinLnBrk="0" hangingPunct="1">
+                <a:defRPr sz="1800" kern="1200">
+                  <a:solidFill>
+                    <a:schemeClr val="lt1"/>
+                  </a:solidFill>
+                  <a:latin typeface="+mn-lt"/>
+                  <a:ea typeface="+mn-ea"/>
+                  <a:cs typeface="+mn-cs"/>
+                </a:defRPr>
+              </a:lvl6pPr>
+              <a:lvl7pPr marL="2743200" algn="l" defTabSz="914400" rtl="0" eaLnBrk="1" latinLnBrk="0" hangingPunct="1">
+                <a:defRPr sz="1800" kern="1200">
+                  <a:solidFill>
+                    <a:schemeClr val="lt1"/>
+                  </a:solidFill>
+                  <a:latin typeface="+mn-lt"/>
+                  <a:ea typeface="+mn-ea"/>
+                  <a:cs typeface="+mn-cs"/>
+                </a:defRPr>
+              </a:lvl7pPr>
+              <a:lvl8pPr marL="3200400" algn="l" defTabSz="914400" rtl="0" eaLnBrk="1" latinLnBrk="0" hangingPunct="1">
+                <a:defRPr sz="1800" kern="1200">
+                  <a:solidFill>
+                    <a:schemeClr val="lt1"/>
+                  </a:solidFill>
+                  <a:latin typeface="+mn-lt"/>
+                  <a:ea typeface="+mn-ea"/>
+                  <a:cs typeface="+mn-cs"/>
+                </a:defRPr>
+              </a:lvl8pPr>
+              <a:lvl9pPr marL="3657600" algn="l" defTabSz="914400" rtl="0" eaLnBrk="1" latinLnBrk="0" hangingPunct="1">
+                <a:defRPr sz="1800" kern="1200">
+                  <a:solidFill>
+                    <a:schemeClr val="lt1"/>
+                  </a:solidFill>
+                  <a:latin typeface="+mn-lt"/>
+                  <a:ea typeface="+mn-ea"/>
+                  <a:cs typeface="+mn-cs"/>
+                </a:defRPr>
+              </a:lvl9pPr>
+            </a:lstStyle>
+            <a:p>
+              <a:pPr algn="ctr"/>
+              <a:endParaRPr lang="en-US"/>
+            </a:p>
+          </p:txBody>
+        </p:sp>
+        <p:sp>
+          <p:nvSpPr>
+            <p:cNvPr id="14" name="TextBox 13">
+              <a:extLst>
+                <a:ext uri="{FF2B5EF4-FFF2-40B4-BE49-F238E27FC236}">
+                  <a16:creationId xmlns:a16="http://schemas.microsoft.com/office/drawing/2014/main" id="{07CB17CD-A1E1-B51D-8FE4-B259A701E11E}"/>
+                </a:ext>
+              </a:extLst>
+            </p:cNvPr>
+            <p:cNvSpPr txBox="1"/>
+            <p:nvPr/>
+          </p:nvSpPr>
+          <p:spPr>
+            <a:xfrm>
+              <a:off x="6252167" y="3303612"/>
+              <a:ext cx="1212191" cy="338554"/>
+            </a:xfrm>
+            <a:prstGeom prst="rect">
+              <a:avLst/>
+            </a:prstGeom>
+            <a:noFill/>
+          </p:spPr>
+          <p:txBody>
+            <a:bodyPr wrap="none" rtlCol="0">
+              <a:spAutoFit/>
+            </a:bodyPr>
+            <a:lstStyle>
+              <a:defPPr>
+                <a:defRPr lang="en-US"/>
+              </a:defPPr>
+              <a:lvl1pPr marL="0" algn="l" defTabSz="914400" rtl="0" eaLnBrk="1" latinLnBrk="0" hangingPunct="1">
+                <a:defRPr sz="1800" kern="1200">
+                  <a:solidFill>
+                    <a:schemeClr val="tx1"/>
+                  </a:solidFill>
+                  <a:latin typeface="+mn-lt"/>
+                  <a:ea typeface="+mn-ea"/>
+                  <a:cs typeface="+mn-cs"/>
+                </a:defRPr>
+              </a:lvl1pPr>
+              <a:lvl2pPr marL="457200" algn="l" defTabSz="914400" rtl="0" eaLnBrk="1" latinLnBrk="0" hangingPunct="1">
+                <a:defRPr sz="1800" kern="1200">
+                  <a:solidFill>
+                    <a:schemeClr val="tx1"/>
+                  </a:solidFill>
+                  <a:latin typeface="+mn-lt"/>
+                  <a:ea typeface="+mn-ea"/>
+                  <a:cs typeface="+mn-cs"/>
+                </a:defRPr>
+              </a:lvl2pPr>
+              <a:lvl3pPr marL="914400" algn="l" defTabSz="914400" rtl="0" eaLnBrk="1" latinLnBrk="0" hangingPunct="1">
+                <a:defRPr sz="1800" kern="1200">
+                  <a:solidFill>
+                    <a:schemeClr val="tx1"/>
+                  </a:solidFill>
+                  <a:latin typeface="+mn-lt"/>
+                  <a:ea typeface="+mn-ea"/>
+                  <a:cs typeface="+mn-cs"/>
+                </a:defRPr>
+              </a:lvl3pPr>
+              <a:lvl4pPr marL="1371600" algn="l" defTabSz="914400" rtl="0" eaLnBrk="1" latinLnBrk="0" hangingPunct="1">
+                <a:defRPr sz="1800" kern="1200">
+                  <a:solidFill>
+                    <a:schemeClr val="tx1"/>
+                  </a:solidFill>
+                  <a:latin typeface="+mn-lt"/>
+                  <a:ea typeface="+mn-ea"/>
+                  <a:cs typeface="+mn-cs"/>
+                </a:defRPr>
+              </a:lvl4pPr>
+              <a:lvl5pPr marL="1828800" algn="l" defTabSz="914400" rtl="0" eaLnBrk="1" latinLnBrk="0" hangingPunct="1">
+                <a:defRPr sz="1800" kern="1200">
+                  <a:solidFill>
+                    <a:schemeClr val="tx1"/>
+                  </a:solidFill>
+                  <a:latin typeface="+mn-lt"/>
+                  <a:ea typeface="+mn-ea"/>
+                  <a:cs typeface="+mn-cs"/>
+                </a:defRPr>
+              </a:lvl5pPr>
+              <a:lvl6pPr marL="2286000" algn="l" defTabSz="914400" rtl="0" eaLnBrk="1" latinLnBrk="0" hangingPunct="1">
+                <a:defRPr sz="1800" kern="1200">
+                  <a:solidFill>
+                    <a:schemeClr val="tx1"/>
+                  </a:solidFill>
+                  <a:latin typeface="+mn-lt"/>
+                  <a:ea typeface="+mn-ea"/>
+                  <a:cs typeface="+mn-cs"/>
+                </a:defRPr>
+              </a:lvl6pPr>
+              <a:lvl7pPr marL="2743200" algn="l" defTabSz="914400" rtl="0" eaLnBrk="1" latinLnBrk="0" hangingPunct="1">
+                <a:defRPr sz="1800" kern="1200">
+                  <a:solidFill>
+                    <a:schemeClr val="tx1"/>
+                  </a:solidFill>
+                  <a:latin typeface="+mn-lt"/>
+                  <a:ea typeface="+mn-ea"/>
+                  <a:cs typeface="+mn-cs"/>
+                </a:defRPr>
+              </a:lvl7pPr>
+              <a:lvl8pPr marL="3200400" algn="l" defTabSz="914400" rtl="0" eaLnBrk="1" latinLnBrk="0" hangingPunct="1">
+                <a:defRPr sz="1800" kern="1200">
+                  <a:solidFill>
+                    <a:schemeClr val="tx1"/>
+                  </a:solidFill>
+                  <a:latin typeface="+mn-lt"/>
+                  <a:ea typeface="+mn-ea"/>
+                  <a:cs typeface="+mn-cs"/>
+                </a:defRPr>
+              </a:lvl8pPr>
+              <a:lvl9pPr marL="3657600" algn="l" defTabSz="914400" rtl="0" eaLnBrk="1" latinLnBrk="0" hangingPunct="1">
+                <a:defRPr sz="1800" kern="1200">
+                  <a:solidFill>
+                    <a:schemeClr val="tx1"/>
+                  </a:solidFill>
+                  <a:latin typeface="+mn-lt"/>
+                  <a:ea typeface="+mn-ea"/>
+                  <a:cs typeface="+mn-cs"/>
+                </a:defRPr>
+              </a:lvl9pPr>
+            </a:lstStyle>
+            <a:p>
+              <a:r>
+                <a:rPr lang="en-US" altLang="zh-CN" sz="1600" b="1">
+                  <a:solidFill>
+                    <a:srgbClr val="EC0088"/>
+                  </a:solidFill>
+                </a:rPr>
+                <a:t>tRNA</a:t>
+              </a:r>
+              <a:r>
+                <a:rPr lang="zh-CN" altLang="en-US" sz="1600" b="1">
+                  <a:solidFill>
+                    <a:srgbClr val="EC0088"/>
+                  </a:solidFill>
+                </a:rPr>
+                <a:t> </a:t>
+              </a:r>
+              <a:r>
+                <a:rPr lang="en-US" altLang="zh-CN" sz="1600" b="1">
+                  <a:solidFill>
+                    <a:srgbClr val="EC0088"/>
+                  </a:solidFill>
+                </a:rPr>
+                <a:t>ligase</a:t>
+              </a:r>
+              <a:endParaRPr lang="en-US" sz="1600" b="1">
+                <a:solidFill>
+                  <a:srgbClr val="EC0088"/>
+                </a:solidFill>
+              </a:endParaRPr>
+            </a:p>
+          </p:txBody>
+        </p:sp>
+        <p:sp>
+          <p:nvSpPr>
+            <p:cNvPr id="15" name="Striped Right Arrow 14">
+              <a:extLst>
+                <a:ext uri="{FF2B5EF4-FFF2-40B4-BE49-F238E27FC236}">
+                  <a16:creationId xmlns:a16="http://schemas.microsoft.com/office/drawing/2014/main" id="{B51F3AB0-E6FA-CF6E-8E29-64724D01294D}"/>
+                </a:ext>
+              </a:extLst>
+            </p:cNvPr>
+            <p:cNvSpPr/>
+            <p:nvPr/>
+          </p:nvSpPr>
+          <p:spPr>
+            <a:xfrm rot="19909708">
+              <a:off x="9034176" y="3870347"/>
+              <a:ext cx="269376" cy="319343"/>
+            </a:xfrm>
+            <a:prstGeom prst="stripedRightArrow">
+              <a:avLst/>
+            </a:prstGeom>
+            <a:solidFill>
+              <a:srgbClr val="F9AF56"/>
+            </a:solidFill>
+          </p:spPr>
+          <p:style>
+            <a:lnRef idx="2">
+              <a:schemeClr val="accent1">
+                <a:shade val="50000"/>
+              </a:schemeClr>
+            </a:lnRef>
+            <a:fillRef idx="1">
+              <a:schemeClr val="accent1"/>
+            </a:fillRef>
+            <a:effectRef idx="0">
+              <a:schemeClr val="accent1"/>
+            </a:effectRef>
+            <a:fontRef idx="minor">
+              <a:schemeClr val="lt1"/>
+            </a:fontRef>
+          </p:style>
+          <p:txBody>
+            <a:bodyPr rtlCol="0" anchor="ctr"/>
+            <a:lstStyle>
+              <a:defPPr>
+                <a:defRPr lang="en-US"/>
+              </a:defPPr>
+              <a:lvl1pPr marL="0" algn="l" defTabSz="914400" rtl="0" eaLnBrk="1" latinLnBrk="0" hangingPunct="1">
+                <a:defRPr sz="1800" kern="1200">
+                  <a:solidFill>
+                    <a:schemeClr val="lt1"/>
+                  </a:solidFill>
+                  <a:latin typeface="+mn-lt"/>
+                  <a:ea typeface="+mn-ea"/>
+                  <a:cs typeface="+mn-cs"/>
+                </a:defRPr>
+              </a:lvl1pPr>
+              <a:lvl2pPr marL="457200" algn="l" defTabSz="914400" rtl="0" eaLnBrk="1" latinLnBrk="0" hangingPunct="1">
+                <a:defRPr sz="1800" kern="1200">
+                  <a:solidFill>
+                    <a:schemeClr val="lt1"/>
+                  </a:solidFill>
+                  <a:latin typeface="+mn-lt"/>
+                  <a:ea typeface="+mn-ea"/>
+                  <a:cs typeface="+mn-cs"/>
+                </a:defRPr>
+              </a:lvl2pPr>
+              <a:lvl3pPr marL="914400" algn="l" defTabSz="914400" rtl="0" eaLnBrk="1" latinLnBrk="0" hangingPunct="1">
+                <a:defRPr sz="1800" kern="1200">
+                  <a:solidFill>
+                    <a:schemeClr val="lt1"/>
+                  </a:solidFill>
+                  <a:latin typeface="+mn-lt"/>
+                  <a:ea typeface="+mn-ea"/>
+                  <a:cs typeface="+mn-cs"/>
+                </a:defRPr>
+              </a:lvl3pPr>
+              <a:lvl4pPr marL="1371600" algn="l" defTabSz="914400" rtl="0" eaLnBrk="1" latinLnBrk="0" hangingPunct="1">
+                <a:defRPr sz="1800" kern="1200">
+                  <a:solidFill>
+                    <a:schemeClr val="lt1"/>
+                  </a:solidFill>
+                  <a:latin typeface="+mn-lt"/>
+                  <a:ea typeface="+mn-ea"/>
+                  <a:cs typeface="+mn-cs"/>
+                </a:defRPr>
+              </a:lvl4pPr>
+              <a:lvl5pPr marL="1828800" algn="l" defTabSz="914400" rtl="0" eaLnBrk="1" latinLnBrk="0" hangingPunct="1">
+                <a:defRPr sz="1800" kern="1200">
+                  <a:solidFill>
+                    <a:schemeClr val="lt1"/>
+                  </a:solidFill>
+                  <a:latin typeface="+mn-lt"/>
+                  <a:ea typeface="+mn-ea"/>
+                  <a:cs typeface="+mn-cs"/>
+                </a:defRPr>
+              </a:lvl5pPr>
+              <a:lvl6pPr marL="2286000" algn="l" defTabSz="914400" rtl="0" eaLnBrk="1" latinLnBrk="0" hangingPunct="1">
+                <a:defRPr sz="1800" kern="1200">
+                  <a:solidFill>
+                    <a:schemeClr val="lt1"/>
+                  </a:solidFill>
+                  <a:latin typeface="+mn-lt"/>
+                  <a:ea typeface="+mn-ea"/>
+                  <a:cs typeface="+mn-cs"/>
+                </a:defRPr>
+              </a:lvl6pPr>
+              <a:lvl7pPr marL="2743200" algn="l" defTabSz="914400" rtl="0" eaLnBrk="1" latinLnBrk="0" hangingPunct="1">
+                <a:defRPr sz="1800" kern="1200">
+                  <a:solidFill>
+                    <a:schemeClr val="lt1"/>
+                  </a:solidFill>
+                  <a:latin typeface="+mn-lt"/>
+                  <a:ea typeface="+mn-ea"/>
+                  <a:cs typeface="+mn-cs"/>
+                </a:defRPr>
+              </a:lvl7pPr>
+              <a:lvl8pPr marL="3200400" algn="l" defTabSz="914400" rtl="0" eaLnBrk="1" latinLnBrk="0" hangingPunct="1">
+                <a:defRPr sz="1800" kern="1200">
+                  <a:solidFill>
+                    <a:schemeClr val="lt1"/>
+                  </a:solidFill>
+                  <a:latin typeface="+mn-lt"/>
+                  <a:ea typeface="+mn-ea"/>
+                  <a:cs typeface="+mn-cs"/>
+                </a:defRPr>
+              </a:lvl8pPr>
+              <a:lvl9pPr marL="3657600" algn="l" defTabSz="914400" rtl="0" eaLnBrk="1" latinLnBrk="0" hangingPunct="1">
+                <a:defRPr sz="1800" kern="1200">
+                  <a:solidFill>
+                    <a:schemeClr val="lt1"/>
+                  </a:solidFill>
+                  <a:latin typeface="+mn-lt"/>
+                  <a:ea typeface="+mn-ea"/>
+                  <a:cs typeface="+mn-cs"/>
+                </a:defRPr>
+              </a:lvl9pPr>
+            </a:lstStyle>
+            <a:p>
+              <a:pPr algn="ctr"/>
+              <a:endParaRPr lang="en-US"/>
+            </a:p>
+          </p:txBody>
+        </p:sp>
+      </p:grpSp>
+      <p:graphicFrame>
+        <p:nvGraphicFramePr>
+          <p:cNvPr id="16" name="Table 5">
+            <a:extLst>
+              <a:ext uri="{FF2B5EF4-FFF2-40B4-BE49-F238E27FC236}">
+                <a16:creationId xmlns:a16="http://schemas.microsoft.com/office/drawing/2014/main" id="{4F09AF32-C2F2-0043-FB17-AFAAE69E53D5}"/>
+              </a:ext>
+            </a:extLst>
+          </p:cNvPr>
+          <p:cNvGraphicFramePr>
+            <a:graphicFrameLocks noGrp="1"/>
+          </p:cNvGraphicFramePr>
+          <p:nvPr>
+            <p:extLst>
+              <p:ext uri="{D42A27DB-BD31-4B8C-83A1-F6EECF244321}">
+                <p14:modId xmlns:p14="http://schemas.microsoft.com/office/powerpoint/2010/main" val="3168428116"/>
+              </p:ext>
+            </p:extLst>
+          </p:nvPr>
+        </p:nvGraphicFramePr>
+        <p:xfrm>
+          <a:off x="5929969" y="1884107"/>
+          <a:ext cx="5927252" cy="3505200"/>
+        </p:xfrm>
+        <a:graphic>
+          <a:graphicData uri="http://schemas.openxmlformats.org/drawingml/2006/table">
+            <a:tbl>
+              <a:tblPr firstRow="1">
+                <a:tableStyleId>{9D7B26C5-4107-4FEC-AEDC-1716B250A1EF}</a:tableStyleId>
+              </a:tblPr>
+              <a:tblGrid>
+                <a:gridCol w="2963626">
+                  <a:extLst>
+                    <a:ext uri="{9D8B030D-6E8A-4147-A177-3AD203B41FA5}">
+                      <a16:colId xmlns:a16="http://schemas.microsoft.com/office/drawing/2014/main" val="742359880"/>
+                    </a:ext>
+                  </a:extLst>
+                </a:gridCol>
+                <a:gridCol w="2963626">
+                  <a:extLst>
+                    <a:ext uri="{9D8B030D-6E8A-4147-A177-3AD203B41FA5}">
+                      <a16:colId xmlns:a16="http://schemas.microsoft.com/office/drawing/2014/main" val="715972711"/>
+                    </a:ext>
+                  </a:extLst>
+                </a:gridCol>
+              </a:tblGrid>
+              <a:tr h="370840">
+                <a:tc>
+                  <a:txBody>
+                    <a:bodyPr/>
+                    <a:lstStyle/>
+                    <a:p>
+                      <a:pPr algn="ctr"/>
+                      <a:r>
+                        <a:rPr lang="en-US" altLang="zh-CN" sz="1800">
+                          <a:latin typeface="Arial" panose="020B0604020202020204" pitchFamily="34" charset="0"/>
+                          <a:cs typeface="Arial" panose="020B0604020202020204" pitchFamily="34" charset="0"/>
+                        </a:rPr>
+                        <a:t>Name</a:t>
+                      </a:r>
+                      <a:endParaRPr lang="en-US" sz="1800">
+                        <a:latin typeface="Arial" panose="020B0604020202020204" pitchFamily="34" charset="0"/>
+                        <a:cs typeface="Arial" panose="020B0604020202020204" pitchFamily="34" charset="0"/>
+                      </a:endParaRPr>
+                    </a:p>
+                  </a:txBody>
+                  <a:tcPr anchor="ctr"/>
+                </a:tc>
+                <a:tc>
+                  <a:txBody>
+                    <a:bodyPr/>
+                    <a:lstStyle/>
+                    <a:p>
+                      <a:pPr algn="ctr"/>
+                      <a:r>
+                        <a:rPr lang="en-US" altLang="zh-CN" sz="1800">
+                          <a:latin typeface="Arial" panose="020B0604020202020204" pitchFamily="34" charset="0"/>
+                          <a:cs typeface="Arial" panose="020B0604020202020204" pitchFamily="34" charset="0"/>
+                        </a:rPr>
+                        <a:t>Biological</a:t>
+                      </a:r>
+                      <a:r>
+                        <a:rPr lang="zh-CN" altLang="en-US" sz="1800">
+                          <a:latin typeface="Arial" panose="020B0604020202020204" pitchFamily="34" charset="0"/>
+                          <a:cs typeface="Arial" panose="020B0604020202020204" pitchFamily="34" charset="0"/>
+                        </a:rPr>
+                        <a:t> </a:t>
+                      </a:r>
+                      <a:r>
+                        <a:rPr lang="en-US" altLang="zh-CN" sz="1800">
+                          <a:latin typeface="Arial" panose="020B0604020202020204" pitchFamily="34" charset="0"/>
+                          <a:cs typeface="Arial" panose="020B0604020202020204" pitchFamily="34" charset="0"/>
+                        </a:rPr>
+                        <a:t>Function</a:t>
+                      </a:r>
+                      <a:endParaRPr lang="en-US" sz="1800">
+                        <a:latin typeface="Arial" panose="020B0604020202020204" pitchFamily="34" charset="0"/>
+                        <a:cs typeface="Arial" panose="020B0604020202020204" pitchFamily="34" charset="0"/>
+                      </a:endParaRPr>
+                    </a:p>
+                  </a:txBody>
+                  <a:tcPr anchor="ctr"/>
+                </a:tc>
+                <a:extLst>
+                  <a:ext uri="{0D108BD9-81ED-4DB2-BD59-A6C34878D82A}">
+                    <a16:rowId xmlns:a16="http://schemas.microsoft.com/office/drawing/2014/main" val="3203108589"/>
+                  </a:ext>
+                </a:extLst>
+              </a:tr>
+              <a:tr h="370840">
+                <a:tc>
+                  <a:txBody>
+                    <a:bodyPr/>
+                    <a:lstStyle/>
+                    <a:p>
+                      <a:pPr algn="l"/>
+                      <a:r>
+                        <a:rPr lang="en-US" altLang="zh-CN" sz="1800">
+                          <a:latin typeface="Arial" panose="020B0604020202020204" pitchFamily="34" charset="0"/>
+                          <a:cs typeface="Arial" panose="020B0604020202020204" pitchFamily="34" charset="0"/>
+                        </a:rPr>
+                        <a:t>Replication</a:t>
+                      </a:r>
+                      <a:endParaRPr lang="en-US" sz="1800">
+                        <a:latin typeface="Arial" panose="020B0604020202020204" pitchFamily="34" charset="0"/>
+                        <a:cs typeface="Arial" panose="020B0604020202020204" pitchFamily="34" charset="0"/>
+                      </a:endParaRPr>
+                    </a:p>
+                  </a:txBody>
+                  <a:tcPr anchor="ctr"/>
+                </a:tc>
+                <a:tc>
+                  <a:txBody>
+                    <a:bodyPr/>
+                    <a:lstStyle/>
+                    <a:p>
+                      <a:pPr algn="l"/>
+                      <a:r>
+                        <a:rPr lang="en-US" altLang="zh-CN" sz="1800">
+                          <a:latin typeface="Arial" panose="020B0604020202020204" pitchFamily="34" charset="0"/>
+                          <a:cs typeface="Arial" panose="020B0604020202020204" pitchFamily="34" charset="0"/>
+                        </a:rPr>
+                        <a:t>Copy</a:t>
+                      </a:r>
+                      <a:r>
+                        <a:rPr lang="zh-CN" altLang="en-US" sz="1800">
+                          <a:latin typeface="Arial" panose="020B0604020202020204" pitchFamily="34" charset="0"/>
+                          <a:cs typeface="Arial" panose="020B0604020202020204" pitchFamily="34" charset="0"/>
+                        </a:rPr>
+                        <a:t> </a:t>
+                      </a:r>
+                      <a:r>
+                        <a:rPr lang="en-US" altLang="zh-CN" sz="1800">
+                          <a:latin typeface="Arial" panose="020B0604020202020204" pitchFamily="34" charset="0"/>
+                          <a:cs typeface="Arial" panose="020B0604020202020204" pitchFamily="34" charset="0"/>
+                        </a:rPr>
+                        <a:t>genetic</a:t>
+                      </a:r>
+                      <a:r>
+                        <a:rPr lang="zh-CN" altLang="en-US" sz="1800">
+                          <a:latin typeface="Arial" panose="020B0604020202020204" pitchFamily="34" charset="0"/>
+                          <a:cs typeface="Arial" panose="020B0604020202020204" pitchFamily="34" charset="0"/>
+                        </a:rPr>
+                        <a:t> </a:t>
+                      </a:r>
+                      <a:r>
+                        <a:rPr lang="en-US" altLang="zh-CN" sz="1800">
+                          <a:latin typeface="Arial" panose="020B0604020202020204" pitchFamily="34" charset="0"/>
+                          <a:cs typeface="Arial" panose="020B0604020202020204" pitchFamily="34" charset="0"/>
+                        </a:rPr>
+                        <a:t>Information</a:t>
+                      </a:r>
+                      <a:endParaRPr lang="en-US" sz="1800">
+                        <a:latin typeface="Arial" panose="020B0604020202020204" pitchFamily="34" charset="0"/>
+                        <a:cs typeface="Arial" panose="020B0604020202020204" pitchFamily="34" charset="0"/>
+                      </a:endParaRPr>
+                    </a:p>
+                  </a:txBody>
+                  <a:tcPr anchor="ctr"/>
+                </a:tc>
+                <a:extLst>
+                  <a:ext uri="{0D108BD9-81ED-4DB2-BD59-A6C34878D82A}">
+                    <a16:rowId xmlns:a16="http://schemas.microsoft.com/office/drawing/2014/main" val="3540450477"/>
+                  </a:ext>
+                </a:extLst>
+              </a:tr>
+              <a:tr h="370840">
+                <a:tc>
+                  <a:txBody>
+                    <a:bodyPr/>
+                    <a:lstStyle/>
+                    <a:p>
+                      <a:pPr algn="l"/>
+                      <a:r>
+                        <a:rPr lang="en-US" altLang="zh-CN" sz="1800">
+                          <a:latin typeface="Arial" panose="020B0604020202020204" pitchFamily="34" charset="0"/>
+                          <a:cs typeface="Arial" panose="020B0604020202020204" pitchFamily="34" charset="0"/>
+                        </a:rPr>
+                        <a:t>Replication</a:t>
+                      </a:r>
+                      <a:r>
+                        <a:rPr lang="zh-CN" altLang="en-US" sz="1800">
+                          <a:latin typeface="Arial" panose="020B0604020202020204" pitchFamily="34" charset="0"/>
+                          <a:cs typeface="Arial" panose="020B0604020202020204" pitchFamily="34" charset="0"/>
+                        </a:rPr>
+                        <a:t> </a:t>
+                      </a:r>
+                      <a:r>
+                        <a:rPr lang="en-US" altLang="zh-CN" sz="1800">
+                          <a:latin typeface="Arial" panose="020B0604020202020204" pitchFamily="34" charset="0"/>
+                          <a:cs typeface="Arial" panose="020B0604020202020204" pitchFamily="34" charset="0"/>
+                        </a:rPr>
+                        <a:t>Initiation</a:t>
+                      </a:r>
+                      <a:endParaRPr lang="en-US" sz="1800">
+                        <a:latin typeface="Arial" panose="020B0604020202020204" pitchFamily="34" charset="0"/>
+                        <a:cs typeface="Arial" panose="020B0604020202020204" pitchFamily="34" charset="0"/>
+                      </a:endParaRPr>
+                    </a:p>
+                  </a:txBody>
+                  <a:tcPr anchor="ctr"/>
+                </a:tc>
+                <a:tc>
+                  <a:txBody>
+                    <a:bodyPr/>
+                    <a:lstStyle/>
+                    <a:p>
+                      <a:pPr algn="l"/>
+                      <a:r>
+                        <a:rPr lang="en-US" altLang="zh-CN" sz="1800">
+                          <a:latin typeface="Arial" panose="020B0604020202020204" pitchFamily="34" charset="0"/>
+                          <a:cs typeface="Arial" panose="020B0604020202020204" pitchFamily="34" charset="0"/>
+                        </a:rPr>
+                        <a:t>Regulate</a:t>
+                      </a:r>
+                      <a:r>
+                        <a:rPr lang="zh-CN" altLang="en-US" sz="1800">
+                          <a:latin typeface="Arial" panose="020B0604020202020204" pitchFamily="34" charset="0"/>
+                          <a:cs typeface="Arial" panose="020B0604020202020204" pitchFamily="34" charset="0"/>
+                        </a:rPr>
+                        <a:t> </a:t>
+                      </a:r>
+                      <a:r>
+                        <a:rPr lang="en-US" altLang="zh-CN" sz="1800">
+                          <a:latin typeface="Arial" panose="020B0604020202020204" pitchFamily="34" charset="0"/>
+                          <a:cs typeface="Arial" panose="020B0604020202020204" pitchFamily="34" charset="0"/>
+                        </a:rPr>
+                        <a:t>replication</a:t>
+                      </a:r>
+                      <a:endParaRPr lang="en-US" sz="1800">
+                        <a:latin typeface="Arial" panose="020B0604020202020204" pitchFamily="34" charset="0"/>
+                        <a:cs typeface="Arial" panose="020B0604020202020204" pitchFamily="34" charset="0"/>
+                      </a:endParaRPr>
+                    </a:p>
+                  </a:txBody>
+                  <a:tcPr anchor="ctr"/>
+                </a:tc>
+                <a:extLst>
+                  <a:ext uri="{0D108BD9-81ED-4DB2-BD59-A6C34878D82A}">
+                    <a16:rowId xmlns:a16="http://schemas.microsoft.com/office/drawing/2014/main" val="3847345279"/>
+                  </a:ext>
+                </a:extLst>
+              </a:tr>
+              <a:tr h="370840">
+                <a:tc>
+                  <a:txBody>
+                    <a:bodyPr/>
+                    <a:lstStyle/>
+                    <a:p>
+                      <a:pPr algn="l"/>
+                      <a:r>
+                        <a:rPr lang="en-US" altLang="zh-CN" sz="1800">
+                          <a:latin typeface="Arial" panose="020B0604020202020204" pitchFamily="34" charset="0"/>
+                          <a:cs typeface="Arial" panose="020B0604020202020204" pitchFamily="34" charset="0"/>
+                        </a:rPr>
+                        <a:t>Transcription</a:t>
+                      </a:r>
+                      <a:endParaRPr lang="en-US" sz="1800">
+                        <a:latin typeface="Arial" panose="020B0604020202020204" pitchFamily="34" charset="0"/>
+                        <a:cs typeface="Arial" panose="020B0604020202020204" pitchFamily="34" charset="0"/>
+                      </a:endParaRPr>
+                    </a:p>
+                  </a:txBody>
+                  <a:tcPr anchor="ctr"/>
+                </a:tc>
+                <a:tc>
+                  <a:txBody>
+                    <a:bodyPr/>
+                    <a:lstStyle/>
+                    <a:p>
+                      <a:pPr algn="l"/>
+                      <a:r>
+                        <a:rPr lang="en-US" altLang="zh-CN" sz="1800">
+                          <a:latin typeface="Arial" panose="020B0604020202020204" pitchFamily="34" charset="0"/>
+                          <a:cs typeface="Arial" panose="020B0604020202020204" pitchFamily="34" charset="0"/>
+                        </a:rPr>
+                        <a:t>Copying</a:t>
+                      </a:r>
+                      <a:r>
+                        <a:rPr lang="zh-CN" altLang="en-US" sz="1800">
+                          <a:latin typeface="Arial" panose="020B0604020202020204" pitchFamily="34" charset="0"/>
+                          <a:cs typeface="Arial" panose="020B0604020202020204" pitchFamily="34" charset="0"/>
+                        </a:rPr>
+                        <a:t> </a:t>
+                      </a:r>
+                      <a:r>
+                        <a:rPr lang="en-US" altLang="zh-CN" sz="1800">
+                          <a:latin typeface="Arial" panose="020B0604020202020204" pitchFamily="34" charset="0"/>
+                          <a:cs typeface="Arial" panose="020B0604020202020204" pitchFamily="34" charset="0"/>
+                        </a:rPr>
+                        <a:t>DNA</a:t>
+                      </a:r>
+                      <a:r>
+                        <a:rPr lang="zh-CN" altLang="en-US" sz="1800">
+                          <a:latin typeface="Arial" panose="020B0604020202020204" pitchFamily="34" charset="0"/>
+                          <a:cs typeface="Arial" panose="020B0604020202020204" pitchFamily="34" charset="0"/>
+                        </a:rPr>
+                        <a:t> </a:t>
+                      </a:r>
+                      <a:r>
+                        <a:rPr lang="en-US" altLang="zh-CN" sz="1800">
+                          <a:latin typeface="Arial" panose="020B0604020202020204" pitchFamily="34" charset="0"/>
+                          <a:cs typeface="Arial" panose="020B0604020202020204" pitchFamily="34" charset="0"/>
+                        </a:rPr>
+                        <a:t>into</a:t>
+                      </a:r>
+                      <a:r>
+                        <a:rPr lang="zh-CN" altLang="en-US" sz="1800">
+                          <a:latin typeface="Arial" panose="020B0604020202020204" pitchFamily="34" charset="0"/>
+                          <a:cs typeface="Arial" panose="020B0604020202020204" pitchFamily="34" charset="0"/>
+                        </a:rPr>
+                        <a:t> </a:t>
+                      </a:r>
+                      <a:r>
+                        <a:rPr lang="en-US" altLang="zh-CN" sz="1800">
+                          <a:latin typeface="Arial" panose="020B0604020202020204" pitchFamily="34" charset="0"/>
+                          <a:cs typeface="Arial" panose="020B0604020202020204" pitchFamily="34" charset="0"/>
+                        </a:rPr>
+                        <a:t>RNA</a:t>
+                      </a:r>
+                      <a:endParaRPr lang="en-US" sz="1800">
+                        <a:latin typeface="Arial" panose="020B0604020202020204" pitchFamily="34" charset="0"/>
+                        <a:cs typeface="Arial" panose="020B0604020202020204" pitchFamily="34" charset="0"/>
+                      </a:endParaRPr>
+                    </a:p>
+                  </a:txBody>
+                  <a:tcPr anchor="ctr"/>
+                </a:tc>
+                <a:extLst>
+                  <a:ext uri="{0D108BD9-81ED-4DB2-BD59-A6C34878D82A}">
+                    <a16:rowId xmlns:a16="http://schemas.microsoft.com/office/drawing/2014/main" val="1334397141"/>
+                  </a:ext>
+                </a:extLst>
+              </a:tr>
+              <a:tr h="370840">
+                <a:tc>
+                  <a:txBody>
+                    <a:bodyPr/>
+                    <a:lstStyle/>
+                    <a:p>
+                      <a:pPr algn="l"/>
+                      <a:r>
+                        <a:rPr lang="en-US" altLang="zh-CN" sz="1800" dirty="0">
+                          <a:latin typeface="Arial" panose="020B0604020202020204" pitchFamily="34" charset="0"/>
+                          <a:cs typeface="Arial" panose="020B0604020202020204" pitchFamily="34" charset="0"/>
+                        </a:rPr>
+                        <a:t>Translation</a:t>
+                      </a:r>
+                      <a:endParaRPr lang="en-US" sz="1800" dirty="0">
+                        <a:latin typeface="Arial" panose="020B0604020202020204" pitchFamily="34" charset="0"/>
+                        <a:cs typeface="Arial" panose="020B0604020202020204" pitchFamily="34" charset="0"/>
+                      </a:endParaRPr>
+                    </a:p>
+                  </a:txBody>
+                  <a:tcPr anchor="ctr"/>
+                </a:tc>
+                <a:tc>
+                  <a:txBody>
+                    <a:bodyPr/>
+                    <a:lstStyle/>
+                    <a:p>
+                      <a:pPr algn="l"/>
+                      <a:r>
+                        <a:rPr lang="en-US" altLang="zh-CN" sz="1800">
+                          <a:latin typeface="Arial" panose="020B0604020202020204" pitchFamily="34" charset="0"/>
+                          <a:cs typeface="Arial" panose="020B0604020202020204" pitchFamily="34" charset="0"/>
+                        </a:rPr>
+                        <a:t>Convert</a:t>
+                      </a:r>
+                      <a:r>
+                        <a:rPr lang="zh-CN" altLang="en-US" sz="1800">
+                          <a:latin typeface="Arial" panose="020B0604020202020204" pitchFamily="34" charset="0"/>
+                          <a:cs typeface="Arial" panose="020B0604020202020204" pitchFamily="34" charset="0"/>
+                        </a:rPr>
+                        <a:t> </a:t>
+                      </a:r>
+                      <a:r>
+                        <a:rPr lang="en-US" altLang="zh-CN" sz="1800">
+                          <a:latin typeface="Arial" panose="020B0604020202020204" pitchFamily="34" charset="0"/>
+                          <a:cs typeface="Arial" panose="020B0604020202020204" pitchFamily="34" charset="0"/>
+                        </a:rPr>
+                        <a:t>mRNA</a:t>
+                      </a:r>
+                      <a:r>
+                        <a:rPr lang="zh-CN" altLang="en-US" sz="1800">
+                          <a:latin typeface="Arial" panose="020B0604020202020204" pitchFamily="34" charset="0"/>
+                          <a:cs typeface="Arial" panose="020B0604020202020204" pitchFamily="34" charset="0"/>
+                        </a:rPr>
+                        <a:t> </a:t>
+                      </a:r>
+                      <a:r>
+                        <a:rPr lang="en-US" altLang="zh-CN" sz="1800">
+                          <a:latin typeface="Arial" panose="020B0604020202020204" pitchFamily="34" charset="0"/>
+                          <a:cs typeface="Arial" panose="020B0604020202020204" pitchFamily="34" charset="0"/>
+                        </a:rPr>
+                        <a:t>into</a:t>
+                      </a:r>
+                      <a:r>
+                        <a:rPr lang="zh-CN" altLang="en-US" sz="1800">
+                          <a:latin typeface="Arial" panose="020B0604020202020204" pitchFamily="34" charset="0"/>
+                          <a:cs typeface="Arial" panose="020B0604020202020204" pitchFamily="34" charset="0"/>
+                        </a:rPr>
+                        <a:t> </a:t>
+                      </a:r>
+                      <a:r>
+                        <a:rPr lang="en-US" altLang="zh-CN" sz="1800">
+                          <a:latin typeface="Arial" panose="020B0604020202020204" pitchFamily="34" charset="0"/>
+                          <a:cs typeface="Arial" panose="020B0604020202020204" pitchFamily="34" charset="0"/>
+                        </a:rPr>
+                        <a:t>functional</a:t>
+                      </a:r>
+                      <a:r>
+                        <a:rPr lang="zh-CN" altLang="en-US" sz="1800">
+                          <a:latin typeface="Arial" panose="020B0604020202020204" pitchFamily="34" charset="0"/>
+                          <a:cs typeface="Arial" panose="020B0604020202020204" pitchFamily="34" charset="0"/>
+                        </a:rPr>
+                        <a:t> </a:t>
+                      </a:r>
+                      <a:r>
+                        <a:rPr lang="en-US" altLang="zh-CN" sz="1800">
+                          <a:latin typeface="Arial" panose="020B0604020202020204" pitchFamily="34" charset="0"/>
+                          <a:cs typeface="Arial" panose="020B0604020202020204" pitchFamily="34" charset="0"/>
+                        </a:rPr>
+                        <a:t>proteins</a:t>
+                      </a:r>
+                      <a:endParaRPr lang="en-US" sz="1800">
+                        <a:latin typeface="Arial" panose="020B0604020202020204" pitchFamily="34" charset="0"/>
+                        <a:cs typeface="Arial" panose="020B0604020202020204" pitchFamily="34" charset="0"/>
+                      </a:endParaRPr>
+                    </a:p>
+                  </a:txBody>
+                  <a:tcPr anchor="ctr"/>
+                </a:tc>
+                <a:extLst>
+                  <a:ext uri="{0D108BD9-81ED-4DB2-BD59-A6C34878D82A}">
+                    <a16:rowId xmlns:a16="http://schemas.microsoft.com/office/drawing/2014/main" val="1303995533"/>
+                  </a:ext>
+                </a:extLst>
+              </a:tr>
+              <a:tr h="370840">
+                <a:tc>
+                  <a:txBody>
+                    <a:bodyPr/>
+                    <a:lstStyle/>
+                    <a:p>
+                      <a:pPr algn="l"/>
+                      <a:r>
+                        <a:rPr lang="en-US" altLang="zh-CN" sz="1800">
+                          <a:latin typeface="Arial" panose="020B0604020202020204" pitchFamily="34" charset="0"/>
+                          <a:cs typeface="Arial" panose="020B0604020202020204" pitchFamily="34" charset="0"/>
+                        </a:rPr>
+                        <a:t>Degradation</a:t>
+                      </a:r>
+                      <a:endParaRPr lang="en-US" sz="1800">
+                        <a:latin typeface="Arial" panose="020B0604020202020204" pitchFamily="34" charset="0"/>
+                        <a:cs typeface="Arial" panose="020B0604020202020204" pitchFamily="34" charset="0"/>
+                      </a:endParaRPr>
+                    </a:p>
+                  </a:txBody>
+                  <a:tcPr anchor="ctr"/>
+                </a:tc>
+                <a:tc>
+                  <a:txBody>
+                    <a:bodyPr/>
+                    <a:lstStyle/>
+                    <a:p>
+                      <a:pPr algn="l"/>
+                      <a:r>
+                        <a:rPr lang="en-US" altLang="zh-CN" sz="1800">
+                          <a:latin typeface="Arial" panose="020B0604020202020204" pitchFamily="34" charset="0"/>
+                          <a:cs typeface="Arial" panose="020B0604020202020204" pitchFamily="34" charset="0"/>
+                        </a:rPr>
+                        <a:t>Regulation</a:t>
+                      </a:r>
+                      <a:r>
+                        <a:rPr lang="zh-CN" altLang="en-US" sz="1800">
+                          <a:latin typeface="Arial" panose="020B0604020202020204" pitchFamily="34" charset="0"/>
+                          <a:cs typeface="Arial" panose="020B0604020202020204" pitchFamily="34" charset="0"/>
+                        </a:rPr>
+                        <a:t> </a:t>
+                      </a:r>
+                      <a:r>
+                        <a:rPr lang="en-US" altLang="zh-CN" sz="1800">
+                          <a:latin typeface="Arial" panose="020B0604020202020204" pitchFamily="34" charset="0"/>
+                          <a:cs typeface="Arial" panose="020B0604020202020204" pitchFamily="34" charset="0"/>
+                        </a:rPr>
+                        <a:t>of</a:t>
+                      </a:r>
+                      <a:r>
+                        <a:rPr lang="zh-CN" altLang="en-US" sz="1800">
+                          <a:latin typeface="Arial" panose="020B0604020202020204" pitchFamily="34" charset="0"/>
+                          <a:cs typeface="Arial" panose="020B0604020202020204" pitchFamily="34" charset="0"/>
+                        </a:rPr>
+                        <a:t> </a:t>
+                      </a:r>
+                      <a:r>
+                        <a:rPr lang="en-US" altLang="zh-CN" sz="1800">
+                          <a:latin typeface="Arial" panose="020B0604020202020204" pitchFamily="34" charset="0"/>
+                          <a:cs typeface="Arial" panose="020B0604020202020204" pitchFamily="34" charset="0"/>
+                        </a:rPr>
+                        <a:t>translation</a:t>
+                      </a:r>
+                      <a:r>
+                        <a:rPr lang="zh-CN" altLang="en-US" sz="1800">
+                          <a:latin typeface="Arial" panose="020B0604020202020204" pitchFamily="34" charset="0"/>
+                          <a:cs typeface="Arial" panose="020B0604020202020204" pitchFamily="34" charset="0"/>
+                        </a:rPr>
+                        <a:t> </a:t>
+                      </a:r>
+                      <a:r>
+                        <a:rPr lang="en-US" altLang="zh-CN" sz="1800">
+                          <a:latin typeface="Arial" panose="020B0604020202020204" pitchFamily="34" charset="0"/>
+                          <a:cs typeface="Arial" panose="020B0604020202020204" pitchFamily="34" charset="0"/>
+                        </a:rPr>
+                        <a:t>and</a:t>
+                      </a:r>
+                      <a:r>
+                        <a:rPr lang="zh-CN" altLang="en-US" sz="1800">
+                          <a:latin typeface="Arial" panose="020B0604020202020204" pitchFamily="34" charset="0"/>
+                          <a:cs typeface="Arial" panose="020B0604020202020204" pitchFamily="34" charset="0"/>
+                        </a:rPr>
+                        <a:t> </a:t>
+                      </a:r>
+                      <a:r>
+                        <a:rPr lang="en-US" altLang="zh-CN" sz="1800">
+                          <a:latin typeface="Arial" panose="020B0604020202020204" pitchFamily="34" charset="0"/>
+                          <a:cs typeface="Arial" panose="020B0604020202020204" pitchFamily="34" charset="0"/>
+                        </a:rPr>
+                        <a:t>recycle</a:t>
+                      </a:r>
+                      <a:r>
+                        <a:rPr lang="zh-CN" altLang="en-US" sz="1800">
+                          <a:latin typeface="Arial" panose="020B0604020202020204" pitchFamily="34" charset="0"/>
+                          <a:cs typeface="Arial" panose="020B0604020202020204" pitchFamily="34" charset="0"/>
+                        </a:rPr>
+                        <a:t> </a:t>
+                      </a:r>
+                      <a:r>
+                        <a:rPr lang="en-US" altLang="zh-CN" sz="1800">
+                          <a:latin typeface="Arial" panose="020B0604020202020204" pitchFamily="34" charset="0"/>
+                          <a:cs typeface="Arial" panose="020B0604020202020204" pitchFamily="34" charset="0"/>
+                        </a:rPr>
+                        <a:t>NMPs</a:t>
+                      </a:r>
+                      <a:r>
+                        <a:rPr lang="zh-CN" altLang="en-US" sz="1800">
+                          <a:latin typeface="Arial" panose="020B0604020202020204" pitchFamily="34" charset="0"/>
+                          <a:cs typeface="Arial" panose="020B0604020202020204" pitchFamily="34" charset="0"/>
+                        </a:rPr>
+                        <a:t> </a:t>
+                      </a:r>
+                      <a:endParaRPr lang="en-US" sz="1800">
+                        <a:latin typeface="Arial" panose="020B0604020202020204" pitchFamily="34" charset="0"/>
+                        <a:cs typeface="Arial" panose="020B0604020202020204" pitchFamily="34" charset="0"/>
+                      </a:endParaRPr>
+                    </a:p>
+                  </a:txBody>
+                  <a:tcPr anchor="ctr"/>
+                </a:tc>
+                <a:extLst>
+                  <a:ext uri="{0D108BD9-81ED-4DB2-BD59-A6C34878D82A}">
+                    <a16:rowId xmlns:a16="http://schemas.microsoft.com/office/drawing/2014/main" val="2069293708"/>
+                  </a:ext>
+                </a:extLst>
+              </a:tr>
+              <a:tr h="370840">
+                <a:tc>
+                  <a:txBody>
+                    <a:bodyPr/>
+                    <a:lstStyle/>
+                    <a:p>
+                      <a:pPr algn="l"/>
+                      <a:r>
+                        <a:rPr lang="en-US" altLang="zh-CN" sz="1800">
+                          <a:latin typeface="Arial" panose="020B0604020202020204" pitchFamily="34" charset="0"/>
+                          <a:cs typeface="Arial" panose="020B0604020202020204" pitchFamily="34" charset="0"/>
+                        </a:rPr>
+                        <a:t>Ribosome</a:t>
+                      </a:r>
+                      <a:r>
+                        <a:rPr lang="zh-CN" altLang="en-US" sz="1800">
+                          <a:latin typeface="Arial" panose="020B0604020202020204" pitchFamily="34" charset="0"/>
+                          <a:cs typeface="Arial" panose="020B0604020202020204" pitchFamily="34" charset="0"/>
+                        </a:rPr>
+                        <a:t> </a:t>
+                      </a:r>
+                      <a:r>
+                        <a:rPr lang="en-US" altLang="zh-CN" sz="1800">
+                          <a:latin typeface="Arial" panose="020B0604020202020204" pitchFamily="34" charset="0"/>
+                          <a:cs typeface="Arial" panose="020B0604020202020204" pitchFamily="34" charset="0"/>
+                        </a:rPr>
+                        <a:t>Biogenesis</a:t>
+                      </a:r>
+                      <a:endParaRPr lang="en-US" sz="1800">
+                        <a:latin typeface="Arial" panose="020B0604020202020204" pitchFamily="34" charset="0"/>
+                        <a:cs typeface="Arial" panose="020B0604020202020204" pitchFamily="34" charset="0"/>
+                      </a:endParaRPr>
+                    </a:p>
+                  </a:txBody>
+                  <a:tcPr anchor="ctr"/>
+                </a:tc>
+                <a:tc>
+                  <a:txBody>
+                    <a:bodyPr/>
+                    <a:lstStyle/>
+                    <a:p>
+                      <a:pPr algn="l"/>
+                      <a:r>
+                        <a:rPr lang="en-US" altLang="zh-CN" sz="1800">
+                          <a:latin typeface="Arial" panose="020B0604020202020204" pitchFamily="34" charset="0"/>
+                          <a:cs typeface="Arial" panose="020B0604020202020204" pitchFamily="34" charset="0"/>
+                        </a:rPr>
+                        <a:t>Assembly</a:t>
+                      </a:r>
+                      <a:r>
+                        <a:rPr lang="zh-CN" altLang="en-US" sz="1800">
+                          <a:latin typeface="Arial" panose="020B0604020202020204" pitchFamily="34" charset="0"/>
+                          <a:cs typeface="Arial" panose="020B0604020202020204" pitchFamily="34" charset="0"/>
+                        </a:rPr>
+                        <a:t> </a:t>
+                      </a:r>
+                      <a:r>
+                        <a:rPr lang="en-US" altLang="zh-CN" sz="1800">
+                          <a:latin typeface="Arial" panose="020B0604020202020204" pitchFamily="34" charset="0"/>
+                          <a:cs typeface="Arial" panose="020B0604020202020204" pitchFamily="34" charset="0"/>
+                        </a:rPr>
+                        <a:t>ribosomes</a:t>
+                      </a:r>
+                      <a:endParaRPr lang="en-US" sz="1800">
+                        <a:latin typeface="Arial" panose="020B0604020202020204" pitchFamily="34" charset="0"/>
+                        <a:cs typeface="Arial" panose="020B0604020202020204" pitchFamily="34" charset="0"/>
+                      </a:endParaRPr>
+                    </a:p>
+                  </a:txBody>
+                  <a:tcPr anchor="ctr"/>
+                </a:tc>
+                <a:extLst>
+                  <a:ext uri="{0D108BD9-81ED-4DB2-BD59-A6C34878D82A}">
+                    <a16:rowId xmlns:a16="http://schemas.microsoft.com/office/drawing/2014/main" val="3737245256"/>
+                  </a:ext>
+                </a:extLst>
+              </a:tr>
+              <a:tr h="370840">
+                <a:tc>
+                  <a:txBody>
+                    <a:bodyPr/>
+                    <a:lstStyle/>
+                    <a:p>
+                      <a:pPr algn="l"/>
+                      <a:r>
+                        <a:rPr lang="en-US" altLang="zh-CN" sz="1800">
+                          <a:latin typeface="Arial" panose="020B0604020202020204" pitchFamily="34" charset="0"/>
+                          <a:cs typeface="Arial" panose="020B0604020202020204" pitchFamily="34" charset="0"/>
+                        </a:rPr>
+                        <a:t>tRNA</a:t>
+                      </a:r>
+                      <a:r>
+                        <a:rPr lang="zh-CN" altLang="en-US" sz="1800">
+                          <a:latin typeface="Arial" panose="020B0604020202020204" pitchFamily="34" charset="0"/>
+                          <a:cs typeface="Arial" panose="020B0604020202020204" pitchFamily="34" charset="0"/>
+                        </a:rPr>
+                        <a:t> </a:t>
+                      </a:r>
+                      <a:r>
+                        <a:rPr lang="en-US" altLang="zh-CN" sz="1800">
+                          <a:latin typeface="Arial" panose="020B0604020202020204" pitchFamily="34" charset="0"/>
+                          <a:cs typeface="Arial" panose="020B0604020202020204" pitchFamily="34" charset="0"/>
+                        </a:rPr>
+                        <a:t>Charging</a:t>
+                      </a:r>
+                      <a:endParaRPr lang="en-US" sz="1800">
+                        <a:latin typeface="Arial" panose="020B0604020202020204" pitchFamily="34" charset="0"/>
+                        <a:cs typeface="Arial" panose="020B0604020202020204" pitchFamily="34" charset="0"/>
+                      </a:endParaRPr>
+                    </a:p>
+                  </a:txBody>
+                  <a:tcPr anchor="ctr"/>
+                </a:tc>
+                <a:tc>
+                  <a:txBody>
+                    <a:bodyPr/>
+                    <a:lstStyle/>
+                    <a:p>
+                      <a:pPr algn="l"/>
+                      <a:r>
+                        <a:rPr lang="en-US" altLang="zh-CN" sz="1800" dirty="0">
+                          <a:latin typeface="Arial" panose="020B0604020202020204" pitchFamily="34" charset="0"/>
+                          <a:cs typeface="Arial" panose="020B0604020202020204" pitchFamily="34" charset="0"/>
+                        </a:rPr>
+                        <a:t>Carry</a:t>
+                      </a:r>
+                      <a:r>
+                        <a:rPr lang="zh-CN" altLang="en-US" sz="1800" dirty="0">
+                          <a:latin typeface="Arial" panose="020B0604020202020204" pitchFamily="34" charset="0"/>
+                          <a:cs typeface="Arial" panose="020B0604020202020204" pitchFamily="34" charset="0"/>
+                        </a:rPr>
+                        <a:t> </a:t>
+                      </a:r>
+                      <a:r>
+                        <a:rPr lang="en-US" altLang="zh-CN" sz="1800" dirty="0">
+                          <a:latin typeface="Arial" panose="020B0604020202020204" pitchFamily="34" charset="0"/>
+                          <a:cs typeface="Arial" panose="020B0604020202020204" pitchFamily="34" charset="0"/>
+                        </a:rPr>
+                        <a:t>AA</a:t>
+                      </a:r>
+                      <a:r>
+                        <a:rPr lang="zh-CN" altLang="en-US" sz="1800" dirty="0">
+                          <a:latin typeface="Arial" panose="020B0604020202020204" pitchFamily="34" charset="0"/>
+                          <a:cs typeface="Arial" panose="020B0604020202020204" pitchFamily="34" charset="0"/>
+                        </a:rPr>
+                        <a:t> </a:t>
+                      </a:r>
+                      <a:r>
+                        <a:rPr lang="en-US" altLang="zh-CN" sz="1800" dirty="0">
+                          <a:latin typeface="Arial" panose="020B0604020202020204" pitchFamily="34" charset="0"/>
+                          <a:cs typeface="Arial" panose="020B0604020202020204" pitchFamily="34" charset="0"/>
+                        </a:rPr>
+                        <a:t>for</a:t>
+                      </a:r>
+                      <a:r>
+                        <a:rPr lang="zh-CN" altLang="en-US" sz="1800" dirty="0">
+                          <a:latin typeface="Arial" panose="020B0604020202020204" pitchFamily="34" charset="0"/>
+                          <a:cs typeface="Arial" panose="020B0604020202020204" pitchFamily="34" charset="0"/>
+                        </a:rPr>
+                        <a:t> </a:t>
+                      </a:r>
+                      <a:r>
+                        <a:rPr lang="en-US" altLang="zh-CN" sz="1800" dirty="0">
+                          <a:latin typeface="Arial" panose="020B0604020202020204" pitchFamily="34" charset="0"/>
+                          <a:cs typeface="Arial" panose="020B0604020202020204" pitchFamily="34" charset="0"/>
+                        </a:rPr>
+                        <a:t>translation</a:t>
+                      </a:r>
+                      <a:endParaRPr lang="en-US" sz="1800" dirty="0">
+                        <a:latin typeface="Arial" panose="020B0604020202020204" pitchFamily="34" charset="0"/>
+                        <a:cs typeface="Arial" panose="020B0604020202020204" pitchFamily="34" charset="0"/>
+                      </a:endParaRPr>
+                    </a:p>
+                  </a:txBody>
+                  <a:tcPr anchor="ctr"/>
+                </a:tc>
+                <a:extLst>
+                  <a:ext uri="{0D108BD9-81ED-4DB2-BD59-A6C34878D82A}">
+                    <a16:rowId xmlns:a16="http://schemas.microsoft.com/office/drawing/2014/main" val="698940075"/>
+                  </a:ext>
+                </a:extLst>
+              </a:tr>
+            </a:tbl>
+          </a:graphicData>
+        </a:graphic>
+      </p:graphicFrame>
+    </p:spTree>
+    <p:extLst>
+      <p:ext uri="{BB962C8B-B14F-4D97-AF65-F5344CB8AC3E}">
+        <p14:creationId xmlns:p14="http://schemas.microsoft.com/office/powerpoint/2010/main" val="2157769966"/>
+      </p:ext>
+    </p:extLst>
+  </p:cSld>
+  <p:clrMapOvr>
+    <a:masterClrMapping/>
+  </p:clrMapOvr>
+</p:sld>
+</file>
+
+<file path=ppt/slides/slide6.xml><?xml version="1.0" encoding="utf-8"?>
+<p:sld xmlns:a="http://schemas.openxmlformats.org/drawingml/2006/main" xmlns:r="http://schemas.openxmlformats.org/officeDocument/2006/relationships" xmlns:p="http://schemas.openxmlformats.org/presentationml/2006/main">
+  <p:cSld>
+    <p:spTree>
+      <p:nvGrpSpPr>
+        <p:cNvPr id="1" name=""/>
+        <p:cNvGrpSpPr/>
+        <p:nvPr/>
+      </p:nvGrpSpPr>
+      <p:grpSpPr>
+        <a:xfrm>
+          <a:off x="0" y="0"/>
+          <a:ext cx="0" cy="0"/>
+          <a:chOff x="0" y="0"/>
+          <a:chExt cx="0" cy="0"/>
+        </a:xfrm>
+      </p:grpSpPr>
+      <p:sp>
+        <p:nvSpPr>
+          <p:cNvPr id="12" name="Rectangle 11">
+            <a:extLst>
+              <a:ext uri="{FF2B5EF4-FFF2-40B4-BE49-F238E27FC236}">
+                <a16:creationId xmlns:a16="http://schemas.microsoft.com/office/drawing/2014/main" id="{D803A8A9-AEDE-46F0-5539-4E325489CA5A}"/>
+              </a:ext>
+            </a:extLst>
+          </p:cNvPr>
+          <p:cNvSpPr/>
+          <p:nvPr/>
+        </p:nvSpPr>
+        <p:spPr>
+          <a:xfrm>
+            <a:off x="249382" y="2092036"/>
+            <a:ext cx="11942618" cy="3422074"/>
+          </a:xfrm>
+          <a:prstGeom prst="rect">
+            <a:avLst/>
+          </a:prstGeom>
+          <a:ln>
+            <a:noFill/>
+          </a:ln>
+        </p:spPr>
+        <p:style>
+          <a:lnRef idx="2">
+            <a:schemeClr val="accent6"/>
+          </a:lnRef>
+          <a:fillRef idx="1">
+            <a:schemeClr val="lt1"/>
+          </a:fillRef>
+          <a:effectRef idx="0">
+            <a:schemeClr val="accent6"/>
+          </a:effectRef>
+          <a:fontRef idx="minor">
+            <a:schemeClr val="dk1"/>
+          </a:fontRef>
+        </p:style>
+        <p:txBody>
+          <a:bodyPr rtlCol="0" anchor="ctr"/>
+          <a:lstStyle/>
+          <a:p>
+            <a:pPr algn="ctr"/>
+            <a:endParaRPr lang="en-US" dirty="0"/>
+          </a:p>
+        </p:txBody>
+      </p:sp>
+      <p:pic>
+        <p:nvPicPr>
+          <p:cNvPr id="2" name="1j1v_3r8f.jpg">
+            <a:extLst>
+              <a:ext uri="{FF2B5EF4-FFF2-40B4-BE49-F238E27FC236}">
+                <a16:creationId xmlns:a16="http://schemas.microsoft.com/office/drawing/2014/main" id="{C773C4A8-6089-C399-2BEA-961D82794973}"/>
+              </a:ext>
+            </a:extLst>
+          </p:cNvPr>
+          <p:cNvPicPr>
+            <a:picLocks noChangeAspect="1"/>
+          </p:cNvPicPr>
+          <p:nvPr/>
+        </p:nvPicPr>
+        <p:blipFill>
+          <a:blip r:embed="rId2"/>
+          <a:stretch>
+            <a:fillRect/>
+          </a:stretch>
+        </p:blipFill>
+        <p:spPr>
+          <a:xfrm>
+            <a:off x="6726910" y="2929365"/>
+            <a:ext cx="5410201" cy="2197101"/>
+          </a:xfrm>
+          <a:prstGeom prst="rect">
+            <a:avLst/>
+          </a:prstGeom>
+          <a:ln w="12700">
+            <a:miter lim="400000"/>
+          </a:ln>
+        </p:spPr>
+      </p:pic>
+      <p:sp>
+        <p:nvSpPr>
+          <p:cNvPr id="3" name="DnaA domain IV binds…">
+            <a:extLst>
+              <a:ext uri="{FF2B5EF4-FFF2-40B4-BE49-F238E27FC236}">
+                <a16:creationId xmlns:a16="http://schemas.microsoft.com/office/drawing/2014/main" id="{8CA9F884-176C-720C-9A60-7D83F06B37FB}"/>
+              </a:ext>
+            </a:extLst>
+          </p:cNvPr>
+          <p:cNvSpPr txBox="1"/>
+          <p:nvPr/>
+        </p:nvSpPr>
+        <p:spPr>
+          <a:xfrm>
+            <a:off x="7065965" y="2239734"/>
+            <a:ext cx="2161587" cy="666849"/>
+          </a:xfrm>
+          <a:prstGeom prst="rect">
+            <a:avLst/>
+          </a:prstGeom>
+          <a:ln w="12700">
+            <a:miter lim="400000"/>
+          </a:ln>
+          <a:extLst>
+            <a:ext uri="{C572A759-6A51-4108-AA02-DFA0A04FC94B}">
+              <ma14:wrappingTextBoxFlag xmlns:lc="http://schemas.openxmlformats.org/drawingml/2006/lockedCanvas" xmlns:ma14="http://schemas.microsoft.com/office/mac/drawingml/2011/main" xmlns:a14="http://schemas.microsoft.com/office/drawing/2010/main" xmlns:m="http://schemas.openxmlformats.org/officeDocument/2006/math" xmlns="" val="1"/>
+            </a:ext>
+          </a:extLst>
+        </p:spPr>
+        <p:txBody>
+          <a:bodyPr wrap="square" lIns="25400" tIns="25400" rIns="25400" bIns="25400" anchor="ctr">
+            <a:spAutoFit/>
+          </a:bodyPr>
+          <a:lstStyle>
+            <a:defPPr>
+              <a:defRPr lang="en-US"/>
+            </a:defPPr>
+            <a:lvl1pPr marL="0" algn="l" defTabSz="914400" rtl="0" eaLnBrk="1" latinLnBrk="0" hangingPunct="1">
+              <a:defRPr sz="1800" kern="1200">
+                <a:solidFill>
+                  <a:schemeClr val="tx1"/>
+                </a:solidFill>
+                <a:latin typeface="+mn-lt"/>
+                <a:ea typeface="+mn-ea"/>
+                <a:cs typeface="+mn-cs"/>
+              </a:defRPr>
+            </a:lvl1pPr>
+            <a:lvl2pPr marL="457200" algn="l" defTabSz="914400" rtl="0" eaLnBrk="1" latinLnBrk="0" hangingPunct="1">
+              <a:defRPr sz="1800" kern="1200">
+                <a:solidFill>
+                  <a:schemeClr val="tx1"/>
+                </a:solidFill>
+                <a:latin typeface="+mn-lt"/>
+                <a:ea typeface="+mn-ea"/>
+                <a:cs typeface="+mn-cs"/>
+              </a:defRPr>
+            </a:lvl2pPr>
+            <a:lvl3pPr marL="914400" algn="l" defTabSz="914400" rtl="0" eaLnBrk="1" latinLnBrk="0" hangingPunct="1">
+              <a:defRPr sz="1800" kern="1200">
+                <a:solidFill>
+                  <a:schemeClr val="tx1"/>
+                </a:solidFill>
+                <a:latin typeface="+mn-lt"/>
+                <a:ea typeface="+mn-ea"/>
+                <a:cs typeface="+mn-cs"/>
+              </a:defRPr>
+            </a:lvl3pPr>
+            <a:lvl4pPr marL="1371600" algn="l" defTabSz="914400" rtl="0" eaLnBrk="1" latinLnBrk="0" hangingPunct="1">
+              <a:defRPr sz="1800" kern="1200">
+                <a:solidFill>
+                  <a:schemeClr val="tx1"/>
+                </a:solidFill>
+                <a:latin typeface="+mn-lt"/>
+                <a:ea typeface="+mn-ea"/>
+                <a:cs typeface="+mn-cs"/>
+              </a:defRPr>
+            </a:lvl4pPr>
+            <a:lvl5pPr marL="1828800" algn="l" defTabSz="914400" rtl="0" eaLnBrk="1" latinLnBrk="0" hangingPunct="1">
+              <a:defRPr sz="1800" kern="1200">
+                <a:solidFill>
+                  <a:schemeClr val="tx1"/>
+                </a:solidFill>
+                <a:latin typeface="+mn-lt"/>
+                <a:ea typeface="+mn-ea"/>
+                <a:cs typeface="+mn-cs"/>
+              </a:defRPr>
+            </a:lvl5pPr>
+            <a:lvl6pPr marL="2286000" algn="l" defTabSz="914400" rtl="0" eaLnBrk="1" latinLnBrk="0" hangingPunct="1">
+              <a:defRPr sz="1800" kern="1200">
+                <a:solidFill>
+                  <a:schemeClr val="tx1"/>
+                </a:solidFill>
+                <a:latin typeface="+mn-lt"/>
+                <a:ea typeface="+mn-ea"/>
+                <a:cs typeface="+mn-cs"/>
+              </a:defRPr>
+            </a:lvl6pPr>
+            <a:lvl7pPr marL="2743200" algn="l" defTabSz="914400" rtl="0" eaLnBrk="1" latinLnBrk="0" hangingPunct="1">
+              <a:defRPr sz="1800" kern="1200">
+                <a:solidFill>
+                  <a:schemeClr val="tx1"/>
+                </a:solidFill>
+                <a:latin typeface="+mn-lt"/>
+                <a:ea typeface="+mn-ea"/>
+                <a:cs typeface="+mn-cs"/>
+              </a:defRPr>
+            </a:lvl7pPr>
+            <a:lvl8pPr marL="3200400" algn="l" defTabSz="914400" rtl="0" eaLnBrk="1" latinLnBrk="0" hangingPunct="1">
+              <a:defRPr sz="1800" kern="1200">
+                <a:solidFill>
+                  <a:schemeClr val="tx1"/>
+                </a:solidFill>
+                <a:latin typeface="+mn-lt"/>
+                <a:ea typeface="+mn-ea"/>
+                <a:cs typeface="+mn-cs"/>
+              </a:defRPr>
+            </a:lvl8pPr>
+            <a:lvl9pPr marL="3657600" algn="l" defTabSz="914400" rtl="0" eaLnBrk="1" latinLnBrk="0" hangingPunct="1">
+              <a:defRPr sz="1800" kern="1200">
+                <a:solidFill>
+                  <a:schemeClr val="tx1"/>
+                </a:solidFill>
+                <a:latin typeface="+mn-lt"/>
+                <a:ea typeface="+mn-ea"/>
+                <a:cs typeface="+mn-cs"/>
+              </a:defRPr>
+            </a:lvl9pPr>
+          </a:lstStyle>
+          <a:p>
+            <a:pPr defTabSz="412750">
+              <a:defRPr sz="3600">
+                <a:solidFill>
+                  <a:srgbClr val="000000"/>
+                </a:solidFill>
+                <a:latin typeface="Helvetica"/>
+                <a:ea typeface="Helvetica"/>
+                <a:cs typeface="Helvetica"/>
+                <a:sym typeface="Helvetica"/>
+              </a:defRPr>
+            </a:pPr>
+            <a:r>
+              <a:rPr lang="en-US" sz="2000"/>
+              <a:t>D</a:t>
+            </a:r>
+            <a:r>
+              <a:rPr sz="2000"/>
+              <a:t>omain IV binds </a:t>
+            </a:r>
+          </a:p>
+          <a:p>
+            <a:pPr defTabSz="412750">
+              <a:defRPr sz="3600">
+                <a:solidFill>
+                  <a:srgbClr val="000000"/>
+                </a:solidFill>
+                <a:latin typeface="Helvetica"/>
+                <a:ea typeface="Helvetica"/>
+                <a:cs typeface="Helvetica"/>
+                <a:sym typeface="Helvetica"/>
+              </a:defRPr>
+            </a:pPr>
+            <a:r>
+              <a:rPr sz="2000"/>
+              <a:t>to 9 NT on dsDNA</a:t>
+            </a:r>
+          </a:p>
+        </p:txBody>
+      </p:sp>
+      <p:sp>
+        <p:nvSpPr>
+          <p:cNvPr id="4" name="DnaA domain III binds…">
+            <a:extLst>
+              <a:ext uri="{FF2B5EF4-FFF2-40B4-BE49-F238E27FC236}">
+                <a16:creationId xmlns:a16="http://schemas.microsoft.com/office/drawing/2014/main" id="{79EBA177-4E82-4C70-E687-47518D3177A9}"/>
+              </a:ext>
+            </a:extLst>
+          </p:cNvPr>
+          <p:cNvSpPr txBox="1"/>
+          <p:nvPr/>
+        </p:nvSpPr>
+        <p:spPr>
+          <a:xfrm>
+            <a:off x="9432010" y="2226376"/>
+            <a:ext cx="2302790" cy="666849"/>
+          </a:xfrm>
+          <a:prstGeom prst="rect">
+            <a:avLst/>
+          </a:prstGeom>
+          <a:ln w="12700">
+            <a:miter lim="400000"/>
+          </a:ln>
+          <a:extLst>
+            <a:ext uri="{C572A759-6A51-4108-AA02-DFA0A04FC94B}">
+              <ma14:wrappingTextBoxFlag xmlns:lc="http://schemas.openxmlformats.org/drawingml/2006/lockedCanvas" xmlns:ma14="http://schemas.microsoft.com/office/mac/drawingml/2011/main" xmlns:a14="http://schemas.microsoft.com/office/drawing/2010/main" xmlns:m="http://schemas.openxmlformats.org/officeDocument/2006/math" xmlns="" val="1"/>
+            </a:ext>
+          </a:extLst>
+        </p:spPr>
+        <p:txBody>
+          <a:bodyPr wrap="square" lIns="25400" tIns="25400" rIns="25400" bIns="25400" anchor="ctr">
+            <a:spAutoFit/>
+          </a:bodyPr>
+          <a:lstStyle>
+            <a:defPPr>
+              <a:defRPr lang="en-US"/>
+            </a:defPPr>
+            <a:lvl1pPr marL="0" algn="l" defTabSz="914400" rtl="0" eaLnBrk="1" latinLnBrk="0" hangingPunct="1">
+              <a:defRPr sz="1800" kern="1200">
+                <a:solidFill>
+                  <a:schemeClr val="tx1"/>
+                </a:solidFill>
+                <a:latin typeface="+mn-lt"/>
+                <a:ea typeface="+mn-ea"/>
+                <a:cs typeface="+mn-cs"/>
+              </a:defRPr>
+            </a:lvl1pPr>
+            <a:lvl2pPr marL="457200" algn="l" defTabSz="914400" rtl="0" eaLnBrk="1" latinLnBrk="0" hangingPunct="1">
+              <a:defRPr sz="1800" kern="1200">
+                <a:solidFill>
+                  <a:schemeClr val="tx1"/>
+                </a:solidFill>
+                <a:latin typeface="+mn-lt"/>
+                <a:ea typeface="+mn-ea"/>
+                <a:cs typeface="+mn-cs"/>
+              </a:defRPr>
+            </a:lvl2pPr>
+            <a:lvl3pPr marL="914400" algn="l" defTabSz="914400" rtl="0" eaLnBrk="1" latinLnBrk="0" hangingPunct="1">
+              <a:defRPr sz="1800" kern="1200">
+                <a:solidFill>
+                  <a:schemeClr val="tx1"/>
+                </a:solidFill>
+                <a:latin typeface="+mn-lt"/>
+                <a:ea typeface="+mn-ea"/>
+                <a:cs typeface="+mn-cs"/>
+              </a:defRPr>
+            </a:lvl3pPr>
+            <a:lvl4pPr marL="1371600" algn="l" defTabSz="914400" rtl="0" eaLnBrk="1" latinLnBrk="0" hangingPunct="1">
+              <a:defRPr sz="1800" kern="1200">
+                <a:solidFill>
+                  <a:schemeClr val="tx1"/>
+                </a:solidFill>
+                <a:latin typeface="+mn-lt"/>
+                <a:ea typeface="+mn-ea"/>
+                <a:cs typeface="+mn-cs"/>
+              </a:defRPr>
+            </a:lvl4pPr>
+            <a:lvl5pPr marL="1828800" algn="l" defTabSz="914400" rtl="0" eaLnBrk="1" latinLnBrk="0" hangingPunct="1">
+              <a:defRPr sz="1800" kern="1200">
+                <a:solidFill>
+                  <a:schemeClr val="tx1"/>
+                </a:solidFill>
+                <a:latin typeface="+mn-lt"/>
+                <a:ea typeface="+mn-ea"/>
+                <a:cs typeface="+mn-cs"/>
+              </a:defRPr>
+            </a:lvl5pPr>
+            <a:lvl6pPr marL="2286000" algn="l" defTabSz="914400" rtl="0" eaLnBrk="1" latinLnBrk="0" hangingPunct="1">
+              <a:defRPr sz="1800" kern="1200">
+                <a:solidFill>
+                  <a:schemeClr val="tx1"/>
+                </a:solidFill>
+                <a:latin typeface="+mn-lt"/>
+                <a:ea typeface="+mn-ea"/>
+                <a:cs typeface="+mn-cs"/>
+              </a:defRPr>
+            </a:lvl6pPr>
+            <a:lvl7pPr marL="2743200" algn="l" defTabSz="914400" rtl="0" eaLnBrk="1" latinLnBrk="0" hangingPunct="1">
+              <a:defRPr sz="1800" kern="1200">
+                <a:solidFill>
+                  <a:schemeClr val="tx1"/>
+                </a:solidFill>
+                <a:latin typeface="+mn-lt"/>
+                <a:ea typeface="+mn-ea"/>
+                <a:cs typeface="+mn-cs"/>
+              </a:defRPr>
+            </a:lvl7pPr>
+            <a:lvl8pPr marL="3200400" algn="l" defTabSz="914400" rtl="0" eaLnBrk="1" latinLnBrk="0" hangingPunct="1">
+              <a:defRPr sz="1800" kern="1200">
+                <a:solidFill>
+                  <a:schemeClr val="tx1"/>
+                </a:solidFill>
+                <a:latin typeface="+mn-lt"/>
+                <a:ea typeface="+mn-ea"/>
+                <a:cs typeface="+mn-cs"/>
+              </a:defRPr>
+            </a:lvl8pPr>
+            <a:lvl9pPr marL="3657600" algn="l" defTabSz="914400" rtl="0" eaLnBrk="1" latinLnBrk="0" hangingPunct="1">
+              <a:defRPr sz="1800" kern="1200">
+                <a:solidFill>
+                  <a:schemeClr val="tx1"/>
+                </a:solidFill>
+                <a:latin typeface="+mn-lt"/>
+                <a:ea typeface="+mn-ea"/>
+                <a:cs typeface="+mn-cs"/>
+              </a:defRPr>
+            </a:lvl9pPr>
+          </a:lstStyle>
+          <a:p>
+            <a:pPr defTabSz="412750">
+              <a:defRPr sz="3600">
+                <a:solidFill>
+                  <a:srgbClr val="000000"/>
+                </a:solidFill>
+                <a:latin typeface="Helvetica"/>
+                <a:ea typeface="Helvetica"/>
+                <a:cs typeface="Helvetica"/>
+                <a:sym typeface="Helvetica"/>
+              </a:defRPr>
+            </a:pPr>
+            <a:r>
+              <a:rPr lang="en-US" altLang="zh-CN" sz="2000"/>
+              <a:t>D</a:t>
+            </a:r>
+            <a:r>
+              <a:rPr sz="2000"/>
+              <a:t>omain III binds </a:t>
+            </a:r>
+          </a:p>
+          <a:p>
+            <a:pPr defTabSz="412750">
+              <a:defRPr sz="3600">
+                <a:solidFill>
+                  <a:srgbClr val="000000"/>
+                </a:solidFill>
+                <a:latin typeface="Helvetica"/>
+                <a:ea typeface="Helvetica"/>
+                <a:cs typeface="Helvetica"/>
+                <a:sym typeface="Helvetica"/>
+              </a:defRPr>
+            </a:pPr>
+            <a:r>
+              <a:rPr sz="2000"/>
+              <a:t>to 3 NT on ssDNA</a:t>
+            </a:r>
+          </a:p>
+        </p:txBody>
+      </p:sp>
+      <p:grpSp>
+        <p:nvGrpSpPr>
+          <p:cNvPr id="6" name="Group 5">
+            <a:extLst>
+              <a:ext uri="{FF2B5EF4-FFF2-40B4-BE49-F238E27FC236}">
+                <a16:creationId xmlns:a16="http://schemas.microsoft.com/office/drawing/2014/main" id="{82CFC988-16A3-6957-420A-819EC88A3495}"/>
+              </a:ext>
+            </a:extLst>
+          </p:cNvPr>
+          <p:cNvGrpSpPr/>
+          <p:nvPr/>
+        </p:nvGrpSpPr>
+        <p:grpSpPr>
+          <a:xfrm>
+            <a:off x="639211" y="2426679"/>
+            <a:ext cx="5735971" cy="2505270"/>
+            <a:chOff x="652463" y="2757981"/>
+            <a:chExt cx="5735971" cy="2505270"/>
+          </a:xfrm>
+        </p:grpSpPr>
+        <p:pic>
+          <p:nvPicPr>
+            <p:cNvPr id="7" name="syn3A_oric_sequence.jpg" descr="syn3A_oric_sequence.jpg">
+              <a:extLst>
+                <a:ext uri="{FF2B5EF4-FFF2-40B4-BE49-F238E27FC236}">
+                  <a16:creationId xmlns:a16="http://schemas.microsoft.com/office/drawing/2014/main" id="{EDE044D9-BBDD-61AE-B339-4C159F71E749}"/>
+                </a:ext>
+              </a:extLst>
+            </p:cNvPr>
+            <p:cNvPicPr>
+              <a:picLocks noChangeAspect="1"/>
+            </p:cNvPicPr>
+            <p:nvPr/>
+          </p:nvPicPr>
+          <p:blipFill>
+            <a:blip r:embed="rId3"/>
+            <a:stretch>
+              <a:fillRect/>
+            </a:stretch>
+          </p:blipFill>
+          <p:spPr>
+            <a:xfrm>
+              <a:off x="652463" y="2757981"/>
+              <a:ext cx="5735971" cy="2505270"/>
+            </a:xfrm>
+            <a:prstGeom prst="rect">
+              <a:avLst/>
+            </a:prstGeom>
+            <a:ln w="12700">
+              <a:miter lim="400000"/>
+            </a:ln>
+          </p:spPr>
+        </p:pic>
+        <p:sp>
+          <p:nvSpPr>
+            <p:cNvPr id="8" name="Rectangle 7">
+              <a:extLst>
+                <a:ext uri="{FF2B5EF4-FFF2-40B4-BE49-F238E27FC236}">
+                  <a16:creationId xmlns:a16="http://schemas.microsoft.com/office/drawing/2014/main" id="{C19D92DE-62F6-28C6-9AB9-9E1F78F1293F}"/>
+                </a:ext>
+              </a:extLst>
+            </p:cNvPr>
+            <p:cNvSpPr/>
+            <p:nvPr/>
+          </p:nvSpPr>
+          <p:spPr>
+            <a:xfrm>
+              <a:off x="652463" y="4540469"/>
+              <a:ext cx="5717014" cy="557048"/>
+            </a:xfrm>
+            <a:prstGeom prst="rect">
+              <a:avLst/>
+            </a:prstGeom>
+            <a:noFill/>
+            <a:ln w="28575">
+              <a:solidFill>
+                <a:schemeClr val="tx1"/>
+              </a:solidFill>
+            </a:ln>
+          </p:spPr>
+          <p:style>
+            <a:lnRef idx="2">
+              <a:schemeClr val="dk1">
+                <a:shade val="50000"/>
+              </a:schemeClr>
+            </a:lnRef>
+            <a:fillRef idx="1">
+              <a:schemeClr val="dk1"/>
+            </a:fillRef>
+            <a:effectRef idx="0">
+              <a:schemeClr val="dk1"/>
+            </a:effectRef>
+            <a:fontRef idx="minor">
+              <a:schemeClr val="lt1"/>
+            </a:fontRef>
+          </p:style>
+          <p:txBody>
+            <a:bodyPr rtlCol="0" anchor="ctr"/>
+            <a:lstStyle/>
+            <a:p>
+              <a:pPr algn="ctr"/>
+              <a:endParaRPr lang="en-US"/>
+            </a:p>
+          </p:txBody>
+        </p:sp>
+      </p:grpSp>
+      <p:sp>
+        <p:nvSpPr>
+          <p:cNvPr id="9" name="TextBox 8">
+            <a:extLst>
+              <a:ext uri="{FF2B5EF4-FFF2-40B4-BE49-F238E27FC236}">
+                <a16:creationId xmlns:a16="http://schemas.microsoft.com/office/drawing/2014/main" id="{DD8EA9FC-9EEF-9BC1-EFA9-1F6F2E17817F}"/>
+              </a:ext>
+            </a:extLst>
+          </p:cNvPr>
+          <p:cNvSpPr txBox="1"/>
+          <p:nvPr/>
+        </p:nvSpPr>
+        <p:spPr>
+          <a:xfrm>
+            <a:off x="652463" y="5002050"/>
+            <a:ext cx="3663182" cy="400110"/>
+          </a:xfrm>
+          <a:prstGeom prst="rect">
+            <a:avLst/>
+          </a:prstGeom>
+          <a:noFill/>
+        </p:spPr>
+        <p:txBody>
+          <a:bodyPr wrap="none" rtlCol="0">
+            <a:spAutoFit/>
+          </a:bodyPr>
+          <a:lstStyle/>
+          <a:p>
+            <a:r>
+              <a:rPr lang="en-US" altLang="zh-CN" sz="2000" i="1" err="1">
+                <a:latin typeface="Arial" panose="020B0604020202020204" pitchFamily="34" charset="0"/>
+                <a:cs typeface="Arial" panose="020B0604020202020204" pitchFamily="34" charset="0"/>
+              </a:rPr>
+              <a:t>oriC</a:t>
+            </a:r>
+            <a:r>
+              <a:rPr lang="zh-CN" altLang="en-US" sz="2000">
+                <a:latin typeface="Arial" panose="020B0604020202020204" pitchFamily="34" charset="0"/>
+                <a:cs typeface="Arial" panose="020B0604020202020204" pitchFamily="34" charset="0"/>
+              </a:rPr>
+              <a:t> </a:t>
+            </a:r>
+            <a:r>
+              <a:rPr lang="en-US" altLang="zh-CN" sz="2000">
+                <a:latin typeface="Arial" panose="020B0604020202020204" pitchFamily="34" charset="0"/>
+                <a:cs typeface="Arial" panose="020B0604020202020204" pitchFamily="34" charset="0"/>
+              </a:rPr>
+              <a:t>sequence</a:t>
+            </a:r>
+            <a:r>
+              <a:rPr lang="zh-CN" altLang="en-US" sz="2000">
+                <a:latin typeface="Arial" panose="020B0604020202020204" pitchFamily="34" charset="0"/>
+                <a:cs typeface="Arial" panose="020B0604020202020204" pitchFamily="34" charset="0"/>
+              </a:rPr>
+              <a:t> </a:t>
+            </a:r>
+            <a:r>
+              <a:rPr lang="en-US" altLang="zh-CN" sz="2000">
+                <a:latin typeface="Arial" panose="020B0604020202020204" pitchFamily="34" charset="0"/>
+                <a:cs typeface="Arial" panose="020B0604020202020204" pitchFamily="34" charset="0"/>
+              </a:rPr>
+              <a:t>of</a:t>
+            </a:r>
+            <a:r>
+              <a:rPr lang="zh-CN" altLang="en-US" sz="2000">
+                <a:latin typeface="Arial" panose="020B0604020202020204" pitchFamily="34" charset="0"/>
+                <a:cs typeface="Arial" panose="020B0604020202020204" pitchFamily="34" charset="0"/>
+              </a:rPr>
+              <a:t> </a:t>
+            </a:r>
+            <a:r>
+              <a:rPr lang="en-US" altLang="zh-CN" sz="2000">
+                <a:latin typeface="Arial" panose="020B0604020202020204" pitchFamily="34" charset="0"/>
+                <a:cs typeface="Arial" panose="020B0604020202020204" pitchFamily="34" charset="0"/>
+              </a:rPr>
+              <a:t>JCVISYN3A</a:t>
+            </a:r>
+            <a:endParaRPr lang="en-US" sz="2000">
+              <a:latin typeface="Arial" panose="020B0604020202020204" pitchFamily="34" charset="0"/>
+              <a:cs typeface="Arial" panose="020B0604020202020204" pitchFamily="34" charset="0"/>
+            </a:endParaRPr>
+          </a:p>
+        </p:txBody>
+      </p:sp>
+      <p:cxnSp>
+        <p:nvCxnSpPr>
+          <p:cNvPr id="10" name="Straight Arrow Connector 9">
+            <a:extLst>
+              <a:ext uri="{FF2B5EF4-FFF2-40B4-BE49-F238E27FC236}">
+                <a16:creationId xmlns:a16="http://schemas.microsoft.com/office/drawing/2014/main" id="{897202C2-4C8A-A34D-B912-DACD87D8EC39}"/>
+              </a:ext>
+            </a:extLst>
+          </p:cNvPr>
+          <p:cNvCxnSpPr>
+            <a:cxnSpLocks/>
+            <a:stCxn id="9" idx="0"/>
+          </p:cNvCxnSpPr>
+          <p:nvPr/>
+        </p:nvCxnSpPr>
+        <p:spPr>
+          <a:xfrm flipV="1">
+            <a:off x="2484054" y="4766216"/>
+            <a:ext cx="312155" cy="235834"/>
+          </a:xfrm>
+          <a:prstGeom prst="straightConnector1">
+            <a:avLst/>
+          </a:prstGeom>
+          <a:ln w="28575">
+            <a:solidFill>
+              <a:schemeClr val="tx1"/>
+            </a:solidFill>
+            <a:tailEnd type="triangle"/>
+          </a:ln>
+        </p:spPr>
+        <p:style>
+          <a:lnRef idx="1">
+            <a:schemeClr val="accent1"/>
+          </a:lnRef>
+          <a:fillRef idx="0">
+            <a:schemeClr val="accent1"/>
+          </a:fillRef>
+          <a:effectRef idx="0">
+            <a:schemeClr val="accent1"/>
+          </a:effectRef>
+          <a:fontRef idx="minor">
+            <a:schemeClr val="tx1"/>
+          </a:fontRef>
+        </p:style>
+      </p:cxnSp>
+    </p:spTree>
+    <p:extLst>
+      <p:ext uri="{BB962C8B-B14F-4D97-AF65-F5344CB8AC3E}">
+        <p14:creationId xmlns:p14="http://schemas.microsoft.com/office/powerpoint/2010/main" val="3024936783"/>
+      </p:ext>
+    </p:extLst>
+  </p:cSld>
+  <p:clrMapOvr>
+    <a:masterClrMapping/>
+  </p:clrMapOvr>
+</p:sld>
+</file>
+
+<file path=ppt/slides/slide7.xml><?xml version="1.0" encoding="utf-8"?>
+<p:sld xmlns:a="http://schemas.openxmlformats.org/drawingml/2006/main" xmlns:r="http://schemas.openxmlformats.org/officeDocument/2006/relationships" xmlns:p="http://schemas.openxmlformats.org/presentationml/2006/main">
+  <p:cSld>
+    <p:spTree>
+      <p:nvGrpSpPr>
+        <p:cNvPr id="1" name=""/>
+        <p:cNvGrpSpPr/>
+        <p:nvPr/>
+      </p:nvGrpSpPr>
+      <p:grpSpPr>
+        <a:xfrm>
+          <a:off x="0" y="0"/>
+          <a:ext cx="0" cy="0"/>
+          <a:chOff x="0" y="0"/>
+          <a:chExt cx="0" cy="0"/>
+        </a:xfrm>
+      </p:grpSpPr>
+      <p:sp>
+        <p:nvSpPr>
+          <p:cNvPr id="21" name="Rectangle 20">
+            <a:extLst>
+              <a:ext uri="{FF2B5EF4-FFF2-40B4-BE49-F238E27FC236}">
+                <a16:creationId xmlns:a16="http://schemas.microsoft.com/office/drawing/2014/main" id="{A98205BF-7958-2B41-1D04-5DCDBCA1339D}"/>
+              </a:ext>
+            </a:extLst>
+          </p:cNvPr>
+          <p:cNvSpPr/>
+          <p:nvPr/>
+        </p:nvSpPr>
+        <p:spPr>
+          <a:xfrm>
+            <a:off x="156018" y="258467"/>
+            <a:ext cx="12035982" cy="6460988"/>
+          </a:xfrm>
+          <a:prstGeom prst="rect">
+            <a:avLst/>
+          </a:prstGeom>
+          <a:ln>
+            <a:noFill/>
+          </a:ln>
+        </p:spPr>
+        <p:style>
+          <a:lnRef idx="2">
+            <a:schemeClr val="accent6"/>
+          </a:lnRef>
+          <a:fillRef idx="1">
+            <a:schemeClr val="lt1"/>
+          </a:fillRef>
+          <a:effectRef idx="0">
+            <a:schemeClr val="accent6"/>
+          </a:effectRef>
+          <a:fontRef idx="minor">
+            <a:schemeClr val="dk1"/>
+          </a:fontRef>
+        </p:style>
+        <p:txBody>
+          <a:bodyPr rtlCol="0" anchor="ctr"/>
+          <a:lstStyle/>
+          <a:p>
+            <a:pPr algn="ctr"/>
+            <a:endParaRPr lang="en-US" dirty="0"/>
+          </a:p>
+        </p:txBody>
+      </p:sp>
+      <p:pic>
+        <p:nvPicPr>
+          <p:cNvPr id="2" name="Main graphic">
+            <a:extLst>
+              <a:ext uri="{FF2B5EF4-FFF2-40B4-BE49-F238E27FC236}">
+                <a16:creationId xmlns:a16="http://schemas.microsoft.com/office/drawing/2014/main" id="{1D94FC52-3B98-1947-7CD6-9CA9BB88B6F3}"/>
+              </a:ext>
+            </a:extLst>
+          </p:cNvPr>
+          <p:cNvPicPr>
+            <a:picLocks noChangeAspect="1"/>
+          </p:cNvPicPr>
+          <p:nvPr/>
+        </p:nvPicPr>
+        <p:blipFill rotWithShape="1">
+          <a:blip r:embed="rId2"/>
+          <a:srcRect l="48021" t="-323" r="3064" b="51185"/>
+          <a:stretch/>
+        </p:blipFill>
+        <p:spPr>
+          <a:xfrm>
+            <a:off x="2376106" y="479923"/>
+            <a:ext cx="7653436" cy="5040000"/>
+          </a:xfrm>
+          <a:prstGeom prst="rect">
+            <a:avLst/>
+          </a:prstGeom>
+          <a:ln>
+            <a:noFill/>
+          </a:ln>
+        </p:spPr>
+      </p:pic>
+      <p:sp>
+        <p:nvSpPr>
+          <p:cNvPr id="3" name="Nucleoside…">
+            <a:extLst>
+              <a:ext uri="{FF2B5EF4-FFF2-40B4-BE49-F238E27FC236}">
+                <a16:creationId xmlns:a16="http://schemas.microsoft.com/office/drawing/2014/main" id="{C56E859E-13AC-8C9B-1A6C-C6396ECA8E65}"/>
+              </a:ext>
+            </a:extLst>
+          </p:cNvPr>
+          <p:cNvSpPr txBox="1"/>
+          <p:nvPr/>
+        </p:nvSpPr>
+        <p:spPr>
+          <a:xfrm>
+            <a:off x="311636" y="907149"/>
+            <a:ext cx="2675412" cy="728405"/>
+          </a:xfrm>
+          <a:prstGeom prst="rect">
+            <a:avLst/>
+          </a:prstGeom>
+          <a:ln w="12700">
+            <a:miter lim="400000"/>
+          </a:ln>
+          <a:extLst>
+            <a:ext uri="{C572A759-6A51-4108-AA02-DFA0A04FC94B}">
+              <ma14:wrappingTextBoxFlag xmlns:ma14="http://schemas.microsoft.com/office/mac/drawingml/2011/main" xmlns:a14="http://schemas.microsoft.com/office/drawing/2010/main" xmlns:m="http://schemas.openxmlformats.org/officeDocument/2006/math" xmlns="" val="1"/>
+            </a:ext>
+          </a:extLst>
+        </p:spPr>
+        <p:txBody>
+          <a:bodyPr wrap="none" lIns="25400" tIns="25400" rIns="25400" bIns="25400" anchor="ctr">
+            <a:spAutoFit/>
+          </a:bodyPr>
+          <a:lstStyle/>
+          <a:p>
+            <a:pPr defTabSz="412750">
+              <a:defRPr sz="4400" u="sng">
+                <a:solidFill>
+                  <a:srgbClr val="000000"/>
+                </a:solidFill>
+                <a:latin typeface="Helvetica Light"/>
+                <a:ea typeface="Helvetica Light"/>
+                <a:cs typeface="Helvetica Light"/>
+                <a:sym typeface="Helvetica Light"/>
+              </a:defRPr>
+            </a:pPr>
+            <a:r>
+              <a:rPr sz="2200"/>
+              <a:t>Nucleoside</a:t>
+            </a:r>
+          </a:p>
+          <a:p>
+            <a:pPr defTabSz="412750">
+              <a:defRPr sz="4400" u="sng">
+                <a:solidFill>
+                  <a:srgbClr val="000000"/>
+                </a:solidFill>
+                <a:latin typeface="Helvetica Light"/>
+                <a:ea typeface="Helvetica Light"/>
+                <a:cs typeface="Helvetica Light"/>
+                <a:sym typeface="Helvetica Light"/>
+              </a:defRPr>
+            </a:pPr>
+            <a:r>
+              <a:rPr sz="2200"/>
+              <a:t>Supply from Medium</a:t>
+            </a:r>
+          </a:p>
+        </p:txBody>
+      </p:sp>
+      <p:sp>
+        <p:nvSpPr>
+          <p:cNvPr id="4" name="Arrow 11">
+            <a:extLst>
+              <a:ext uri="{FF2B5EF4-FFF2-40B4-BE49-F238E27FC236}">
+                <a16:creationId xmlns:a16="http://schemas.microsoft.com/office/drawing/2014/main" id="{8A8D4D93-E953-C7D4-BD30-4DD3329B3EE2}"/>
+              </a:ext>
+            </a:extLst>
+          </p:cNvPr>
+          <p:cNvSpPr/>
+          <p:nvPr/>
+        </p:nvSpPr>
+        <p:spPr>
+          <a:xfrm rot="10800000" flipH="1">
+            <a:off x="8381253" y="5271647"/>
+            <a:ext cx="1050825" cy="490443"/>
+          </a:xfrm>
+          <a:custGeom>
+            <a:avLst/>
+            <a:gdLst/>
+            <a:ahLst/>
+            <a:cxnLst>
+              <a:cxn ang="0">
+                <a:pos x="wd2" y="hd2"/>
+              </a:cxn>
+              <a:cxn ang="5400000">
+                <a:pos x="wd2" y="hd2"/>
+              </a:cxn>
+              <a:cxn ang="10800000">
+                <a:pos x="wd2" y="hd2"/>
+              </a:cxn>
+              <a:cxn ang="16200000">
+                <a:pos x="wd2" y="hd2"/>
+              </a:cxn>
+            </a:cxnLst>
+            <a:rect l="0" t="0" r="r" b="b"/>
+            <a:pathLst>
+              <a:path w="21600" h="21600" extrusionOk="0">
+                <a:moveTo>
+                  <a:pt x="13469" y="0"/>
+                </a:moveTo>
+                <a:cubicBezTo>
+                  <a:pt x="13010" y="0"/>
+                  <a:pt x="12551" y="232"/>
+                  <a:pt x="12200" y="697"/>
+                </a:cubicBezTo>
+                <a:cubicBezTo>
+                  <a:pt x="11500" y="1626"/>
+                  <a:pt x="11500" y="3135"/>
+                  <a:pt x="12200" y="4065"/>
+                </a:cubicBezTo>
+                <a:lnTo>
+                  <a:pt x="15479" y="8419"/>
+                </a:lnTo>
+                <a:lnTo>
+                  <a:pt x="1793" y="8419"/>
+                </a:lnTo>
+                <a:cubicBezTo>
+                  <a:pt x="802" y="8419"/>
+                  <a:pt x="0" y="9485"/>
+                  <a:pt x="0" y="10800"/>
+                </a:cubicBezTo>
+                <a:cubicBezTo>
+                  <a:pt x="0" y="12115"/>
+                  <a:pt x="802" y="13181"/>
+                  <a:pt x="1793" y="13181"/>
+                </a:cubicBezTo>
+                <a:lnTo>
+                  <a:pt x="15479" y="13181"/>
+                </a:lnTo>
+                <a:lnTo>
+                  <a:pt x="12200" y="17535"/>
+                </a:lnTo>
+                <a:cubicBezTo>
+                  <a:pt x="11500" y="18465"/>
+                  <a:pt x="11500" y="19974"/>
+                  <a:pt x="12200" y="20903"/>
+                </a:cubicBezTo>
+                <a:cubicBezTo>
+                  <a:pt x="12551" y="21368"/>
+                  <a:pt x="13010" y="21600"/>
+                  <a:pt x="13469" y="21600"/>
+                </a:cubicBezTo>
+                <a:cubicBezTo>
+                  <a:pt x="13927" y="21600"/>
+                  <a:pt x="14387" y="21368"/>
+                  <a:pt x="14737" y="20903"/>
+                </a:cubicBezTo>
+                <a:lnTo>
+                  <a:pt x="21074" y="12484"/>
+                </a:lnTo>
+                <a:cubicBezTo>
+                  <a:pt x="21424" y="12019"/>
+                  <a:pt x="21600" y="11409"/>
+                  <a:pt x="21600" y="10800"/>
+                </a:cubicBezTo>
+                <a:cubicBezTo>
+                  <a:pt x="21600" y="10191"/>
+                  <a:pt x="21424" y="9581"/>
+                  <a:pt x="21074" y="9116"/>
+                </a:cubicBezTo>
+                <a:lnTo>
+                  <a:pt x="14737" y="697"/>
+                </a:lnTo>
+                <a:cubicBezTo>
+                  <a:pt x="14387" y="232"/>
+                  <a:pt x="13927" y="0"/>
+                  <a:pt x="13469" y="0"/>
+                </a:cubicBezTo>
+                <a:close/>
+              </a:path>
+            </a:pathLst>
+          </a:custGeom>
+          <a:blipFill>
+            <a:blip r:embed="rId3">
+              <a:alphaModFix amt="44461"/>
+            </a:blip>
+          </a:blipFill>
+          <a:ln w="12700">
+            <a:miter lim="400000"/>
+          </a:ln>
+          <a:effectLst>
+            <a:outerShdw blurRad="25400" dist="25400" dir="5400000" rotWithShape="0">
+              <a:srgbClr val="000000">
+                <a:alpha val="50000"/>
+              </a:srgbClr>
+            </a:outerShdw>
+            <a:reflection stA="42561" endPos="40000" dir="5400000" sy="-100000" algn="bl" rotWithShape="0"/>
+          </a:effectLst>
+        </p:spPr>
+        <p:txBody>
+          <a:bodyPr lIns="25400" tIns="25400" rIns="25400" bIns="25400" anchor="ctr"/>
+          <a:lstStyle/>
+          <a:p>
+            <a:pPr defTabSz="412750">
+              <a:defRPr sz="3200">
+                <a:solidFill>
+                  <a:srgbClr val="FFFFFF"/>
+                </a:solidFill>
+                <a:latin typeface="Helvetica Light"/>
+                <a:ea typeface="Helvetica Light"/>
+                <a:cs typeface="Helvetica Light"/>
+                <a:sym typeface="Helvetica Light"/>
+              </a:defRPr>
+            </a:pPr>
+            <a:endParaRPr sz="1600"/>
+          </a:p>
+        </p:txBody>
+      </p:sp>
+      <p:sp>
+        <p:nvSpPr>
+          <p:cNvPr id="5" name="DNA">
+            <a:extLst>
+              <a:ext uri="{FF2B5EF4-FFF2-40B4-BE49-F238E27FC236}">
+                <a16:creationId xmlns:a16="http://schemas.microsoft.com/office/drawing/2014/main" id="{26FDF941-5356-B216-9D7B-F689EE735B41}"/>
+              </a:ext>
+            </a:extLst>
+          </p:cNvPr>
+          <p:cNvSpPr/>
+          <p:nvPr/>
+        </p:nvSpPr>
+        <p:spPr>
+          <a:xfrm>
+            <a:off x="11283345" y="5500131"/>
+            <a:ext cx="278995" cy="764859"/>
+          </a:xfrm>
+          <a:custGeom>
+            <a:avLst/>
+            <a:gdLst/>
+            <a:ahLst/>
+            <a:cxnLst>
+              <a:cxn ang="0">
+                <a:pos x="wd2" y="hd2"/>
+              </a:cxn>
+              <a:cxn ang="5400000">
+                <a:pos x="wd2" y="hd2"/>
+              </a:cxn>
+              <a:cxn ang="10800000">
+                <a:pos x="wd2" y="hd2"/>
+              </a:cxn>
+              <a:cxn ang="16200000">
+                <a:pos x="wd2" y="hd2"/>
+              </a:cxn>
+            </a:cxnLst>
+            <a:rect l="0" t="0" r="r" b="b"/>
+            <a:pathLst>
+              <a:path w="21600" h="21600" extrusionOk="0">
+                <a:moveTo>
+                  <a:pt x="0" y="0"/>
+                </a:moveTo>
+                <a:cubicBezTo>
+                  <a:pt x="0" y="1446"/>
+                  <a:pt x="2597" y="2786"/>
+                  <a:pt x="6740" y="3591"/>
+                </a:cubicBezTo>
+                <a:cubicBezTo>
+                  <a:pt x="2597" y="4395"/>
+                  <a:pt x="0" y="5732"/>
+                  <a:pt x="0" y="7189"/>
+                </a:cubicBezTo>
+                <a:cubicBezTo>
+                  <a:pt x="0" y="8647"/>
+                  <a:pt x="2599" y="9985"/>
+                  <a:pt x="6750" y="10788"/>
+                </a:cubicBezTo>
+                <a:cubicBezTo>
+                  <a:pt x="2599" y="11592"/>
+                  <a:pt x="0" y="12931"/>
+                  <a:pt x="0" y="14389"/>
+                </a:cubicBezTo>
+                <a:cubicBezTo>
+                  <a:pt x="0" y="15850"/>
+                  <a:pt x="2611" y="17189"/>
+                  <a:pt x="6773" y="17992"/>
+                </a:cubicBezTo>
+                <a:cubicBezTo>
+                  <a:pt x="2611" y="18800"/>
+                  <a:pt x="0" y="20150"/>
+                  <a:pt x="0" y="21600"/>
+                </a:cubicBezTo>
+                <a:lnTo>
+                  <a:pt x="2993" y="21600"/>
+                </a:lnTo>
+                <a:cubicBezTo>
+                  <a:pt x="2993" y="21321"/>
+                  <a:pt x="3129" y="21049"/>
+                  <a:pt x="3382" y="20790"/>
+                </a:cubicBezTo>
+                <a:lnTo>
+                  <a:pt x="18214" y="20790"/>
+                </a:lnTo>
+                <a:cubicBezTo>
+                  <a:pt x="18467" y="21049"/>
+                  <a:pt x="18602" y="21321"/>
+                  <a:pt x="18602" y="21600"/>
+                </a:cubicBezTo>
+                <a:lnTo>
+                  <a:pt x="21600" y="21600"/>
+                </a:lnTo>
+                <a:cubicBezTo>
+                  <a:pt x="21600" y="20150"/>
+                  <a:pt x="18986" y="18801"/>
+                  <a:pt x="14823" y="17994"/>
+                </a:cubicBezTo>
+                <a:cubicBezTo>
+                  <a:pt x="18986" y="17191"/>
+                  <a:pt x="21600" y="15850"/>
+                  <a:pt x="21600" y="14389"/>
+                </a:cubicBezTo>
+                <a:cubicBezTo>
+                  <a:pt x="21600" y="12931"/>
+                  <a:pt x="18996" y="11592"/>
+                  <a:pt x="14846" y="10788"/>
+                </a:cubicBezTo>
+                <a:cubicBezTo>
+                  <a:pt x="18997" y="9985"/>
+                  <a:pt x="21600" y="8647"/>
+                  <a:pt x="21600" y="7189"/>
+                </a:cubicBezTo>
+                <a:cubicBezTo>
+                  <a:pt x="21600" y="5732"/>
+                  <a:pt x="19003" y="4395"/>
+                  <a:pt x="14860" y="3591"/>
+                </a:cubicBezTo>
+                <a:cubicBezTo>
+                  <a:pt x="19003" y="2786"/>
+                  <a:pt x="21600" y="1446"/>
+                  <a:pt x="21600" y="0"/>
+                </a:cubicBezTo>
+                <a:lnTo>
+                  <a:pt x="18602" y="0"/>
+                </a:lnTo>
+                <a:cubicBezTo>
+                  <a:pt x="18602" y="257"/>
+                  <a:pt x="18479" y="510"/>
+                  <a:pt x="18246" y="756"/>
+                </a:cubicBezTo>
+                <a:lnTo>
+                  <a:pt x="3349" y="756"/>
+                </a:lnTo>
+                <a:cubicBezTo>
+                  <a:pt x="3117" y="510"/>
+                  <a:pt x="2993" y="257"/>
+                  <a:pt x="2993" y="0"/>
+                </a:cubicBezTo>
+                <a:lnTo>
+                  <a:pt x="0" y="0"/>
+                </a:lnTo>
+                <a:close/>
+                <a:moveTo>
+                  <a:pt x="4252" y="1404"/>
+                </a:moveTo>
+                <a:lnTo>
+                  <a:pt x="17348" y="1404"/>
+                </a:lnTo>
+                <a:cubicBezTo>
+                  <a:pt x="16021" y="2117"/>
+                  <a:pt x="13716" y="2709"/>
+                  <a:pt x="10807" y="3027"/>
+                </a:cubicBezTo>
+                <a:lnTo>
+                  <a:pt x="10798" y="3026"/>
+                </a:lnTo>
+                <a:lnTo>
+                  <a:pt x="10788" y="3027"/>
+                </a:lnTo>
+                <a:cubicBezTo>
+                  <a:pt x="7879" y="2709"/>
+                  <a:pt x="5579" y="2117"/>
+                  <a:pt x="4252" y="1404"/>
+                </a:cubicBezTo>
+                <a:close/>
+                <a:moveTo>
+                  <a:pt x="10798" y="4161"/>
+                </a:moveTo>
+                <a:cubicBezTo>
+                  <a:pt x="13712" y="4479"/>
+                  <a:pt x="16020" y="5064"/>
+                  <a:pt x="17348" y="5778"/>
+                </a:cubicBezTo>
+                <a:lnTo>
+                  <a:pt x="4247" y="5778"/>
+                </a:lnTo>
+                <a:cubicBezTo>
+                  <a:pt x="5576" y="5064"/>
+                  <a:pt x="7883" y="4479"/>
+                  <a:pt x="10798" y="4161"/>
+                </a:cubicBezTo>
+                <a:close/>
+                <a:moveTo>
+                  <a:pt x="3349" y="6426"/>
+                </a:moveTo>
+                <a:lnTo>
+                  <a:pt x="18246" y="6426"/>
+                </a:lnTo>
+                <a:cubicBezTo>
+                  <a:pt x="18479" y="6673"/>
+                  <a:pt x="18602" y="6929"/>
+                  <a:pt x="18602" y="7189"/>
+                </a:cubicBezTo>
+                <a:cubicBezTo>
+                  <a:pt x="18602" y="7444"/>
+                  <a:pt x="18484" y="7695"/>
+                  <a:pt x="18260" y="7938"/>
+                </a:cubicBezTo>
+                <a:lnTo>
+                  <a:pt x="3340" y="7938"/>
+                </a:lnTo>
+                <a:cubicBezTo>
+                  <a:pt x="3116" y="7695"/>
+                  <a:pt x="2993" y="7444"/>
+                  <a:pt x="2993" y="7189"/>
+                </a:cubicBezTo>
+                <a:cubicBezTo>
+                  <a:pt x="2993" y="6929"/>
+                  <a:pt x="3117" y="6673"/>
+                  <a:pt x="3349" y="6426"/>
+                </a:cubicBezTo>
+                <a:close/>
+                <a:moveTo>
+                  <a:pt x="4224" y="8586"/>
+                </a:moveTo>
+                <a:lnTo>
+                  <a:pt x="17376" y="8586"/>
+                </a:lnTo>
+                <a:cubicBezTo>
+                  <a:pt x="16052" y="9306"/>
+                  <a:pt x="13731" y="9898"/>
+                  <a:pt x="10798" y="10218"/>
+                </a:cubicBezTo>
+                <a:cubicBezTo>
+                  <a:pt x="7864" y="9898"/>
+                  <a:pt x="5548" y="9306"/>
+                  <a:pt x="4224" y="8586"/>
+                </a:cubicBezTo>
+                <a:close/>
+                <a:moveTo>
+                  <a:pt x="10798" y="11360"/>
+                </a:moveTo>
+                <a:cubicBezTo>
+                  <a:pt x="13688" y="11676"/>
+                  <a:pt x="15982" y="12255"/>
+                  <a:pt x="17316" y="12960"/>
+                </a:cubicBezTo>
+                <a:lnTo>
+                  <a:pt x="4284" y="12960"/>
+                </a:lnTo>
+                <a:cubicBezTo>
+                  <a:pt x="5618" y="12255"/>
+                  <a:pt x="7908" y="11676"/>
+                  <a:pt x="10798" y="11360"/>
+                </a:cubicBezTo>
+                <a:close/>
+                <a:moveTo>
+                  <a:pt x="3368" y="13608"/>
+                </a:moveTo>
+                <a:lnTo>
+                  <a:pt x="18232" y="13608"/>
+                </a:lnTo>
+                <a:cubicBezTo>
+                  <a:pt x="18476" y="13861"/>
+                  <a:pt x="18602" y="14123"/>
+                  <a:pt x="18602" y="14389"/>
+                </a:cubicBezTo>
+                <a:cubicBezTo>
+                  <a:pt x="18602" y="14638"/>
+                  <a:pt x="18492" y="14883"/>
+                  <a:pt x="18278" y="15120"/>
+                </a:cubicBezTo>
+                <a:lnTo>
+                  <a:pt x="3322" y="15120"/>
+                </a:lnTo>
+                <a:cubicBezTo>
+                  <a:pt x="3108" y="14883"/>
+                  <a:pt x="2993" y="14638"/>
+                  <a:pt x="2993" y="14389"/>
+                </a:cubicBezTo>
+                <a:cubicBezTo>
+                  <a:pt x="2993" y="14123"/>
+                  <a:pt x="3124" y="13861"/>
+                  <a:pt x="3368" y="13608"/>
+                </a:cubicBezTo>
+                <a:close/>
+                <a:moveTo>
+                  <a:pt x="4191" y="15768"/>
+                </a:moveTo>
+                <a:lnTo>
+                  <a:pt x="17409" y="15768"/>
+                </a:lnTo>
+                <a:cubicBezTo>
+                  <a:pt x="16090" y="16496"/>
+                  <a:pt x="13756" y="17094"/>
+                  <a:pt x="10798" y="17417"/>
+                </a:cubicBezTo>
+                <a:cubicBezTo>
+                  <a:pt x="7840" y="17094"/>
+                  <a:pt x="5510" y="16496"/>
+                  <a:pt x="4191" y="15768"/>
+                </a:cubicBezTo>
+                <a:close/>
+                <a:moveTo>
+                  <a:pt x="10798" y="18571"/>
+                </a:moveTo>
+                <a:cubicBezTo>
+                  <a:pt x="13669" y="18884"/>
+                  <a:pt x="15951" y="19445"/>
+                  <a:pt x="17288" y="20142"/>
+                </a:cubicBezTo>
+                <a:lnTo>
+                  <a:pt x="4307" y="20142"/>
+                </a:lnTo>
+                <a:cubicBezTo>
+                  <a:pt x="5645" y="19445"/>
+                  <a:pt x="7926" y="18884"/>
+                  <a:pt x="10798" y="18571"/>
+                </a:cubicBezTo>
+                <a:close/>
+              </a:path>
+            </a:pathLst>
+          </a:custGeom>
+          <a:blipFill>
+            <a:blip r:embed="rId3"/>
+          </a:blipFill>
+          <a:ln w="12700">
+            <a:miter lim="400000"/>
+          </a:ln>
+          <a:effectLst>
+            <a:outerShdw blurRad="25400" dist="25400" dir="5400000" rotWithShape="0">
+              <a:srgbClr val="000000">
+                <a:alpha val="50000"/>
+              </a:srgbClr>
+            </a:outerShdw>
+          </a:effectLst>
+        </p:spPr>
+        <p:txBody>
+          <a:bodyPr lIns="25400" tIns="25400" rIns="25400" bIns="25400" anchor="ctr"/>
+          <a:lstStyle/>
+          <a:p>
+            <a:pPr defTabSz="412750">
+              <a:defRPr sz="3200">
+                <a:solidFill>
+                  <a:srgbClr val="FFFFFF"/>
+                </a:solidFill>
+                <a:latin typeface="Helvetica Light"/>
+                <a:ea typeface="Helvetica Light"/>
+                <a:cs typeface="Helvetica Light"/>
+                <a:sym typeface="Helvetica Light"/>
+              </a:defRPr>
+            </a:pPr>
+            <a:endParaRPr sz="1600"/>
+          </a:p>
+        </p:txBody>
+      </p:sp>
+      <p:sp>
+        <p:nvSpPr>
+          <p:cNvPr id="6" name="Arrow 11">
+            <a:extLst>
+              <a:ext uri="{FF2B5EF4-FFF2-40B4-BE49-F238E27FC236}">
+                <a16:creationId xmlns:a16="http://schemas.microsoft.com/office/drawing/2014/main" id="{715855E6-4DBA-7FF1-D578-79005BF8BBEC}"/>
+              </a:ext>
+            </a:extLst>
+          </p:cNvPr>
+          <p:cNvSpPr/>
+          <p:nvPr/>
+        </p:nvSpPr>
+        <p:spPr>
+          <a:xfrm rot="10800000">
+            <a:off x="4095721" y="5150562"/>
+            <a:ext cx="1345634" cy="490443"/>
+          </a:xfrm>
+          <a:custGeom>
+            <a:avLst/>
+            <a:gdLst/>
+            <a:ahLst/>
+            <a:cxnLst>
+              <a:cxn ang="0">
+                <a:pos x="wd2" y="hd2"/>
+              </a:cxn>
+              <a:cxn ang="5400000">
+                <a:pos x="wd2" y="hd2"/>
+              </a:cxn>
+              <a:cxn ang="10800000">
+                <a:pos x="wd2" y="hd2"/>
+              </a:cxn>
+              <a:cxn ang="16200000">
+                <a:pos x="wd2" y="hd2"/>
+              </a:cxn>
+            </a:cxnLst>
+            <a:rect l="0" t="0" r="r" b="b"/>
+            <a:pathLst>
+              <a:path w="21600" h="21600" extrusionOk="0">
+                <a:moveTo>
+                  <a:pt x="13469" y="0"/>
+                </a:moveTo>
+                <a:cubicBezTo>
+                  <a:pt x="13010" y="0"/>
+                  <a:pt x="12551" y="232"/>
+                  <a:pt x="12200" y="697"/>
+                </a:cubicBezTo>
+                <a:cubicBezTo>
+                  <a:pt x="11500" y="1626"/>
+                  <a:pt x="11500" y="3135"/>
+                  <a:pt x="12200" y="4065"/>
+                </a:cubicBezTo>
+                <a:lnTo>
+                  <a:pt x="15479" y="8419"/>
+                </a:lnTo>
+                <a:lnTo>
+                  <a:pt x="1793" y="8419"/>
+                </a:lnTo>
+                <a:cubicBezTo>
+                  <a:pt x="802" y="8419"/>
+                  <a:pt x="0" y="9485"/>
+                  <a:pt x="0" y="10800"/>
+                </a:cubicBezTo>
+                <a:cubicBezTo>
+                  <a:pt x="0" y="12115"/>
+                  <a:pt x="802" y="13181"/>
+                  <a:pt x="1793" y="13181"/>
+                </a:cubicBezTo>
+                <a:lnTo>
+                  <a:pt x="15479" y="13181"/>
+                </a:lnTo>
+                <a:lnTo>
+                  <a:pt x="12200" y="17535"/>
+                </a:lnTo>
+                <a:cubicBezTo>
+                  <a:pt x="11500" y="18465"/>
+                  <a:pt x="11500" y="19974"/>
+                  <a:pt x="12200" y="20903"/>
+                </a:cubicBezTo>
+                <a:cubicBezTo>
+                  <a:pt x="12551" y="21368"/>
+                  <a:pt x="13010" y="21600"/>
+                  <a:pt x="13469" y="21600"/>
+                </a:cubicBezTo>
+                <a:cubicBezTo>
+                  <a:pt x="13927" y="21600"/>
+                  <a:pt x="14387" y="21368"/>
+                  <a:pt x="14737" y="20903"/>
+                </a:cubicBezTo>
+                <a:lnTo>
+                  <a:pt x="21074" y="12484"/>
+                </a:lnTo>
+                <a:cubicBezTo>
+                  <a:pt x="21424" y="12019"/>
+                  <a:pt x="21600" y="11409"/>
+                  <a:pt x="21600" y="10800"/>
+                </a:cubicBezTo>
+                <a:cubicBezTo>
+                  <a:pt x="21600" y="10191"/>
+                  <a:pt x="21424" y="9581"/>
+                  <a:pt x="21074" y="9116"/>
+                </a:cubicBezTo>
+                <a:lnTo>
+                  <a:pt x="14737" y="697"/>
+                </a:lnTo>
+                <a:cubicBezTo>
+                  <a:pt x="14387" y="232"/>
+                  <a:pt x="13927" y="0"/>
+                  <a:pt x="13469" y="0"/>
+                </a:cubicBezTo>
+                <a:close/>
+              </a:path>
+            </a:pathLst>
+          </a:custGeom>
+          <a:blipFill>
+            <a:blip r:embed="rId3">
+              <a:alphaModFix amt="44461"/>
+            </a:blip>
+          </a:blipFill>
+          <a:ln w="12700">
+            <a:miter lim="400000"/>
+          </a:ln>
+          <a:effectLst>
+            <a:outerShdw blurRad="25400" dist="25400" dir="5400000" rotWithShape="0">
+              <a:srgbClr val="000000">
+                <a:alpha val="50000"/>
+              </a:srgbClr>
+            </a:outerShdw>
+            <a:reflection stA="42561" endPos="40000" dir="5400000" sy="-100000" algn="bl" rotWithShape="0"/>
+          </a:effectLst>
+        </p:spPr>
+        <p:txBody>
+          <a:bodyPr lIns="25400" tIns="25400" rIns="25400" bIns="25400" anchor="ctr"/>
+          <a:lstStyle/>
+          <a:p>
+            <a:pPr defTabSz="412750">
+              <a:defRPr sz="3200">
+                <a:solidFill>
+                  <a:srgbClr val="FFFFFF"/>
+                </a:solidFill>
+                <a:latin typeface="Helvetica Light"/>
+                <a:ea typeface="Helvetica Light"/>
+                <a:cs typeface="Helvetica Light"/>
+                <a:sym typeface="Helvetica Light"/>
+              </a:defRPr>
+            </a:pPr>
+            <a:endParaRPr sz="1600"/>
+          </a:p>
+        </p:txBody>
+      </p:sp>
+      <p:sp>
+        <p:nvSpPr>
+          <p:cNvPr id="7" name="DNA Demands…">
+            <a:extLst>
+              <a:ext uri="{FF2B5EF4-FFF2-40B4-BE49-F238E27FC236}">
+                <a16:creationId xmlns:a16="http://schemas.microsoft.com/office/drawing/2014/main" id="{2473BCC3-53FC-0EF2-F125-E1DF38231F1F}"/>
+              </a:ext>
+            </a:extLst>
+          </p:cNvPr>
+          <p:cNvSpPr txBox="1"/>
+          <p:nvPr/>
+        </p:nvSpPr>
+        <p:spPr>
+          <a:xfrm>
+            <a:off x="9851019" y="4628098"/>
+            <a:ext cx="1949252" cy="1744067"/>
+          </a:xfrm>
+          <a:prstGeom prst="rect">
+            <a:avLst/>
+          </a:prstGeom>
+          <a:ln w="12700">
+            <a:miter lim="400000"/>
+          </a:ln>
+          <a:extLst>
+            <a:ext uri="{C572A759-6A51-4108-AA02-DFA0A04FC94B}">
+              <ma14:wrappingTextBoxFlag xmlns:ma14="http://schemas.microsoft.com/office/mac/drawingml/2011/main" xmlns:a14="http://schemas.microsoft.com/office/drawing/2010/main" xmlns:m="http://schemas.openxmlformats.org/officeDocument/2006/math" xmlns="" val="1"/>
+            </a:ext>
+          </a:extLst>
+        </p:spPr>
+        <p:txBody>
+          <a:bodyPr wrap="none" lIns="25400" tIns="25400" rIns="25400" bIns="25400" anchor="ctr">
+            <a:spAutoFit/>
+          </a:bodyPr>
+          <a:lstStyle/>
+          <a:p>
+            <a:pPr defTabSz="412750">
+              <a:defRPr sz="4400" u="sng">
+                <a:solidFill>
+                  <a:srgbClr val="000000"/>
+                </a:solidFill>
+                <a:latin typeface="Helvetica Light"/>
+                <a:ea typeface="Helvetica Light"/>
+                <a:cs typeface="Helvetica Light"/>
+                <a:sym typeface="Helvetica Light"/>
+              </a:defRPr>
+            </a:pPr>
+            <a:r>
+              <a:rPr sz="2200"/>
+              <a:t>DNA Demands</a:t>
+            </a:r>
+          </a:p>
+          <a:p>
+            <a:pPr defTabSz="412750">
+              <a:defRPr sz="4400">
+                <a:solidFill>
+                  <a:srgbClr val="000000"/>
+                </a:solidFill>
+                <a:latin typeface="Helvetica Light"/>
+                <a:ea typeface="Helvetica Light"/>
+                <a:cs typeface="Helvetica Light"/>
+                <a:sym typeface="Helvetica Light"/>
+              </a:defRPr>
+            </a:pPr>
+            <a:r>
+              <a:rPr sz="2200" err="1"/>
+              <a:t>dATP</a:t>
+            </a:r>
+            <a:endParaRPr sz="2200"/>
+          </a:p>
+          <a:p>
+            <a:pPr defTabSz="412750">
+              <a:defRPr sz="4400">
+                <a:solidFill>
+                  <a:srgbClr val="000000"/>
+                </a:solidFill>
+                <a:latin typeface="Helvetica Light"/>
+                <a:ea typeface="Helvetica Light"/>
+                <a:cs typeface="Helvetica Light"/>
+                <a:sym typeface="Helvetica Light"/>
+              </a:defRPr>
+            </a:pPr>
+            <a:r>
+              <a:rPr sz="2200"/>
+              <a:t>dTTP</a:t>
+            </a:r>
+          </a:p>
+          <a:p>
+            <a:pPr defTabSz="412750">
+              <a:defRPr sz="4400">
+                <a:solidFill>
+                  <a:srgbClr val="000000"/>
+                </a:solidFill>
+                <a:latin typeface="Helvetica Light"/>
+                <a:ea typeface="Helvetica Light"/>
+                <a:cs typeface="Helvetica Light"/>
+                <a:sym typeface="Helvetica Light"/>
+              </a:defRPr>
+            </a:pPr>
+            <a:r>
+              <a:rPr sz="2200" err="1"/>
+              <a:t>dGTP</a:t>
+            </a:r>
+            <a:endParaRPr sz="2200"/>
+          </a:p>
+          <a:p>
+            <a:pPr defTabSz="412750">
+              <a:defRPr sz="4400">
+                <a:solidFill>
+                  <a:srgbClr val="000000"/>
+                </a:solidFill>
+                <a:latin typeface="Helvetica Light"/>
+                <a:ea typeface="Helvetica Light"/>
+                <a:cs typeface="Helvetica Light"/>
+                <a:sym typeface="Helvetica Light"/>
+              </a:defRPr>
+            </a:pPr>
+            <a:r>
+              <a:rPr sz="2200" err="1"/>
+              <a:t>dCTP</a:t>
+            </a:r>
+            <a:endParaRPr sz="2200"/>
+          </a:p>
+        </p:txBody>
+      </p:sp>
+      <p:sp>
+        <p:nvSpPr>
+          <p:cNvPr id="8" name="rRNA, mRNA Demands…">
+            <a:extLst>
+              <a:ext uri="{FF2B5EF4-FFF2-40B4-BE49-F238E27FC236}">
+                <a16:creationId xmlns:a16="http://schemas.microsoft.com/office/drawing/2014/main" id="{357F6B6E-4368-A7CB-D2AB-C49D83FFA302}"/>
+              </a:ext>
+            </a:extLst>
+          </p:cNvPr>
+          <p:cNvSpPr txBox="1"/>
+          <p:nvPr/>
+        </p:nvSpPr>
+        <p:spPr>
+          <a:xfrm>
+            <a:off x="1195793" y="4465762"/>
+            <a:ext cx="2999219" cy="1744067"/>
+          </a:xfrm>
+          <a:prstGeom prst="rect">
+            <a:avLst/>
+          </a:prstGeom>
+          <a:ln w="12700">
+            <a:miter lim="400000"/>
+          </a:ln>
+          <a:extLst>
+            <a:ext uri="{C572A759-6A51-4108-AA02-DFA0A04FC94B}">
+              <ma14:wrappingTextBoxFlag xmlns:ma14="http://schemas.microsoft.com/office/mac/drawingml/2011/main" xmlns:a14="http://schemas.microsoft.com/office/drawing/2010/main" xmlns:m="http://schemas.openxmlformats.org/officeDocument/2006/math" xmlns="" val="1"/>
+            </a:ext>
+          </a:extLst>
+        </p:spPr>
+        <p:txBody>
+          <a:bodyPr wrap="none" lIns="25400" tIns="25400" rIns="25400" bIns="25400" anchor="ctr">
+            <a:spAutoFit/>
+          </a:bodyPr>
+          <a:lstStyle/>
+          <a:p>
+            <a:pPr defTabSz="412750">
+              <a:defRPr sz="4400" u="sng">
+                <a:solidFill>
+                  <a:srgbClr val="000000"/>
+                </a:solidFill>
+                <a:latin typeface="Helvetica Light"/>
+                <a:ea typeface="Helvetica Light"/>
+                <a:cs typeface="Helvetica Light"/>
+                <a:sym typeface="Helvetica Light"/>
+              </a:defRPr>
+            </a:pPr>
+            <a:r>
+              <a:rPr sz="2200"/>
+              <a:t>rRNA, mRNA Demands</a:t>
+            </a:r>
+          </a:p>
+          <a:p>
+            <a:pPr defTabSz="412750">
+              <a:defRPr sz="4400">
+                <a:solidFill>
+                  <a:srgbClr val="000000"/>
+                </a:solidFill>
+                <a:latin typeface="Helvetica Light"/>
+                <a:ea typeface="Helvetica Light"/>
+                <a:cs typeface="Helvetica Light"/>
+                <a:sym typeface="Helvetica Light"/>
+              </a:defRPr>
+            </a:pPr>
+            <a:r>
+              <a:rPr sz="2200"/>
+              <a:t>ATP</a:t>
+            </a:r>
+          </a:p>
+          <a:p>
+            <a:pPr defTabSz="412750">
+              <a:defRPr sz="4400">
+                <a:solidFill>
+                  <a:srgbClr val="000000"/>
+                </a:solidFill>
+                <a:latin typeface="Helvetica Light"/>
+                <a:ea typeface="Helvetica Light"/>
+                <a:cs typeface="Helvetica Light"/>
+                <a:sym typeface="Helvetica Light"/>
+              </a:defRPr>
+            </a:pPr>
+            <a:r>
+              <a:rPr sz="2200"/>
+              <a:t>UTP</a:t>
+            </a:r>
+          </a:p>
+          <a:p>
+            <a:pPr defTabSz="412750">
+              <a:defRPr sz="4400">
+                <a:solidFill>
+                  <a:srgbClr val="000000"/>
+                </a:solidFill>
+                <a:latin typeface="Helvetica Light"/>
+                <a:ea typeface="Helvetica Light"/>
+                <a:cs typeface="Helvetica Light"/>
+                <a:sym typeface="Helvetica Light"/>
+              </a:defRPr>
+            </a:pPr>
+            <a:r>
+              <a:rPr sz="2200"/>
+              <a:t>GTP</a:t>
+            </a:r>
+          </a:p>
+          <a:p>
+            <a:pPr defTabSz="412750">
+              <a:defRPr sz="4400">
+                <a:solidFill>
+                  <a:srgbClr val="000000"/>
+                </a:solidFill>
+                <a:latin typeface="Helvetica Light"/>
+                <a:ea typeface="Helvetica Light"/>
+                <a:cs typeface="Helvetica Light"/>
+                <a:sym typeface="Helvetica Light"/>
+              </a:defRPr>
+            </a:pPr>
+            <a:r>
+              <a:rPr sz="2200"/>
+              <a:t>CTP</a:t>
+            </a:r>
+          </a:p>
+        </p:txBody>
+      </p:sp>
+      <p:sp>
+        <p:nvSpPr>
+          <p:cNvPr id="9" name="deoxyNucleoside…">
+            <a:extLst>
+              <a:ext uri="{FF2B5EF4-FFF2-40B4-BE49-F238E27FC236}">
+                <a16:creationId xmlns:a16="http://schemas.microsoft.com/office/drawing/2014/main" id="{3D8BB12A-B996-9E35-2B91-EDE4C42EC869}"/>
+              </a:ext>
+            </a:extLst>
+          </p:cNvPr>
+          <p:cNvSpPr txBox="1"/>
+          <p:nvPr/>
+        </p:nvSpPr>
+        <p:spPr>
+          <a:xfrm>
+            <a:off x="9360570" y="907149"/>
+            <a:ext cx="2675412" cy="728405"/>
+          </a:xfrm>
+          <a:prstGeom prst="rect">
+            <a:avLst/>
+          </a:prstGeom>
+          <a:ln w="12700">
+            <a:miter lim="400000"/>
+          </a:ln>
+          <a:extLst>
+            <a:ext uri="{C572A759-6A51-4108-AA02-DFA0A04FC94B}">
+              <ma14:wrappingTextBoxFlag xmlns:ma14="http://schemas.microsoft.com/office/mac/drawingml/2011/main" xmlns:a14="http://schemas.microsoft.com/office/drawing/2010/main" xmlns:m="http://schemas.openxmlformats.org/officeDocument/2006/math" xmlns="" val="1"/>
+            </a:ext>
+          </a:extLst>
+        </p:spPr>
+        <p:txBody>
+          <a:bodyPr wrap="none" lIns="25400" tIns="25400" rIns="25400" bIns="25400" anchor="ctr">
+            <a:spAutoFit/>
+          </a:bodyPr>
+          <a:lstStyle/>
+          <a:p>
+            <a:pPr defTabSz="412750">
+              <a:defRPr sz="4400" u="sng">
+                <a:solidFill>
+                  <a:srgbClr val="000000"/>
+                </a:solidFill>
+                <a:latin typeface="Helvetica Light"/>
+                <a:ea typeface="Helvetica Light"/>
+                <a:cs typeface="Helvetica Light"/>
+                <a:sym typeface="Helvetica Light"/>
+              </a:defRPr>
+            </a:pPr>
+            <a:r>
+              <a:rPr sz="2200"/>
+              <a:t>deoxyNucleoside</a:t>
+            </a:r>
+          </a:p>
+          <a:p>
+            <a:pPr defTabSz="412750">
+              <a:defRPr sz="4400" u="sng">
+                <a:solidFill>
+                  <a:srgbClr val="000000"/>
+                </a:solidFill>
+                <a:latin typeface="Helvetica Light"/>
+                <a:ea typeface="Helvetica Light"/>
+                <a:cs typeface="Helvetica Light"/>
+                <a:sym typeface="Helvetica Light"/>
+              </a:defRPr>
+            </a:pPr>
+            <a:r>
+              <a:rPr sz="2200"/>
+              <a:t>Supply from Medium</a:t>
+            </a:r>
+          </a:p>
+        </p:txBody>
+      </p:sp>
+      <p:sp>
+        <p:nvSpPr>
+          <p:cNvPr id="10" name="NMP recycling of mRNA">
+            <a:extLst>
+              <a:ext uri="{FF2B5EF4-FFF2-40B4-BE49-F238E27FC236}">
+                <a16:creationId xmlns:a16="http://schemas.microsoft.com/office/drawing/2014/main" id="{9C6AD03F-EE69-9A3D-7942-4D7B8DCD4664}"/>
+              </a:ext>
+            </a:extLst>
+          </p:cNvPr>
+          <p:cNvSpPr txBox="1"/>
+          <p:nvPr/>
+        </p:nvSpPr>
+        <p:spPr>
+          <a:xfrm>
+            <a:off x="230235" y="3453600"/>
+            <a:ext cx="3111429" cy="389850"/>
+          </a:xfrm>
+          <a:prstGeom prst="rect">
+            <a:avLst/>
+          </a:prstGeom>
+          <a:ln w="12700">
+            <a:miter lim="400000"/>
+          </a:ln>
+          <a:extLst>
+            <a:ext uri="{C572A759-6A51-4108-AA02-DFA0A04FC94B}">
+              <ma14:wrappingTextBoxFlag xmlns:ma14="http://schemas.microsoft.com/office/mac/drawingml/2011/main" xmlns:a14="http://schemas.microsoft.com/office/drawing/2010/main" xmlns:m="http://schemas.openxmlformats.org/officeDocument/2006/math" xmlns="" val="1"/>
+            </a:ext>
+          </a:extLst>
+        </p:spPr>
+        <p:txBody>
+          <a:bodyPr wrap="none" lIns="25400" tIns="25400" rIns="25400" bIns="25400" anchor="ctr">
+            <a:spAutoFit/>
+          </a:bodyPr>
+          <a:lstStyle>
+            <a:lvl1pPr defTabSz="825500">
+              <a:defRPr sz="4400" u="sng">
+                <a:solidFill>
+                  <a:srgbClr val="000000"/>
+                </a:solidFill>
+                <a:latin typeface="Helvetica Light"/>
+                <a:ea typeface="Helvetica Light"/>
+                <a:cs typeface="Helvetica Light"/>
+                <a:sym typeface="Helvetica Light"/>
+              </a:defRPr>
+            </a:lvl1pPr>
+          </a:lstStyle>
+          <a:p>
+            <a:r>
+              <a:rPr sz="2200"/>
+              <a:t>NMP recycling of mRNA</a:t>
+            </a:r>
+          </a:p>
+        </p:txBody>
+      </p:sp>
+      <p:grpSp>
+        <p:nvGrpSpPr>
+          <p:cNvPr id="11" name="Group 10">
+            <a:extLst>
+              <a:ext uri="{FF2B5EF4-FFF2-40B4-BE49-F238E27FC236}">
+                <a16:creationId xmlns:a16="http://schemas.microsoft.com/office/drawing/2014/main" id="{166FCA26-FE12-0C1B-DF2B-9565D4F47891}"/>
+              </a:ext>
+            </a:extLst>
+          </p:cNvPr>
+          <p:cNvGrpSpPr/>
+          <p:nvPr/>
+        </p:nvGrpSpPr>
+        <p:grpSpPr>
+          <a:xfrm>
+            <a:off x="607419" y="1785229"/>
+            <a:ext cx="1657826" cy="1477228"/>
+            <a:chOff x="648983" y="2062319"/>
+            <a:chExt cx="1657826" cy="1477228"/>
+          </a:xfrm>
+        </p:grpSpPr>
+        <p:pic>
+          <p:nvPicPr>
+            <p:cNvPr id="12" name="Picture 4" descr="Skeletal formula of guanosine">
+              <a:extLst>
+                <a:ext uri="{FF2B5EF4-FFF2-40B4-BE49-F238E27FC236}">
+                  <a16:creationId xmlns:a16="http://schemas.microsoft.com/office/drawing/2014/main" id="{EF5177E1-FD9C-9734-6C72-3144F0112470}"/>
+                </a:ext>
+              </a:extLst>
+            </p:cNvPr>
+            <p:cNvPicPr>
+              <a:picLocks noChangeAspect="1" noChangeArrowheads="1"/>
+            </p:cNvPicPr>
+            <p:nvPr/>
+          </p:nvPicPr>
+          <p:blipFill>
+            <a:blip r:embed="rId4">
+              <a:extLst>
+                <a:ext uri="{28A0092B-C50C-407E-A947-70E740481C1C}">
+                  <a14:useLocalDpi xmlns:a14="http://schemas.microsoft.com/office/drawing/2010/main" val="0"/>
+                </a:ext>
+              </a:extLst>
+            </a:blip>
+            <a:srcRect/>
+            <a:stretch>
+              <a:fillRect/>
+            </a:stretch>
+          </p:blipFill>
+          <p:spPr bwMode="auto">
+            <a:xfrm>
+              <a:off x="648983" y="2062319"/>
+              <a:ext cx="1501766" cy="1043289"/>
+            </a:xfrm>
+            <a:prstGeom prst="rect">
+              <a:avLst/>
+            </a:prstGeom>
+            <a:noFill/>
+            <a:extLst>
+              <a:ext uri="{909E8E84-426E-40DD-AFC4-6F175D3DCCD1}">
+                <a14:hiddenFill xmlns:a14="http://schemas.microsoft.com/office/drawing/2010/main">
+                  <a:solidFill>
+                    <a:srgbClr val="FFFFFF"/>
+                  </a:solidFill>
+                </a14:hiddenFill>
+              </a:ext>
+            </a:extLst>
+          </p:spPr>
+        </p:pic>
+        <p:sp>
+          <p:nvSpPr>
+            <p:cNvPr id="13" name="TextBox 12">
+              <a:extLst>
+                <a:ext uri="{FF2B5EF4-FFF2-40B4-BE49-F238E27FC236}">
+                  <a16:creationId xmlns:a16="http://schemas.microsoft.com/office/drawing/2014/main" id="{BB54B28B-1733-7B47-2F2F-9D9345B18E15}"/>
+                </a:ext>
+              </a:extLst>
+            </p:cNvPr>
+            <p:cNvSpPr txBox="1"/>
+            <p:nvPr/>
+          </p:nvSpPr>
+          <p:spPr>
+            <a:xfrm>
+              <a:off x="648983" y="3170215"/>
+              <a:ext cx="1657826" cy="369332"/>
+            </a:xfrm>
+            <a:prstGeom prst="rect">
+              <a:avLst/>
+            </a:prstGeom>
+            <a:noFill/>
+          </p:spPr>
+          <p:txBody>
+            <a:bodyPr wrap="none" rtlCol="0">
+              <a:spAutoFit/>
+            </a:bodyPr>
+            <a:lstStyle/>
+            <a:p>
+              <a:r>
+                <a:rPr lang="en-US" altLang="zh-CN"/>
+                <a:t>Guanosine</a:t>
+              </a:r>
+              <a:r>
+                <a:rPr lang="zh-CN" altLang="en-US"/>
+                <a:t> </a:t>
+              </a:r>
+              <a:r>
+                <a:rPr lang="en-US" altLang="zh-CN" err="1"/>
+                <a:t>gsn</a:t>
+              </a:r>
+              <a:endParaRPr lang="en-US"/>
+            </a:p>
+          </p:txBody>
+        </p:sp>
+      </p:grpSp>
+      <p:grpSp>
+        <p:nvGrpSpPr>
+          <p:cNvPr id="14" name="Group 13">
+            <a:extLst>
+              <a:ext uri="{FF2B5EF4-FFF2-40B4-BE49-F238E27FC236}">
+                <a16:creationId xmlns:a16="http://schemas.microsoft.com/office/drawing/2014/main" id="{5E95D112-C39D-4678-0684-1D320B86A4CA}"/>
+              </a:ext>
+            </a:extLst>
+          </p:cNvPr>
+          <p:cNvGrpSpPr/>
+          <p:nvPr/>
+        </p:nvGrpSpPr>
+        <p:grpSpPr>
+          <a:xfrm>
+            <a:off x="4714417" y="5230895"/>
+            <a:ext cx="3001143" cy="1368638"/>
+            <a:chOff x="1594081" y="5191690"/>
+            <a:chExt cx="3001143" cy="1368638"/>
+          </a:xfrm>
+        </p:grpSpPr>
+        <p:pic>
+          <p:nvPicPr>
+            <p:cNvPr id="15" name="Picture 2" descr="Skeletal formula of guanosine triphosphate">
+              <a:extLst>
+                <a:ext uri="{FF2B5EF4-FFF2-40B4-BE49-F238E27FC236}">
+                  <a16:creationId xmlns:a16="http://schemas.microsoft.com/office/drawing/2014/main" id="{8AA9D4F2-BA94-AF93-174F-880C0198B4EF}"/>
+                </a:ext>
+              </a:extLst>
+            </p:cNvPr>
+            <p:cNvPicPr>
+              <a:picLocks noChangeAspect="1" noChangeArrowheads="1"/>
+            </p:cNvPicPr>
+            <p:nvPr/>
+          </p:nvPicPr>
+          <p:blipFill>
+            <a:blip r:embed="rId5">
+              <a:extLst>
+                <a:ext uri="{28A0092B-C50C-407E-A947-70E740481C1C}">
+                  <a14:useLocalDpi xmlns:a14="http://schemas.microsoft.com/office/drawing/2010/main" val="0"/>
+                </a:ext>
+              </a:extLst>
+            </a:blip>
+            <a:srcRect/>
+            <a:stretch>
+              <a:fillRect/>
+            </a:stretch>
+          </p:blipFill>
+          <p:spPr bwMode="auto">
+            <a:xfrm>
+              <a:off x="1801059" y="5191690"/>
+              <a:ext cx="2455106" cy="964141"/>
+            </a:xfrm>
+            <a:prstGeom prst="rect">
+              <a:avLst/>
+            </a:prstGeom>
+            <a:noFill/>
+            <a:extLst>
+              <a:ext uri="{909E8E84-426E-40DD-AFC4-6F175D3DCCD1}">
+                <a14:hiddenFill xmlns:a14="http://schemas.microsoft.com/office/drawing/2010/main">
+                  <a:solidFill>
+                    <a:srgbClr val="FFFFFF"/>
+                  </a:solidFill>
+                </a14:hiddenFill>
+              </a:ext>
+            </a:extLst>
+          </p:spPr>
+        </p:pic>
+        <p:sp>
+          <p:nvSpPr>
+            <p:cNvPr id="16" name="TextBox 15">
+              <a:extLst>
+                <a:ext uri="{FF2B5EF4-FFF2-40B4-BE49-F238E27FC236}">
+                  <a16:creationId xmlns:a16="http://schemas.microsoft.com/office/drawing/2014/main" id="{B1363CB2-FE08-9084-144C-581A7DC60633}"/>
+                </a:ext>
+              </a:extLst>
+            </p:cNvPr>
+            <p:cNvSpPr txBox="1"/>
+            <p:nvPr/>
+          </p:nvSpPr>
+          <p:spPr>
+            <a:xfrm>
+              <a:off x="1594081" y="6190996"/>
+              <a:ext cx="3001143" cy="369332"/>
+            </a:xfrm>
+            <a:prstGeom prst="rect">
+              <a:avLst/>
+            </a:prstGeom>
+            <a:noFill/>
+          </p:spPr>
+          <p:txBody>
+            <a:bodyPr wrap="none" rtlCol="0">
+              <a:spAutoFit/>
+            </a:bodyPr>
+            <a:lstStyle/>
+            <a:p>
+              <a:r>
+                <a:rPr lang="en-US" altLang="zh-CN"/>
+                <a:t>Guanosine</a:t>
+              </a:r>
+              <a:r>
+                <a:rPr lang="zh-CN" altLang="en-US"/>
+                <a:t> </a:t>
+              </a:r>
+              <a:r>
+                <a:rPr lang="en-US" altLang="zh-CN"/>
+                <a:t>Triphosphate</a:t>
+              </a:r>
+              <a:r>
+                <a:rPr lang="zh-CN" altLang="en-US"/>
+                <a:t> </a:t>
+              </a:r>
+              <a:r>
+                <a:rPr lang="en-US" altLang="zh-CN"/>
+                <a:t>GTP</a:t>
+              </a:r>
+              <a:endParaRPr lang="en-US"/>
+            </a:p>
+          </p:txBody>
+        </p:sp>
+      </p:grpSp>
+      <p:sp>
+        <p:nvSpPr>
+          <p:cNvPr id="17" name="Rectangle 16">
+            <a:extLst>
+              <a:ext uri="{FF2B5EF4-FFF2-40B4-BE49-F238E27FC236}">
+                <a16:creationId xmlns:a16="http://schemas.microsoft.com/office/drawing/2014/main" id="{81CB3875-13F8-90BB-ABFB-5698B35D7665}"/>
+              </a:ext>
+            </a:extLst>
+          </p:cNvPr>
+          <p:cNvSpPr/>
+          <p:nvPr/>
+        </p:nvSpPr>
+        <p:spPr>
+          <a:xfrm>
+            <a:off x="6093748" y="1817197"/>
+            <a:ext cx="697832" cy="324852"/>
+          </a:xfrm>
+          <a:prstGeom prst="rect">
+            <a:avLst/>
+          </a:prstGeom>
+          <a:noFill/>
+          <a:ln w="28575">
+            <a:solidFill>
+              <a:schemeClr val="tx1"/>
+            </a:solidFill>
+          </a:ln>
+        </p:spPr>
+        <p:style>
+          <a:lnRef idx="2">
+            <a:schemeClr val="accent1">
+              <a:shade val="50000"/>
+            </a:schemeClr>
+          </a:lnRef>
+          <a:fillRef idx="1">
+            <a:schemeClr val="accent1"/>
+          </a:fillRef>
+          <a:effectRef idx="0">
+            <a:schemeClr val="accent1"/>
+          </a:effectRef>
+          <a:fontRef idx="minor">
+            <a:schemeClr val="lt1"/>
+          </a:fontRef>
+        </p:style>
+        <p:txBody>
+          <a:bodyPr rtlCol="0" anchor="ctr"/>
+          <a:lstStyle/>
+          <a:p>
+            <a:pPr algn="ctr"/>
+            <a:endParaRPr lang="en-US"/>
+          </a:p>
+        </p:txBody>
+      </p:sp>
+      <p:sp>
+        <p:nvSpPr>
+          <p:cNvPr id="18" name="Rectangle 17">
+            <a:extLst>
+              <a:ext uri="{FF2B5EF4-FFF2-40B4-BE49-F238E27FC236}">
+                <a16:creationId xmlns:a16="http://schemas.microsoft.com/office/drawing/2014/main" id="{398559E1-A1CA-9FDF-3776-2EE82B7E2369}"/>
+              </a:ext>
+            </a:extLst>
+          </p:cNvPr>
+          <p:cNvSpPr/>
+          <p:nvPr/>
+        </p:nvSpPr>
+        <p:spPr>
+          <a:xfrm>
+            <a:off x="5972088" y="4093557"/>
+            <a:ext cx="697832" cy="324852"/>
+          </a:xfrm>
+          <a:prstGeom prst="rect">
+            <a:avLst/>
+          </a:prstGeom>
+          <a:noFill/>
+          <a:ln w="28575">
+            <a:solidFill>
+              <a:schemeClr val="tx1"/>
+            </a:solidFill>
+          </a:ln>
+        </p:spPr>
+        <p:style>
+          <a:lnRef idx="2">
+            <a:schemeClr val="accent1">
+              <a:shade val="50000"/>
+            </a:schemeClr>
+          </a:lnRef>
+          <a:fillRef idx="1">
+            <a:schemeClr val="accent1"/>
+          </a:fillRef>
+          <a:effectRef idx="0">
+            <a:schemeClr val="accent1"/>
+          </a:effectRef>
+          <a:fontRef idx="minor">
+            <a:schemeClr val="lt1"/>
+          </a:fontRef>
+        </p:style>
+        <p:txBody>
+          <a:bodyPr rtlCol="0" anchor="ctr"/>
+          <a:lstStyle/>
+          <a:p>
+            <a:pPr algn="ctr"/>
+            <a:endParaRPr lang="en-US"/>
+          </a:p>
+        </p:txBody>
+      </p:sp>
+      <p:sp>
+        <p:nvSpPr>
+          <p:cNvPr id="19" name="Rectangle 18">
+            <a:extLst>
+              <a:ext uri="{FF2B5EF4-FFF2-40B4-BE49-F238E27FC236}">
+                <a16:creationId xmlns:a16="http://schemas.microsoft.com/office/drawing/2014/main" id="{920492A3-D807-DB67-F503-95546BE2A23E}"/>
+              </a:ext>
+            </a:extLst>
+          </p:cNvPr>
+          <p:cNvSpPr/>
+          <p:nvPr/>
+        </p:nvSpPr>
+        <p:spPr>
+          <a:xfrm>
+            <a:off x="4118735" y="3948197"/>
+            <a:ext cx="981543" cy="324852"/>
+          </a:xfrm>
+          <a:prstGeom prst="rect">
+            <a:avLst/>
+          </a:prstGeom>
+          <a:noFill/>
+          <a:ln w="28575">
+            <a:solidFill>
+              <a:schemeClr val="tx1"/>
+            </a:solidFill>
+          </a:ln>
+        </p:spPr>
+        <p:style>
+          <a:lnRef idx="2">
+            <a:schemeClr val="accent1">
+              <a:shade val="50000"/>
+            </a:schemeClr>
+          </a:lnRef>
+          <a:fillRef idx="1">
+            <a:schemeClr val="accent1"/>
+          </a:fillRef>
+          <a:effectRef idx="0">
+            <a:schemeClr val="accent1"/>
+          </a:effectRef>
+          <a:fontRef idx="minor">
+            <a:schemeClr val="lt1"/>
+          </a:fontRef>
+        </p:style>
+        <p:txBody>
+          <a:bodyPr rtlCol="0" anchor="ctr"/>
+          <a:lstStyle/>
+          <a:p>
+            <a:pPr algn="ctr"/>
+            <a:endParaRPr lang="en-US"/>
+          </a:p>
+        </p:txBody>
+      </p:sp>
+    </p:spTree>
+    <p:extLst>
+      <p:ext uri="{BB962C8B-B14F-4D97-AF65-F5344CB8AC3E}">
+        <p14:creationId xmlns:p14="http://schemas.microsoft.com/office/powerpoint/2010/main" val="1930015207"/>
+      </p:ext>
+    </p:extLst>
+  </p:cSld>
+  <p:clrMapOvr>
+    <a:masterClrMapping/>
+  </p:clrMapOvr>
+  <p:timing>
+    <p:tnLst>
+      <p:par>
+        <p:cTn id="1" dur="indefinite" restart="never" nodeType="tmRoot">
+          <p:childTnLst>
+            <p:seq concurrent="1" nextAc="seek">
+              <p:cTn id="2" dur="indefinite" nodeType="mainSeq">
+                <p:childTnLst>
+                  <p:par>
+                    <p:cTn id="3" fill="hold">
+                      <p:stCondLst>
+                        <p:cond delay="indefinite"/>
+                      </p:stCondLst>
+                      <p:childTnLst>
+                        <p:par>
+                          <p:cTn id="4" fill="hold">
+                            <p:stCondLst>
+                              <p:cond delay="0"/>
+                            </p:stCondLst>
+                            <p:childTnLst>
+                              <p:par>
+                                <p:cTn id="5" presetID="1" presetClass="entr" presetSubtype="0" fill="hold" grpId="0" nodeType="clickEffect">
+                                  <p:stCondLst>
+                                    <p:cond delay="0"/>
+                                  </p:stCondLst>
+                                  <p:iterate>
+                                    <p:tmAbs val="0"/>
+                                  </p:iterate>
+                                  <p:childTnLst>
+                                    <p:set>
+                                      <p:cBhvr>
+                                        <p:cTn id="6" fill="hold"/>
+                                        <p:tgtEl>
+                                          <p:spTgt spid="3"/>
+                                        </p:tgtEl>
+                                        <p:attrNameLst>
+                                          <p:attrName>style.visibility</p:attrName>
+                                        </p:attrNameLst>
+                                      </p:cBhvr>
+                                      <p:to>
+                                        <p:strVal val="visible"/>
+                                      </p:to>
+                                    </p:set>
+                                  </p:childTnLst>
+                                </p:cTn>
+                              </p:par>
+                            </p:childTnLst>
+                          </p:cTn>
+                        </p:par>
+                      </p:childTnLst>
+                    </p:cTn>
+                  </p:par>
+                  <p:par>
+                    <p:cTn id="7" fill="hold">
+                      <p:stCondLst>
+                        <p:cond delay="indefinite"/>
+                      </p:stCondLst>
+                      <p:childTnLst>
+                        <p:par>
+                          <p:cTn id="8" fill="hold">
+                            <p:stCondLst>
+                              <p:cond delay="0"/>
+                            </p:stCondLst>
+                            <p:childTnLst>
+                              <p:par>
+                                <p:cTn id="9" presetID="1" presetClass="entr" presetSubtype="0" fill="hold" grpId="0" nodeType="clickEffect">
+                                  <p:stCondLst>
+                                    <p:cond delay="0"/>
+                                  </p:stCondLst>
+                                  <p:iterate>
+                                    <p:tmAbs val="0"/>
+                                  </p:iterate>
+                                  <p:childTnLst>
+                                    <p:set>
+                                      <p:cBhvr>
+                                        <p:cTn id="10" fill="hold"/>
+                                        <p:tgtEl>
+                                          <p:spTgt spid="9"/>
+                                        </p:tgtEl>
+                                        <p:attrNameLst>
+                                          <p:attrName>style.visibility</p:attrName>
+                                        </p:attrNameLst>
+                                      </p:cBhvr>
+                                      <p:to>
+                                        <p:strVal val="visible"/>
+                                      </p:to>
+                                    </p:set>
+                                  </p:childTnLst>
+                                </p:cTn>
+                              </p:par>
+                            </p:childTnLst>
+                          </p:cTn>
+                        </p:par>
+                      </p:childTnLst>
+                    </p:cTn>
+                  </p:par>
+                  <p:par>
+                    <p:cTn id="11" fill="hold">
+                      <p:stCondLst>
+                        <p:cond delay="indefinite"/>
+                      </p:stCondLst>
+                      <p:childTnLst>
+                        <p:par>
+                          <p:cTn id="12" fill="hold">
+                            <p:stCondLst>
+                              <p:cond delay="0"/>
+                            </p:stCondLst>
+                            <p:childTnLst>
+                              <p:par>
+                                <p:cTn id="13" presetID="2" presetClass="entr" presetSubtype="8" fill="hold" grpId="0" nodeType="clickEffect">
+                                  <p:stCondLst>
+                                    <p:cond delay="0"/>
+                                  </p:stCondLst>
+                                  <p:iterate type="lt">
+                                    <p:tmAbs val="0"/>
+                                  </p:iterate>
+                                  <p:childTnLst>
+                                    <p:set>
+                                      <p:cBhvr>
+                                        <p:cTn id="14" fill="hold"/>
+                                        <p:tgtEl>
+                                          <p:spTgt spid="10"/>
+                                        </p:tgtEl>
+                                        <p:attrNameLst>
+                                          <p:attrName>style.visibility</p:attrName>
+                                        </p:attrNameLst>
+                                      </p:cBhvr>
+                                      <p:to>
+                                        <p:strVal val="visible"/>
+                                      </p:to>
+                                    </p:set>
+                                    <p:anim calcmode="lin" valueType="num">
+                                      <p:cBhvr>
+                                        <p:cTn id="15" dur="1000" fill="hold"/>
+                                        <p:tgtEl>
+                                          <p:spTgt spid="10"/>
+                                        </p:tgtEl>
+                                        <p:attrNameLst>
+                                          <p:attrName>ppt_x</p:attrName>
+                                        </p:attrNameLst>
+                                      </p:cBhvr>
+                                      <p:tavLst>
+                                        <p:tav tm="0">
+                                          <p:val>
+                                            <p:strVal val="0-#ppt_w/2"/>
+                                          </p:val>
+                                        </p:tav>
+                                        <p:tav tm="100000">
+                                          <p:val>
+                                            <p:strVal val="#ppt_x"/>
+                                          </p:val>
+                                        </p:tav>
+                                      </p:tavLst>
+                                    </p:anim>
+                                    <p:anim calcmode="lin" valueType="num">
+                                      <p:cBhvr>
+                                        <p:cTn id="16" dur="1000" fill="hold"/>
+                                        <p:tgtEl>
+                                          <p:spTgt spid="10"/>
+                                        </p:tgtEl>
+                                        <p:attrNameLst>
+                                          <p:attrName>ppt_y</p:attrName>
+                                        </p:attrNameLst>
+                                      </p:cBhvr>
+                                      <p:tavLst>
+                                        <p:tav tm="0">
+                                          <p:val>
+                                            <p:strVal val="#ppt_y"/>
+                                          </p:val>
+                                        </p:tav>
+                                        <p:tav tm="100000">
+                                          <p:val>
+                                            <p:strVal val="#ppt_y"/>
+                                          </p:val>
+                                        </p:tav>
+                                      </p:tavLst>
+                                    </p:anim>
+                                  </p:childTnLst>
+                                </p:cTn>
+                              </p:par>
+                            </p:childTnLst>
+                          </p:cTn>
+                        </p:par>
+                      </p:childTnLst>
+                    </p:cTn>
+                  </p:par>
+                  <p:par>
+                    <p:cTn id="17" fill="hold">
+                      <p:stCondLst>
+                        <p:cond delay="indefinite"/>
+                      </p:stCondLst>
+                      <p:childTnLst>
+                        <p:par>
+                          <p:cTn id="18" fill="hold">
+                            <p:stCondLst>
+                              <p:cond delay="0"/>
+                            </p:stCondLst>
+                            <p:childTnLst>
+                              <p:par>
+                                <p:cTn id="19" presetID="1" presetClass="entr" presetSubtype="0" fill="hold" grpId="0" nodeType="clickEffect">
+                                  <p:stCondLst>
+                                    <p:cond delay="0"/>
+                                  </p:stCondLst>
+                                  <p:iterate>
+                                    <p:tmAbs val="0"/>
+                                  </p:iterate>
+                                  <p:childTnLst>
+                                    <p:set>
+                                      <p:cBhvr>
+                                        <p:cTn id="20" fill="hold"/>
+                                        <p:tgtEl>
+                                          <p:spTgt spid="8"/>
+                                        </p:tgtEl>
+                                        <p:attrNameLst>
+                                          <p:attrName>style.visibility</p:attrName>
+                                        </p:attrNameLst>
+                                      </p:cBhvr>
+                                      <p:to>
+                                        <p:strVal val="visible"/>
+                                      </p:to>
+                                    </p:set>
+                                  </p:childTnLst>
+                                </p:cTn>
+                              </p:par>
+                            </p:childTnLst>
+                          </p:cTn>
+                        </p:par>
+                      </p:childTnLst>
+                    </p:cTn>
+                  </p:par>
+                  <p:par>
+                    <p:cTn id="21" fill="hold">
+                      <p:stCondLst>
+                        <p:cond delay="indefinite"/>
+                      </p:stCondLst>
+                      <p:childTnLst>
+                        <p:par>
+                          <p:cTn id="22" fill="hold">
+                            <p:stCondLst>
+                              <p:cond delay="0"/>
+                            </p:stCondLst>
+                            <p:childTnLst>
+                              <p:par>
+                                <p:cTn id="23" presetID="1" presetClass="entr" presetSubtype="0" fill="hold" grpId="0" nodeType="clickEffect">
+                                  <p:stCondLst>
+                                    <p:cond delay="0"/>
+                                  </p:stCondLst>
+                                  <p:iterate>
+                                    <p:tmAbs val="0"/>
+                                  </p:iterate>
+                                  <p:childTnLst>
+                                    <p:set>
+                                      <p:cBhvr>
+                                        <p:cTn id="24" fill="hold"/>
+                                        <p:tgtEl>
+                                          <p:spTgt spid="7"/>
+                                        </p:tgtEl>
+                                        <p:attrNameLst>
+                                          <p:attrName>style.visibility</p:attrName>
+                                        </p:attrNameLst>
+                                      </p:cBhvr>
+                                      <p:to>
+                                        <p:strVal val="visible"/>
+                                      </p:to>
+                                    </p:set>
+                                  </p:childTnLst>
+                                </p:cTn>
+                              </p:par>
+                            </p:childTnLst>
+                          </p:cTn>
+                        </p:par>
+                      </p:childTnLst>
+                    </p:cTn>
+                  </p:par>
+                </p:childTnLst>
+              </p:cTn>
+              <p:prevCondLst>
+                <p:cond evt="onPrev" delay="0">
+                  <p:tgtEl>
+                    <p:sldTgt/>
+                  </p:tgtEl>
+                </p:cond>
+              </p:prevCondLst>
+              <p:nextCondLst>
+                <p:cond evt="onNext" delay="0">
+                  <p:tgtEl>
+                    <p:sldTgt/>
+                  </p:tgtEl>
+                </p:cond>
+              </p:nextCondLst>
+            </p:seq>
+          </p:childTnLst>
+        </p:cTn>
+      </p:par>
+    </p:tnLst>
+    <p:bldLst>
+      <p:bldP spid="3" grpId="0" animBg="1" advAuto="0"/>
+      <p:bldP spid="7" grpId="0" animBg="1" advAuto="0"/>
+      <p:bldP spid="8" grpId="0" animBg="1" advAuto="0"/>
+      <p:bldP spid="9" grpId="0" animBg="1" advAuto="0"/>
+      <p:bldP spid="10" grpId="0" animBg="1" advAuto="0"/>
+    </p:bldLst>
+  </p:timing>
+</p:sld>
+</file>
+
+<file path=ppt/slides/slide8.xml><?xml version="1.0" encoding="utf-8"?>
+<p:sld xmlns:a="http://schemas.openxmlformats.org/drawingml/2006/main" xmlns:r="http://schemas.openxmlformats.org/officeDocument/2006/relationships" xmlns:p="http://schemas.openxmlformats.org/presentationml/2006/main">
+  <p:cSld>
+    <p:spTree>
+      <p:nvGrpSpPr>
+        <p:cNvPr id="1" name=""/>
+        <p:cNvGrpSpPr/>
+        <p:nvPr/>
+      </p:nvGrpSpPr>
+      <p:grpSpPr>
+        <a:xfrm>
+          <a:off x="0" y="0"/>
+          <a:ext cx="0" cy="0"/>
+          <a:chOff x="0" y="0"/>
+          <a:chExt cx="0" cy="0"/>
+        </a:xfrm>
+      </p:grpSpPr>
+      <p:sp>
+        <p:nvSpPr>
+          <p:cNvPr id="7" name="Rectangle 6">
+            <a:extLst>
+              <a:ext uri="{FF2B5EF4-FFF2-40B4-BE49-F238E27FC236}">
+                <a16:creationId xmlns:a16="http://schemas.microsoft.com/office/drawing/2014/main" id="{CE3CAD40-B007-16EB-8E6F-47F65833BE6B}"/>
+              </a:ext>
+            </a:extLst>
+          </p:cNvPr>
+          <p:cNvSpPr/>
+          <p:nvPr/>
+        </p:nvSpPr>
+        <p:spPr>
+          <a:xfrm>
+            <a:off x="124691" y="2105891"/>
+            <a:ext cx="11942618" cy="2313709"/>
+          </a:xfrm>
+          <a:prstGeom prst="rect">
+            <a:avLst/>
+          </a:prstGeom>
+          <a:ln>
+            <a:noFill/>
+          </a:ln>
+        </p:spPr>
+        <p:style>
+          <a:lnRef idx="2">
+            <a:schemeClr val="accent6"/>
+          </a:lnRef>
+          <a:fillRef idx="1">
+            <a:schemeClr val="lt1"/>
+          </a:fillRef>
+          <a:effectRef idx="0">
+            <a:schemeClr val="accent6"/>
+          </a:effectRef>
+          <a:fontRef idx="minor">
+            <a:schemeClr val="dk1"/>
+          </a:fontRef>
+        </p:style>
+        <p:txBody>
+          <a:bodyPr rtlCol="0" anchor="ctr"/>
+          <a:lstStyle/>
+          <a:p>
+            <a:pPr algn="ctr"/>
+            <a:endParaRPr lang="en-US" dirty="0"/>
+          </a:p>
+        </p:txBody>
+      </p:sp>
+      <p:pic>
+        <p:nvPicPr>
+          <p:cNvPr id="2" name="Picture 1">
+            <a:extLst>
+              <a:ext uri="{FF2B5EF4-FFF2-40B4-BE49-F238E27FC236}">
+                <a16:creationId xmlns:a16="http://schemas.microsoft.com/office/drawing/2014/main" id="{F7419858-F4F9-AADA-A816-37C35021524D}"/>
+              </a:ext>
+            </a:extLst>
+          </p:cNvPr>
+          <p:cNvPicPr>
+            <a:picLocks noChangeAspect="1"/>
+          </p:cNvPicPr>
+          <p:nvPr/>
+        </p:nvPicPr>
+        <p:blipFill rotWithShape="1">
+          <a:blip r:embed="rId2"/>
+          <a:srcRect r="1033" b="6556"/>
+          <a:stretch/>
+        </p:blipFill>
+        <p:spPr>
+          <a:xfrm>
+            <a:off x="610899" y="2633828"/>
+            <a:ext cx="4618818" cy="1303617"/>
+          </a:xfrm>
+          <a:prstGeom prst="rect">
+            <a:avLst/>
+          </a:prstGeom>
+        </p:spPr>
+      </p:pic>
+      <mc:AlternateContent xmlns:mc="http://schemas.openxmlformats.org/markup-compatibility/2006">
+        <mc:Choice xmlns:a14="http://schemas.microsoft.com/office/drawing/2010/main" Requires="a14">
+          <p:sp>
+            <p:nvSpPr>
+              <p:cNvPr id="3" name="TextBox 2">
+                <a:extLst>
+                  <a:ext uri="{FF2B5EF4-FFF2-40B4-BE49-F238E27FC236}">
+                    <a16:creationId xmlns:a16="http://schemas.microsoft.com/office/drawing/2014/main" id="{11E12EC9-E8CE-8B3B-465C-128CF9C2E1E7}"/>
+                  </a:ext>
+                </a:extLst>
+              </p:cNvPr>
+              <p:cNvSpPr txBox="1"/>
+              <p:nvPr/>
+            </p:nvSpPr>
+            <p:spPr>
+              <a:xfrm>
+                <a:off x="2022594" y="2208393"/>
+                <a:ext cx="1795428" cy="377796"/>
+              </a:xfrm>
+              <a:prstGeom prst="rect">
+                <a:avLst/>
+              </a:prstGeom>
+              <a:noFill/>
+            </p:spPr>
+            <p:txBody>
+              <a:bodyPr wrap="none" lIns="0" tIns="0" rIns="0" bIns="0" rtlCol="0">
+                <a:spAutoFit/>
+              </a:bodyPr>
+              <a:lstStyle/>
+              <a:p>
+                <a:pPr/>
+                <a14:m>
+                  <m:oMathPara xmlns:m="http://schemas.openxmlformats.org/officeDocument/2006/math">
+                    <m:oMathParaPr>
+                      <m:jc m:val="centerGroup"/>
+                    </m:oMathParaPr>
+                    <m:oMath xmlns:m="http://schemas.openxmlformats.org/officeDocument/2006/math">
+                      <m:r>
+                        <a:rPr lang="en-US" altLang="zh-CN" b="0" i="1" smtClean="0">
+                          <a:latin typeface="Cambria Math" panose="02040503050406030204" pitchFamily="18" charset="0"/>
+                        </a:rPr>
+                        <m:t>𝐴</m:t>
+                      </m:r>
+                      <m:r>
+                        <a:rPr lang="en-US" altLang="zh-CN" b="0" i="1" smtClean="0">
+                          <a:latin typeface="Cambria Math" panose="02040503050406030204" pitchFamily="18" charset="0"/>
+                        </a:rPr>
+                        <m:t>+</m:t>
+                      </m:r>
+                      <m:r>
+                        <a:rPr lang="en-US" altLang="zh-CN" b="0" i="1" smtClean="0">
+                          <a:latin typeface="Cambria Math" panose="02040503050406030204" pitchFamily="18" charset="0"/>
+                        </a:rPr>
+                        <m:t>𝑋</m:t>
+                      </m:r>
+                      <m:r>
+                        <a:rPr lang="zh-CN" altLang="en-US" b="0" i="1" smtClean="0">
+                          <a:latin typeface="Cambria Math" panose="02040503050406030204" pitchFamily="18" charset="0"/>
+                        </a:rPr>
+                        <m:t> </m:t>
+                      </m:r>
+                      <m:groupChr>
+                        <m:groupChrPr>
+                          <m:chr m:val="⇔"/>
+                          <m:vertJc m:val="bot"/>
+                          <m:ctrlPr>
+                            <a:rPr lang="zh-CN" altLang="en-US" b="0" i="1" smtClean="0">
+                              <a:latin typeface="Cambria Math" panose="02040503050406030204" pitchFamily="18" charset="0"/>
+                            </a:rPr>
+                          </m:ctrlPr>
+                        </m:groupChrPr>
+                        <m:e>
+                          <m:sSub>
+                            <m:sSubPr>
+                              <m:ctrlPr>
+                                <a:rPr lang="en-US" altLang="zh-CN" b="0" i="1" smtClean="0">
+                                  <a:latin typeface="Cambria Math" panose="02040503050406030204" pitchFamily="18" charset="0"/>
+                                </a:rPr>
+                              </m:ctrlPr>
+                            </m:sSubPr>
+                            <m:e>
+                              <m:r>
+                                <m:rPr>
+                                  <m:brk m:alnAt="2"/>
+                                </m:rPr>
+                                <a:rPr lang="en-US" altLang="zh-CN" b="0" i="1" smtClean="0">
+                                  <a:latin typeface="Cambria Math" panose="02040503050406030204" pitchFamily="18" charset="0"/>
+                                </a:rPr>
+                                <m:t>𝑘</m:t>
+                              </m:r>
+                            </m:e>
+                            <m:sub>
+                              <m:r>
+                                <m:rPr>
+                                  <m:brk m:alnAt="2"/>
+                                </m:rPr>
+                                <a:rPr lang="en-US" altLang="zh-CN" b="0" i="1" smtClean="0">
+                                  <a:latin typeface="Cambria Math" panose="02040503050406030204" pitchFamily="18" charset="0"/>
+                                </a:rPr>
+                                <m:t>+</m:t>
+                              </m:r>
+                            </m:sub>
+                          </m:sSub>
+                          <m:r>
+                            <m:rPr>
+                              <m:brk m:alnAt="2"/>
+                            </m:rPr>
+                            <a:rPr lang="en-US" altLang="zh-CN" b="0" i="1" smtClean="0">
+                              <a:latin typeface="Cambria Math" panose="02040503050406030204" pitchFamily="18" charset="0"/>
+                            </a:rPr>
+                            <m:t>,</m:t>
+                          </m:r>
+                          <m:r>
+                            <a:rPr lang="zh-CN" altLang="en-US" b="0" i="1" smtClean="0">
+                              <a:latin typeface="Cambria Math" panose="02040503050406030204" pitchFamily="18" charset="0"/>
+                            </a:rPr>
+                            <m:t> </m:t>
+                          </m:r>
+                          <m:sSub>
+                            <m:sSubPr>
+                              <m:ctrlPr>
+                                <a:rPr lang="en-US" altLang="zh-CN" b="0" i="1" smtClean="0">
+                                  <a:latin typeface="Cambria Math" panose="02040503050406030204" pitchFamily="18" charset="0"/>
+                                </a:rPr>
+                              </m:ctrlPr>
+                            </m:sSubPr>
+                            <m:e>
+                              <m:r>
+                                <a:rPr lang="en-US" altLang="zh-CN" b="0" i="1" smtClean="0">
+                                  <a:latin typeface="Cambria Math" panose="02040503050406030204" pitchFamily="18" charset="0"/>
+                                </a:rPr>
+                                <m:t>𝑘</m:t>
+                              </m:r>
+                            </m:e>
+                            <m:sub>
+                              <m:r>
+                                <a:rPr lang="en-US" altLang="zh-CN" b="0" i="1" smtClean="0">
+                                  <a:latin typeface="Cambria Math" panose="02040503050406030204" pitchFamily="18" charset="0"/>
+                                </a:rPr>
+                                <m:t>−</m:t>
+                              </m:r>
+                            </m:sub>
+                          </m:sSub>
+                        </m:e>
+                      </m:groupChr>
+                      <m:r>
+                        <a:rPr lang="en-US" altLang="zh-CN" b="0" i="1" smtClean="0">
+                          <a:latin typeface="Cambria Math" panose="02040503050406030204" pitchFamily="18" charset="0"/>
+                        </a:rPr>
+                        <m:t>𝐵</m:t>
+                      </m:r>
+                      <m:r>
+                        <a:rPr lang="en-US" altLang="zh-CN" b="0" i="1" smtClean="0">
+                          <a:latin typeface="Cambria Math" panose="02040503050406030204" pitchFamily="18" charset="0"/>
+                        </a:rPr>
+                        <m:t>+</m:t>
+                      </m:r>
+                      <m:r>
+                        <a:rPr lang="en-US" altLang="zh-CN" b="0" i="1" smtClean="0">
+                          <a:latin typeface="Cambria Math" panose="02040503050406030204" pitchFamily="18" charset="0"/>
+                        </a:rPr>
+                        <m:t>𝑌</m:t>
+                      </m:r>
+                    </m:oMath>
+                  </m:oMathPara>
+                </a14:m>
+                <a:endParaRPr lang="en-US" dirty="0"/>
+              </a:p>
+            </p:txBody>
+          </p:sp>
+        </mc:Choice>
+        <mc:Fallback>
+          <p:sp>
+            <p:nvSpPr>
+              <p:cNvPr id="3" name="TextBox 2">
+                <a:extLst>
+                  <a:ext uri="{FF2B5EF4-FFF2-40B4-BE49-F238E27FC236}">
+                    <a16:creationId xmlns:a16="http://schemas.microsoft.com/office/drawing/2014/main" id="{11E12EC9-E8CE-8B3B-465C-128CF9C2E1E7}"/>
+                  </a:ext>
+                </a:extLst>
+              </p:cNvPr>
+              <p:cNvSpPr txBox="1">
+                <a:spLocks noRot="1" noChangeAspect="1" noMove="1" noResize="1" noEditPoints="1" noAdjustHandles="1" noChangeArrowheads="1" noChangeShapeType="1" noTextEdit="1"/>
+              </p:cNvSpPr>
+              <p:nvPr/>
+            </p:nvSpPr>
+            <p:spPr>
+              <a:xfrm>
+                <a:off x="2022594" y="2208393"/>
+                <a:ext cx="1795428" cy="377796"/>
+              </a:xfrm>
+              <a:prstGeom prst="rect">
+                <a:avLst/>
+              </a:prstGeom>
+              <a:blipFill>
+                <a:blip r:embed="rId3"/>
+                <a:stretch>
+                  <a:fillRect l="-2817" r="-2113" b="-29032"/>
+                </a:stretch>
+              </a:blipFill>
+            </p:spPr>
+            <p:txBody>
+              <a:bodyPr/>
+              <a:lstStyle/>
+              <a:p>
+                <a:r>
+                  <a:rPr lang="en-US">
+                    <a:noFill/>
+                  </a:rPr>
+                  <a:t> </a:t>
+                </a:r>
+              </a:p>
+            </p:txBody>
+          </p:sp>
+        </mc:Fallback>
+      </mc:AlternateContent>
+      <mc:AlternateContent xmlns:mc="http://schemas.openxmlformats.org/markup-compatibility/2006">
+        <mc:Choice xmlns:a14="http://schemas.microsoft.com/office/drawing/2010/main" Requires="a14">
+          <p:sp>
+            <p:nvSpPr>
+              <p:cNvPr id="4" name="TextBox 3">
+                <a:extLst>
+                  <a:ext uri="{FF2B5EF4-FFF2-40B4-BE49-F238E27FC236}">
+                    <a16:creationId xmlns:a16="http://schemas.microsoft.com/office/drawing/2014/main" id="{F33B3E85-8CFA-F502-CF59-C0E3E6899FB3}"/>
+                  </a:ext>
+                </a:extLst>
+              </p:cNvPr>
+              <p:cNvSpPr txBox="1"/>
+              <p:nvPr/>
+            </p:nvSpPr>
+            <p:spPr>
+              <a:xfrm>
+                <a:off x="5701661" y="2586189"/>
+                <a:ext cx="5920403" cy="1096519"/>
+              </a:xfrm>
+              <a:prstGeom prst="rect">
+                <a:avLst/>
+              </a:prstGeom>
+              <a:noFill/>
+            </p:spPr>
+            <p:txBody>
+              <a:bodyPr wrap="none" lIns="0" tIns="0" rIns="0" bIns="0" rtlCol="0">
+                <a:spAutoFit/>
+              </a:bodyPr>
+              <a:lstStyle/>
+              <a:p>
+                <a:pPr/>
+                <a14:m>
+                  <m:oMathPara xmlns:m="http://schemas.openxmlformats.org/officeDocument/2006/math">
+                    <m:oMathParaPr>
+                      <m:jc m:val="centerGroup"/>
+                    </m:oMathParaPr>
+                    <m:oMath xmlns:m="http://schemas.openxmlformats.org/officeDocument/2006/math">
+                      <m:r>
+                        <a:rPr lang="en-US" altLang="zh-CN" b="0" i="1" smtClean="0">
+                          <a:latin typeface="Cambria Math" panose="02040503050406030204" pitchFamily="18" charset="0"/>
+                        </a:rPr>
+                        <m:t>𝑓𝑙𝑢𝑥</m:t>
+                      </m:r>
+                      <m:r>
+                        <a:rPr lang="en-US" altLang="zh-CN" b="0" i="1" smtClean="0">
+                          <a:latin typeface="Cambria Math" panose="02040503050406030204" pitchFamily="18" charset="0"/>
+                        </a:rPr>
+                        <m:t>=</m:t>
+                      </m:r>
+                      <m:f>
+                        <m:fPr>
+                          <m:ctrlPr>
+                            <a:rPr lang="en-US" altLang="zh-CN" b="0" i="1" smtClean="0">
+                              <a:latin typeface="Cambria Math" panose="02040503050406030204" pitchFamily="18" charset="0"/>
+                            </a:rPr>
+                          </m:ctrlPr>
+                        </m:fPr>
+                        <m:num>
+                          <m:sSub>
+                            <m:sSubPr>
+                              <m:ctrlPr>
+                                <a:rPr lang="en-US" altLang="zh-CN" b="0" i="1" smtClean="0">
+                                  <a:latin typeface="Cambria Math" panose="02040503050406030204" pitchFamily="18" charset="0"/>
+                                </a:rPr>
+                              </m:ctrlPr>
+                            </m:sSubPr>
+                            <m:e>
+                              <m:r>
+                                <a:rPr lang="en-US" altLang="zh-CN" b="0" i="1" smtClean="0">
+                                  <a:latin typeface="Cambria Math" panose="02040503050406030204" pitchFamily="18" charset="0"/>
+                                </a:rPr>
+                                <m:t>𝑘</m:t>
+                              </m:r>
+                            </m:e>
+                            <m:sub>
+                              <m:r>
+                                <a:rPr lang="en-US" altLang="zh-CN" b="0" i="1" smtClean="0">
+                                  <a:latin typeface="Cambria Math" panose="02040503050406030204" pitchFamily="18" charset="0"/>
+                                </a:rPr>
+                                <m:t>+</m:t>
+                              </m:r>
+                            </m:sub>
+                          </m:sSub>
+                          <m:d>
+                            <m:dPr>
+                              <m:begChr m:val="["/>
+                              <m:endChr m:val="]"/>
+                              <m:ctrlPr>
+                                <a:rPr lang="en-US" altLang="zh-CN" b="0" i="1" smtClean="0">
+                                  <a:latin typeface="Cambria Math" panose="02040503050406030204" pitchFamily="18" charset="0"/>
+                                </a:rPr>
+                              </m:ctrlPr>
+                            </m:dPr>
+                            <m:e>
+                              <m:r>
+                                <a:rPr lang="en-US" altLang="zh-CN" b="0" i="1" smtClean="0">
+                                  <a:latin typeface="Cambria Math" panose="02040503050406030204" pitchFamily="18" charset="0"/>
+                                </a:rPr>
+                                <m:t>𝐸</m:t>
+                              </m:r>
+                            </m:e>
+                          </m:d>
+                          <m:f>
+                            <m:fPr>
+                              <m:ctrlPr>
+                                <a:rPr lang="en-US" altLang="zh-CN" i="1">
+                                  <a:latin typeface="Cambria Math" panose="02040503050406030204" pitchFamily="18" charset="0"/>
+                                </a:rPr>
+                              </m:ctrlPr>
+                            </m:fPr>
+                            <m:num>
+                              <m:d>
+                                <m:dPr>
+                                  <m:begChr m:val="["/>
+                                  <m:endChr m:val="]"/>
+                                  <m:ctrlPr>
+                                    <a:rPr lang="en-US" altLang="zh-CN" i="1">
+                                      <a:latin typeface="Cambria Math" panose="02040503050406030204" pitchFamily="18" charset="0"/>
+                                    </a:rPr>
+                                  </m:ctrlPr>
+                                </m:dPr>
+                                <m:e>
+                                  <m:r>
+                                    <a:rPr lang="en-US" altLang="zh-CN" i="1">
+                                      <a:latin typeface="Cambria Math" panose="02040503050406030204" pitchFamily="18" charset="0"/>
+                                    </a:rPr>
+                                    <m:t>𝐴</m:t>
+                                  </m:r>
+                                </m:e>
+                              </m:d>
+                            </m:num>
+                            <m:den>
+                              <m:sSub>
+                                <m:sSubPr>
+                                  <m:ctrlPr>
+                                    <a:rPr lang="en-US" altLang="zh-CN" i="1">
+                                      <a:latin typeface="Cambria Math" panose="02040503050406030204" pitchFamily="18" charset="0"/>
+                                    </a:rPr>
+                                  </m:ctrlPr>
+                                </m:sSubPr>
+                                <m:e>
+                                  <m:r>
+                                    <a:rPr lang="en-US" altLang="zh-CN" i="1">
+                                      <a:latin typeface="Cambria Math" panose="02040503050406030204" pitchFamily="18" charset="0"/>
+                                    </a:rPr>
+                                    <m:t>𝐾</m:t>
+                                  </m:r>
+                                </m:e>
+                                <m:sub>
+                                  <m:r>
+                                    <a:rPr lang="en-US" altLang="zh-CN" i="1">
+                                      <a:latin typeface="Cambria Math" panose="02040503050406030204" pitchFamily="18" charset="0"/>
+                                    </a:rPr>
+                                    <m:t>𝑀</m:t>
+                                  </m:r>
+                                  <m:r>
+                                    <a:rPr lang="en-US" altLang="zh-CN" i="1">
+                                      <a:latin typeface="Cambria Math" panose="02040503050406030204" pitchFamily="18" charset="0"/>
+                                    </a:rPr>
+                                    <m:t>,</m:t>
+                                  </m:r>
+                                  <m:r>
+                                    <a:rPr lang="en-US" altLang="zh-CN" i="1">
+                                      <a:latin typeface="Cambria Math" panose="02040503050406030204" pitchFamily="18" charset="0"/>
+                                    </a:rPr>
+                                    <m:t>𝐴</m:t>
+                                  </m:r>
+                                </m:sub>
+                              </m:sSub>
+                            </m:den>
+                          </m:f>
+                          <m:f>
+                            <m:fPr>
+                              <m:ctrlPr>
+                                <a:rPr lang="en-US" altLang="zh-CN" i="1">
+                                  <a:latin typeface="Cambria Math" panose="02040503050406030204" pitchFamily="18" charset="0"/>
+                                </a:rPr>
+                              </m:ctrlPr>
+                            </m:fPr>
+                            <m:num>
+                              <m:d>
+                                <m:dPr>
+                                  <m:begChr m:val="["/>
+                                  <m:endChr m:val="]"/>
+                                  <m:ctrlPr>
+                                    <a:rPr lang="en-US" altLang="zh-CN" i="1">
+                                      <a:latin typeface="Cambria Math" panose="02040503050406030204" pitchFamily="18" charset="0"/>
+                                    </a:rPr>
+                                  </m:ctrlPr>
+                                </m:dPr>
+                                <m:e>
+                                  <m:r>
+                                    <a:rPr lang="en-US" altLang="zh-CN" i="1">
+                                      <a:latin typeface="Cambria Math" panose="02040503050406030204" pitchFamily="18" charset="0"/>
+                                    </a:rPr>
+                                    <m:t>𝑋</m:t>
+                                  </m:r>
+                                </m:e>
+                              </m:d>
+                            </m:num>
+                            <m:den>
+                              <m:sSub>
+                                <m:sSubPr>
+                                  <m:ctrlPr>
+                                    <a:rPr lang="en-US" altLang="zh-CN" i="1">
+                                      <a:latin typeface="Cambria Math" panose="02040503050406030204" pitchFamily="18" charset="0"/>
+                                    </a:rPr>
+                                  </m:ctrlPr>
+                                </m:sSubPr>
+                                <m:e>
+                                  <m:r>
+                                    <a:rPr lang="en-US" altLang="zh-CN" i="1">
+                                      <a:latin typeface="Cambria Math" panose="02040503050406030204" pitchFamily="18" charset="0"/>
+                                    </a:rPr>
+                                    <m:t>𝐾</m:t>
+                                  </m:r>
+                                </m:e>
+                                <m:sub>
+                                  <m:r>
+                                    <a:rPr lang="en-US" altLang="zh-CN" i="1">
+                                      <a:latin typeface="Cambria Math" panose="02040503050406030204" pitchFamily="18" charset="0"/>
+                                    </a:rPr>
+                                    <m:t>𝑀</m:t>
+                                  </m:r>
+                                  <m:r>
+                                    <a:rPr lang="en-US" altLang="zh-CN" i="1">
+                                      <a:latin typeface="Cambria Math" panose="02040503050406030204" pitchFamily="18" charset="0"/>
+                                    </a:rPr>
+                                    <m:t>,</m:t>
+                                  </m:r>
+                                  <m:r>
+                                    <a:rPr lang="en-US" altLang="zh-CN" i="1">
+                                      <a:latin typeface="Cambria Math" panose="02040503050406030204" pitchFamily="18" charset="0"/>
+                                    </a:rPr>
+                                    <m:t>𝑋</m:t>
+                                  </m:r>
+                                </m:sub>
+                              </m:sSub>
+                            </m:den>
+                          </m:f>
+                          <m:r>
+                            <a:rPr lang="en-US" altLang="zh-CN" b="0" i="1" smtClean="0">
+                              <a:latin typeface="Cambria Math" panose="02040503050406030204" pitchFamily="18" charset="0"/>
+                            </a:rPr>
+                            <m:t>−</m:t>
+                          </m:r>
+                          <m:sSub>
+                            <m:sSubPr>
+                              <m:ctrlPr>
+                                <a:rPr lang="en-US" altLang="zh-CN" i="1">
+                                  <a:latin typeface="Cambria Math" panose="02040503050406030204" pitchFamily="18" charset="0"/>
+                                </a:rPr>
+                              </m:ctrlPr>
+                            </m:sSubPr>
+                            <m:e>
+                              <m:r>
+                                <a:rPr lang="en-US" altLang="zh-CN" i="1">
+                                  <a:latin typeface="Cambria Math" panose="02040503050406030204" pitchFamily="18" charset="0"/>
+                                </a:rPr>
+                                <m:t>𝑘</m:t>
+                              </m:r>
+                            </m:e>
+                            <m:sub>
+                              <m:r>
+                                <a:rPr lang="en-US" altLang="zh-CN" b="0" i="1" smtClean="0">
+                                  <a:latin typeface="Cambria Math" panose="02040503050406030204" pitchFamily="18" charset="0"/>
+                                </a:rPr>
+                                <m:t>−</m:t>
+                              </m:r>
+                            </m:sub>
+                          </m:sSub>
+                          <m:r>
+                            <a:rPr lang="en-US" altLang="zh-CN" i="1">
+                              <a:latin typeface="Cambria Math" panose="02040503050406030204" pitchFamily="18" charset="0"/>
+                            </a:rPr>
+                            <m:t>[</m:t>
+                          </m:r>
+                          <m:r>
+                            <a:rPr lang="en-US" altLang="zh-CN" i="1">
+                              <a:latin typeface="Cambria Math" panose="02040503050406030204" pitchFamily="18" charset="0"/>
+                            </a:rPr>
+                            <m:t>𝐸</m:t>
+                          </m:r>
+                          <m:r>
+                            <a:rPr lang="en-US" altLang="zh-CN" i="1">
+                              <a:latin typeface="Cambria Math" panose="02040503050406030204" pitchFamily="18" charset="0"/>
+                            </a:rPr>
+                            <m:t>]</m:t>
+                          </m:r>
+                          <m:f>
+                            <m:fPr>
+                              <m:ctrlPr>
+                                <a:rPr lang="en-US" altLang="zh-CN" i="1">
+                                  <a:latin typeface="Cambria Math" panose="02040503050406030204" pitchFamily="18" charset="0"/>
+                                </a:rPr>
+                              </m:ctrlPr>
+                            </m:fPr>
+                            <m:num>
+                              <m:d>
+                                <m:dPr>
+                                  <m:begChr m:val="["/>
+                                  <m:endChr m:val="]"/>
+                                  <m:ctrlPr>
+                                    <a:rPr lang="en-US" altLang="zh-CN" i="1">
+                                      <a:latin typeface="Cambria Math" panose="02040503050406030204" pitchFamily="18" charset="0"/>
+                                    </a:rPr>
+                                  </m:ctrlPr>
+                                </m:dPr>
+                                <m:e>
+                                  <m:r>
+                                    <a:rPr lang="en-US" altLang="zh-CN" b="0" i="1" smtClean="0">
+                                      <a:latin typeface="Cambria Math" panose="02040503050406030204" pitchFamily="18" charset="0"/>
+                                    </a:rPr>
+                                    <m:t>𝐵</m:t>
+                                  </m:r>
+                                </m:e>
+                              </m:d>
+                            </m:num>
+                            <m:den>
+                              <m:sSub>
+                                <m:sSubPr>
+                                  <m:ctrlPr>
+                                    <a:rPr lang="en-US" altLang="zh-CN" i="1">
+                                      <a:latin typeface="Cambria Math" panose="02040503050406030204" pitchFamily="18" charset="0"/>
+                                    </a:rPr>
+                                  </m:ctrlPr>
+                                </m:sSubPr>
+                                <m:e>
+                                  <m:r>
+                                    <a:rPr lang="en-US" altLang="zh-CN" i="1">
+                                      <a:latin typeface="Cambria Math" panose="02040503050406030204" pitchFamily="18" charset="0"/>
+                                    </a:rPr>
+                                    <m:t>𝐾</m:t>
+                                  </m:r>
+                                </m:e>
+                                <m:sub>
+                                  <m:r>
+                                    <a:rPr lang="en-US" altLang="zh-CN" i="1">
+                                      <a:latin typeface="Cambria Math" panose="02040503050406030204" pitchFamily="18" charset="0"/>
+                                    </a:rPr>
+                                    <m:t>𝑀</m:t>
+                                  </m:r>
+                                  <m:r>
+                                    <a:rPr lang="en-US" altLang="zh-CN" i="1">
+                                      <a:latin typeface="Cambria Math" panose="02040503050406030204" pitchFamily="18" charset="0"/>
+                                    </a:rPr>
+                                    <m:t>,</m:t>
+                                  </m:r>
+                                  <m:r>
+                                    <a:rPr lang="en-US" altLang="zh-CN" b="0" i="1" smtClean="0">
+                                      <a:latin typeface="Cambria Math" panose="02040503050406030204" pitchFamily="18" charset="0"/>
+                                    </a:rPr>
+                                    <m:t>𝐵</m:t>
+                                  </m:r>
+                                </m:sub>
+                              </m:sSub>
+                            </m:den>
+                          </m:f>
+                          <m:f>
+                            <m:fPr>
+                              <m:ctrlPr>
+                                <a:rPr lang="en-US" altLang="zh-CN" i="1">
+                                  <a:latin typeface="Cambria Math" panose="02040503050406030204" pitchFamily="18" charset="0"/>
+                                </a:rPr>
+                              </m:ctrlPr>
+                            </m:fPr>
+                            <m:num>
+                              <m:d>
+                                <m:dPr>
+                                  <m:begChr m:val="["/>
+                                  <m:endChr m:val="]"/>
+                                  <m:ctrlPr>
+                                    <a:rPr lang="en-US" altLang="zh-CN" i="1">
+                                      <a:latin typeface="Cambria Math" panose="02040503050406030204" pitchFamily="18" charset="0"/>
+                                    </a:rPr>
+                                  </m:ctrlPr>
+                                </m:dPr>
+                                <m:e>
+                                  <m:r>
+                                    <a:rPr lang="en-US" altLang="zh-CN" b="0" i="1" smtClean="0">
+                                      <a:latin typeface="Cambria Math" panose="02040503050406030204" pitchFamily="18" charset="0"/>
+                                    </a:rPr>
+                                    <m:t>𝑌</m:t>
+                                  </m:r>
+                                </m:e>
+                              </m:d>
+                            </m:num>
+                            <m:den>
+                              <m:sSub>
+                                <m:sSubPr>
+                                  <m:ctrlPr>
+                                    <a:rPr lang="en-US" altLang="zh-CN" i="1">
+                                      <a:latin typeface="Cambria Math" panose="02040503050406030204" pitchFamily="18" charset="0"/>
+                                    </a:rPr>
+                                  </m:ctrlPr>
+                                </m:sSubPr>
+                                <m:e>
+                                  <m:r>
+                                    <a:rPr lang="en-US" altLang="zh-CN" i="1">
+                                      <a:latin typeface="Cambria Math" panose="02040503050406030204" pitchFamily="18" charset="0"/>
+                                    </a:rPr>
+                                    <m:t>𝐾</m:t>
+                                  </m:r>
+                                </m:e>
+                                <m:sub>
+                                  <m:r>
+                                    <a:rPr lang="en-US" altLang="zh-CN" i="1">
+                                      <a:latin typeface="Cambria Math" panose="02040503050406030204" pitchFamily="18" charset="0"/>
+                                    </a:rPr>
+                                    <m:t>𝑀</m:t>
+                                  </m:r>
+                                  <m:r>
+                                    <a:rPr lang="en-US" altLang="zh-CN" i="1">
+                                      <a:latin typeface="Cambria Math" panose="02040503050406030204" pitchFamily="18" charset="0"/>
+                                    </a:rPr>
+                                    <m:t>,</m:t>
+                                  </m:r>
+                                  <m:r>
+                                    <a:rPr lang="en-US" altLang="zh-CN" b="0" i="1" smtClean="0">
+                                      <a:latin typeface="Cambria Math" panose="02040503050406030204" pitchFamily="18" charset="0"/>
+                                    </a:rPr>
+                                    <m:t>𝑌</m:t>
+                                  </m:r>
+                                </m:sub>
+                              </m:sSub>
+                            </m:den>
+                          </m:f>
+                        </m:num>
+                        <m:den>
+                          <m:d>
+                            <m:dPr>
+                              <m:ctrlPr>
+                                <a:rPr lang="en-US" altLang="zh-CN" i="1">
+                                  <a:latin typeface="Cambria Math" panose="02040503050406030204" pitchFamily="18" charset="0"/>
+                                </a:rPr>
+                              </m:ctrlPr>
+                            </m:dPr>
+                            <m:e>
+                              <m:r>
+                                <a:rPr lang="en-US" altLang="zh-CN" i="1">
+                                  <a:latin typeface="Cambria Math" panose="02040503050406030204" pitchFamily="18" charset="0"/>
+                                </a:rPr>
+                                <m:t>1+</m:t>
+                              </m:r>
+                              <m:f>
+                                <m:fPr>
+                                  <m:ctrlPr>
+                                    <a:rPr lang="en-US" altLang="zh-CN" i="1">
+                                      <a:latin typeface="Cambria Math" panose="02040503050406030204" pitchFamily="18" charset="0"/>
+                                    </a:rPr>
+                                  </m:ctrlPr>
+                                </m:fPr>
+                                <m:num>
+                                  <m:d>
+                                    <m:dPr>
+                                      <m:begChr m:val="["/>
+                                      <m:endChr m:val="]"/>
+                                      <m:ctrlPr>
+                                        <a:rPr lang="en-US" altLang="zh-CN" i="1">
+                                          <a:latin typeface="Cambria Math" panose="02040503050406030204" pitchFamily="18" charset="0"/>
+                                        </a:rPr>
+                                      </m:ctrlPr>
+                                    </m:dPr>
+                                    <m:e>
+                                      <m:r>
+                                        <a:rPr lang="en-US" altLang="zh-CN" i="1">
+                                          <a:latin typeface="Cambria Math" panose="02040503050406030204" pitchFamily="18" charset="0"/>
+                                        </a:rPr>
+                                        <m:t>𝐴</m:t>
+                                      </m:r>
+                                    </m:e>
+                                  </m:d>
+                                </m:num>
+                                <m:den>
+                                  <m:sSub>
+                                    <m:sSubPr>
+                                      <m:ctrlPr>
+                                        <a:rPr lang="en-US" altLang="zh-CN" i="1">
+                                          <a:latin typeface="Cambria Math" panose="02040503050406030204" pitchFamily="18" charset="0"/>
+                                        </a:rPr>
+                                      </m:ctrlPr>
+                                    </m:sSubPr>
+                                    <m:e>
+                                      <m:r>
+                                        <a:rPr lang="en-US" altLang="zh-CN" i="1">
+                                          <a:latin typeface="Cambria Math" panose="02040503050406030204" pitchFamily="18" charset="0"/>
+                                        </a:rPr>
+                                        <m:t>𝐾</m:t>
+                                      </m:r>
+                                    </m:e>
+                                    <m:sub>
+                                      <m:r>
+                                        <a:rPr lang="en-US" altLang="zh-CN" i="1">
+                                          <a:latin typeface="Cambria Math" panose="02040503050406030204" pitchFamily="18" charset="0"/>
+                                        </a:rPr>
+                                        <m:t>𝑀</m:t>
+                                      </m:r>
+                                      <m:r>
+                                        <a:rPr lang="en-US" altLang="zh-CN" i="1">
+                                          <a:latin typeface="Cambria Math" panose="02040503050406030204" pitchFamily="18" charset="0"/>
+                                        </a:rPr>
+                                        <m:t>,</m:t>
+                                      </m:r>
+                                      <m:r>
+                                        <a:rPr lang="en-US" altLang="zh-CN" i="1">
+                                          <a:latin typeface="Cambria Math" panose="02040503050406030204" pitchFamily="18" charset="0"/>
+                                        </a:rPr>
+                                        <m:t>𝐴</m:t>
+                                      </m:r>
+                                    </m:sub>
+                                  </m:sSub>
+                                </m:den>
+                              </m:f>
+                            </m:e>
+                          </m:d>
+                          <m:d>
+                            <m:dPr>
+                              <m:ctrlPr>
+                                <a:rPr lang="en-US" altLang="zh-CN" b="0" i="1" smtClean="0">
+                                  <a:latin typeface="Cambria Math" panose="02040503050406030204" pitchFamily="18" charset="0"/>
+                                </a:rPr>
+                              </m:ctrlPr>
+                            </m:dPr>
+                            <m:e>
+                              <m:r>
+                                <a:rPr lang="en-US" altLang="zh-CN" i="1">
+                                  <a:latin typeface="Cambria Math" panose="02040503050406030204" pitchFamily="18" charset="0"/>
+                                </a:rPr>
+                                <m:t>1+</m:t>
+                              </m:r>
+                              <m:f>
+                                <m:fPr>
+                                  <m:ctrlPr>
+                                    <a:rPr lang="en-US" altLang="zh-CN" i="1">
+                                      <a:latin typeface="Cambria Math" panose="02040503050406030204" pitchFamily="18" charset="0"/>
+                                    </a:rPr>
+                                  </m:ctrlPr>
+                                </m:fPr>
+                                <m:num>
+                                  <m:d>
+                                    <m:dPr>
+                                      <m:begChr m:val="["/>
+                                      <m:endChr m:val="]"/>
+                                      <m:ctrlPr>
+                                        <a:rPr lang="en-US" altLang="zh-CN" b="0" i="1" smtClean="0">
+                                          <a:latin typeface="Cambria Math" panose="02040503050406030204" pitchFamily="18" charset="0"/>
+                                        </a:rPr>
+                                      </m:ctrlPr>
+                                    </m:dPr>
+                                    <m:e>
+                                      <m:r>
+                                        <a:rPr lang="en-US" altLang="zh-CN" b="0" i="1" smtClean="0">
+                                          <a:latin typeface="Cambria Math" panose="02040503050406030204" pitchFamily="18" charset="0"/>
+                                        </a:rPr>
+                                        <m:t>𝑋</m:t>
+                                      </m:r>
+                                    </m:e>
+                                  </m:d>
+                                </m:num>
+                                <m:den>
+                                  <m:sSub>
+                                    <m:sSubPr>
+                                      <m:ctrlPr>
+                                        <a:rPr lang="en-US" altLang="zh-CN" i="1">
+                                          <a:latin typeface="Cambria Math" panose="02040503050406030204" pitchFamily="18" charset="0"/>
+                                        </a:rPr>
+                                      </m:ctrlPr>
+                                    </m:sSubPr>
+                                    <m:e>
+                                      <m:r>
+                                        <a:rPr lang="en-US" altLang="zh-CN" i="1">
+                                          <a:latin typeface="Cambria Math" panose="02040503050406030204" pitchFamily="18" charset="0"/>
+                                        </a:rPr>
+                                        <m:t>𝐾</m:t>
+                                      </m:r>
+                                    </m:e>
+                                    <m:sub>
+                                      <m:r>
+                                        <a:rPr lang="en-US" altLang="zh-CN" i="1">
+                                          <a:latin typeface="Cambria Math" panose="02040503050406030204" pitchFamily="18" charset="0"/>
+                                        </a:rPr>
+                                        <m:t>𝑀</m:t>
+                                      </m:r>
+                                      <m:r>
+                                        <a:rPr lang="en-US" altLang="zh-CN" i="1">
+                                          <a:latin typeface="Cambria Math" panose="02040503050406030204" pitchFamily="18" charset="0"/>
+                                        </a:rPr>
+                                        <m:t>,</m:t>
+                                      </m:r>
+                                      <m:r>
+                                        <a:rPr lang="en-US" altLang="zh-CN" b="0" i="1" smtClean="0">
+                                          <a:latin typeface="Cambria Math" panose="02040503050406030204" pitchFamily="18" charset="0"/>
+                                        </a:rPr>
+                                        <m:t>𝑋</m:t>
+                                      </m:r>
+                                    </m:sub>
+                                  </m:sSub>
+                                </m:den>
+                              </m:f>
+                            </m:e>
+                          </m:d>
+                          <m:r>
+                            <a:rPr lang="en-US" altLang="zh-CN" i="1">
+                              <a:latin typeface="Cambria Math" panose="02040503050406030204" pitchFamily="18" charset="0"/>
+                            </a:rPr>
+                            <m:t>+</m:t>
+                          </m:r>
+                          <m:d>
+                            <m:dPr>
+                              <m:ctrlPr>
+                                <a:rPr lang="en-US" altLang="zh-CN" b="0" i="1" smtClean="0">
+                                  <a:latin typeface="Cambria Math" panose="02040503050406030204" pitchFamily="18" charset="0"/>
+                                </a:rPr>
+                              </m:ctrlPr>
+                            </m:dPr>
+                            <m:e>
+                              <m:r>
+                                <a:rPr lang="en-US" altLang="zh-CN" i="1">
+                                  <a:latin typeface="Cambria Math" panose="02040503050406030204" pitchFamily="18" charset="0"/>
+                                </a:rPr>
+                                <m:t>1+</m:t>
+                              </m:r>
+                              <m:f>
+                                <m:fPr>
+                                  <m:ctrlPr>
+                                    <a:rPr lang="en-US" altLang="zh-CN" i="1">
+                                      <a:latin typeface="Cambria Math" panose="02040503050406030204" pitchFamily="18" charset="0"/>
+                                    </a:rPr>
+                                  </m:ctrlPr>
+                                </m:fPr>
+                                <m:num>
+                                  <m:d>
+                                    <m:dPr>
+                                      <m:begChr m:val="["/>
+                                      <m:endChr m:val="]"/>
+                                      <m:ctrlPr>
+                                        <a:rPr lang="en-US" altLang="zh-CN" i="1">
+                                          <a:latin typeface="Cambria Math" panose="02040503050406030204" pitchFamily="18" charset="0"/>
+                                        </a:rPr>
+                                      </m:ctrlPr>
+                                    </m:dPr>
+                                    <m:e>
+                                      <m:r>
+                                        <a:rPr lang="en-US" altLang="zh-CN" b="0" i="1" smtClean="0">
+                                          <a:latin typeface="Cambria Math" panose="02040503050406030204" pitchFamily="18" charset="0"/>
+                                        </a:rPr>
+                                        <m:t>𝐵</m:t>
+                                      </m:r>
+                                    </m:e>
+                                  </m:d>
+                                </m:num>
+                                <m:den>
+                                  <m:sSub>
+                                    <m:sSubPr>
+                                      <m:ctrlPr>
+                                        <a:rPr lang="en-US" altLang="zh-CN" i="1">
+                                          <a:latin typeface="Cambria Math" panose="02040503050406030204" pitchFamily="18" charset="0"/>
+                                        </a:rPr>
+                                      </m:ctrlPr>
+                                    </m:sSubPr>
+                                    <m:e>
+                                      <m:r>
+                                        <a:rPr lang="en-US" altLang="zh-CN" i="1">
+                                          <a:latin typeface="Cambria Math" panose="02040503050406030204" pitchFamily="18" charset="0"/>
+                                        </a:rPr>
+                                        <m:t>𝐾</m:t>
+                                      </m:r>
+                                    </m:e>
+                                    <m:sub>
+                                      <m:r>
+                                        <a:rPr lang="en-US" altLang="zh-CN" i="1">
+                                          <a:latin typeface="Cambria Math" panose="02040503050406030204" pitchFamily="18" charset="0"/>
+                                        </a:rPr>
+                                        <m:t>𝑀</m:t>
+                                      </m:r>
+                                      <m:r>
+                                        <a:rPr lang="en-US" altLang="zh-CN" i="1">
+                                          <a:latin typeface="Cambria Math" panose="02040503050406030204" pitchFamily="18" charset="0"/>
+                                        </a:rPr>
+                                        <m:t>,</m:t>
+                                      </m:r>
+                                      <m:r>
+                                        <a:rPr lang="en-US" altLang="zh-CN" b="0" i="1" smtClean="0">
+                                          <a:latin typeface="Cambria Math" panose="02040503050406030204" pitchFamily="18" charset="0"/>
+                                        </a:rPr>
+                                        <m:t>𝐵</m:t>
+                                      </m:r>
+                                    </m:sub>
+                                  </m:sSub>
+                                </m:den>
+                              </m:f>
+                            </m:e>
+                          </m:d>
+                          <m:d>
+                            <m:dPr>
+                              <m:ctrlPr>
+                                <a:rPr lang="en-US" altLang="zh-CN" i="1">
+                                  <a:latin typeface="Cambria Math" panose="02040503050406030204" pitchFamily="18" charset="0"/>
+                                </a:rPr>
+                              </m:ctrlPr>
+                            </m:dPr>
+                            <m:e>
+                              <m:r>
+                                <a:rPr lang="en-US" altLang="zh-CN" i="1">
+                                  <a:latin typeface="Cambria Math" panose="02040503050406030204" pitchFamily="18" charset="0"/>
+                                </a:rPr>
+                                <m:t>1+</m:t>
+                              </m:r>
+                              <m:f>
+                                <m:fPr>
+                                  <m:ctrlPr>
+                                    <a:rPr lang="en-US" altLang="zh-CN" i="1">
+                                      <a:latin typeface="Cambria Math" panose="02040503050406030204" pitchFamily="18" charset="0"/>
+                                    </a:rPr>
+                                  </m:ctrlPr>
+                                </m:fPr>
+                                <m:num>
+                                  <m:d>
+                                    <m:dPr>
+                                      <m:begChr m:val="["/>
+                                      <m:endChr m:val="]"/>
+                                      <m:ctrlPr>
+                                        <a:rPr lang="en-US" altLang="zh-CN" i="1">
+                                          <a:latin typeface="Cambria Math" panose="02040503050406030204" pitchFamily="18" charset="0"/>
+                                        </a:rPr>
+                                      </m:ctrlPr>
+                                    </m:dPr>
+                                    <m:e>
+                                      <m:r>
+                                        <a:rPr lang="en-US" altLang="zh-CN" b="0" i="1" smtClean="0">
+                                          <a:latin typeface="Cambria Math" panose="02040503050406030204" pitchFamily="18" charset="0"/>
+                                        </a:rPr>
+                                        <m:t>𝑌</m:t>
+                                      </m:r>
+                                    </m:e>
+                                  </m:d>
+                                </m:num>
+                                <m:den>
+                                  <m:sSub>
+                                    <m:sSubPr>
+                                      <m:ctrlPr>
+                                        <a:rPr lang="en-US" altLang="zh-CN" i="1">
+                                          <a:latin typeface="Cambria Math" panose="02040503050406030204" pitchFamily="18" charset="0"/>
+                                        </a:rPr>
+                                      </m:ctrlPr>
+                                    </m:sSubPr>
+                                    <m:e>
+                                      <m:r>
+                                        <a:rPr lang="en-US" altLang="zh-CN" i="1">
+                                          <a:latin typeface="Cambria Math" panose="02040503050406030204" pitchFamily="18" charset="0"/>
+                                        </a:rPr>
+                                        <m:t>𝐾</m:t>
+                                      </m:r>
+                                    </m:e>
+                                    <m:sub>
+                                      <m:r>
+                                        <a:rPr lang="en-US" altLang="zh-CN" i="1">
+                                          <a:latin typeface="Cambria Math" panose="02040503050406030204" pitchFamily="18" charset="0"/>
+                                        </a:rPr>
+                                        <m:t>𝑀</m:t>
+                                      </m:r>
+                                      <m:r>
+                                        <a:rPr lang="en-US" altLang="zh-CN" i="1">
+                                          <a:latin typeface="Cambria Math" panose="02040503050406030204" pitchFamily="18" charset="0"/>
+                                        </a:rPr>
+                                        <m:t>,</m:t>
+                                      </m:r>
+                                      <m:r>
+                                        <a:rPr lang="en-US" altLang="zh-CN" b="0" i="1" smtClean="0">
+                                          <a:latin typeface="Cambria Math" panose="02040503050406030204" pitchFamily="18" charset="0"/>
+                                        </a:rPr>
+                                        <m:t>𝑌</m:t>
+                                      </m:r>
+                                    </m:sub>
+                                  </m:sSub>
+                                </m:den>
+                              </m:f>
+                            </m:e>
+                          </m:d>
+                          <m:r>
+                            <a:rPr lang="en-US" altLang="zh-CN" b="0" i="1" smtClean="0">
+                              <a:latin typeface="Cambria Math" panose="02040503050406030204" pitchFamily="18" charset="0"/>
+                            </a:rPr>
+                            <m:t>−1</m:t>
+                          </m:r>
+                        </m:den>
+                      </m:f>
+                    </m:oMath>
+                  </m:oMathPara>
+                </a14:m>
+                <a:endParaRPr lang="en-US" dirty="0"/>
+              </a:p>
+            </p:txBody>
+          </p:sp>
+        </mc:Choice>
+        <mc:Fallback>
+          <p:sp>
+            <p:nvSpPr>
+              <p:cNvPr id="4" name="TextBox 3">
+                <a:extLst>
+                  <a:ext uri="{FF2B5EF4-FFF2-40B4-BE49-F238E27FC236}">
+                    <a16:creationId xmlns:a16="http://schemas.microsoft.com/office/drawing/2014/main" id="{F33B3E85-8CFA-F502-CF59-C0E3E6899FB3}"/>
+                  </a:ext>
+                </a:extLst>
+              </p:cNvPr>
+              <p:cNvSpPr txBox="1">
+                <a:spLocks noRot="1" noChangeAspect="1" noMove="1" noResize="1" noEditPoints="1" noAdjustHandles="1" noChangeArrowheads="1" noChangeShapeType="1" noTextEdit="1"/>
+              </p:cNvSpPr>
+              <p:nvPr/>
+            </p:nvSpPr>
+            <p:spPr>
+              <a:xfrm>
+                <a:off x="5701661" y="2586189"/>
+                <a:ext cx="5920403" cy="1096519"/>
+              </a:xfrm>
+              <a:prstGeom prst="rect">
+                <a:avLst/>
+              </a:prstGeom>
+              <a:blipFill>
+                <a:blip r:embed="rId4"/>
+                <a:stretch>
+                  <a:fillRect l="-855" r="-427" b="-2299"/>
+                </a:stretch>
+              </a:blipFill>
+            </p:spPr>
+            <p:txBody>
+              <a:bodyPr/>
+              <a:lstStyle/>
+              <a:p>
+                <a:r>
+                  <a:rPr lang="en-US">
+                    <a:noFill/>
+                  </a:rPr>
+                  <a:t> </a:t>
+                </a:r>
+              </a:p>
+            </p:txBody>
+          </p:sp>
+        </mc:Fallback>
+      </mc:AlternateContent>
+      <mc:AlternateContent xmlns:mc="http://schemas.openxmlformats.org/markup-compatibility/2006">
+        <mc:Choice xmlns:a14="http://schemas.microsoft.com/office/drawing/2010/main" Requires="a14">
+          <p:sp>
+            <p:nvSpPr>
+              <p:cNvPr id="5" name="TextBox 4">
+                <a:extLst>
+                  <a:ext uri="{FF2B5EF4-FFF2-40B4-BE49-F238E27FC236}">
+                    <a16:creationId xmlns:a16="http://schemas.microsoft.com/office/drawing/2014/main" id="{4BA3DC94-E7B8-FD92-ECEC-E16B2FCFBA19}"/>
+                  </a:ext>
+                </a:extLst>
+              </p:cNvPr>
+              <p:cNvSpPr txBox="1"/>
+              <p:nvPr/>
+            </p:nvSpPr>
+            <p:spPr>
+              <a:xfrm>
+                <a:off x="5437474" y="3944414"/>
+                <a:ext cx="6448775" cy="369332"/>
+              </a:xfrm>
+              <a:prstGeom prst="rect">
+                <a:avLst/>
+              </a:prstGeom>
+              <a:noFill/>
+            </p:spPr>
+            <p:txBody>
+              <a:bodyPr wrap="square">
+                <a:spAutoFit/>
+              </a:bodyPr>
+              <a:lstStyle/>
+              <a:p>
+                <a14:m>
+                  <m:oMath xmlns:m="http://schemas.openxmlformats.org/officeDocument/2006/math">
+                    <m:sSub>
+                      <m:sSubPr>
+                        <m:ctrlPr>
+                          <a:rPr lang="en-US" altLang="zh-CN" sz="1800" b="0" i="1" smtClean="0">
+                            <a:latin typeface="Cambria Math" panose="02040503050406030204" pitchFamily="18" charset="0"/>
+                          </a:rPr>
+                        </m:ctrlPr>
+                      </m:sSubPr>
+                      <m:e>
+                        <m:r>
+                          <a:rPr lang="en-US" altLang="zh-CN" sz="1800" b="0" i="1" smtClean="0">
+                            <a:latin typeface="Cambria Math" panose="02040503050406030204" pitchFamily="18" charset="0"/>
+                          </a:rPr>
+                          <m:t>𝐾</m:t>
+                        </m:r>
+                      </m:e>
+                      <m:sub>
+                        <m:r>
+                          <a:rPr lang="en-US" altLang="zh-CN" sz="1800" b="0" i="1" smtClean="0">
+                            <a:latin typeface="Cambria Math" panose="02040503050406030204" pitchFamily="18" charset="0"/>
+                          </a:rPr>
+                          <m:t>𝐴</m:t>
+                        </m:r>
+                      </m:sub>
+                    </m:sSub>
+                  </m:oMath>
+                </a14:m>
+                <a:r>
+                  <a:rPr lang="en-US" sz="1800" dirty="0">
+                    <a:latin typeface="Arial" panose="020B0604020202020204" pitchFamily="34" charset="0"/>
+                    <a:cs typeface="Arial" panose="020B0604020202020204" pitchFamily="34" charset="0"/>
+                  </a:rPr>
+                  <a:t> </a:t>
+                </a:r>
+                <a:r>
+                  <a:rPr lang="en-US" altLang="zh-CN" sz="1800" dirty="0">
+                    <a:latin typeface="Arial" panose="020B0604020202020204" pitchFamily="34" charset="0"/>
+                    <a:cs typeface="Arial" panose="020B0604020202020204" pitchFamily="34" charset="0"/>
+                  </a:rPr>
+                  <a:t>dissociation</a:t>
+                </a:r>
+                <a:r>
+                  <a:rPr lang="zh-CN" altLang="en-US" sz="1800" dirty="0">
+                    <a:latin typeface="Arial" panose="020B0604020202020204" pitchFamily="34" charset="0"/>
+                    <a:cs typeface="Arial" panose="020B0604020202020204" pitchFamily="34" charset="0"/>
+                  </a:rPr>
+                  <a:t> </a:t>
+                </a:r>
+                <a:r>
+                  <a:rPr lang="en-US" altLang="zh-CN" sz="1800" dirty="0">
+                    <a:latin typeface="Arial" panose="020B0604020202020204" pitchFamily="34" charset="0"/>
+                    <a:cs typeface="Arial" panose="020B0604020202020204" pitchFamily="34" charset="0"/>
+                  </a:rPr>
+                  <a:t>constant,</a:t>
+                </a:r>
+                <a:r>
+                  <a:rPr lang="zh-CN" altLang="en-US" sz="1800" dirty="0">
+                    <a:latin typeface="Arial" panose="020B0604020202020204" pitchFamily="34" charset="0"/>
+                    <a:cs typeface="Arial" panose="020B0604020202020204" pitchFamily="34" charset="0"/>
+                  </a:rPr>
+                  <a:t> </a:t>
+                </a:r>
+                <a14:m>
+                  <m:oMath xmlns:m="http://schemas.openxmlformats.org/officeDocument/2006/math">
+                    <m:sSub>
+                      <m:sSubPr>
+                        <m:ctrlPr>
+                          <a:rPr lang="en-US" altLang="zh-CN" i="1">
+                            <a:latin typeface="Cambria Math" panose="02040503050406030204" pitchFamily="18" charset="0"/>
+                          </a:rPr>
+                        </m:ctrlPr>
+                      </m:sSubPr>
+                      <m:e>
+                        <m:r>
+                          <a:rPr lang="en-US" altLang="zh-CN" i="1">
+                            <a:latin typeface="Cambria Math" panose="02040503050406030204" pitchFamily="18" charset="0"/>
+                          </a:rPr>
+                          <m:t>𝑘</m:t>
+                        </m:r>
+                      </m:e>
+                      <m:sub>
+                        <m:r>
+                          <a:rPr lang="en-US" altLang="zh-CN" i="1">
+                            <a:latin typeface="Cambria Math" panose="02040503050406030204" pitchFamily="18" charset="0"/>
+                          </a:rPr>
+                          <m:t>+</m:t>
+                        </m:r>
+                      </m:sub>
+                    </m:sSub>
+                  </m:oMath>
+                </a14:m>
+                <a:r>
+                  <a:rPr lang="zh-CN" altLang="en-US" dirty="0"/>
+                  <a:t> </a:t>
+                </a:r>
+                <a:r>
+                  <a:rPr lang="en-US" altLang="zh-CN" dirty="0"/>
+                  <a:t>and</a:t>
+                </a:r>
+                <a:r>
+                  <a:rPr lang="zh-CN" altLang="en-US" dirty="0"/>
+                  <a:t> </a:t>
+                </a:r>
+                <a14:m>
+                  <m:oMath xmlns:m="http://schemas.openxmlformats.org/officeDocument/2006/math">
+                    <m:sSub>
+                      <m:sSubPr>
+                        <m:ctrlPr>
+                          <a:rPr lang="en-US" altLang="zh-CN" i="1">
+                            <a:latin typeface="Cambria Math" panose="02040503050406030204" pitchFamily="18" charset="0"/>
+                          </a:rPr>
+                        </m:ctrlPr>
+                      </m:sSubPr>
+                      <m:e>
+                        <m:r>
+                          <a:rPr lang="en-US" altLang="zh-CN" i="1">
+                            <a:latin typeface="Cambria Math" panose="02040503050406030204" pitchFamily="18" charset="0"/>
+                          </a:rPr>
+                          <m:t>𝑘</m:t>
+                        </m:r>
+                      </m:e>
+                      <m:sub>
+                        <m:r>
+                          <a:rPr lang="en-US" altLang="zh-CN" b="0" i="1" smtClean="0">
+                            <a:latin typeface="Cambria Math" panose="02040503050406030204" pitchFamily="18" charset="0"/>
+                          </a:rPr>
+                          <m:t>−</m:t>
+                        </m:r>
+                      </m:sub>
+                    </m:sSub>
+                  </m:oMath>
+                </a14:m>
+                <a:r>
+                  <a:rPr lang="en-US" altLang="zh-CN" dirty="0"/>
+                  <a:t>forward</a:t>
+                </a:r>
+                <a:r>
+                  <a:rPr lang="zh-CN" altLang="en-US" dirty="0"/>
+                  <a:t> </a:t>
+                </a:r>
+                <a:r>
+                  <a:rPr lang="en-US" altLang="zh-CN" dirty="0"/>
+                  <a:t>and</a:t>
+                </a:r>
+                <a:r>
+                  <a:rPr lang="zh-CN" altLang="en-US" dirty="0"/>
+                  <a:t> </a:t>
+                </a:r>
+                <a:r>
+                  <a:rPr lang="en-US" altLang="zh-CN" dirty="0"/>
+                  <a:t>backward</a:t>
+                </a:r>
+                <a:r>
+                  <a:rPr lang="zh-CN" altLang="en-US" dirty="0"/>
+                  <a:t> </a:t>
+                </a:r>
+                <a:r>
+                  <a:rPr lang="en-US" altLang="zh-CN" dirty="0"/>
+                  <a:t>rate</a:t>
+                </a:r>
+                <a:endParaRPr lang="en-US" dirty="0"/>
+              </a:p>
+            </p:txBody>
+          </p:sp>
+        </mc:Choice>
+        <mc:Fallback>
+          <p:sp>
+            <p:nvSpPr>
+              <p:cNvPr id="5" name="TextBox 4">
+                <a:extLst>
+                  <a:ext uri="{FF2B5EF4-FFF2-40B4-BE49-F238E27FC236}">
+                    <a16:creationId xmlns:a16="http://schemas.microsoft.com/office/drawing/2014/main" id="{4BA3DC94-E7B8-FD92-ECEC-E16B2FCFBA19}"/>
+                  </a:ext>
+                </a:extLst>
+              </p:cNvPr>
+              <p:cNvSpPr txBox="1">
+                <a:spLocks noRot="1" noChangeAspect="1" noMove="1" noResize="1" noEditPoints="1" noAdjustHandles="1" noChangeArrowheads="1" noChangeShapeType="1" noTextEdit="1"/>
+              </p:cNvSpPr>
+              <p:nvPr/>
+            </p:nvSpPr>
+            <p:spPr>
+              <a:xfrm>
+                <a:off x="5437474" y="3944414"/>
+                <a:ext cx="6448775" cy="369332"/>
+              </a:xfrm>
+              <a:prstGeom prst="rect">
+                <a:avLst/>
+              </a:prstGeom>
+              <a:blipFill>
+                <a:blip r:embed="rId5"/>
+                <a:stretch>
+                  <a:fillRect t="-10000" b="-26667"/>
+                </a:stretch>
+              </a:blipFill>
+            </p:spPr>
+            <p:txBody>
+              <a:bodyPr/>
+              <a:lstStyle/>
+              <a:p>
+                <a:r>
+                  <a:rPr lang="en-US">
+                    <a:noFill/>
+                  </a:rPr>
+                  <a:t> </a:t>
+                </a:r>
+              </a:p>
+            </p:txBody>
+          </p:sp>
+        </mc:Fallback>
+      </mc:AlternateContent>
+    </p:spTree>
+    <p:extLst>
+      <p:ext uri="{BB962C8B-B14F-4D97-AF65-F5344CB8AC3E}">
+        <p14:creationId xmlns:p14="http://schemas.microsoft.com/office/powerpoint/2010/main" val="3365423249"/>
+      </p:ext>
+    </p:extLst>
+  </p:cSld>
+  <p:clrMapOvr>
+    <a:masterClrMapping/>
+  </p:clrMapOvr>
+</p:sld>
+</file>
+
+<file path=ppt/slides/slide9.xml><?xml version="1.0" encoding="utf-8"?>
+<p:sld xmlns:a="http://schemas.openxmlformats.org/drawingml/2006/main" xmlns:r="http://schemas.openxmlformats.org/officeDocument/2006/relationships" xmlns:p="http://schemas.openxmlformats.org/presentationml/2006/main">
+  <p:cSld>
+    <p:spTree>
+      <p:nvGrpSpPr>
+        <p:cNvPr id="1" name=""/>
+        <p:cNvGrpSpPr/>
+        <p:nvPr/>
+      </p:nvGrpSpPr>
+      <p:grpSpPr>
+        <a:xfrm>
+          <a:off x="0" y="0"/>
+          <a:ext cx="0" cy="0"/>
+          <a:chOff x="0" y="0"/>
+          <a:chExt cx="0" cy="0"/>
+        </a:xfrm>
+      </p:grpSpPr>
+      <p:sp>
+        <p:nvSpPr>
+          <p:cNvPr id="6" name="Rectangle 5">
+            <a:extLst>
+              <a:ext uri="{FF2B5EF4-FFF2-40B4-BE49-F238E27FC236}">
+                <a16:creationId xmlns:a16="http://schemas.microsoft.com/office/drawing/2014/main" id="{6BDD7CE3-DF14-083E-F012-291105426283}"/>
+              </a:ext>
+            </a:extLst>
+          </p:cNvPr>
+          <p:cNvSpPr/>
+          <p:nvPr/>
+        </p:nvSpPr>
+        <p:spPr>
+          <a:xfrm>
+            <a:off x="2521527" y="1676400"/>
+            <a:ext cx="5015346" cy="3340100"/>
+          </a:xfrm>
+          <a:prstGeom prst="rect">
+            <a:avLst/>
+          </a:prstGeom>
+          <a:ln>
+            <a:noFill/>
+          </a:ln>
+        </p:spPr>
+        <p:style>
+          <a:lnRef idx="2">
+            <a:schemeClr val="accent6"/>
+          </a:lnRef>
+          <a:fillRef idx="1">
+            <a:schemeClr val="lt1"/>
+          </a:fillRef>
+          <a:effectRef idx="0">
+            <a:schemeClr val="accent6"/>
+          </a:effectRef>
+          <a:fontRef idx="minor">
+            <a:schemeClr val="dk1"/>
+          </a:fontRef>
+        </p:style>
+        <p:txBody>
+          <a:bodyPr rtlCol="0" anchor="ctr"/>
+          <a:lstStyle/>
+          <a:p>
+            <a:pPr algn="ctr"/>
+            <a:endParaRPr lang="en-US"/>
+          </a:p>
+        </p:txBody>
+      </p:sp>
+      <p:pic>
+        <p:nvPicPr>
+          <p:cNvPr id="3" name="Picture 2" descr="A diagram of a magnet&#10;&#10;AI-generated content may be incorrect.">
+            <a:extLst>
+              <a:ext uri="{FF2B5EF4-FFF2-40B4-BE49-F238E27FC236}">
+                <a16:creationId xmlns:a16="http://schemas.microsoft.com/office/drawing/2014/main" id="{6EC8A763-70A3-4460-8787-570402016FAA}"/>
+              </a:ext>
+            </a:extLst>
+          </p:cNvPr>
+          <p:cNvPicPr>
+            <a:picLocks noChangeAspect="1"/>
+          </p:cNvPicPr>
+          <p:nvPr/>
+        </p:nvPicPr>
+        <p:blipFill>
+          <a:blip r:embed="rId2"/>
+          <a:stretch>
+            <a:fillRect/>
+          </a:stretch>
+        </p:blipFill>
+        <p:spPr>
+          <a:xfrm>
+            <a:off x="2941205" y="1841500"/>
+            <a:ext cx="4203700" cy="3175000"/>
+          </a:xfrm>
+          <a:prstGeom prst="rect">
+            <a:avLst/>
+          </a:prstGeom>
+        </p:spPr>
+      </p:pic>
+    </p:spTree>
+    <p:extLst>
+      <p:ext uri="{BB962C8B-B14F-4D97-AF65-F5344CB8AC3E}">
+        <p14:creationId xmlns:p14="http://schemas.microsoft.com/office/powerpoint/2010/main" val="133361433"/>
       </p:ext>
     </p:extLst>
   </p:cSld>
